--- a/slides/day 3/D3C1_RNNs.pptx
+++ b/slides/day 3/D3C1_RNNs.pptx
@@ -4665,43 +4665,6 @@
           </a:p>
         </p:txBody>
       </p:sp>
-      <p:sp>
-        <p:nvSpPr>
-          <p:cNvPr id="4" name="Date Placeholder 3">
-            <a:extLst>
-              <a:ext uri="{FF2B5EF4-FFF2-40B4-BE49-F238E27FC236}">
-                <a16:creationId xmlns:a16="http://schemas.microsoft.com/office/drawing/2014/main" id="{2C83DDF0-7F71-C659-1382-6A998C0FCCEF}"/>
-              </a:ext>
-            </a:extLst>
-          </p:cNvPr>
-          <p:cNvSpPr>
-            <a:spLocks noGrp="1"/>
-          </p:cNvSpPr>
-          <p:nvPr>
-            <p:ph type="dt" sz="half" idx="10"/>
-          </p:nvPr>
-        </p:nvSpPr>
-        <p:spPr/>
-        <p:txBody>
-          <a:bodyPr/>
-          <a:lstStyle/>
-          <a:p>
-            <a:r>
-              <a:rPr lang="en-IE" dirty="0"/>
-              <a:t>7</a:t>
-            </a:r>
-            <a:r>
-              <a:rPr lang="en-IE" baseline="30000" dirty="0"/>
-              <a:t>th</a:t>
-            </a:r>
-            <a:r>
-              <a:rPr lang="en-IE" dirty="0"/>
-              <a:t> October 2025</a:t>
-            </a:r>
-            <a:endParaRPr lang="en-US" dirty="0"/>
-          </a:p>
-        </p:txBody>
-      </p:sp>
     </p:spTree>
     <p:extLst>
       <p:ext uri="{BB962C8B-B14F-4D97-AF65-F5344CB8AC3E}">
@@ -4762,8 +4725,8 @@
           </a:p>
         </p:txBody>
       </p:sp>
-      <mc:AlternateContent xmlns:mc="http://schemas.openxmlformats.org/markup-compatibility/2006">
-        <mc:Choice xmlns:a14="http://schemas.microsoft.com/office/drawing/2010/main" Requires="a14">
+      <mc:AlternateContent xmlns:mc="http://schemas.openxmlformats.org/markup-compatibility/2006" xmlns:a14="http://schemas.microsoft.com/office/drawing/2010/main">
+        <mc:Choice Requires="a14">
           <p:sp>
             <p:nvSpPr>
               <p:cNvPr id="3" name="Content Placeholder 2">
@@ -4923,6 +4886,7 @@
                     </m:oMath>
                   </m:oMathPara>
                 </a14:m>
+                <a:endParaRPr lang="en-US" dirty="0"/>
               </a:p>
               <a:p>
                 <a:endParaRPr lang="en-US" dirty="0"/>
@@ -4997,6 +4961,7 @@
                     </m:oMath>
                   </m:oMathPara>
                 </a14:m>
+                <a:endParaRPr lang="en-US" dirty="0"/>
               </a:p>
               <a:p>
                 <a:endParaRPr lang="en-US" dirty="0"/>
@@ -5007,7 +4972,7 @@
             </p:txBody>
           </p:sp>
         </mc:Choice>
-        <mc:Fallback>
+        <mc:Fallback xmlns="">
           <p:sp>
             <p:nvSpPr>
               <p:cNvPr id="3" name="Content Placeholder 2">
@@ -5107,8 +5072,8 @@
           </a:p>
         </p:txBody>
       </p:sp>
-      <mc:AlternateContent xmlns:mc="http://schemas.openxmlformats.org/markup-compatibility/2006">
-        <mc:Choice xmlns:a14="http://schemas.microsoft.com/office/drawing/2010/main" Requires="a14">
+      <mc:AlternateContent xmlns:mc="http://schemas.openxmlformats.org/markup-compatibility/2006" xmlns:a14="http://schemas.microsoft.com/office/drawing/2010/main">
+        <mc:Choice Requires="a14">
           <p:sp>
             <p:nvSpPr>
               <p:cNvPr id="3" name="Content Placeholder 2">
@@ -5140,117 +5105,123 @@
                   <a:buNone/>
                 </a:pPr>
                 <a14:m>
-                  <m:oMath xmlns:m="http://schemas.openxmlformats.org/officeDocument/2006/math">
-                    <m:r>
-                      <a:rPr lang="en-US" i="1" dirty="0" smtClean="0">
-                        <a:latin typeface="Cambria Math" panose="02040503050406030204" pitchFamily="18" charset="0"/>
-                      </a:rPr>
-                      <m:t>𝐼</m:t>
-                    </m:r>
-                    <m:r>
-                      <a:rPr lang="en-US" i="1" dirty="0" smtClean="0">
-                        <a:latin typeface="Cambria Math" panose="02040503050406030204" pitchFamily="18" charset="0"/>
-                      </a:rPr>
-                      <m:t>ₜ, </m:t>
-                    </m:r>
-                    <m:r>
-                      <a:rPr lang="en-US" i="1" dirty="0" smtClean="0">
-                        <a:latin typeface="Cambria Math" panose="02040503050406030204" pitchFamily="18" charset="0"/>
-                      </a:rPr>
-                      <m:t>𝐹</m:t>
-                    </m:r>
-                    <m:r>
-                      <a:rPr lang="en-US" i="1" dirty="0" smtClean="0">
-                        <a:latin typeface="Cambria Math" panose="02040503050406030204" pitchFamily="18" charset="0"/>
-                      </a:rPr>
-                      <m:t>ₜ, </m:t>
-                    </m:r>
-                    <m:r>
-                      <a:rPr lang="en-US" i="1" dirty="0" smtClean="0">
-                        <a:latin typeface="Cambria Math" panose="02040503050406030204" pitchFamily="18" charset="0"/>
-                      </a:rPr>
-                      <m:t>𝑂</m:t>
-                    </m:r>
-                    <m:r>
-                      <a:rPr lang="en-US" i="1" dirty="0" smtClean="0">
-                        <a:latin typeface="Cambria Math" panose="02040503050406030204" pitchFamily="18" charset="0"/>
-                      </a:rPr>
-                      <m:t>ₜ = </m:t>
-                    </m:r>
-                    <m:r>
-                      <a:rPr lang="el-GR" i="1" dirty="0" smtClean="0">
-                        <a:latin typeface="Cambria Math" panose="02040503050406030204" pitchFamily="18" charset="0"/>
-                      </a:rPr>
-                      <m:t>𝜎</m:t>
-                    </m:r>
-                    <m:r>
-                      <a:rPr lang="el-GR" i="1" dirty="0" smtClean="0">
-                        <a:latin typeface="Cambria Math" panose="02040503050406030204" pitchFamily="18" charset="0"/>
-                      </a:rPr>
-                      <m:t>(</m:t>
-                    </m:r>
-                    <m:r>
-                      <a:rPr lang="en-US" i="1" dirty="0" smtClean="0">
-                        <a:latin typeface="Cambria Math" panose="02040503050406030204" pitchFamily="18" charset="0"/>
-                      </a:rPr>
-                      <m:t>𝑊</m:t>
-                    </m:r>
-                    <m:r>
-                      <a:rPr lang="en-US" i="1" dirty="0" smtClean="0">
-                        <a:latin typeface="Cambria Math" panose="02040503050406030204" pitchFamily="18" charset="0"/>
-                      </a:rPr>
-                      <m:t>ₓ·</m:t>
-                    </m:r>
-                    <m:r>
-                      <a:rPr lang="en-US" i="1" dirty="0" smtClean="0">
-                        <a:latin typeface="Cambria Math" panose="02040503050406030204" pitchFamily="18" charset="0"/>
-                      </a:rPr>
-                      <m:t>𝑥</m:t>
-                    </m:r>
-                    <m:r>
-                      <a:rPr lang="en-US" i="1" dirty="0" smtClean="0">
-                        <a:latin typeface="Cambria Math" panose="02040503050406030204" pitchFamily="18" charset="0"/>
-                      </a:rPr>
-                      <m:t>ₜ + </m:t>
-                    </m:r>
-                    <m:r>
-                      <a:rPr lang="en-US" i="1" dirty="0" smtClean="0">
-                        <a:latin typeface="Cambria Math" panose="02040503050406030204" pitchFamily="18" charset="0"/>
-                      </a:rPr>
-                      <m:t>𝑊</m:t>
-                    </m:r>
-                    <m:r>
-                      <a:rPr lang="en-US" i="1" dirty="0" smtClean="0">
-                        <a:latin typeface="Cambria Math" panose="02040503050406030204" pitchFamily="18" charset="0"/>
-                      </a:rPr>
-                      <m:t>ₕ·</m:t>
-                    </m:r>
-                    <m:r>
-                      <a:rPr lang="en-US" i="1" dirty="0" smtClean="0">
-                        <a:latin typeface="Cambria Math" panose="02040503050406030204" pitchFamily="18" charset="0"/>
-                      </a:rPr>
-                      <m:t>h</m:t>
-                    </m:r>
-                    <m:r>
-                      <a:rPr lang="en-US" i="1" dirty="0" smtClean="0">
-                        <a:latin typeface="Cambria Math" panose="02040503050406030204" pitchFamily="18" charset="0"/>
-                      </a:rPr>
-                      <m:t>ₜ₋₁ + </m:t>
-                    </m:r>
-                    <m:r>
-                      <a:rPr lang="en-US" i="1" dirty="0" smtClean="0">
-                        <a:latin typeface="Cambria Math" panose="02040503050406030204" pitchFamily="18" charset="0"/>
-                      </a:rPr>
-                      <m:t>𝑏</m:t>
-                    </m:r>
-                    <m:r>
-                      <a:rPr lang="en-US" i="1" dirty="0" smtClean="0">
-                        <a:latin typeface="Cambria Math" panose="02040503050406030204" pitchFamily="18" charset="0"/>
-                      </a:rPr>
-                      <m:t>)</m:t>
-                    </m:r>
-                  </m:oMath>
+                  <m:oMathPara xmlns:m="http://schemas.openxmlformats.org/officeDocument/2006/math">
+                    <m:oMathParaPr>
+                      <m:jc m:val="centerGroup"/>
+                    </m:oMathParaPr>
+                    <m:oMath xmlns:m="http://schemas.openxmlformats.org/officeDocument/2006/math">
+                      <m:r>
+                        <a:rPr lang="en-US" i="1" dirty="0" smtClean="0">
+                          <a:latin typeface="Cambria Math" panose="02040503050406030204" pitchFamily="18" charset="0"/>
+                        </a:rPr>
+                        <m:t>𝐼</m:t>
+                      </m:r>
+                      <m:r>
+                        <a:rPr lang="en-US" i="1" dirty="0" smtClean="0">
+                          <a:latin typeface="Cambria Math" panose="02040503050406030204" pitchFamily="18" charset="0"/>
+                        </a:rPr>
+                        <m:t>ₜ, </m:t>
+                      </m:r>
+                      <m:r>
+                        <a:rPr lang="en-US" i="1" dirty="0" smtClean="0">
+                          <a:latin typeface="Cambria Math" panose="02040503050406030204" pitchFamily="18" charset="0"/>
+                        </a:rPr>
+                        <m:t>𝐹</m:t>
+                      </m:r>
+                      <m:r>
+                        <a:rPr lang="en-US" i="1" dirty="0" smtClean="0">
+                          <a:latin typeface="Cambria Math" panose="02040503050406030204" pitchFamily="18" charset="0"/>
+                        </a:rPr>
+                        <m:t>ₜ, </m:t>
+                      </m:r>
+                      <m:r>
+                        <a:rPr lang="en-US" i="1" dirty="0" smtClean="0">
+                          <a:latin typeface="Cambria Math" panose="02040503050406030204" pitchFamily="18" charset="0"/>
+                        </a:rPr>
+                        <m:t>𝑂</m:t>
+                      </m:r>
+                      <m:r>
+                        <a:rPr lang="en-US" i="1" dirty="0" smtClean="0">
+                          <a:latin typeface="Cambria Math" panose="02040503050406030204" pitchFamily="18" charset="0"/>
+                        </a:rPr>
+                        <m:t>ₜ = </m:t>
+                      </m:r>
+                      <m:r>
+                        <a:rPr lang="el-GR" i="1" dirty="0" smtClean="0">
+                          <a:latin typeface="Cambria Math" panose="02040503050406030204" pitchFamily="18" charset="0"/>
+                        </a:rPr>
+                        <m:t>𝜎</m:t>
+                      </m:r>
+                      <m:r>
+                        <a:rPr lang="el-GR" i="1" dirty="0" smtClean="0">
+                          <a:latin typeface="Cambria Math" panose="02040503050406030204" pitchFamily="18" charset="0"/>
+                        </a:rPr>
+                        <m:t>(</m:t>
+                      </m:r>
+                      <m:r>
+                        <a:rPr lang="en-US" i="1" dirty="0" smtClean="0">
+                          <a:latin typeface="Cambria Math" panose="02040503050406030204" pitchFamily="18" charset="0"/>
+                        </a:rPr>
+                        <m:t>𝑊</m:t>
+                      </m:r>
+                      <m:r>
+                        <a:rPr lang="en-US" i="1" dirty="0" smtClean="0">
+                          <a:latin typeface="Cambria Math" panose="02040503050406030204" pitchFamily="18" charset="0"/>
+                        </a:rPr>
+                        <m:t>ₓ·</m:t>
+                      </m:r>
+                      <m:r>
+                        <a:rPr lang="en-US" i="1" dirty="0" smtClean="0">
+                          <a:latin typeface="Cambria Math" panose="02040503050406030204" pitchFamily="18" charset="0"/>
+                        </a:rPr>
+                        <m:t>𝑥</m:t>
+                      </m:r>
+                      <m:r>
+                        <a:rPr lang="en-US" i="1" dirty="0" smtClean="0">
+                          <a:latin typeface="Cambria Math" panose="02040503050406030204" pitchFamily="18" charset="0"/>
+                        </a:rPr>
+                        <m:t>ₜ + </m:t>
+                      </m:r>
+                      <m:r>
+                        <a:rPr lang="en-US" i="1" dirty="0" smtClean="0">
+                          <a:latin typeface="Cambria Math" panose="02040503050406030204" pitchFamily="18" charset="0"/>
+                        </a:rPr>
+                        <m:t>𝑊</m:t>
+                      </m:r>
+                      <m:r>
+                        <a:rPr lang="en-US" i="1" dirty="0" smtClean="0">
+                          <a:latin typeface="Cambria Math" panose="02040503050406030204" pitchFamily="18" charset="0"/>
+                        </a:rPr>
+                        <m:t>ₕ·</m:t>
+                      </m:r>
+                      <m:r>
+                        <a:rPr lang="en-US" i="1" dirty="0" smtClean="0">
+                          <a:latin typeface="Cambria Math" panose="02040503050406030204" pitchFamily="18" charset="0"/>
+                        </a:rPr>
+                        <m:t>h</m:t>
+                      </m:r>
+                      <m:r>
+                        <a:rPr lang="en-US" i="1" dirty="0" smtClean="0">
+                          <a:latin typeface="Cambria Math" panose="02040503050406030204" pitchFamily="18" charset="0"/>
+                        </a:rPr>
+                        <m:t>ₜ₋₁ + </m:t>
+                      </m:r>
+                      <m:r>
+                        <a:rPr lang="en-US" i="1" dirty="0" smtClean="0">
+                          <a:latin typeface="Cambria Math" panose="02040503050406030204" pitchFamily="18" charset="0"/>
+                        </a:rPr>
+                        <m:t>𝑏</m:t>
+                      </m:r>
+                      <m:r>
+                        <a:rPr lang="en-US" i="1" dirty="0" smtClean="0">
+                          <a:latin typeface="Cambria Math" panose="02040503050406030204" pitchFamily="18" charset="0"/>
+                        </a:rPr>
+                        <m:t>)</m:t>
+                      </m:r>
+                    </m:oMath>
+                  </m:oMathPara>
                 </a14:m>
+                <a:endParaRPr lang="en-US" dirty="0"/>
               </a:p>
               <a:p>
                 <a:r>
@@ -5263,138 +5234,144 @@
                   <a:buNone/>
                 </a:pPr>
                 <a14:m>
-                  <m:oMath xmlns:m="http://schemas.openxmlformats.org/officeDocument/2006/math">
-                    <m:r>
-                      <a:rPr lang="en-US" i="1" dirty="0" smtClean="0">
-                        <a:latin typeface="Cambria Math" panose="02040503050406030204" pitchFamily="18" charset="0"/>
-                      </a:rPr>
-                      <m:t>  ̃</m:t>
-                    </m:r>
-                    <m:r>
-                      <a:rPr lang="en-US" i="1" dirty="0" smtClean="0">
-                        <a:latin typeface="Cambria Math" panose="02040503050406030204" pitchFamily="18" charset="0"/>
-                      </a:rPr>
-                      <m:t>𝐶</m:t>
-                    </m:r>
-                    <m:r>
-                      <a:rPr lang="en-US" i="1" dirty="0" smtClean="0">
-                        <a:latin typeface="Cambria Math" panose="02040503050406030204" pitchFamily="18" charset="0"/>
-                      </a:rPr>
-                      <m:t>ₜ = </m:t>
-                    </m:r>
-                    <m:r>
-                      <m:rPr>
-                        <m:sty m:val="p"/>
-                      </m:rPr>
-                      <a:rPr lang="en-US" i="1" dirty="0" smtClean="0">
-                        <a:latin typeface="Cambria Math" panose="02040503050406030204" pitchFamily="18" charset="0"/>
-                      </a:rPr>
-                      <m:t>tanh</m:t>
-                    </m:r>
-                    <m:r>
-                      <a:rPr lang="en-US" i="1" dirty="0" smtClean="0">
-                        <a:latin typeface="Cambria Math" panose="02040503050406030204" pitchFamily="18" charset="0"/>
-                      </a:rPr>
-                      <m:t>⁡(</m:t>
-                    </m:r>
-                    <m:r>
-                      <a:rPr lang="en-US" i="1" dirty="0" err="1" smtClean="0">
-                        <a:latin typeface="Cambria Math" panose="02040503050406030204" pitchFamily="18" charset="0"/>
-                      </a:rPr>
-                      <m:t>𝑊</m:t>
-                    </m:r>
-                    <m:r>
-                      <a:rPr lang="en-US" i="1" dirty="0" err="1" smtClean="0">
-                        <a:latin typeface="Cambria Math" panose="02040503050406030204" pitchFamily="18" charset="0"/>
-                      </a:rPr>
-                      <m:t>ₓ</m:t>
-                    </m:r>
-                    <m:r>
-                      <a:rPr lang="en-US" i="1" dirty="0" err="1" smtClean="0">
-                        <a:latin typeface="Cambria Math" panose="02040503050406030204" pitchFamily="18" charset="0"/>
-                      </a:rPr>
-                      <m:t>𝑐</m:t>
-                    </m:r>
-                    <m:r>
-                      <a:rPr lang="en-US" i="1" dirty="0" err="1" smtClean="0">
-                        <a:latin typeface="Cambria Math" panose="02040503050406030204" pitchFamily="18" charset="0"/>
-                      </a:rPr>
-                      <m:t>·</m:t>
-                    </m:r>
-                    <m:r>
-                      <a:rPr lang="en-US" i="1" dirty="0" err="1" smtClean="0">
-                        <a:latin typeface="Cambria Math" panose="02040503050406030204" pitchFamily="18" charset="0"/>
-                      </a:rPr>
-                      <m:t>𝑥</m:t>
-                    </m:r>
-                    <m:r>
-                      <a:rPr lang="en-US" i="1" dirty="0" smtClean="0">
-                        <a:latin typeface="Cambria Math" panose="02040503050406030204" pitchFamily="18" charset="0"/>
-                      </a:rPr>
-                      <m:t>ₜ + </m:t>
-                    </m:r>
-                    <m:r>
-                      <a:rPr lang="en-US" i="1" dirty="0" err="1" smtClean="0">
-                        <a:latin typeface="Cambria Math" panose="02040503050406030204" pitchFamily="18" charset="0"/>
-                      </a:rPr>
-                      <m:t>𝑊</m:t>
-                    </m:r>
-                    <m:r>
-                      <a:rPr lang="en-US" i="1" dirty="0" err="1" smtClean="0">
-                        <a:latin typeface="Cambria Math" panose="02040503050406030204" pitchFamily="18" charset="0"/>
-                      </a:rPr>
-                      <m:t>ₕ</m:t>
-                    </m:r>
-                    <m:r>
-                      <a:rPr lang="en-US" i="1" dirty="0" err="1" smtClean="0">
-                        <a:latin typeface="Cambria Math" panose="02040503050406030204" pitchFamily="18" charset="0"/>
-                      </a:rPr>
-                      <m:t>𝑐</m:t>
-                    </m:r>
-                    <m:r>
-                      <a:rPr lang="en-US" i="1" dirty="0" err="1" smtClean="0">
-                        <a:latin typeface="Cambria Math" panose="02040503050406030204" pitchFamily="18" charset="0"/>
-                      </a:rPr>
-                      <m:t>·</m:t>
-                    </m:r>
-                    <m:r>
-                      <a:rPr lang="en-US" i="1" dirty="0" err="1" smtClean="0">
-                        <a:latin typeface="Cambria Math" panose="02040503050406030204" pitchFamily="18" charset="0"/>
-                      </a:rPr>
-                      <m:t>h</m:t>
-                    </m:r>
-                    <m:r>
-                      <a:rPr lang="en-US" i="1" dirty="0" smtClean="0">
-                        <a:latin typeface="Cambria Math" panose="02040503050406030204" pitchFamily="18" charset="0"/>
-                      </a:rPr>
-                      <m:t>ₜ₋₁ + </m:t>
-                    </m:r>
-                    <m:r>
-                      <a:rPr lang="en-US" i="1" dirty="0" err="1" smtClean="0">
-                        <a:latin typeface="Cambria Math" panose="02040503050406030204" pitchFamily="18" charset="0"/>
-                      </a:rPr>
-                      <m:t>𝑏</m:t>
-                    </m:r>
-                    <m:r>
-                      <a:rPr lang="en-US" i="1" dirty="0" err="1" smtClean="0">
-                        <a:latin typeface="Cambria Math" panose="02040503050406030204" pitchFamily="18" charset="0"/>
-                      </a:rPr>
-                      <m:t>_</m:t>
-                    </m:r>
-                    <m:r>
-                      <a:rPr lang="en-US" i="1" dirty="0" err="1" smtClean="0">
-                        <a:latin typeface="Cambria Math" panose="02040503050406030204" pitchFamily="18" charset="0"/>
-                      </a:rPr>
-                      <m:t>𝑐</m:t>
-                    </m:r>
-                    <m:r>
-                      <a:rPr lang="en-US" i="1" dirty="0" smtClean="0">
-                        <a:latin typeface="Cambria Math" panose="02040503050406030204" pitchFamily="18" charset="0"/>
-                      </a:rPr>
-                      <m:t>)</m:t>
-                    </m:r>
-                  </m:oMath>
+                  <m:oMathPara xmlns:m="http://schemas.openxmlformats.org/officeDocument/2006/math">
+                    <m:oMathParaPr>
+                      <m:jc m:val="centerGroup"/>
+                    </m:oMathParaPr>
+                    <m:oMath xmlns:m="http://schemas.openxmlformats.org/officeDocument/2006/math">
+                      <m:r>
+                        <a:rPr lang="en-US" i="1" dirty="0" smtClean="0">
+                          <a:latin typeface="Cambria Math" panose="02040503050406030204" pitchFamily="18" charset="0"/>
+                        </a:rPr>
+                        <m:t>  ̃</m:t>
+                      </m:r>
+                      <m:r>
+                        <a:rPr lang="en-US" i="1" dirty="0" smtClean="0">
+                          <a:latin typeface="Cambria Math" panose="02040503050406030204" pitchFamily="18" charset="0"/>
+                        </a:rPr>
+                        <m:t>𝐶</m:t>
+                      </m:r>
+                      <m:r>
+                        <a:rPr lang="en-US" i="1" dirty="0" smtClean="0">
+                          <a:latin typeface="Cambria Math" panose="02040503050406030204" pitchFamily="18" charset="0"/>
+                        </a:rPr>
+                        <m:t>ₜ = </m:t>
+                      </m:r>
+                      <m:r>
+                        <m:rPr>
+                          <m:sty m:val="p"/>
+                        </m:rPr>
+                        <a:rPr lang="en-US" i="1" dirty="0" smtClean="0">
+                          <a:latin typeface="Cambria Math" panose="02040503050406030204" pitchFamily="18" charset="0"/>
+                        </a:rPr>
+                        <m:t>tanh</m:t>
+                      </m:r>
+                      <m:r>
+                        <a:rPr lang="en-US" i="1" dirty="0" smtClean="0">
+                          <a:latin typeface="Cambria Math" panose="02040503050406030204" pitchFamily="18" charset="0"/>
+                        </a:rPr>
+                        <m:t>⁡(</m:t>
+                      </m:r>
+                      <m:r>
+                        <a:rPr lang="en-US" i="1" dirty="0" err="1" smtClean="0">
+                          <a:latin typeface="Cambria Math" panose="02040503050406030204" pitchFamily="18" charset="0"/>
+                        </a:rPr>
+                        <m:t>𝑊</m:t>
+                      </m:r>
+                      <m:r>
+                        <a:rPr lang="en-US" i="1" dirty="0" err="1" smtClean="0">
+                          <a:latin typeface="Cambria Math" panose="02040503050406030204" pitchFamily="18" charset="0"/>
+                        </a:rPr>
+                        <m:t>ₓ</m:t>
+                      </m:r>
+                      <m:r>
+                        <a:rPr lang="en-US" i="1" dirty="0" err="1" smtClean="0">
+                          <a:latin typeface="Cambria Math" panose="02040503050406030204" pitchFamily="18" charset="0"/>
+                        </a:rPr>
+                        <m:t>𝑐</m:t>
+                      </m:r>
+                      <m:r>
+                        <a:rPr lang="en-US" i="1" dirty="0" err="1" smtClean="0">
+                          <a:latin typeface="Cambria Math" panose="02040503050406030204" pitchFamily="18" charset="0"/>
+                        </a:rPr>
+                        <m:t>·</m:t>
+                      </m:r>
+                      <m:r>
+                        <a:rPr lang="en-US" i="1" dirty="0" err="1" smtClean="0">
+                          <a:latin typeface="Cambria Math" panose="02040503050406030204" pitchFamily="18" charset="0"/>
+                        </a:rPr>
+                        <m:t>𝑥</m:t>
+                      </m:r>
+                      <m:r>
+                        <a:rPr lang="en-US" i="1" dirty="0" smtClean="0">
+                          <a:latin typeface="Cambria Math" panose="02040503050406030204" pitchFamily="18" charset="0"/>
+                        </a:rPr>
+                        <m:t>ₜ + </m:t>
+                      </m:r>
+                      <m:r>
+                        <a:rPr lang="en-US" i="1" dirty="0" err="1" smtClean="0">
+                          <a:latin typeface="Cambria Math" panose="02040503050406030204" pitchFamily="18" charset="0"/>
+                        </a:rPr>
+                        <m:t>𝑊</m:t>
+                      </m:r>
+                      <m:r>
+                        <a:rPr lang="en-US" i="1" dirty="0" err="1" smtClean="0">
+                          <a:latin typeface="Cambria Math" panose="02040503050406030204" pitchFamily="18" charset="0"/>
+                        </a:rPr>
+                        <m:t>ₕ</m:t>
+                      </m:r>
+                      <m:r>
+                        <a:rPr lang="en-US" i="1" dirty="0" err="1" smtClean="0">
+                          <a:latin typeface="Cambria Math" panose="02040503050406030204" pitchFamily="18" charset="0"/>
+                        </a:rPr>
+                        <m:t>𝑐</m:t>
+                      </m:r>
+                      <m:r>
+                        <a:rPr lang="en-US" i="1" dirty="0" err="1" smtClean="0">
+                          <a:latin typeface="Cambria Math" panose="02040503050406030204" pitchFamily="18" charset="0"/>
+                        </a:rPr>
+                        <m:t>·</m:t>
+                      </m:r>
+                      <m:r>
+                        <a:rPr lang="en-US" i="1" dirty="0" err="1" smtClean="0">
+                          <a:latin typeface="Cambria Math" panose="02040503050406030204" pitchFamily="18" charset="0"/>
+                        </a:rPr>
+                        <m:t>h</m:t>
+                      </m:r>
+                      <m:r>
+                        <a:rPr lang="en-US" i="1" dirty="0" smtClean="0">
+                          <a:latin typeface="Cambria Math" panose="02040503050406030204" pitchFamily="18" charset="0"/>
+                        </a:rPr>
+                        <m:t>ₜ₋₁ + </m:t>
+                      </m:r>
+                      <m:r>
+                        <a:rPr lang="en-US" i="1" dirty="0" err="1" smtClean="0">
+                          <a:latin typeface="Cambria Math" panose="02040503050406030204" pitchFamily="18" charset="0"/>
+                        </a:rPr>
+                        <m:t>𝑏</m:t>
+                      </m:r>
+                      <m:r>
+                        <a:rPr lang="en-US" i="1" dirty="0" err="1" smtClean="0">
+                          <a:latin typeface="Cambria Math" panose="02040503050406030204" pitchFamily="18" charset="0"/>
+                        </a:rPr>
+                        <m:t>_</m:t>
+                      </m:r>
+                      <m:r>
+                        <a:rPr lang="en-US" i="1" dirty="0" err="1" smtClean="0">
+                          <a:latin typeface="Cambria Math" panose="02040503050406030204" pitchFamily="18" charset="0"/>
+                        </a:rPr>
+                        <m:t>𝑐</m:t>
+                      </m:r>
+                      <m:r>
+                        <a:rPr lang="en-US" i="1" dirty="0" smtClean="0">
+                          <a:latin typeface="Cambria Math" panose="02040503050406030204" pitchFamily="18" charset="0"/>
+                        </a:rPr>
+                        <m:t>)</m:t>
+                      </m:r>
+                    </m:oMath>
+                  </m:oMathPara>
                 </a14:m>
+                <a:endParaRPr lang="en-US" dirty="0"/>
               </a:p>
               <a:p>
                 <a:r>
@@ -5407,69 +5384,75 @@
                   <a:buNone/>
                 </a:pPr>
                 <a14:m>
-                  <m:oMath xmlns:m="http://schemas.openxmlformats.org/officeDocument/2006/math">
-                    <m:r>
-                      <a:rPr lang="en-US" i="1" dirty="0" smtClean="0">
-                        <a:latin typeface="Cambria Math" panose="02040503050406030204" pitchFamily="18" charset="0"/>
-                      </a:rPr>
-                      <m:t>𝐶</m:t>
-                    </m:r>
-                    <m:r>
-                      <a:rPr lang="en-US" i="1" dirty="0" smtClean="0">
-                        <a:latin typeface="Cambria Math" panose="02040503050406030204" pitchFamily="18" charset="0"/>
-                      </a:rPr>
-                      <m:t>ₜ = </m:t>
-                    </m:r>
-                    <m:r>
-                      <a:rPr lang="en-US" i="1" dirty="0" smtClean="0">
-                        <a:latin typeface="Cambria Math" panose="02040503050406030204" pitchFamily="18" charset="0"/>
-                      </a:rPr>
-                      <m:t>𝐹</m:t>
-                    </m:r>
-                    <m:r>
-                      <a:rPr lang="en-US" i="1" dirty="0" smtClean="0">
-                        <a:latin typeface="Cambria Math" panose="02040503050406030204" pitchFamily="18" charset="0"/>
-                      </a:rPr>
-                      <m:t>ₜ ⊙ </m:t>
-                    </m:r>
-                    <m:r>
-                      <a:rPr lang="en-US" i="1" dirty="0" smtClean="0">
-                        <a:latin typeface="Cambria Math" panose="02040503050406030204" pitchFamily="18" charset="0"/>
-                      </a:rPr>
-                      <m:t>𝐶</m:t>
-                    </m:r>
-                    <m:r>
-                      <a:rPr lang="en-US" i="1" dirty="0" smtClean="0">
-                        <a:latin typeface="Cambria Math" panose="02040503050406030204" pitchFamily="18" charset="0"/>
-                      </a:rPr>
-                      <m:t>ₜ₋₁ + </m:t>
-                    </m:r>
-                    <m:r>
-                      <a:rPr lang="en-US" i="1" dirty="0" smtClean="0">
-                        <a:latin typeface="Cambria Math" panose="02040503050406030204" pitchFamily="18" charset="0"/>
-                      </a:rPr>
-                      <m:t>𝐼</m:t>
-                    </m:r>
-                    <m:r>
-                      <a:rPr lang="en-US" i="1" dirty="0" smtClean="0">
-                        <a:latin typeface="Cambria Math" panose="02040503050406030204" pitchFamily="18" charset="0"/>
-                      </a:rPr>
-                      <m:t>ₜ ⊙  ̃</m:t>
-                    </m:r>
-                    <m:r>
-                      <a:rPr lang="en-US" i="1" dirty="0" smtClean="0">
-                        <a:latin typeface="Cambria Math" panose="02040503050406030204" pitchFamily="18" charset="0"/>
-                      </a:rPr>
-                      <m:t>𝐶</m:t>
-                    </m:r>
-                    <m:r>
-                      <a:rPr lang="en-US" i="1" dirty="0" smtClean="0">
-                        <a:latin typeface="Cambria Math" panose="02040503050406030204" pitchFamily="18" charset="0"/>
-                      </a:rPr>
-                      <m:t>ₜ</m:t>
-                    </m:r>
-                  </m:oMath>
+                  <m:oMathPara xmlns:m="http://schemas.openxmlformats.org/officeDocument/2006/math">
+                    <m:oMathParaPr>
+                      <m:jc m:val="centerGroup"/>
+                    </m:oMathParaPr>
+                    <m:oMath xmlns:m="http://schemas.openxmlformats.org/officeDocument/2006/math">
+                      <m:r>
+                        <a:rPr lang="en-US" i="1" dirty="0" smtClean="0">
+                          <a:latin typeface="Cambria Math" panose="02040503050406030204" pitchFamily="18" charset="0"/>
+                        </a:rPr>
+                        <m:t>𝐶</m:t>
+                      </m:r>
+                      <m:r>
+                        <a:rPr lang="en-US" i="1" dirty="0" smtClean="0">
+                          <a:latin typeface="Cambria Math" panose="02040503050406030204" pitchFamily="18" charset="0"/>
+                        </a:rPr>
+                        <m:t>ₜ = </m:t>
+                      </m:r>
+                      <m:r>
+                        <a:rPr lang="en-US" i="1" dirty="0" smtClean="0">
+                          <a:latin typeface="Cambria Math" panose="02040503050406030204" pitchFamily="18" charset="0"/>
+                        </a:rPr>
+                        <m:t>𝐹</m:t>
+                      </m:r>
+                      <m:r>
+                        <a:rPr lang="en-US" i="1" dirty="0" smtClean="0">
+                          <a:latin typeface="Cambria Math" panose="02040503050406030204" pitchFamily="18" charset="0"/>
+                        </a:rPr>
+                        <m:t>ₜ ⊙ </m:t>
+                      </m:r>
+                      <m:r>
+                        <a:rPr lang="en-US" i="1" dirty="0" smtClean="0">
+                          <a:latin typeface="Cambria Math" panose="02040503050406030204" pitchFamily="18" charset="0"/>
+                        </a:rPr>
+                        <m:t>𝐶</m:t>
+                      </m:r>
+                      <m:r>
+                        <a:rPr lang="en-US" i="1" dirty="0" smtClean="0">
+                          <a:latin typeface="Cambria Math" panose="02040503050406030204" pitchFamily="18" charset="0"/>
+                        </a:rPr>
+                        <m:t>ₜ₋₁ + </m:t>
+                      </m:r>
+                      <m:r>
+                        <a:rPr lang="en-US" i="1" dirty="0" smtClean="0">
+                          <a:latin typeface="Cambria Math" panose="02040503050406030204" pitchFamily="18" charset="0"/>
+                        </a:rPr>
+                        <m:t>𝐼</m:t>
+                      </m:r>
+                      <m:r>
+                        <a:rPr lang="en-US" i="1" dirty="0" smtClean="0">
+                          <a:latin typeface="Cambria Math" panose="02040503050406030204" pitchFamily="18" charset="0"/>
+                        </a:rPr>
+                        <m:t>ₜ ⊙  ̃</m:t>
+                      </m:r>
+                      <m:r>
+                        <a:rPr lang="en-US" i="1" dirty="0" smtClean="0">
+                          <a:latin typeface="Cambria Math" panose="02040503050406030204" pitchFamily="18" charset="0"/>
+                        </a:rPr>
+                        <m:t>𝐶</m:t>
+                      </m:r>
+                      <m:r>
+                        <a:rPr lang="en-US" i="1" dirty="0" smtClean="0">
+                          <a:latin typeface="Cambria Math" panose="02040503050406030204" pitchFamily="18" charset="0"/>
+                        </a:rPr>
+                        <m:t>ₜ</m:t>
+                      </m:r>
+                    </m:oMath>
+                  </m:oMathPara>
                 </a14:m>
+                <a:endParaRPr lang="en-US" dirty="0"/>
               </a:p>
               <a:p>
                 <a:r>
@@ -5541,6 +5524,7 @@
                     </m:oMath>
                   </m:oMathPara>
                 </a14:m>
+                <a:endParaRPr lang="en-US" dirty="0"/>
               </a:p>
               <a:p>
                 <a:endParaRPr lang="en-US" dirty="0"/>
@@ -5551,7 +5535,7 @@
             </p:txBody>
           </p:sp>
         </mc:Choice>
-        <mc:Fallback>
+        <mc:Fallback xmlns="">
           <p:sp>
             <p:nvSpPr>
               <p:cNvPr id="3" name="Content Placeholder 2">
@@ -13065,8 +13049,8 @@
           </a:p>
         </p:txBody>
       </p:sp>
-      <mc:AlternateContent xmlns:mc="http://schemas.openxmlformats.org/markup-compatibility/2006">
-        <mc:Choice xmlns:a14="http://schemas.microsoft.com/office/drawing/2010/main" Requires="a14">
+      <mc:AlternateContent xmlns:mc="http://schemas.openxmlformats.org/markup-compatibility/2006" xmlns:a14="http://schemas.microsoft.com/office/drawing/2010/main">
+        <mc:Choice Requires="a14">
           <p:sp>
             <p:nvSpPr>
               <p:cNvPr id="3" name="Content Placeholder 2">
@@ -13132,100 +13116,6 @@
                       <m:jc m:val="left"/>
                     </m:oMathParaPr>
                     <m:oMath xmlns:m="http://schemas.openxmlformats.org/officeDocument/2006/math">
-                      <m:r>
-                        <a:rPr lang="en-US" i="1" dirty="0" smtClean="0">
-                          <a:latin typeface="Cambria Math" panose="02040503050406030204" pitchFamily="18" charset="0"/>
-                        </a:rPr>
-                        <m:t>h</m:t>
-                      </m:r>
-                      <m:r>
-                        <a:rPr lang="en-US" i="1" dirty="0" smtClean="0">
-                          <a:latin typeface="Cambria Math" panose="02040503050406030204" pitchFamily="18" charset="0"/>
-                        </a:rPr>
-                        <m:t>ₜ = </m:t>
-                      </m:r>
-                      <m:r>
-                        <m:rPr>
-                          <m:sty m:val="p"/>
-                        </m:rPr>
-                        <a:rPr lang="en-US" i="1" dirty="0" smtClean="0">
-                          <a:latin typeface="Cambria Math" panose="02040503050406030204" pitchFamily="18" charset="0"/>
-                        </a:rPr>
-                        <m:t>tanh</m:t>
-                      </m:r>
-                      <m:r>
-                        <a:rPr lang="en-US" i="1" dirty="0" smtClean="0">
-                          <a:latin typeface="Cambria Math" panose="02040503050406030204" pitchFamily="18" charset="0"/>
-                        </a:rPr>
-                        <m:t>⁡(</m:t>
-                      </m:r>
-                      <m:r>
-                        <a:rPr lang="en-US" i="1" dirty="0" smtClean="0">
-                          <a:latin typeface="Cambria Math" panose="02040503050406030204" pitchFamily="18" charset="0"/>
-                        </a:rPr>
-                        <m:t>𝑊</m:t>
-                      </m:r>
-                      <m:r>
-                        <a:rPr lang="en-US" i="1" dirty="0" smtClean="0">
-                          <a:latin typeface="Cambria Math" panose="02040503050406030204" pitchFamily="18" charset="0"/>
-                        </a:rPr>
-                        <m:t>ₕₕ·</m:t>
-                      </m:r>
-                      <m:r>
-                        <a:rPr lang="en-US" i="1" dirty="0" smtClean="0">
-                          <a:latin typeface="Cambria Math" panose="02040503050406030204" pitchFamily="18" charset="0"/>
-                        </a:rPr>
-                        <m:t>h</m:t>
-                      </m:r>
-                      <m:r>
-                        <a:rPr lang="en-US" i="1" dirty="0" smtClean="0">
-                          <a:latin typeface="Cambria Math" panose="02040503050406030204" pitchFamily="18" charset="0"/>
-                        </a:rPr>
-                        <m:t>ₜ₋₁ + </m:t>
-                      </m:r>
-                      <m:r>
-                        <a:rPr lang="en-US" i="1" dirty="0" smtClean="0">
-                          <a:latin typeface="Cambria Math" panose="02040503050406030204" pitchFamily="18" charset="0"/>
-                        </a:rPr>
-                        <m:t>𝑊</m:t>
-                      </m:r>
-                      <m:r>
-                        <a:rPr lang="en-US" i="1" dirty="0" smtClean="0">
-                          <a:latin typeface="Cambria Math" panose="02040503050406030204" pitchFamily="18" charset="0"/>
-                        </a:rPr>
-                        <m:t>ₓₕ·</m:t>
-                      </m:r>
-                      <m:r>
-                        <a:rPr lang="en-US" i="1" dirty="0" smtClean="0">
-                          <a:latin typeface="Cambria Math" panose="02040503050406030204" pitchFamily="18" charset="0"/>
-                        </a:rPr>
-                        <m:t>𝑥</m:t>
-                      </m:r>
-                      <m:r>
-                        <a:rPr lang="en-US" i="1" dirty="0" smtClean="0">
-                          <a:latin typeface="Cambria Math" panose="02040503050406030204" pitchFamily="18" charset="0"/>
-                        </a:rPr>
-                        <m:t>ₜ + </m:t>
-                      </m:r>
-                      <m:r>
-                        <a:rPr lang="en-US" i="1" dirty="0" smtClean="0">
-                          <a:latin typeface="Cambria Math" panose="02040503050406030204" pitchFamily="18" charset="0"/>
-                        </a:rPr>
-                        <m:t>𝑏</m:t>
-                      </m:r>
-                      <m:r>
-                        <a:rPr lang="en-US" i="1" dirty="0" smtClean="0">
-                          <a:latin typeface="Cambria Math" panose="02040503050406030204" pitchFamily="18" charset="0"/>
-                        </a:rPr>
-                        <m:t>ₕ)</m:t>
-                      </m:r>
-                    </m:oMath>
-                  </m:oMathPara>
-                  <m:oMathPara xmlns:m="http://schemas.openxmlformats.org/officeDocument/2006/math">
-                    <m:oMathParaPr>
-                      <m:jc m:val="left"/>
-                    </m:oMathParaPr>
-                    <m:oMath xmlns:m="http://schemas.openxmlformats.org/officeDocument/2006/math">
                       <m:acc>
                         <m:accPr>
                           <m:chr m:val="̂"/>
@@ -13292,9 +13182,97 @@
                         </a:rPr>
                         <m:t>ᵧ</m:t>
                       </m:r>
+                      <m:r>
+                        <a:rPr lang="en-US" i="1" dirty="0" smtClean="0">
+                          <a:latin typeface="Cambria Math" panose="02040503050406030204" pitchFamily="18" charset="0"/>
+                        </a:rPr>
+                        <m:t>h</m:t>
+                      </m:r>
+                      <m:r>
+                        <a:rPr lang="en-US" i="1" dirty="0" smtClean="0">
+                          <a:latin typeface="Cambria Math" panose="02040503050406030204" pitchFamily="18" charset="0"/>
+                        </a:rPr>
+                        <m:t>ₜ = </m:t>
+                      </m:r>
+                      <m:r>
+                        <m:rPr>
+                          <m:sty m:val="p"/>
+                        </m:rPr>
+                        <a:rPr lang="en-US" i="1" dirty="0" smtClean="0">
+                          <a:latin typeface="Cambria Math" panose="02040503050406030204" pitchFamily="18" charset="0"/>
+                        </a:rPr>
+                        <m:t>tanh</m:t>
+                      </m:r>
+                      <m:r>
+                        <a:rPr lang="en-US" i="1" dirty="0" smtClean="0">
+                          <a:latin typeface="Cambria Math" panose="02040503050406030204" pitchFamily="18" charset="0"/>
+                        </a:rPr>
+                        <m:t>⁡(</m:t>
+                      </m:r>
+                      <m:r>
+                        <a:rPr lang="en-US" i="1" dirty="0" smtClean="0">
+                          <a:latin typeface="Cambria Math" panose="02040503050406030204" pitchFamily="18" charset="0"/>
+                        </a:rPr>
+                        <m:t>𝑊</m:t>
+                      </m:r>
+                      <m:r>
+                        <a:rPr lang="en-US" i="1" dirty="0" smtClean="0">
+                          <a:latin typeface="Cambria Math" panose="02040503050406030204" pitchFamily="18" charset="0"/>
+                        </a:rPr>
+                        <m:t>ₕₕ·</m:t>
+                      </m:r>
+                      <m:r>
+                        <a:rPr lang="en-US" i="1" dirty="0" smtClean="0">
+                          <a:latin typeface="Cambria Math" panose="02040503050406030204" pitchFamily="18" charset="0"/>
+                        </a:rPr>
+                        <m:t>h</m:t>
+                      </m:r>
+                      <m:r>
+                        <a:rPr lang="en-US" i="1" dirty="0" smtClean="0">
+                          <a:latin typeface="Cambria Math" panose="02040503050406030204" pitchFamily="18" charset="0"/>
+                        </a:rPr>
+                        <m:t>ₜ₋₁ + </m:t>
+                      </m:r>
+                      <m:r>
+                        <a:rPr lang="en-US" i="1" dirty="0" smtClean="0">
+                          <a:latin typeface="Cambria Math" panose="02040503050406030204" pitchFamily="18" charset="0"/>
+                        </a:rPr>
+                        <m:t>𝑊</m:t>
+                      </m:r>
+                      <m:r>
+                        <a:rPr lang="en-US" i="1" dirty="0" smtClean="0">
+                          <a:latin typeface="Cambria Math" panose="02040503050406030204" pitchFamily="18" charset="0"/>
+                        </a:rPr>
+                        <m:t>ₓₕ·</m:t>
+                      </m:r>
+                      <m:r>
+                        <a:rPr lang="en-US" i="1" dirty="0" smtClean="0">
+                          <a:latin typeface="Cambria Math" panose="02040503050406030204" pitchFamily="18" charset="0"/>
+                        </a:rPr>
+                        <m:t>𝑥</m:t>
+                      </m:r>
+                      <m:r>
+                        <a:rPr lang="en-US" i="1" dirty="0" smtClean="0">
+                          <a:latin typeface="Cambria Math" panose="02040503050406030204" pitchFamily="18" charset="0"/>
+                        </a:rPr>
+                        <m:t>ₜ + </m:t>
+                      </m:r>
+                      <m:r>
+                        <a:rPr lang="en-US" i="1" dirty="0" smtClean="0">
+                          <a:latin typeface="Cambria Math" panose="02040503050406030204" pitchFamily="18" charset="0"/>
+                        </a:rPr>
+                        <m:t>𝑏</m:t>
+                      </m:r>
+                      <m:r>
+                        <a:rPr lang="en-US" i="1" dirty="0" smtClean="0">
+                          <a:latin typeface="Cambria Math" panose="02040503050406030204" pitchFamily="18" charset="0"/>
+                        </a:rPr>
+                        <m:t>ₕ)</m:t>
+                      </m:r>
                     </m:oMath>
                   </m:oMathPara>
                 </a14:m>
+                <a:endParaRPr lang="en-US" b="1" dirty="0"/>
               </a:p>
               <a:p>
                 <a:pPr marL="0" indent="0">
@@ -13311,7 +13289,7 @@
             </p:txBody>
           </p:sp>
         </mc:Choice>
-        <mc:Fallback>
+        <mc:Fallback xmlns="">
           <p:sp>
             <p:nvSpPr>
               <p:cNvPr id="3" name="Content Placeholder 2">
@@ -13768,8 +13746,8 @@
           </a:p>
         </p:txBody>
       </p:sp>
-      <mc:AlternateContent xmlns:mc="http://schemas.openxmlformats.org/markup-compatibility/2006">
-        <mc:Choice xmlns:a14="http://schemas.microsoft.com/office/drawing/2010/main" Requires="a14">
+      <mc:AlternateContent xmlns:mc="http://schemas.openxmlformats.org/markup-compatibility/2006" xmlns:a14="http://schemas.microsoft.com/office/drawing/2010/main">
+        <mc:Choice Requires="a14">
           <p:sp>
             <p:nvSpPr>
               <p:cNvPr id="3" name="Content Placeholder 2">
@@ -13877,7 +13855,7 @@
             </p:txBody>
           </p:sp>
         </mc:Choice>
-        <mc:Fallback>
+        <mc:Fallback xmlns="">
           <p:sp>
             <p:nvSpPr>
               <p:cNvPr id="3" name="Content Placeholder 2">
@@ -13977,8 +13955,8 @@
           </a:p>
         </p:txBody>
       </p:sp>
-      <mc:AlternateContent xmlns:mc="http://schemas.openxmlformats.org/markup-compatibility/2006">
-        <mc:Choice xmlns:a14="http://schemas.microsoft.com/office/drawing/2010/main" Requires="a14">
+      <mc:AlternateContent xmlns:mc="http://schemas.openxmlformats.org/markup-compatibility/2006" xmlns:a14="http://schemas.microsoft.com/office/drawing/2010/main">
+        <mc:Choice Requires="a14">
           <p:sp>
             <p:nvSpPr>
               <p:cNvPr id="3" name="Content Placeholder 2">
@@ -14010,93 +13988,99 @@
                   <a:buNone/>
                 </a:pPr>
                 <a14:m>
-                  <m:oMath xmlns:m="http://schemas.openxmlformats.org/officeDocument/2006/math">
-                    <m:r>
-                      <a:rPr lang="en-US" i="1" dirty="0" smtClean="0">
-                        <a:latin typeface="Cambria Math" panose="02040503050406030204" pitchFamily="18" charset="0"/>
-                      </a:rPr>
-                      <m:t>𝐼</m:t>
-                    </m:r>
-                    <m:r>
-                      <a:rPr lang="en-US" i="1" dirty="0" smtClean="0">
-                        <a:latin typeface="Cambria Math" panose="02040503050406030204" pitchFamily="18" charset="0"/>
-                      </a:rPr>
-                      <m:t>ₜ = </m:t>
-                    </m:r>
-                    <m:r>
-                      <a:rPr lang="el-GR" i="1" dirty="0" smtClean="0">
-                        <a:latin typeface="Cambria Math" panose="02040503050406030204" pitchFamily="18" charset="0"/>
-                      </a:rPr>
-                      <m:t>𝜎</m:t>
-                    </m:r>
-                    <m:r>
-                      <a:rPr lang="el-GR" i="1" dirty="0" smtClean="0">
-                        <a:latin typeface="Cambria Math" panose="02040503050406030204" pitchFamily="18" charset="0"/>
-                      </a:rPr>
-                      <m:t>(</m:t>
-                    </m:r>
-                    <m:r>
-                      <a:rPr lang="en-US" i="1" dirty="0" smtClean="0">
-                        <a:latin typeface="Cambria Math" panose="02040503050406030204" pitchFamily="18" charset="0"/>
-                      </a:rPr>
-                      <m:t>𝑋</m:t>
-                    </m:r>
-                    <m:r>
-                      <a:rPr lang="en-US" i="1" dirty="0" smtClean="0">
-                        <a:latin typeface="Cambria Math" panose="02040503050406030204" pitchFamily="18" charset="0"/>
-                      </a:rPr>
-                      <m:t>ₜ </m:t>
-                    </m:r>
-                    <m:r>
-                      <a:rPr lang="en-US" i="1" dirty="0" smtClean="0">
-                        <a:latin typeface="Cambria Math" panose="02040503050406030204" pitchFamily="18" charset="0"/>
-                      </a:rPr>
-                      <m:t>𝑊</m:t>
-                    </m:r>
-                    <m:r>
-                      <a:rPr lang="en-US" i="1" dirty="0" smtClean="0">
-                        <a:latin typeface="Cambria Math" panose="02040503050406030204" pitchFamily="18" charset="0"/>
-                      </a:rPr>
-                      <m:t>ₓᵢ + </m:t>
-                    </m:r>
-                    <m:r>
-                      <a:rPr lang="en-US" i="1" dirty="0" smtClean="0">
-                        <a:latin typeface="Cambria Math" panose="02040503050406030204" pitchFamily="18" charset="0"/>
-                      </a:rPr>
-                      <m:t>𝐻</m:t>
-                    </m:r>
-                    <m:r>
-                      <a:rPr lang="en-US" i="1" dirty="0" smtClean="0">
-                        <a:latin typeface="Cambria Math" panose="02040503050406030204" pitchFamily="18" charset="0"/>
-                      </a:rPr>
-                      <m:t>ₜ₋₁ </m:t>
-                    </m:r>
-                    <m:r>
-                      <a:rPr lang="en-US" i="1" dirty="0" smtClean="0">
-                        <a:latin typeface="Cambria Math" panose="02040503050406030204" pitchFamily="18" charset="0"/>
-                      </a:rPr>
-                      <m:t>𝑊</m:t>
-                    </m:r>
-                    <m:r>
-                      <a:rPr lang="en-US" i="1" dirty="0" smtClean="0">
-                        <a:latin typeface="Cambria Math" panose="02040503050406030204" pitchFamily="18" charset="0"/>
-                      </a:rPr>
-                      <m:t>ₕᵢ + </m:t>
-                    </m:r>
-                    <m:r>
-                      <a:rPr lang="en-US" i="1" dirty="0" smtClean="0">
-                        <a:latin typeface="Cambria Math" panose="02040503050406030204" pitchFamily="18" charset="0"/>
-                      </a:rPr>
-                      <m:t>𝑏</m:t>
-                    </m:r>
-                    <m:r>
-                      <a:rPr lang="en-US" i="1" dirty="0" smtClean="0">
-                        <a:latin typeface="Cambria Math" panose="02040503050406030204" pitchFamily="18" charset="0"/>
-                      </a:rPr>
-                      <m:t>ᵢ)</m:t>
-                    </m:r>
-                  </m:oMath>
+                  <m:oMathPara xmlns:m="http://schemas.openxmlformats.org/officeDocument/2006/math">
+                    <m:oMathParaPr>
+                      <m:jc m:val="centerGroup"/>
+                    </m:oMathParaPr>
+                    <m:oMath xmlns:m="http://schemas.openxmlformats.org/officeDocument/2006/math">
+                      <m:r>
+                        <a:rPr lang="en-US" i="1" dirty="0" smtClean="0">
+                          <a:latin typeface="Cambria Math" panose="02040503050406030204" pitchFamily="18" charset="0"/>
+                        </a:rPr>
+                        <m:t>𝐼</m:t>
+                      </m:r>
+                      <m:r>
+                        <a:rPr lang="en-US" i="1" dirty="0" smtClean="0">
+                          <a:latin typeface="Cambria Math" panose="02040503050406030204" pitchFamily="18" charset="0"/>
+                        </a:rPr>
+                        <m:t>ₜ = </m:t>
+                      </m:r>
+                      <m:r>
+                        <a:rPr lang="el-GR" i="1" dirty="0" smtClean="0">
+                          <a:latin typeface="Cambria Math" panose="02040503050406030204" pitchFamily="18" charset="0"/>
+                        </a:rPr>
+                        <m:t>𝜎</m:t>
+                      </m:r>
+                      <m:r>
+                        <a:rPr lang="el-GR" i="1" dirty="0" smtClean="0">
+                          <a:latin typeface="Cambria Math" panose="02040503050406030204" pitchFamily="18" charset="0"/>
+                        </a:rPr>
+                        <m:t>(</m:t>
+                      </m:r>
+                      <m:r>
+                        <a:rPr lang="en-US" i="1" dirty="0" smtClean="0">
+                          <a:latin typeface="Cambria Math" panose="02040503050406030204" pitchFamily="18" charset="0"/>
+                        </a:rPr>
+                        <m:t>𝑋</m:t>
+                      </m:r>
+                      <m:r>
+                        <a:rPr lang="en-US" i="1" dirty="0" smtClean="0">
+                          <a:latin typeface="Cambria Math" panose="02040503050406030204" pitchFamily="18" charset="0"/>
+                        </a:rPr>
+                        <m:t>ₜ </m:t>
+                      </m:r>
+                      <m:r>
+                        <a:rPr lang="en-US" i="1" dirty="0" smtClean="0">
+                          <a:latin typeface="Cambria Math" panose="02040503050406030204" pitchFamily="18" charset="0"/>
+                        </a:rPr>
+                        <m:t>𝑊</m:t>
+                      </m:r>
+                      <m:r>
+                        <a:rPr lang="en-US" i="1" dirty="0" smtClean="0">
+                          <a:latin typeface="Cambria Math" panose="02040503050406030204" pitchFamily="18" charset="0"/>
+                        </a:rPr>
+                        <m:t>ₓᵢ + </m:t>
+                      </m:r>
+                      <m:r>
+                        <a:rPr lang="en-US" i="1" dirty="0" smtClean="0">
+                          <a:latin typeface="Cambria Math" panose="02040503050406030204" pitchFamily="18" charset="0"/>
+                        </a:rPr>
+                        <m:t>𝐻</m:t>
+                      </m:r>
+                      <m:r>
+                        <a:rPr lang="en-US" i="1" dirty="0" smtClean="0">
+                          <a:latin typeface="Cambria Math" panose="02040503050406030204" pitchFamily="18" charset="0"/>
+                        </a:rPr>
+                        <m:t>ₜ₋₁ </m:t>
+                      </m:r>
+                      <m:r>
+                        <a:rPr lang="en-US" i="1" dirty="0" smtClean="0">
+                          <a:latin typeface="Cambria Math" panose="02040503050406030204" pitchFamily="18" charset="0"/>
+                        </a:rPr>
+                        <m:t>𝑊</m:t>
+                      </m:r>
+                      <m:r>
+                        <a:rPr lang="en-US" i="1" dirty="0" smtClean="0">
+                          <a:latin typeface="Cambria Math" panose="02040503050406030204" pitchFamily="18" charset="0"/>
+                        </a:rPr>
+                        <m:t>ₕᵢ + </m:t>
+                      </m:r>
+                      <m:r>
+                        <a:rPr lang="en-US" i="1" dirty="0" smtClean="0">
+                          <a:latin typeface="Cambria Math" panose="02040503050406030204" pitchFamily="18" charset="0"/>
+                        </a:rPr>
+                        <m:t>𝑏</m:t>
+                      </m:r>
+                      <m:r>
+                        <a:rPr lang="en-US" i="1" dirty="0" smtClean="0">
+                          <a:latin typeface="Cambria Math" panose="02040503050406030204" pitchFamily="18" charset="0"/>
+                        </a:rPr>
+                        <m:t>ᵢ)</m:t>
+                      </m:r>
+                    </m:oMath>
+                  </m:oMathPara>
                 </a14:m>
+                <a:endParaRPr lang="en-US" dirty="0"/>
               </a:p>
               <a:p>
                 <a:r>
@@ -14240,6 +14224,7 @@
                     </m:oMath>
                   </m:oMathPara>
                 </a14:m>
+                <a:endParaRPr lang="en-US" dirty="0"/>
               </a:p>
               <a:p>
                 <a:endParaRPr lang="en-US" dirty="0"/>
@@ -14250,7 +14235,7 @@
             </p:txBody>
           </p:sp>
         </mc:Choice>
-        <mc:Fallback>
+        <mc:Fallback xmlns="">
           <p:sp>
             <p:nvSpPr>
               <p:cNvPr id="3" name="Content Placeholder 2">
@@ -14350,8 +14335,8 @@
           </a:p>
         </p:txBody>
       </p:sp>
-      <mc:AlternateContent xmlns:mc="http://schemas.openxmlformats.org/markup-compatibility/2006">
-        <mc:Choice xmlns:a14="http://schemas.microsoft.com/office/drawing/2010/main" Requires="a14">
+      <mc:AlternateContent xmlns:mc="http://schemas.openxmlformats.org/markup-compatibility/2006" xmlns:a14="http://schemas.microsoft.com/office/drawing/2010/main">
+        <mc:Choice Requires="a14">
           <p:sp>
             <p:nvSpPr>
               <p:cNvPr id="3" name="Content Placeholder 2">
@@ -14511,6 +14496,7 @@
                     </m:oMath>
                   </m:oMathPara>
                 </a14:m>
+                <a:endParaRPr lang="en-US" dirty="0"/>
               </a:p>
               <a:p>
                 <a:endParaRPr lang="en-US" dirty="0"/>
@@ -14594,6 +14580,7 @@
                     </m:oMath>
                   </m:oMathPara>
                 </a14:m>
+                <a:endParaRPr lang="en-US" dirty="0"/>
               </a:p>
               <a:p>
                 <a:endParaRPr lang="en-US" dirty="0"/>
@@ -14604,7 +14591,7 @@
             </p:txBody>
           </p:sp>
         </mc:Choice>
-        <mc:Fallback>
+        <mc:Fallback xmlns="">
           <p:sp>
             <p:nvSpPr>
               <p:cNvPr id="3" name="Content Placeholder 2">

--- a/slides/day 3/D3C1_RNNs.pptx
+++ b/slides/day 3/D3C1_RNNs.pptx
@@ -5,7 +5,7 @@
     <p:sldMasterId id="2147483648" r:id="rId1"/>
   </p:sldMasterIdLst>
   <p:notesMasterIdLst>
-    <p:notesMasterId r:id="rId27"/>
+    <p:notesMasterId r:id="rId26"/>
   </p:notesMasterIdLst>
   <p:sldIdLst>
     <p:sldId id="256" r:id="rId2"/>
@@ -13,17 +13,17 @@
     <p:sldId id="323" r:id="rId4"/>
     <p:sldId id="324" r:id="rId5"/>
     <p:sldId id="325" r:id="rId6"/>
-    <p:sldId id="263" r:id="rId7"/>
-    <p:sldId id="326" r:id="rId8"/>
-    <p:sldId id="328" r:id="rId9"/>
-    <p:sldId id="329" r:id="rId10"/>
-    <p:sldId id="330" r:id="rId11"/>
-    <p:sldId id="331" r:id="rId12"/>
-    <p:sldId id="332" r:id="rId13"/>
-    <p:sldId id="333" r:id="rId14"/>
-    <p:sldId id="334" r:id="rId15"/>
-    <p:sldId id="335" r:id="rId16"/>
-    <p:sldId id="336" r:id="rId17"/>
+    <p:sldId id="333" r:id="rId7"/>
+    <p:sldId id="336" r:id="rId8"/>
+    <p:sldId id="335" r:id="rId9"/>
+    <p:sldId id="344" r:id="rId10"/>
+    <p:sldId id="263" r:id="rId11"/>
+    <p:sldId id="326" r:id="rId12"/>
+    <p:sldId id="328" r:id="rId13"/>
+    <p:sldId id="345" r:id="rId14"/>
+    <p:sldId id="346" r:id="rId15"/>
+    <p:sldId id="332" r:id="rId16"/>
+    <p:sldId id="334" r:id="rId17"/>
     <p:sldId id="337" r:id="rId18"/>
     <p:sldId id="338" r:id="rId19"/>
     <p:sldId id="339" r:id="rId20"/>
@@ -31,8 +31,7 @@
     <p:sldId id="341" r:id="rId22"/>
     <p:sldId id="342" r:id="rId23"/>
     <p:sldId id="343" r:id="rId24"/>
-    <p:sldId id="281" r:id="rId25"/>
-    <p:sldId id="285" r:id="rId26"/>
+    <p:sldId id="285" r:id="rId25"/>
   </p:sldIdLst>
   <p:sldSz cx="12192000" cy="6858000"/>
   <p:notesSz cx="6858000" cy="9144000"/>
@@ -1134,7 +1133,7 @@
           <a:p>
             <a:fld id="{FF5685EE-3D40-0A4E-BB88-46887330FC0A}" type="datetimeFigureOut">
               <a:rPr lang="en-US" smtClean="0"/>
-              <a:t>9/29/25</a:t>
+              <a:t>10/2/25</a:t>
             </a:fld>
             <a:endParaRPr lang="en-US"/>
           </a:p>
@@ -1652,98 +1651,7 @@
           <a:p>
             <a:fld id="{F7021451-1387-4CA6-816F-3879F97B5CBC}" type="slidenum">
               <a:rPr lang="en-US"/>
-              <a:t>6</a:t>
-            </a:fld>
-            <a:endParaRPr lang="en-US"/>
-          </a:p>
-        </p:txBody>
-      </p:sp>
-    </p:spTree>
-    <p:extLst>
-      <p:ext uri="{BB962C8B-B14F-4D97-AF65-F5344CB8AC3E}">
-        <p14:creationId xmlns:p14="http://schemas.microsoft.com/office/powerpoint/2010/main" val="1024086991"/>
-      </p:ext>
-    </p:extLst>
-  </p:cSld>
-  <p:clrMapOvr>
-    <a:masterClrMapping/>
-  </p:clrMapOvr>
-</p:notes>
-</file>
-
-<file path=ppt/notesSlides/notesSlide4.xml><?xml version="1.0" encoding="utf-8"?>
-<p:notes xmlns:a="http://schemas.openxmlformats.org/drawingml/2006/main" xmlns:r="http://schemas.openxmlformats.org/officeDocument/2006/relationships" xmlns:p="http://schemas.openxmlformats.org/presentationml/2006/main">
-  <p:cSld>
-    <p:spTree>
-      <p:nvGrpSpPr>
-        <p:cNvPr id="1" name=""/>
-        <p:cNvGrpSpPr/>
-        <p:nvPr/>
-      </p:nvGrpSpPr>
-      <p:grpSpPr>
-        <a:xfrm>
-          <a:off x="0" y="0"/>
-          <a:ext cx="0" cy="0"/>
-          <a:chOff x="0" y="0"/>
-          <a:chExt cx="0" cy="0"/>
-        </a:xfrm>
-      </p:grpSpPr>
-      <p:sp>
-        <p:nvSpPr>
-          <p:cNvPr id="2" name="Slide Image Placeholder 1"/>
-          <p:cNvSpPr>
-            <a:spLocks noGrp="1" noRot="1" noChangeAspect="1"/>
-          </p:cNvSpPr>
-          <p:nvPr>
-            <p:ph type="sldImg"/>
-          </p:nvPr>
-        </p:nvSpPr>
-        <p:spPr/>
-        <p:txBody>
-          <a:bodyPr/>
-          <a:lstStyle/>
-          <a:p>
-            <a:endParaRPr/>
-          </a:p>
-        </p:txBody>
-      </p:sp>
-      <p:sp>
-        <p:nvSpPr>
-          <p:cNvPr id="3" name="Notes Placeholder 2"/>
-          <p:cNvSpPr>
-            <a:spLocks noGrp="1"/>
-          </p:cNvSpPr>
-          <p:nvPr>
-            <p:ph type="body" idx="1"/>
-          </p:nvPr>
-        </p:nvSpPr>
-        <p:spPr/>
-        <p:txBody>
-          <a:bodyPr/>
-          <a:lstStyle/>
-          <a:p>
-            <a:endParaRPr lang="en-US" dirty="0"/>
-          </a:p>
-        </p:txBody>
-      </p:sp>
-      <p:sp>
-        <p:nvSpPr>
-          <p:cNvPr id="4" name="Slide Number Placeholder 3"/>
-          <p:cNvSpPr>
-            <a:spLocks noGrp="1"/>
-          </p:cNvSpPr>
-          <p:nvPr>
-            <p:ph type="sldNum" sz="quarter" idx="10"/>
-          </p:nvPr>
-        </p:nvSpPr>
-        <p:spPr/>
-        <p:txBody>
-          <a:bodyPr/>
-          <a:lstStyle/>
-          <a:p>
-            <a:fld id="{F7021451-1387-4CA6-816F-3879F97B5CBC}" type="slidenum">
-              <a:rPr lang="en-US"/>
-              <a:t>24</a:t>
+              <a:t>10</a:t>
             </a:fld>
             <a:endParaRPr lang="en-US"/>
           </a:p>
@@ -1879,7 +1787,7 @@
             <a:fld id="{16F2FB5F-D553-C945-B874-A642CC0C851F}" type="datetime3">
               <a:rPr lang="en-IE" smtClean="0"/>
               <a:pPr/>
-              <a:t>29 September 2025</a:t>
+              <a:t>2 October 2025</a:t>
             </a:fld>
             <a:endParaRPr lang="en-US" dirty="0"/>
           </a:p>
@@ -2737,7 +2645,7 @@
             <a:fld id="{16F2FB5F-D553-C945-B874-A642CC0C851F}" type="datetime3">
               <a:rPr lang="en-IE" smtClean="0"/>
               <a:pPr/>
-              <a:t>29 September 2025</a:t>
+              <a:t>2 October 2025</a:t>
             </a:fld>
             <a:endParaRPr lang="en-US" dirty="0"/>
           </a:p>
@@ -3015,7 +2923,7 @@
             <a:fld id="{16F2FB5F-D553-C945-B874-A642CC0C851F}" type="datetime3">
               <a:rPr lang="en-IE" smtClean="0"/>
               <a:pPr/>
-              <a:t>29 September 2025</a:t>
+              <a:t>2 October 2025</a:t>
             </a:fld>
             <a:endParaRPr lang="en-US" dirty="0"/>
           </a:p>
@@ -4697,10 +4605,10 @@
       </p:grpSpPr>
       <p:sp>
         <p:nvSpPr>
-          <p:cNvPr id="2" name="Title 1">
+          <p:cNvPr id="7" name="Title 6">
             <a:extLst>
               <a:ext uri="{FF2B5EF4-FFF2-40B4-BE49-F238E27FC236}">
-                <a16:creationId xmlns:a16="http://schemas.microsoft.com/office/drawing/2014/main" id="{9AAE5FCC-5E20-469C-F353-2B3BA2C9ECA4}"/>
+                <a16:creationId xmlns:a16="http://schemas.microsoft.com/office/drawing/2014/main" id="{06ADF00B-1D26-8A0D-95F3-808521FD71AF}"/>
               </a:ext>
             </a:extLst>
           </p:cNvPr>
@@ -4720,19 +4628,137 @@
           <a:p>
             <a:r>
               <a:rPr lang="en-US" dirty="0"/>
-              <a:t>Output Gate &amp; Hidden State</a:t>
+              <a:t>Long Short‑Term Memory (LSTM)</a:t>
             </a:r>
           </a:p>
         </p:txBody>
       </p:sp>
-      <mc:AlternateContent xmlns:mc="http://schemas.openxmlformats.org/markup-compatibility/2006" xmlns:a14="http://schemas.microsoft.com/office/drawing/2010/main">
-        <mc:Choice Requires="a14">
+      <p:sp>
+        <p:nvSpPr>
+          <p:cNvPr id="8" name="Content Placeholder 7">
+            <a:extLst>
+              <a:ext uri="{FF2B5EF4-FFF2-40B4-BE49-F238E27FC236}">
+                <a16:creationId xmlns:a16="http://schemas.microsoft.com/office/drawing/2014/main" id="{7A8D1424-A097-944D-9AC3-3DD95C94C64D}"/>
+              </a:ext>
+            </a:extLst>
+          </p:cNvPr>
+          <p:cNvSpPr>
+            <a:spLocks noGrp="1"/>
+          </p:cNvSpPr>
+          <p:nvPr>
+            <p:ph idx="1"/>
+          </p:nvPr>
+        </p:nvSpPr>
+        <p:spPr/>
+        <p:txBody>
+          <a:bodyPr>
+            <a:normAutofit lnSpcReduction="10000"/>
+          </a:bodyPr>
+          <a:lstStyle/>
+          <a:p>
+            <a:pPr marL="0" indent="0">
+              <a:buNone/>
+            </a:pPr>
+            <a:r>
+              <a:rPr lang="en-US" b="1" dirty="0"/>
+              <a:t>Motivation</a:t>
+            </a:r>
+          </a:p>
+          <a:p>
+            <a:r>
+              <a:rPr lang="en-US" dirty="0"/>
+              <a:t>LSTMs were proposed to overcome vanishing gradients by introducing a dedicated long term memory cell.</a:t>
+            </a:r>
+          </a:p>
+          <a:p>
+            <a:endParaRPr lang="en-US" dirty="0"/>
+          </a:p>
+          <a:p>
+            <a:pPr marL="0" indent="0">
+              <a:buNone/>
+            </a:pPr>
+            <a:r>
+              <a:rPr lang="en-US" b="1" dirty="0"/>
+              <a:t>Key idea</a:t>
+            </a:r>
+          </a:p>
+          <a:p>
+            <a:r>
+              <a:rPr lang="en-US" dirty="0"/>
+              <a:t>Control the flow of information with ‘gates’ that learn when to forget past data, when to incorporate new input and when to expose the memory to the rest of the network.</a:t>
+            </a:r>
+          </a:p>
+          <a:p>
+            <a:endParaRPr lang="en-US" dirty="0"/>
+          </a:p>
+          <a:p>
+            <a:endParaRPr lang="en-US" dirty="0"/>
+          </a:p>
+        </p:txBody>
+      </p:sp>
+    </p:spTree>
+  </p:cSld>
+  <p:clrMapOvr>
+    <a:masterClrMapping/>
+  </p:clrMapOvr>
+</p:sld>
+</file>
+
+<file path=ppt/slides/slide11.xml><?xml version="1.0" encoding="utf-8"?>
+<p:sld xmlns:a="http://schemas.openxmlformats.org/drawingml/2006/main" xmlns:r="http://schemas.openxmlformats.org/officeDocument/2006/relationships" xmlns:p="http://schemas.openxmlformats.org/presentationml/2006/main">
+  <p:cSld>
+    <p:spTree>
+      <p:nvGrpSpPr>
+        <p:cNvPr id="1" name=""/>
+        <p:cNvGrpSpPr/>
+        <p:nvPr/>
+      </p:nvGrpSpPr>
+      <p:grpSpPr>
+        <a:xfrm>
+          <a:off x="0" y="0"/>
+          <a:ext cx="0" cy="0"/>
+          <a:chOff x="0" y="0"/>
+          <a:chExt cx="0" cy="0"/>
+        </a:xfrm>
+      </p:grpSpPr>
+      <p:sp>
+        <p:nvSpPr>
+          <p:cNvPr id="2" name="Title 1">
+            <a:extLst>
+              <a:ext uri="{FF2B5EF4-FFF2-40B4-BE49-F238E27FC236}">
+                <a16:creationId xmlns:a16="http://schemas.microsoft.com/office/drawing/2014/main" id="{8FCA0F73-DBE6-3244-34D8-B63CF84D6B5E}"/>
+              </a:ext>
+            </a:extLst>
+          </p:cNvPr>
+          <p:cNvSpPr>
+            <a:spLocks noGrp="1"/>
+          </p:cNvSpPr>
+          <p:nvPr>
+            <p:ph type="title"/>
+          </p:nvPr>
+        </p:nvSpPr>
+        <p:spPr/>
+        <p:txBody>
+          <a:bodyPr>
+            <a:normAutofit/>
+          </a:bodyPr>
+          <a:lstStyle/>
+          <a:p>
+            <a:r>
+              <a:rPr lang="en-US" dirty="0"/>
+              <a:t>Anatomy of an LSTM Cell</a:t>
+            </a:r>
+          </a:p>
+        </p:txBody>
+      </p:sp>
+      <mc:AlternateContent xmlns:mc="http://schemas.openxmlformats.org/markup-compatibility/2006">
+        <mc:Choice xmlns:a14="http://schemas.microsoft.com/office/drawing/2010/main" Requires="a14">
           <p:sp>
             <p:nvSpPr>
               <p:cNvPr id="3" name="Content Placeholder 2">
                 <a:extLst>
                   <a:ext uri="{FF2B5EF4-FFF2-40B4-BE49-F238E27FC236}">
-                    <a16:creationId xmlns:a16="http://schemas.microsoft.com/office/drawing/2014/main" id="{1FC0050B-9BA1-56DF-861F-CECEB917A0A9}"/>
+                    <a16:creationId xmlns:a16="http://schemas.microsoft.com/office/drawing/2014/main" id="{57BFE5B8-1654-D2A5-B6FC-23BCF9FFE9F6}"/>
                   </a:ext>
                 </a:extLst>
               </p:cNvPr>
@@ -4750,7 +4776,224 @@
               <a:p>
                 <a:r>
                   <a:rPr lang="en-US" dirty="0"/>
-                  <a:t>Output gate:</a:t>
+                  <a:t>Have two current states: a long-term memory and a short-term memory (which gives our prediction)</a:t>
+                </a:r>
+              </a:p>
+              <a:p>
+                <a:r>
+                  <a:rPr lang="en-US" dirty="0"/>
+                  <a:t>Forget gate (</a:t>
+                </a:r>
+                <a14:m>
+                  <m:oMath xmlns:m="http://schemas.openxmlformats.org/officeDocument/2006/math">
+                    <m:r>
+                      <a:rPr lang="en-US" i="1" dirty="0">
+                        <a:latin typeface="Cambria Math" panose="02040503050406030204" pitchFamily="18" charset="0"/>
+                      </a:rPr>
+                      <m:t>𝐹</m:t>
+                    </m:r>
+                    <m:r>
+                      <a:rPr lang="en-US" i="1" dirty="0">
+                        <a:latin typeface="Cambria Math" panose="02040503050406030204" pitchFamily="18" charset="0"/>
+                      </a:rPr>
+                      <m:t>ₜ</m:t>
+                    </m:r>
+                  </m:oMath>
+                </a14:m>
+                <a:r>
+                  <a:rPr lang="en-US" dirty="0"/>
+                  <a:t>): controls what fraction of the long-term memory is kept</a:t>
+                </a:r>
+              </a:p>
+              <a:p>
+                <a:r>
+                  <a:rPr lang="en-US" dirty="0"/>
+                  <a:t>Input gate (</a:t>
+                </a:r>
+                <a14:m>
+                  <m:oMath xmlns:m="http://schemas.openxmlformats.org/officeDocument/2006/math">
+                    <m:r>
+                      <a:rPr lang="en-US" i="1" dirty="0" smtClean="0">
+                        <a:latin typeface="Cambria Math" panose="02040503050406030204" pitchFamily="18" charset="0"/>
+                      </a:rPr>
+                      <m:t>𝐼</m:t>
+                    </m:r>
+                    <m:r>
+                      <a:rPr lang="en-US" i="1" dirty="0" smtClean="0">
+                        <a:latin typeface="Cambria Math" panose="02040503050406030204" pitchFamily="18" charset="0"/>
+                      </a:rPr>
+                      <m:t>ₜ</m:t>
+                    </m:r>
+                  </m:oMath>
+                </a14:m>
+                <a:r>
+                  <a:rPr lang="en-US" dirty="0"/>
+                  <a:t>): updates the long-term memory value</a:t>
+                </a:r>
+              </a:p>
+              <a:p>
+                <a:r>
+                  <a:rPr lang="en-US" dirty="0"/>
+                  <a:t>Output gate (</a:t>
+                </a:r>
+                <a14:m>
+                  <m:oMath xmlns:m="http://schemas.openxmlformats.org/officeDocument/2006/math">
+                    <m:r>
+                      <a:rPr lang="en-US" i="1" dirty="0" smtClean="0">
+                        <a:latin typeface="Cambria Math" panose="02040503050406030204" pitchFamily="18" charset="0"/>
+                      </a:rPr>
+                      <m:t>𝑂</m:t>
+                    </m:r>
+                    <m:r>
+                      <a:rPr lang="en-US" i="1" dirty="0" smtClean="0">
+                        <a:latin typeface="Cambria Math" panose="02040503050406030204" pitchFamily="18" charset="0"/>
+                      </a:rPr>
+                      <m:t>ₜ</m:t>
+                    </m:r>
+                  </m:oMath>
+                </a14:m>
+                <a:r>
+                  <a:rPr lang="en-US" dirty="0"/>
+                  <a:t>): updates the short-term memory and provides our new prediction</a:t>
+                </a:r>
+              </a:p>
+              <a:p>
+                <a:endParaRPr lang="en-US" dirty="0"/>
+              </a:p>
+              <a:p>
+                <a:endParaRPr lang="en-US" dirty="0"/>
+              </a:p>
+            </p:txBody>
+          </p:sp>
+        </mc:Choice>
+        <mc:Fallback>
+          <p:sp>
+            <p:nvSpPr>
+              <p:cNvPr id="3" name="Content Placeholder 2">
+                <a:extLst>
+                  <a:ext uri="{FF2B5EF4-FFF2-40B4-BE49-F238E27FC236}">
+                    <a16:creationId xmlns:a16="http://schemas.microsoft.com/office/drawing/2014/main" id="{57BFE5B8-1654-D2A5-B6FC-23BCF9FFE9F6}"/>
+                  </a:ext>
+                </a:extLst>
+              </p:cNvPr>
+              <p:cNvSpPr>
+                <a:spLocks noGrp="1" noRot="1" noChangeAspect="1" noMove="1" noResize="1" noEditPoints="1" noAdjustHandles="1" noChangeArrowheads="1" noChangeShapeType="1" noTextEdit="1"/>
+              </p:cNvSpPr>
+              <p:nvPr>
+                <p:ph idx="1"/>
+              </p:nvPr>
+            </p:nvSpPr>
+            <p:spPr>
+              <a:blipFill>
+                <a:blip r:embed="rId2"/>
+                <a:stretch>
+                  <a:fillRect l="-1368" t="-2439" r="-912"/>
+                </a:stretch>
+              </a:blipFill>
+            </p:spPr>
+            <p:txBody>
+              <a:bodyPr/>
+              <a:lstStyle/>
+              <a:p>
+                <a:r>
+                  <a:rPr lang="en-US">
+                    <a:noFill/>
+                  </a:rPr>
+                  <a:t> </a:t>
+                </a:r>
+              </a:p>
+            </p:txBody>
+          </p:sp>
+        </mc:Fallback>
+      </mc:AlternateContent>
+    </p:spTree>
+    <p:extLst>
+      <p:ext uri="{BB962C8B-B14F-4D97-AF65-F5344CB8AC3E}">
+        <p14:creationId xmlns:p14="http://schemas.microsoft.com/office/powerpoint/2010/main" val="3527331280"/>
+      </p:ext>
+    </p:extLst>
+  </p:cSld>
+  <p:clrMapOvr>
+    <a:masterClrMapping/>
+  </p:clrMapOvr>
+</p:sld>
+</file>
+
+<file path=ppt/slides/slide12.xml><?xml version="1.0" encoding="utf-8"?>
+<p:sld xmlns:a="http://schemas.openxmlformats.org/drawingml/2006/main" xmlns:r="http://schemas.openxmlformats.org/officeDocument/2006/relationships" xmlns:p="http://schemas.openxmlformats.org/presentationml/2006/main">
+  <p:cSld>
+    <p:spTree>
+      <p:nvGrpSpPr>
+        <p:cNvPr id="1" name=""/>
+        <p:cNvGrpSpPr/>
+        <p:nvPr/>
+      </p:nvGrpSpPr>
+      <p:grpSpPr>
+        <a:xfrm>
+          <a:off x="0" y="0"/>
+          <a:ext cx="0" cy="0"/>
+          <a:chOff x="0" y="0"/>
+          <a:chExt cx="0" cy="0"/>
+        </a:xfrm>
+      </p:grpSpPr>
+      <p:sp>
+        <p:nvSpPr>
+          <p:cNvPr id="2" name="Title 1">
+            <a:extLst>
+              <a:ext uri="{FF2B5EF4-FFF2-40B4-BE49-F238E27FC236}">
+                <a16:creationId xmlns:a16="http://schemas.microsoft.com/office/drawing/2014/main" id="{6EA26B4F-D4A5-265E-8D94-66A1631F7D4A}"/>
+              </a:ext>
+            </a:extLst>
+          </p:cNvPr>
+          <p:cNvSpPr>
+            <a:spLocks noGrp="1"/>
+          </p:cNvSpPr>
+          <p:nvPr>
+            <p:ph type="title"/>
+          </p:nvPr>
+        </p:nvSpPr>
+        <p:spPr/>
+        <p:txBody>
+          <a:bodyPr>
+            <a:normAutofit/>
+          </a:bodyPr>
+          <a:lstStyle/>
+          <a:p>
+            <a:r>
+              <a:rPr lang="en-US" dirty="0"/>
+              <a:t>First set of gates</a:t>
+            </a:r>
+          </a:p>
+        </p:txBody>
+      </p:sp>
+      <mc:AlternateContent xmlns:mc="http://schemas.openxmlformats.org/markup-compatibility/2006">
+        <mc:Choice xmlns:a14="http://schemas.microsoft.com/office/drawing/2010/main" Requires="a14">
+          <p:sp>
+            <p:nvSpPr>
+              <p:cNvPr id="3" name="Content Placeholder 2">
+                <a:extLst>
+                  <a:ext uri="{FF2B5EF4-FFF2-40B4-BE49-F238E27FC236}">
+                    <a16:creationId xmlns:a16="http://schemas.microsoft.com/office/drawing/2014/main" id="{A98F5FA5-6C95-84EA-6E34-F68DA33C67CD}"/>
+                  </a:ext>
+                </a:extLst>
+              </p:cNvPr>
+              <p:cNvSpPr>
+                <a:spLocks noGrp="1"/>
+              </p:cNvSpPr>
+              <p:nvPr>
+                <p:ph idx="1"/>
+              </p:nvPr>
+            </p:nvSpPr>
+            <p:spPr/>
+            <p:txBody>
+              <a:bodyPr>
+                <a:normAutofit/>
+              </a:bodyPr>
+              <a:lstStyle/>
+              <a:p>
+                <a:r>
+                  <a:rPr lang="en-US" dirty="0"/>
+                  <a:t>Input gate:</a:t>
                 </a:r>
               </a:p>
               <a:p>
@@ -4764,10 +5007,10 @@
                     </m:oMathParaPr>
                     <m:oMath xmlns:m="http://schemas.openxmlformats.org/officeDocument/2006/math">
                       <m:r>
-                        <a:rPr lang="en-US" i="1" dirty="0" smtClean="0">
+                        <a:rPr lang="en-IE" b="0" i="1" dirty="0" smtClean="0">
                           <a:latin typeface="Cambria Math" panose="02040503050406030204" pitchFamily="18" charset="0"/>
                         </a:rPr>
-                        <m:t>𝑂</m:t>
+                        <m:t>𝑖</m:t>
                       </m:r>
                       <m:r>
                         <a:rPr lang="en-US" i="1" dirty="0" smtClean="0">
@@ -4799,24 +5042,87 @@
                         </a:rPr>
                         <m:t>ₜ </m:t>
                       </m:r>
+                      <m:sSub>
+                        <m:sSubPr>
+                          <m:ctrlPr>
+                            <a:rPr lang="en-IE" b="0" i="1" dirty="0" smtClean="0">
+                              <a:latin typeface="Cambria Math" panose="02040503050406030204" pitchFamily="18" charset="0"/>
+                            </a:rPr>
+                          </m:ctrlPr>
+                        </m:sSubPr>
+                        <m:e>
+                          <m:r>
+                            <a:rPr lang="en-US" i="1" dirty="0" smtClean="0">
+                              <a:latin typeface="Cambria Math" panose="02040503050406030204" pitchFamily="18" charset="0"/>
+                            </a:rPr>
+                            <m:t>𝑊</m:t>
+                          </m:r>
+                        </m:e>
+                        <m:sub>
+                          <m:r>
+                            <a:rPr lang="en-IE" b="0" i="1" dirty="0" smtClean="0">
+                              <a:latin typeface="Cambria Math" panose="02040503050406030204" pitchFamily="18" charset="0"/>
+                            </a:rPr>
+                            <m:t>𝑋𝑖</m:t>
+                          </m:r>
+                        </m:sub>
+                      </m:sSub>
                       <m:r>
-                        <a:rPr lang="en-US" i="1" dirty="0" err="1" smtClean="0">
+                        <a:rPr lang="en-US" i="1" dirty="0" smtClean="0">
                           <a:latin typeface="Cambria Math" panose="02040503050406030204" pitchFamily="18" charset="0"/>
                         </a:rPr>
-                        <m:t>𝑊</m:t>
+                        <m:t> + </m:t>
                       </m:r>
-                      <m:r>
-                        <a:rPr lang="en-US" i="1" dirty="0" err="1" smtClean="0">
-                          <a:latin typeface="Cambria Math" panose="02040503050406030204" pitchFamily="18" charset="0"/>
-                        </a:rPr>
-                        <m:t>ₓ</m:t>
-                      </m:r>
-                      <m:r>
-                        <a:rPr lang="en-US" i="1" dirty="0" err="1" smtClean="0">
-                          <a:latin typeface="Cambria Math" panose="02040503050406030204" pitchFamily="18" charset="0"/>
-                        </a:rPr>
-                        <m:t>𝑜</m:t>
-                      </m:r>
+                      <m:sSub>
+                        <m:sSubPr>
+                          <m:ctrlPr>
+                            <a:rPr lang="en-IE" b="0" i="1" dirty="0" smtClean="0">
+                              <a:latin typeface="Cambria Math" panose="02040503050406030204" pitchFamily="18" charset="0"/>
+                            </a:rPr>
+                          </m:ctrlPr>
+                        </m:sSubPr>
+                        <m:e>
+                          <m:r>
+                            <a:rPr lang="en-US" i="1" dirty="0" smtClean="0">
+                              <a:latin typeface="Cambria Math" panose="02040503050406030204" pitchFamily="18" charset="0"/>
+                            </a:rPr>
+                            <m:t>𝐻</m:t>
+                          </m:r>
+                        </m:e>
+                        <m:sub>
+                          <m:r>
+                            <a:rPr lang="en-IE" b="0" i="1" dirty="0" smtClean="0">
+                              <a:latin typeface="Cambria Math" panose="02040503050406030204" pitchFamily="18" charset="0"/>
+                            </a:rPr>
+                            <m:t>𝑡</m:t>
+                          </m:r>
+                        </m:sub>
+                      </m:sSub>
+                      <m:sSub>
+                        <m:sSubPr>
+                          <m:ctrlPr>
+                            <a:rPr lang="en-IE" b="0" i="1" dirty="0" smtClean="0">
+                              <a:latin typeface="Cambria Math" panose="02040503050406030204" pitchFamily="18" charset="0"/>
+                            </a:rPr>
+                          </m:ctrlPr>
+                        </m:sSubPr>
+                        <m:e>
+                          <m:r>
+                            <a:rPr lang="en-US" i="1" dirty="0" smtClean="0">
+                              <a:latin typeface="Cambria Math" panose="02040503050406030204" pitchFamily="18" charset="0"/>
+                            </a:rPr>
+                            <m:t>𝑊</m:t>
+                          </m:r>
+                        </m:e>
+                        <m:sub>
+                          <m:r>
+                            <a:rPr lang="en-IE" b="0" i="1" dirty="0" smtClean="0">
+                              <a:latin typeface="Cambria Math" panose="02040503050406030204" pitchFamily="18" charset="0"/>
+                            </a:rPr>
+                            <m:t>h𝑖</m:t>
+                          </m:r>
+                        </m:sub>
+                      </m:sSub>
                       <m:r>
                         <a:rPr lang="en-US" i="1" dirty="0" smtClean="0">
                           <a:latin typeface="Cambria Math" panose="02040503050406030204" pitchFamily="18" charset="0"/>
@@ -4827,61 +5133,13 @@
                         <a:rPr lang="en-US" i="1" dirty="0" smtClean="0">
                           <a:latin typeface="Cambria Math" panose="02040503050406030204" pitchFamily="18" charset="0"/>
                         </a:rPr>
-                        <m:t>𝐻</m:t>
+                        <m:t>𝑏</m:t>
                       </m:r>
                       <m:r>
                         <a:rPr lang="en-US" i="1" dirty="0" smtClean="0">
                           <a:latin typeface="Cambria Math" panose="02040503050406030204" pitchFamily="18" charset="0"/>
                         </a:rPr>
-                        <m:t>ₜ₋₁ </m:t>
-                      </m:r>
-                      <m:r>
-                        <a:rPr lang="en-US" i="1" dirty="0" err="1" smtClean="0">
-                          <a:latin typeface="Cambria Math" panose="02040503050406030204" pitchFamily="18" charset="0"/>
-                        </a:rPr>
-                        <m:t>𝑊</m:t>
-                      </m:r>
-                      <m:r>
-                        <a:rPr lang="en-US" i="1" dirty="0" err="1" smtClean="0">
-                          <a:latin typeface="Cambria Math" panose="02040503050406030204" pitchFamily="18" charset="0"/>
-                        </a:rPr>
-                        <m:t>ₕ</m:t>
-                      </m:r>
-                      <m:r>
-                        <a:rPr lang="en-US" i="1" dirty="0" err="1" smtClean="0">
-                          <a:latin typeface="Cambria Math" panose="02040503050406030204" pitchFamily="18" charset="0"/>
-                        </a:rPr>
-                        <m:t>𝑜</m:t>
-                      </m:r>
-                      <m:r>
-                        <a:rPr lang="en-US" i="1" dirty="0" smtClean="0">
-                          <a:latin typeface="Cambria Math" panose="02040503050406030204" pitchFamily="18" charset="0"/>
-                        </a:rPr>
-                        <m:t> + </m:t>
-                      </m:r>
-                      <m:r>
-                        <a:rPr lang="en-US" i="1" dirty="0" err="1" smtClean="0">
-                          <a:latin typeface="Cambria Math" panose="02040503050406030204" pitchFamily="18" charset="0"/>
-                        </a:rPr>
-                        <m:t>𝑏</m:t>
-                      </m:r>
-                      <m:r>
-                        <a:rPr lang="en-US" i="1" dirty="0" err="1" smtClean="0">
-                          <a:latin typeface="Cambria Math" panose="02040503050406030204" pitchFamily="18" charset="0"/>
-                        </a:rPr>
-                        <m:t>_</m:t>
-                      </m:r>
-                      <m:r>
-                        <a:rPr lang="en-US" i="1" dirty="0" err="1" smtClean="0">
-                          <a:latin typeface="Cambria Math" panose="02040503050406030204" pitchFamily="18" charset="0"/>
-                        </a:rPr>
-                        <m:t>𝑜</m:t>
-                      </m:r>
-                      <m:r>
-                        <a:rPr lang="en-US" i="1" dirty="0" smtClean="0">
-                          <a:latin typeface="Cambria Math" panose="02040503050406030204" pitchFamily="18" charset="0"/>
-                        </a:rPr>
-                        <m:t>)</m:t>
+                        <m:t>ᵢ)</m:t>
                       </m:r>
                     </m:oMath>
                   </m:oMathPara>
@@ -4889,12 +5147,9 @@
                 <a:endParaRPr lang="en-US" dirty="0"/>
               </a:p>
               <a:p>
-                <a:endParaRPr lang="en-US" dirty="0"/>
-              </a:p>
-              <a:p>
                 <a:r>
                   <a:rPr lang="en-US" dirty="0"/>
-                  <a:t>Hidden state:</a:t>
+                  <a:t>Forget gate:</a:t>
                 </a:r>
               </a:p>
               <a:p>
@@ -4908,55 +5163,551 @@
                     </m:oMathParaPr>
                     <m:oMath xmlns:m="http://schemas.openxmlformats.org/officeDocument/2006/math">
                       <m:r>
-                        <a:rPr lang="en-US" i="1" dirty="0" smtClean="0">
+                        <a:rPr lang="en-IE" b="0" i="1" dirty="0" smtClean="0">
                           <a:latin typeface="Cambria Math" panose="02040503050406030204" pitchFamily="18" charset="0"/>
                         </a:rPr>
-                        <m:t>𝐻</m:t>
+                        <m:t>𝑓</m:t>
                       </m:r>
                       <m:r>
-                        <a:rPr lang="en-US" i="1" dirty="0" smtClean="0">
+                        <a:rPr lang="en-US" i="1" dirty="0">
                           <a:latin typeface="Cambria Math" panose="02040503050406030204" pitchFamily="18" charset="0"/>
                         </a:rPr>
                         <m:t>ₜ = </m:t>
                       </m:r>
                       <m:r>
-                        <a:rPr lang="en-US" i="1" dirty="0" smtClean="0">
+                        <a:rPr lang="el-GR" i="1" dirty="0">
                           <a:latin typeface="Cambria Math" panose="02040503050406030204" pitchFamily="18" charset="0"/>
                         </a:rPr>
-                        <m:t>𝑂</m:t>
+                        <m:t>𝜎</m:t>
                       </m:r>
+                      <m:r>
+                        <a:rPr lang="el-GR" i="1" dirty="0">
+                          <a:latin typeface="Cambria Math" panose="02040503050406030204" pitchFamily="18" charset="0"/>
+                        </a:rPr>
+                        <m:t>(</m:t>
+                      </m:r>
+                      <m:r>
+                        <a:rPr lang="en-US" i="1" dirty="0">
+                          <a:latin typeface="Cambria Math" panose="02040503050406030204" pitchFamily="18" charset="0"/>
+                        </a:rPr>
+                        <m:t>𝑋</m:t>
+                      </m:r>
+                      <m:r>
+                        <a:rPr lang="en-US" i="1" dirty="0">
+                          <a:latin typeface="Cambria Math" panose="02040503050406030204" pitchFamily="18" charset="0"/>
+                        </a:rPr>
+                        <m:t>ₜ </m:t>
+                      </m:r>
+                      <m:sSub>
+                        <m:sSubPr>
+                          <m:ctrlPr>
+                            <a:rPr lang="en-IE" b="0" i="1" dirty="0" smtClean="0">
+                              <a:latin typeface="Cambria Math" panose="02040503050406030204" pitchFamily="18" charset="0"/>
+                            </a:rPr>
+                          </m:ctrlPr>
+                        </m:sSubPr>
+                        <m:e>
+                          <m:r>
+                            <a:rPr lang="en-US" i="1" dirty="0">
+                              <a:latin typeface="Cambria Math" panose="02040503050406030204" pitchFamily="18" charset="0"/>
+                            </a:rPr>
+                            <m:t>𝑊</m:t>
+                          </m:r>
+                        </m:e>
+                        <m:sub>
+                          <m:r>
+                            <a:rPr lang="en-IE" i="1" dirty="0">
+                              <a:latin typeface="Cambria Math" panose="02040503050406030204" pitchFamily="18" charset="0"/>
+                            </a:rPr>
+                            <m:t>𝑋</m:t>
+                          </m:r>
+                          <m:r>
+                            <a:rPr lang="en-IE" b="0" i="1" dirty="0" smtClean="0">
+                              <a:latin typeface="Cambria Math" panose="02040503050406030204" pitchFamily="18" charset="0"/>
+                            </a:rPr>
+                            <m:t>𝑓</m:t>
+                          </m:r>
+                        </m:sub>
+                      </m:sSub>
+                      <m:r>
+                        <a:rPr lang="en-US" i="1" dirty="0">
+                          <a:latin typeface="Cambria Math" panose="02040503050406030204" pitchFamily="18" charset="0"/>
+                        </a:rPr>
+                        <m:t> + </m:t>
+                      </m:r>
+                      <m:sSub>
+                        <m:sSubPr>
+                          <m:ctrlPr>
+                            <a:rPr lang="en-IE" b="0" i="1" dirty="0" smtClean="0">
+                              <a:latin typeface="Cambria Math" panose="02040503050406030204" pitchFamily="18" charset="0"/>
+                            </a:rPr>
+                          </m:ctrlPr>
+                        </m:sSubPr>
+                        <m:e>
+                          <m:r>
+                            <a:rPr lang="en-US" i="1" dirty="0">
+                              <a:latin typeface="Cambria Math" panose="02040503050406030204" pitchFamily="18" charset="0"/>
+                            </a:rPr>
+                            <m:t>𝐻</m:t>
+                          </m:r>
+                        </m:e>
+                        <m:sub>
+                          <m:r>
+                            <a:rPr lang="en-IE" b="0" i="1" dirty="0" smtClean="0">
+                              <a:latin typeface="Cambria Math" panose="02040503050406030204" pitchFamily="18" charset="0"/>
+                            </a:rPr>
+                            <m:t>𝑡</m:t>
+                          </m:r>
+                        </m:sub>
+                      </m:sSub>
+                      <m:sSub>
+                        <m:sSubPr>
+                          <m:ctrlPr>
+                            <a:rPr lang="en-IE" b="0" i="1" dirty="0" smtClean="0">
+                              <a:latin typeface="Cambria Math" panose="02040503050406030204" pitchFamily="18" charset="0"/>
+                            </a:rPr>
+                          </m:ctrlPr>
+                        </m:sSubPr>
+                        <m:e>
+                          <m:r>
+                            <a:rPr lang="en-US" i="1" dirty="0">
+                              <a:latin typeface="Cambria Math" panose="02040503050406030204" pitchFamily="18" charset="0"/>
+                            </a:rPr>
+                            <m:t>𝑊</m:t>
+                          </m:r>
+                        </m:e>
+                        <m:sub>
+                          <m:r>
+                            <a:rPr lang="en-IE" b="0" i="1" dirty="0" smtClean="0">
+                              <a:latin typeface="Cambria Math" panose="02040503050406030204" pitchFamily="18" charset="0"/>
+                            </a:rPr>
+                            <m:t>h𝑓</m:t>
+                          </m:r>
+                        </m:sub>
+                      </m:sSub>
+                      <m:r>
+                        <a:rPr lang="en-US" i="1" dirty="0">
+                          <a:latin typeface="Cambria Math" panose="02040503050406030204" pitchFamily="18" charset="0"/>
+                        </a:rPr>
+                        <m:t> + </m:t>
+                      </m:r>
+                      <m:sSub>
+                        <m:sSubPr>
+                          <m:ctrlPr>
+                            <a:rPr lang="en-IE" b="0" i="1" dirty="0" smtClean="0">
+                              <a:latin typeface="Cambria Math" panose="02040503050406030204" pitchFamily="18" charset="0"/>
+                            </a:rPr>
+                          </m:ctrlPr>
+                        </m:sSubPr>
+                        <m:e>
+                          <m:r>
+                            <a:rPr lang="en-US" i="1" dirty="0">
+                              <a:latin typeface="Cambria Math" panose="02040503050406030204" pitchFamily="18" charset="0"/>
+                            </a:rPr>
+                            <m:t>𝑏</m:t>
+                          </m:r>
+                        </m:e>
+                        <m:sub>
+                          <m:r>
+                            <a:rPr lang="en-IE" b="0" i="1" dirty="0" smtClean="0">
+                              <a:latin typeface="Cambria Math" panose="02040503050406030204" pitchFamily="18" charset="0"/>
+                            </a:rPr>
+                            <m:t>𝑓</m:t>
+                          </m:r>
+                        </m:sub>
+                      </m:sSub>
+                      <m:r>
+                        <a:rPr lang="en-US" i="1" dirty="0">
+                          <a:latin typeface="Cambria Math" panose="02040503050406030204" pitchFamily="18" charset="0"/>
+                        </a:rPr>
+                        <m:t>)</m:t>
+                      </m:r>
+                    </m:oMath>
+                  </m:oMathPara>
+                </a14:m>
+                <a:endParaRPr lang="en-US" dirty="0"/>
+              </a:p>
+              <a:p>
+                <a:r>
+                  <a:rPr lang="en-US" dirty="0"/>
+                  <a:t>Memory cell gate:</a:t>
+                </a:r>
+              </a:p>
+              <a:p>
+                <a:pPr marL="0" indent="0">
+                  <a:buNone/>
+                </a:pPr>
+                <a14:m>
+                  <m:oMathPara xmlns:m="http://schemas.openxmlformats.org/officeDocument/2006/math">
+                    <m:oMathParaPr>
+                      <m:jc m:val="centerGroup"/>
+                    </m:oMathParaPr>
+                    <m:oMath xmlns:m="http://schemas.openxmlformats.org/officeDocument/2006/math">
+                      <m:acc>
+                        <m:accPr>
+                          <m:chr m:val="̃"/>
+                          <m:ctrlPr>
+                            <a:rPr lang="en-US" i="1" dirty="0" smtClean="0">
+                              <a:latin typeface="Cambria Math" panose="02040503050406030204" pitchFamily="18" charset="0"/>
+                            </a:rPr>
+                          </m:ctrlPr>
+                        </m:accPr>
+                        <m:e>
+                          <m:sSub>
+                            <m:sSubPr>
+                              <m:ctrlPr>
+                                <a:rPr lang="en-IE" b="0" i="1" dirty="0" smtClean="0">
+                                  <a:latin typeface="Cambria Math" panose="02040503050406030204" pitchFamily="18" charset="0"/>
+                                </a:rPr>
+                              </m:ctrlPr>
+                            </m:sSubPr>
+                            <m:e>
+                              <m:r>
+                                <a:rPr lang="en-IE" b="0" i="1" dirty="0" smtClean="0">
+                                  <a:latin typeface="Cambria Math" panose="02040503050406030204" pitchFamily="18" charset="0"/>
+                                </a:rPr>
+                                <m:t>𝑐</m:t>
+                              </m:r>
+                            </m:e>
+                            <m:sub>
+                              <m:r>
+                                <a:rPr lang="en-IE" b="0" i="1" dirty="0" smtClean="0">
+                                  <a:latin typeface="Cambria Math" panose="02040503050406030204" pitchFamily="18" charset="0"/>
+                                </a:rPr>
+                                <m:t>𝑡</m:t>
+                              </m:r>
+                            </m:sub>
+                          </m:sSub>
+                        </m:e>
+                      </m:acc>
+                      <m:r>
+                        <a:rPr lang="en-US" i="1" dirty="0">
+                          <a:latin typeface="Cambria Math" panose="02040503050406030204" pitchFamily="18" charset="0"/>
+                        </a:rPr>
+                        <m:t> =</m:t>
+                      </m:r>
+                      <m:r>
+                        <a:rPr lang="en-IE" b="0" i="1" dirty="0" smtClean="0">
+                          <a:latin typeface="Cambria Math" panose="02040503050406030204" pitchFamily="18" charset="0"/>
+                        </a:rPr>
+                        <m:t>𝑡𝑎𝑛h</m:t>
+                      </m:r>
+                      <m:r>
+                        <a:rPr lang="el-GR" i="1" dirty="0">
+                          <a:latin typeface="Cambria Math" panose="02040503050406030204" pitchFamily="18" charset="0"/>
+                        </a:rPr>
+                        <m:t>(</m:t>
+                      </m:r>
+                      <m:r>
+                        <a:rPr lang="en-US" i="1" dirty="0">
+                          <a:latin typeface="Cambria Math" panose="02040503050406030204" pitchFamily="18" charset="0"/>
+                        </a:rPr>
+                        <m:t>𝑋</m:t>
+                      </m:r>
+                      <m:r>
+                        <a:rPr lang="en-US" i="1" dirty="0">
+                          <a:latin typeface="Cambria Math" panose="02040503050406030204" pitchFamily="18" charset="0"/>
+                        </a:rPr>
+                        <m:t>ₜ </m:t>
+                      </m:r>
+                      <m:sSub>
+                        <m:sSubPr>
+                          <m:ctrlPr>
+                            <a:rPr lang="en-IE" b="0" i="1" dirty="0" smtClean="0">
+                              <a:latin typeface="Cambria Math" panose="02040503050406030204" pitchFamily="18" charset="0"/>
+                            </a:rPr>
+                          </m:ctrlPr>
+                        </m:sSubPr>
+                        <m:e>
+                          <m:r>
+                            <a:rPr lang="en-US" i="1" dirty="0">
+                              <a:latin typeface="Cambria Math" panose="02040503050406030204" pitchFamily="18" charset="0"/>
+                            </a:rPr>
+                            <m:t>𝑊</m:t>
+                          </m:r>
+                        </m:e>
+                        <m:sub>
+                          <m:r>
+                            <a:rPr lang="en-IE" b="0" i="1" dirty="0" smtClean="0">
+                              <a:latin typeface="Cambria Math" panose="02040503050406030204" pitchFamily="18" charset="0"/>
+                            </a:rPr>
+                            <m:t>𝑥𝑐</m:t>
+                          </m:r>
+                        </m:sub>
+                      </m:sSub>
                       <m:r>
                         <a:rPr lang="en-US" i="1" dirty="0" smtClean="0">
                           <a:latin typeface="Cambria Math" panose="02040503050406030204" pitchFamily="18" charset="0"/>
                         </a:rPr>
-                        <m:t>ₜ ⊙ </m:t>
+                        <m:t> </m:t>
                       </m:r>
                       <m:r>
-                        <m:rPr>
-                          <m:sty m:val="p"/>
-                        </m:rPr>
-                        <a:rPr lang="en-US" i="1" dirty="0" smtClean="0">
+                        <a:rPr lang="en-US" i="1" dirty="0">
                           <a:latin typeface="Cambria Math" panose="02040503050406030204" pitchFamily="18" charset="0"/>
                         </a:rPr>
-                        <m:t>tanh</m:t>
+                        <m:t>+ </m:t>
+                      </m:r>
+                      <m:sSub>
+                        <m:sSubPr>
+                          <m:ctrlPr>
+                            <a:rPr lang="en-IE" b="0" i="1" dirty="0" smtClean="0">
+                              <a:latin typeface="Cambria Math" panose="02040503050406030204" pitchFamily="18" charset="0"/>
+                            </a:rPr>
+                          </m:ctrlPr>
+                        </m:sSubPr>
+                        <m:e>
+                          <m:r>
+                            <a:rPr lang="en-US" i="1" dirty="0">
+                              <a:latin typeface="Cambria Math" panose="02040503050406030204" pitchFamily="18" charset="0"/>
+                            </a:rPr>
+                            <m:t>𝐻</m:t>
+                          </m:r>
+                        </m:e>
+                        <m:sub>
+                          <m:r>
+                            <a:rPr lang="en-IE" b="0" i="1" dirty="0" smtClean="0">
+                              <a:latin typeface="Cambria Math" panose="02040503050406030204" pitchFamily="18" charset="0"/>
+                            </a:rPr>
+                            <m:t>𝑡</m:t>
+                          </m:r>
+                        </m:sub>
+                      </m:sSub>
+                      <m:sSub>
+                        <m:sSubPr>
+                          <m:ctrlPr>
+                            <a:rPr lang="en-IE" b="0" i="1" dirty="0" smtClean="0">
+                              <a:latin typeface="Cambria Math" panose="02040503050406030204" pitchFamily="18" charset="0"/>
+                            </a:rPr>
+                          </m:ctrlPr>
+                        </m:sSubPr>
+                        <m:e>
+                          <m:r>
+                            <a:rPr lang="en-IE" b="0" i="1" dirty="0" smtClean="0">
+                              <a:latin typeface="Cambria Math" panose="02040503050406030204" pitchFamily="18" charset="0"/>
+                            </a:rPr>
+                            <m:t>𝑊</m:t>
+                          </m:r>
+                        </m:e>
+                        <m:sub>
+                          <m:r>
+                            <a:rPr lang="en-IE" b="0" i="1" dirty="0" smtClean="0">
+                              <a:latin typeface="Cambria Math" panose="02040503050406030204" pitchFamily="18" charset="0"/>
+                            </a:rPr>
+                            <m:t>h𝑐</m:t>
+                          </m:r>
+                        </m:sub>
+                      </m:sSub>
+                      <m:r>
+                        <a:rPr lang="en-US" i="1" dirty="0">
+                          <a:latin typeface="Cambria Math" panose="02040503050406030204" pitchFamily="18" charset="0"/>
+                        </a:rPr>
+                        <m:t> + </m:t>
+                      </m:r>
+                      <m:sSub>
+                        <m:sSubPr>
+                          <m:ctrlPr>
+                            <a:rPr lang="en-IE" b="0" i="1" dirty="0" smtClean="0">
+                              <a:latin typeface="Cambria Math" panose="02040503050406030204" pitchFamily="18" charset="0"/>
+                            </a:rPr>
+                          </m:ctrlPr>
+                        </m:sSubPr>
+                        <m:e>
+                          <m:r>
+                            <a:rPr lang="en-US" i="1" dirty="0">
+                              <a:latin typeface="Cambria Math" panose="02040503050406030204" pitchFamily="18" charset="0"/>
+                            </a:rPr>
+                            <m:t>𝑏</m:t>
+                          </m:r>
+                        </m:e>
+                        <m:sub>
+                          <m:r>
+                            <a:rPr lang="en-IE" b="0" i="1" dirty="0" smtClean="0">
+                              <a:latin typeface="Cambria Math" panose="02040503050406030204" pitchFamily="18" charset="0"/>
+                            </a:rPr>
+                            <m:t>𝑐</m:t>
+                          </m:r>
+                        </m:sub>
+                      </m:sSub>
+                      <m:r>
+                        <a:rPr lang="en-US" i="1" dirty="0">
+                          <a:latin typeface="Cambria Math" panose="02040503050406030204" pitchFamily="18" charset="0"/>
+                        </a:rPr>
+                        <m:t>)</m:t>
+                      </m:r>
+                    </m:oMath>
+                  </m:oMathPara>
+                </a14:m>
+                <a:endParaRPr lang="en-US" dirty="0"/>
+              </a:p>
+              <a:p>
+                <a:r>
+                  <a:rPr lang="en-US" dirty="0"/>
+                  <a:t>Output gate</a:t>
+                </a:r>
+              </a:p>
+              <a:p>
+                <a:pPr marL="0" indent="0">
+                  <a:buNone/>
+                </a:pPr>
+                <a14:m>
+                  <m:oMathPara xmlns:m="http://schemas.openxmlformats.org/officeDocument/2006/math">
+                    <m:oMathParaPr>
+                      <m:jc m:val="centerGroup"/>
+                    </m:oMathParaPr>
+                    <m:oMath xmlns:m="http://schemas.openxmlformats.org/officeDocument/2006/math">
+                      <m:r>
+                        <a:rPr lang="en-IE" b="0" i="1" dirty="0" smtClean="0">
+                          <a:latin typeface="Cambria Math" panose="02040503050406030204" pitchFamily="18" charset="0"/>
+                        </a:rPr>
+                        <m:t>𝑜</m:t>
                       </m:r>
                       <m:r>
-                        <a:rPr lang="en-US" i="1" dirty="0" smtClean="0">
+                        <a:rPr lang="en-US" i="1" dirty="0">
                           <a:latin typeface="Cambria Math" panose="02040503050406030204" pitchFamily="18" charset="0"/>
                         </a:rPr>
-                        <m:t>⁡(</m:t>
+                        <m:t>ₜ = </m:t>
                       </m:r>
                       <m:r>
-                        <a:rPr lang="en-US" i="1" dirty="0" smtClean="0">
+                        <a:rPr lang="el-GR" i="1" dirty="0">
                           <a:latin typeface="Cambria Math" panose="02040503050406030204" pitchFamily="18" charset="0"/>
                         </a:rPr>
-                        <m:t>𝐶</m:t>
+                        <m:t>𝜎</m:t>
                       </m:r>
                       <m:r>
-                        <a:rPr lang="en-US" i="1" dirty="0" smtClean="0">
+                        <a:rPr lang="el-GR" i="1" dirty="0">
                           <a:latin typeface="Cambria Math" panose="02040503050406030204" pitchFamily="18" charset="0"/>
                         </a:rPr>
-                        <m:t>ₜ)</m:t>
+                        <m:t>(</m:t>
+                      </m:r>
+                      <m:r>
+                        <a:rPr lang="en-US" i="1" dirty="0">
+                          <a:latin typeface="Cambria Math" panose="02040503050406030204" pitchFamily="18" charset="0"/>
+                        </a:rPr>
+                        <m:t>𝑋</m:t>
+                      </m:r>
+                      <m:r>
+                        <a:rPr lang="en-US" i="1" dirty="0">
+                          <a:latin typeface="Cambria Math" panose="02040503050406030204" pitchFamily="18" charset="0"/>
+                        </a:rPr>
+                        <m:t>ₜ </m:t>
+                      </m:r>
+                      <m:sSub>
+                        <m:sSubPr>
+                          <m:ctrlPr>
+                            <a:rPr lang="en-IE" b="0" i="1" dirty="0" smtClean="0">
+                              <a:latin typeface="Cambria Math" panose="02040503050406030204" pitchFamily="18" charset="0"/>
+                            </a:rPr>
+                          </m:ctrlPr>
+                        </m:sSubPr>
+                        <m:e>
+                          <m:r>
+                            <a:rPr lang="en-US" i="1" dirty="0">
+                              <a:latin typeface="Cambria Math" panose="02040503050406030204" pitchFamily="18" charset="0"/>
+                            </a:rPr>
+                            <m:t>𝑊</m:t>
+                          </m:r>
+                        </m:e>
+                        <m:sub>
+                          <m:r>
+                            <a:rPr lang="en-IE" b="0" i="1" dirty="0" smtClean="0">
+                              <a:latin typeface="Cambria Math" panose="02040503050406030204" pitchFamily="18" charset="0"/>
+                            </a:rPr>
+                            <m:t>𝑥𝑜</m:t>
+                          </m:r>
+                        </m:sub>
+                      </m:sSub>
+                      <m:r>
+                        <a:rPr lang="en-US" i="1" dirty="0">
+                          <a:latin typeface="Cambria Math" panose="02040503050406030204" pitchFamily="18" charset="0"/>
+                        </a:rPr>
+                        <m:t> + </m:t>
+                      </m:r>
+                      <m:sSub>
+                        <m:sSubPr>
+                          <m:ctrlPr>
+                            <a:rPr lang="en-IE" b="0" i="1" dirty="0" smtClean="0">
+                              <a:latin typeface="Cambria Math" panose="02040503050406030204" pitchFamily="18" charset="0"/>
+                            </a:rPr>
+                          </m:ctrlPr>
+                        </m:sSubPr>
+                        <m:e>
+                          <m:r>
+                            <a:rPr lang="en-US" i="1" dirty="0">
+                              <a:latin typeface="Cambria Math" panose="02040503050406030204" pitchFamily="18" charset="0"/>
+                            </a:rPr>
+                            <m:t>𝐻</m:t>
+                          </m:r>
+                        </m:e>
+                        <m:sub>
+                          <m:r>
+                            <a:rPr lang="en-IE" b="0" i="1" dirty="0" smtClean="0">
+                              <a:latin typeface="Cambria Math" panose="02040503050406030204" pitchFamily="18" charset="0"/>
+                            </a:rPr>
+                            <m:t>𝑡</m:t>
+                          </m:r>
+                        </m:sub>
+                      </m:sSub>
+                      <m:sSub>
+                        <m:sSubPr>
+                          <m:ctrlPr>
+                            <a:rPr lang="en-IE" b="0" i="1" dirty="0" smtClean="0">
+                              <a:latin typeface="Cambria Math" panose="02040503050406030204" pitchFamily="18" charset="0"/>
+                            </a:rPr>
+                          </m:ctrlPr>
+                        </m:sSubPr>
+                        <m:e>
+                          <m:r>
+                            <a:rPr lang="en-US" i="1" dirty="0">
+                              <a:latin typeface="Cambria Math" panose="02040503050406030204" pitchFamily="18" charset="0"/>
+                            </a:rPr>
+                            <m:t>𝑊</m:t>
+                          </m:r>
+                        </m:e>
+                        <m:sub>
+                          <m:r>
+                            <a:rPr lang="en-IE" b="0" i="1" dirty="0" smtClean="0">
+                              <a:latin typeface="Cambria Math" panose="02040503050406030204" pitchFamily="18" charset="0"/>
+                            </a:rPr>
+                            <m:t>h𝑜</m:t>
+                          </m:r>
+                        </m:sub>
+                      </m:sSub>
+                      <m:r>
+                        <a:rPr lang="en-US" i="1" dirty="0">
+                          <a:latin typeface="Cambria Math" panose="02040503050406030204" pitchFamily="18" charset="0"/>
+                        </a:rPr>
+                        <m:t> + </m:t>
+                      </m:r>
+                      <m:sSub>
+                        <m:sSubPr>
+                          <m:ctrlPr>
+                            <a:rPr lang="en-IE" b="0" i="1" dirty="0" smtClean="0">
+                              <a:latin typeface="Cambria Math" panose="02040503050406030204" pitchFamily="18" charset="0"/>
+                            </a:rPr>
+                          </m:ctrlPr>
+                        </m:sSubPr>
+                        <m:e>
+                          <m:r>
+                            <a:rPr lang="en-US" i="1" dirty="0">
+                              <a:latin typeface="Cambria Math" panose="02040503050406030204" pitchFamily="18" charset="0"/>
+                            </a:rPr>
+                            <m:t>𝑏</m:t>
+                          </m:r>
+                        </m:e>
+                        <m:sub>
+                          <m:r>
+                            <a:rPr lang="en-IE" b="0" i="1" dirty="0" smtClean="0">
+                              <a:latin typeface="Cambria Math" panose="02040503050406030204" pitchFamily="18" charset="0"/>
+                            </a:rPr>
+                            <m:t>𝑜</m:t>
+                          </m:r>
+                        </m:sub>
+                      </m:sSub>
+                      <m:r>
+                        <a:rPr lang="en-US" i="1" dirty="0">
+                          <a:latin typeface="Cambria Math" panose="02040503050406030204" pitchFamily="18" charset="0"/>
+                        </a:rPr>
+                        <m:t>)</m:t>
                       </m:r>
                     </m:oMath>
                   </m:oMathPara>
@@ -4966,19 +5717,16 @@
               <a:p>
                 <a:endParaRPr lang="en-US" dirty="0"/>
               </a:p>
-              <a:p>
-                <a:endParaRPr lang="en-US" dirty="0"/>
-              </a:p>
             </p:txBody>
           </p:sp>
         </mc:Choice>
-        <mc:Fallback xmlns="">
+        <mc:Fallback>
           <p:sp>
             <p:nvSpPr>
               <p:cNvPr id="3" name="Content Placeholder 2">
                 <a:extLst>
                   <a:ext uri="{FF2B5EF4-FFF2-40B4-BE49-F238E27FC236}">
-                    <a16:creationId xmlns:a16="http://schemas.microsoft.com/office/drawing/2014/main" id="{1FC0050B-9BA1-56DF-861F-CECEB917A0A9}"/>
+                    <a16:creationId xmlns:a16="http://schemas.microsoft.com/office/drawing/2014/main" id="{A98F5FA5-6C95-84EA-6E34-F68DA33C67CD}"/>
                   </a:ext>
                 </a:extLst>
               </p:cNvPr>
@@ -5015,7 +5763,7 @@
     </p:spTree>
     <p:extLst>
       <p:ext uri="{BB962C8B-B14F-4D97-AF65-F5344CB8AC3E}">
-        <p14:creationId xmlns:p14="http://schemas.microsoft.com/office/powerpoint/2010/main" val="4209212651"/>
+        <p14:creationId xmlns:p14="http://schemas.microsoft.com/office/powerpoint/2010/main" val="674316520"/>
       </p:ext>
     </p:extLst>
   </p:cSld>
@@ -5025,12 +5773,18 @@
 </p:sld>
 </file>
 
-<file path=ppt/slides/slide11.xml><?xml version="1.0" encoding="utf-8"?>
+<file path=ppt/slides/slide13.xml><?xml version="1.0" encoding="utf-8"?>
 <p:sld xmlns:a="http://schemas.openxmlformats.org/drawingml/2006/main" xmlns:r="http://schemas.openxmlformats.org/officeDocument/2006/relationships" xmlns:p="http://schemas.openxmlformats.org/presentationml/2006/main">
   <p:cSld>
     <p:spTree>
       <p:nvGrpSpPr>
-        <p:cNvPr id="1" name=""/>
+        <p:cNvPr id="1" name="">
+          <a:extLst>
+            <a:ext uri="{FF2B5EF4-FFF2-40B4-BE49-F238E27FC236}">
+              <a16:creationId xmlns:a16="http://schemas.microsoft.com/office/drawing/2014/main" id="{8A343BEE-42CA-64C4-2E37-29E06BB4BBA6}"/>
+            </a:ext>
+          </a:extLst>
+        </p:cNvPr>
         <p:cNvGrpSpPr/>
         <p:nvPr/>
       </p:nvGrpSpPr>
@@ -5047,7 +5801,7 @@
           <p:cNvPr id="2" name="Title 1">
             <a:extLst>
               <a:ext uri="{FF2B5EF4-FFF2-40B4-BE49-F238E27FC236}">
-                <a16:creationId xmlns:a16="http://schemas.microsoft.com/office/drawing/2014/main" id="{0DC7A6B0-57B0-F990-4F92-B0816EE515E4}"/>
+                <a16:creationId xmlns:a16="http://schemas.microsoft.com/office/drawing/2014/main" id="{F0FA80C3-C1CA-206E-0D33-57EEA58542FE}"/>
               </a:ext>
             </a:extLst>
           </p:cNvPr>
@@ -5067,19 +5821,19 @@
           <a:p>
             <a:r>
               <a:rPr lang="en-US" dirty="0"/>
-              <a:t>LSTM Forward Pass Summary</a:t>
+              <a:t>Updates</a:t>
             </a:r>
           </a:p>
         </p:txBody>
       </p:sp>
-      <mc:AlternateContent xmlns:mc="http://schemas.openxmlformats.org/markup-compatibility/2006" xmlns:a14="http://schemas.microsoft.com/office/drawing/2010/main">
-        <mc:Choice Requires="a14">
+      <mc:AlternateContent xmlns:mc="http://schemas.openxmlformats.org/markup-compatibility/2006">
+        <mc:Choice xmlns:a14="http://schemas.microsoft.com/office/drawing/2010/main" Requires="a14">
           <p:sp>
             <p:nvSpPr>
               <p:cNvPr id="3" name="Content Placeholder 2">
                 <a:extLst>
                   <a:ext uri="{FF2B5EF4-FFF2-40B4-BE49-F238E27FC236}">
-                    <a16:creationId xmlns:a16="http://schemas.microsoft.com/office/drawing/2014/main" id="{1BC3E802-5610-0DD4-5505-9A2BCBF07ABE}"/>
+                    <a16:creationId xmlns:a16="http://schemas.microsoft.com/office/drawing/2014/main" id="{8418B980-392F-40A7-2416-34B3A9B9A5B2}"/>
                   </a:ext>
                 </a:extLst>
               </p:cNvPr>
@@ -5092,12 +5846,14 @@
             </p:nvSpPr>
             <p:spPr/>
             <p:txBody>
-              <a:bodyPr/>
+              <a:bodyPr>
+                <a:normAutofit/>
+              </a:bodyPr>
               <a:lstStyle/>
               <a:p>
                 <a:r>
                   <a:rPr lang="en-US" dirty="0"/>
-                  <a:t>1. Compute gates: </a:t>
+                  <a:t>Update the cell (long term memory):</a:t>
                 </a:r>
               </a:p>
               <a:p>
@@ -5111,122 +5867,150 @@
                     </m:oMathParaPr>
                     <m:oMath xmlns:m="http://schemas.openxmlformats.org/officeDocument/2006/math">
                       <m:r>
-                        <a:rPr lang="en-US" i="1" dirty="0" smtClean="0">
+                        <a:rPr lang="en-IE" b="0" i="1" dirty="0" smtClean="0">
                           <a:latin typeface="Cambria Math" panose="02040503050406030204" pitchFamily="18" charset="0"/>
                         </a:rPr>
-                        <m:t>𝐼</m:t>
+                        <m:t>𝑐</m:t>
                       </m:r>
                       <m:r>
                         <a:rPr lang="en-US" i="1" dirty="0" smtClean="0">
                           <a:latin typeface="Cambria Math" panose="02040503050406030204" pitchFamily="18" charset="0"/>
                         </a:rPr>
-                        <m:t>ₜ, </m:t>
+                        <m:t>ₜ =</m:t>
                       </m:r>
+                      <m:sSub>
+                        <m:sSubPr>
+                          <m:ctrlPr>
+                            <a:rPr lang="en-IE" b="0" i="1" dirty="0" smtClean="0">
+                              <a:latin typeface="Cambria Math" panose="02040503050406030204" pitchFamily="18" charset="0"/>
+                            </a:rPr>
+                          </m:ctrlPr>
+                        </m:sSubPr>
+                        <m:e>
+                          <m:r>
+                            <a:rPr lang="en-IE" b="0" i="1" dirty="0" smtClean="0">
+                              <a:latin typeface="Cambria Math" panose="02040503050406030204" pitchFamily="18" charset="0"/>
+                            </a:rPr>
+                            <m:t>𝑓</m:t>
+                          </m:r>
+                        </m:e>
+                        <m:sub>
+                          <m:r>
+                            <a:rPr lang="en-IE" b="0" i="1" dirty="0" smtClean="0">
+                              <a:latin typeface="Cambria Math" panose="02040503050406030204" pitchFamily="18" charset="0"/>
+                            </a:rPr>
+                            <m:t>𝑡</m:t>
+                          </m:r>
+                        </m:sub>
+                      </m:sSub>
+                      <m:sSub>
+                        <m:sSubPr>
+                          <m:ctrlPr>
+                            <a:rPr lang="en-IE" b="0" i="1" dirty="0" smtClean="0">
+                              <a:latin typeface="Cambria Math" panose="02040503050406030204" pitchFamily="18" charset="0"/>
+                            </a:rPr>
+                          </m:ctrlPr>
+                        </m:sSubPr>
+                        <m:e>
+                          <m:r>
+                            <a:rPr lang="en-IE" b="0" i="1" dirty="0" smtClean="0">
+                              <a:latin typeface="Cambria Math" panose="02040503050406030204" pitchFamily="18" charset="0"/>
+                            </a:rPr>
+                            <m:t>𝑐</m:t>
+                          </m:r>
+                        </m:e>
+                        <m:sub>
+                          <m:r>
+                            <a:rPr lang="en-IE" b="0" i="1" dirty="0" smtClean="0">
+                              <a:latin typeface="Cambria Math" panose="02040503050406030204" pitchFamily="18" charset="0"/>
+                            </a:rPr>
+                            <m:t>𝑡</m:t>
+                          </m:r>
+                          <m:r>
+                            <a:rPr lang="en-IE" b="0" i="1" dirty="0" smtClean="0">
+                              <a:latin typeface="Cambria Math" panose="02040503050406030204" pitchFamily="18" charset="0"/>
+                            </a:rPr>
+                            <m:t>−1</m:t>
+                          </m:r>
+                        </m:sub>
+                      </m:sSub>
                       <m:r>
-                        <a:rPr lang="en-US" i="1" dirty="0" smtClean="0">
+                        <a:rPr lang="en-IE" b="0" i="1" dirty="0" smtClean="0">
                           <a:latin typeface="Cambria Math" panose="02040503050406030204" pitchFamily="18" charset="0"/>
                         </a:rPr>
-                        <m:t>𝐹</m:t>
+                        <m:t>+</m:t>
                       </m:r>
-                      <m:r>
-                        <a:rPr lang="en-US" i="1" dirty="0" smtClean="0">
-                          <a:latin typeface="Cambria Math" panose="02040503050406030204" pitchFamily="18" charset="0"/>
-                        </a:rPr>
-                        <m:t>ₜ, </m:t>
-                      </m:r>
-                      <m:r>
-                        <a:rPr lang="en-US" i="1" dirty="0" smtClean="0">
-                          <a:latin typeface="Cambria Math" panose="02040503050406030204" pitchFamily="18" charset="0"/>
-                        </a:rPr>
-                        <m:t>𝑂</m:t>
-                      </m:r>
-                      <m:r>
-                        <a:rPr lang="en-US" i="1" dirty="0" smtClean="0">
-                          <a:latin typeface="Cambria Math" panose="02040503050406030204" pitchFamily="18" charset="0"/>
-                        </a:rPr>
-                        <m:t>ₜ = </m:t>
-                      </m:r>
-                      <m:r>
-                        <a:rPr lang="el-GR" i="1" dirty="0" smtClean="0">
-                          <a:latin typeface="Cambria Math" panose="02040503050406030204" pitchFamily="18" charset="0"/>
-                        </a:rPr>
-                        <m:t>𝜎</m:t>
-                      </m:r>
-                      <m:r>
-                        <a:rPr lang="el-GR" i="1" dirty="0" smtClean="0">
-                          <a:latin typeface="Cambria Math" panose="02040503050406030204" pitchFamily="18" charset="0"/>
-                        </a:rPr>
-                        <m:t>(</m:t>
-                      </m:r>
-                      <m:r>
-                        <a:rPr lang="en-US" i="1" dirty="0" smtClean="0">
-                          <a:latin typeface="Cambria Math" panose="02040503050406030204" pitchFamily="18" charset="0"/>
-                        </a:rPr>
-                        <m:t>𝑊</m:t>
-                      </m:r>
-                      <m:r>
-                        <a:rPr lang="en-US" i="1" dirty="0" smtClean="0">
-                          <a:latin typeface="Cambria Math" panose="02040503050406030204" pitchFamily="18" charset="0"/>
-                        </a:rPr>
-                        <m:t>ₓ·</m:t>
-                      </m:r>
-                      <m:r>
-                        <a:rPr lang="en-US" i="1" dirty="0" smtClean="0">
-                          <a:latin typeface="Cambria Math" panose="02040503050406030204" pitchFamily="18" charset="0"/>
-                        </a:rPr>
-                        <m:t>𝑥</m:t>
-                      </m:r>
-                      <m:r>
-                        <a:rPr lang="en-US" i="1" dirty="0" smtClean="0">
-                          <a:latin typeface="Cambria Math" panose="02040503050406030204" pitchFamily="18" charset="0"/>
-                        </a:rPr>
-                        <m:t>ₜ + </m:t>
-                      </m:r>
-                      <m:r>
-                        <a:rPr lang="en-US" i="1" dirty="0" smtClean="0">
-                          <a:latin typeface="Cambria Math" panose="02040503050406030204" pitchFamily="18" charset="0"/>
-                        </a:rPr>
-                        <m:t>𝑊</m:t>
-                      </m:r>
-                      <m:r>
-                        <a:rPr lang="en-US" i="1" dirty="0" smtClean="0">
-                          <a:latin typeface="Cambria Math" panose="02040503050406030204" pitchFamily="18" charset="0"/>
-                        </a:rPr>
-                        <m:t>ₕ·</m:t>
-                      </m:r>
-                      <m:r>
-                        <a:rPr lang="en-US" i="1" dirty="0" smtClean="0">
-                          <a:latin typeface="Cambria Math" panose="02040503050406030204" pitchFamily="18" charset="0"/>
-                        </a:rPr>
-                        <m:t>h</m:t>
-                      </m:r>
-                      <m:r>
-                        <a:rPr lang="en-US" i="1" dirty="0" smtClean="0">
-                          <a:latin typeface="Cambria Math" panose="02040503050406030204" pitchFamily="18" charset="0"/>
-                        </a:rPr>
-                        <m:t>ₜ₋₁ + </m:t>
-                      </m:r>
-                      <m:r>
-                        <a:rPr lang="en-US" i="1" dirty="0" smtClean="0">
-                          <a:latin typeface="Cambria Math" panose="02040503050406030204" pitchFamily="18" charset="0"/>
-                        </a:rPr>
-                        <m:t>𝑏</m:t>
-                      </m:r>
-                      <m:r>
-                        <a:rPr lang="en-US" i="1" dirty="0" smtClean="0">
-                          <a:latin typeface="Cambria Math" panose="02040503050406030204" pitchFamily="18" charset="0"/>
-                        </a:rPr>
-                        <m:t>)</m:t>
-                      </m:r>
+                      <m:sSub>
+                        <m:sSubPr>
+                          <m:ctrlPr>
+                            <a:rPr lang="en-IE" b="0" i="1" dirty="0" smtClean="0">
+                              <a:latin typeface="Cambria Math" panose="02040503050406030204" pitchFamily="18" charset="0"/>
+                            </a:rPr>
+                          </m:ctrlPr>
+                        </m:sSubPr>
+                        <m:e>
+                          <m:r>
+                            <a:rPr lang="en-IE" b="0" i="1" dirty="0" smtClean="0">
+                              <a:latin typeface="Cambria Math" panose="02040503050406030204" pitchFamily="18" charset="0"/>
+                            </a:rPr>
+                            <m:t>𝑖</m:t>
+                          </m:r>
+                        </m:e>
+                        <m:sub>
+                          <m:r>
+                            <a:rPr lang="en-IE" b="0" i="1" dirty="0" smtClean="0">
+                              <a:latin typeface="Cambria Math" panose="02040503050406030204" pitchFamily="18" charset="0"/>
+                            </a:rPr>
+                            <m:t>𝑡</m:t>
+                          </m:r>
+                        </m:sub>
+                      </m:sSub>
+                      <m:acc>
+                        <m:accPr>
+                          <m:chr m:val="̃"/>
+                          <m:ctrlPr>
+                            <a:rPr lang="en-US" i="1" dirty="0">
+                              <a:latin typeface="Cambria Math" panose="02040503050406030204" pitchFamily="18" charset="0"/>
+                            </a:rPr>
+                          </m:ctrlPr>
+                        </m:accPr>
+                        <m:e>
+                          <m:sSub>
+                            <m:sSubPr>
+                              <m:ctrlPr>
+                                <a:rPr lang="en-IE" i="1" dirty="0">
+                                  <a:latin typeface="Cambria Math" panose="02040503050406030204" pitchFamily="18" charset="0"/>
+                                </a:rPr>
+                              </m:ctrlPr>
+                            </m:sSubPr>
+                            <m:e>
+                              <m:r>
+                                <a:rPr lang="en-IE" i="1" dirty="0">
+                                  <a:latin typeface="Cambria Math" panose="02040503050406030204" pitchFamily="18" charset="0"/>
+                                </a:rPr>
+                                <m:t>𝑐</m:t>
+                              </m:r>
+                            </m:e>
+                            <m:sub>
+                              <m:r>
+                                <a:rPr lang="en-IE" i="1" dirty="0">
+                                  <a:latin typeface="Cambria Math" panose="02040503050406030204" pitchFamily="18" charset="0"/>
+                                </a:rPr>
+                                <m:t>𝑡</m:t>
+                              </m:r>
+                            </m:sub>
+                          </m:sSub>
+                        </m:e>
+                      </m:acc>
                     </m:oMath>
                   </m:oMathPara>
                 </a14:m>
-                <a:endParaRPr lang="en-US" dirty="0"/>
+                <a:endParaRPr lang="en-IE" b="0" dirty="0"/>
               </a:p>
               <a:p>
                 <a:r>
                   <a:rPr lang="en-US" dirty="0"/>
-                  <a:t>2. Compute candidate:</a:t>
+                  <a:t>Update the hidden state (short-term memory):</a:t>
                 </a:r>
               </a:p>
               <a:p>
@@ -5239,135 +6023,120 @@
                       <m:jc m:val="centerGroup"/>
                     </m:oMathParaPr>
                     <m:oMath xmlns:m="http://schemas.openxmlformats.org/officeDocument/2006/math">
+                      <m:sSub>
+                        <m:sSubPr>
+                          <m:ctrlPr>
+                            <a:rPr lang="en-IE" b="0" i="1" dirty="0" smtClean="0">
+                              <a:latin typeface="Cambria Math" panose="02040503050406030204" pitchFamily="18" charset="0"/>
+                            </a:rPr>
+                          </m:ctrlPr>
+                        </m:sSubPr>
+                        <m:e>
+                          <m:r>
+                            <a:rPr lang="en-IE" b="0" i="1" dirty="0" smtClean="0">
+                              <a:latin typeface="Cambria Math" panose="02040503050406030204" pitchFamily="18" charset="0"/>
+                            </a:rPr>
+                            <m:t>h</m:t>
+                          </m:r>
+                        </m:e>
+                        <m:sub>
+                          <m:r>
+                            <a:rPr lang="en-IE" b="0" i="1" dirty="0" smtClean="0">
+                              <a:latin typeface="Cambria Math" panose="02040503050406030204" pitchFamily="18" charset="0"/>
+                            </a:rPr>
+                            <m:t>𝑡</m:t>
+                          </m:r>
+                        </m:sub>
+                      </m:sSub>
                       <m:r>
-                        <a:rPr lang="en-US" i="1" dirty="0" smtClean="0">
+                        <a:rPr lang="en-IE" b="0" i="1" dirty="0" smtClean="0">
                           <a:latin typeface="Cambria Math" panose="02040503050406030204" pitchFamily="18" charset="0"/>
                         </a:rPr>
-                        <m:t>  ̃</m:t>
+                        <m:t>=</m:t>
                       </m:r>
-                      <m:r>
-                        <a:rPr lang="en-US" i="1" dirty="0" smtClean="0">
-                          <a:latin typeface="Cambria Math" panose="02040503050406030204" pitchFamily="18" charset="0"/>
-                        </a:rPr>
-                        <m:t>𝐶</m:t>
-                      </m:r>
-                      <m:r>
-                        <a:rPr lang="en-US" i="1" dirty="0" smtClean="0">
-                          <a:latin typeface="Cambria Math" panose="02040503050406030204" pitchFamily="18" charset="0"/>
-                        </a:rPr>
-                        <m:t>ₜ = </m:t>
-                      </m:r>
-                      <m:r>
-                        <m:rPr>
-                          <m:sty m:val="p"/>
-                        </m:rPr>
-                        <a:rPr lang="en-US" i="1" dirty="0" smtClean="0">
-                          <a:latin typeface="Cambria Math" panose="02040503050406030204" pitchFamily="18" charset="0"/>
-                        </a:rPr>
-                        <m:t>tanh</m:t>
-                      </m:r>
-                      <m:r>
-                        <a:rPr lang="en-US" i="1" dirty="0" smtClean="0">
-                          <a:latin typeface="Cambria Math" panose="02040503050406030204" pitchFamily="18" charset="0"/>
-                        </a:rPr>
-                        <m:t>⁡(</m:t>
-                      </m:r>
-                      <m:r>
-                        <a:rPr lang="en-US" i="1" dirty="0" err="1" smtClean="0">
-                          <a:latin typeface="Cambria Math" panose="02040503050406030204" pitchFamily="18" charset="0"/>
-                        </a:rPr>
-                        <m:t>𝑊</m:t>
-                      </m:r>
-                      <m:r>
-                        <a:rPr lang="en-US" i="1" dirty="0" err="1" smtClean="0">
-                          <a:latin typeface="Cambria Math" panose="02040503050406030204" pitchFamily="18" charset="0"/>
-                        </a:rPr>
-                        <m:t>ₓ</m:t>
-                      </m:r>
-                      <m:r>
-                        <a:rPr lang="en-US" i="1" dirty="0" err="1" smtClean="0">
-                          <a:latin typeface="Cambria Math" panose="02040503050406030204" pitchFamily="18" charset="0"/>
-                        </a:rPr>
-                        <m:t>𝑐</m:t>
-                      </m:r>
-                      <m:r>
-                        <a:rPr lang="en-US" i="1" dirty="0" err="1" smtClean="0">
-                          <a:latin typeface="Cambria Math" panose="02040503050406030204" pitchFamily="18" charset="0"/>
-                        </a:rPr>
-                        <m:t>·</m:t>
-                      </m:r>
-                      <m:r>
-                        <a:rPr lang="en-US" i="1" dirty="0" err="1" smtClean="0">
-                          <a:latin typeface="Cambria Math" panose="02040503050406030204" pitchFamily="18" charset="0"/>
-                        </a:rPr>
-                        <m:t>𝑥</m:t>
-                      </m:r>
-                      <m:r>
-                        <a:rPr lang="en-US" i="1" dirty="0" smtClean="0">
-                          <a:latin typeface="Cambria Math" panose="02040503050406030204" pitchFamily="18" charset="0"/>
-                        </a:rPr>
-                        <m:t>ₜ + </m:t>
-                      </m:r>
-                      <m:r>
-                        <a:rPr lang="en-US" i="1" dirty="0" err="1" smtClean="0">
-                          <a:latin typeface="Cambria Math" panose="02040503050406030204" pitchFamily="18" charset="0"/>
-                        </a:rPr>
-                        <m:t>𝑊</m:t>
-                      </m:r>
-                      <m:r>
-                        <a:rPr lang="en-US" i="1" dirty="0" err="1" smtClean="0">
-                          <a:latin typeface="Cambria Math" panose="02040503050406030204" pitchFamily="18" charset="0"/>
-                        </a:rPr>
-                        <m:t>ₕ</m:t>
-                      </m:r>
-                      <m:r>
-                        <a:rPr lang="en-US" i="1" dirty="0" err="1" smtClean="0">
-                          <a:latin typeface="Cambria Math" panose="02040503050406030204" pitchFamily="18" charset="0"/>
-                        </a:rPr>
-                        <m:t>𝑐</m:t>
-                      </m:r>
-                      <m:r>
-                        <a:rPr lang="en-US" i="1" dirty="0" err="1" smtClean="0">
-                          <a:latin typeface="Cambria Math" panose="02040503050406030204" pitchFamily="18" charset="0"/>
-                        </a:rPr>
-                        <m:t>·</m:t>
-                      </m:r>
-                      <m:r>
-                        <a:rPr lang="en-US" i="1" dirty="0" err="1" smtClean="0">
-                          <a:latin typeface="Cambria Math" panose="02040503050406030204" pitchFamily="18" charset="0"/>
-                        </a:rPr>
-                        <m:t>h</m:t>
-                      </m:r>
-                      <m:r>
-                        <a:rPr lang="en-US" i="1" dirty="0" smtClean="0">
-                          <a:latin typeface="Cambria Math" panose="02040503050406030204" pitchFamily="18" charset="0"/>
-                        </a:rPr>
-                        <m:t>ₜ₋₁ + </m:t>
-                      </m:r>
-                      <m:r>
-                        <a:rPr lang="en-US" i="1" dirty="0" err="1" smtClean="0">
-                          <a:latin typeface="Cambria Math" panose="02040503050406030204" pitchFamily="18" charset="0"/>
-                        </a:rPr>
-                        <m:t>𝑏</m:t>
-                      </m:r>
-                      <m:r>
-                        <a:rPr lang="en-US" i="1" dirty="0" err="1" smtClean="0">
-                          <a:latin typeface="Cambria Math" panose="02040503050406030204" pitchFamily="18" charset="0"/>
-                        </a:rPr>
-                        <m:t>_</m:t>
-                      </m:r>
-                      <m:r>
-                        <a:rPr lang="en-US" i="1" dirty="0" err="1" smtClean="0">
-                          <a:latin typeface="Cambria Math" panose="02040503050406030204" pitchFamily="18" charset="0"/>
-                        </a:rPr>
-                        <m:t>𝑐</m:t>
-                      </m:r>
-                      <m:r>
-                        <a:rPr lang="en-US" i="1" dirty="0" smtClean="0">
-                          <a:latin typeface="Cambria Math" panose="02040503050406030204" pitchFamily="18" charset="0"/>
-                        </a:rPr>
-                        <m:t>)</m:t>
-                      </m:r>
+                      <m:sSub>
+                        <m:sSubPr>
+                          <m:ctrlPr>
+                            <a:rPr lang="en-IE" b="0" i="1" dirty="0" smtClean="0">
+                              <a:latin typeface="Cambria Math" panose="02040503050406030204" pitchFamily="18" charset="0"/>
+                            </a:rPr>
+                          </m:ctrlPr>
+                        </m:sSubPr>
+                        <m:e>
+                          <m:r>
+                            <a:rPr lang="en-IE" b="0" i="1" dirty="0" smtClean="0">
+                              <a:latin typeface="Cambria Math" panose="02040503050406030204" pitchFamily="18" charset="0"/>
+                            </a:rPr>
+                            <m:t>𝑜</m:t>
+                          </m:r>
+                        </m:e>
+                        <m:sub>
+                          <m:r>
+                            <a:rPr lang="en-IE" b="0" i="1" dirty="0" smtClean="0">
+                              <a:latin typeface="Cambria Math" panose="02040503050406030204" pitchFamily="18" charset="0"/>
+                            </a:rPr>
+                            <m:t>𝑡</m:t>
+                          </m:r>
+                        </m:sub>
+                      </m:sSub>
+                      <m:func>
+                        <m:funcPr>
+                          <m:ctrlPr>
+                            <a:rPr lang="en-IE" b="0" i="1" dirty="0" smtClean="0">
+                              <a:latin typeface="Cambria Math" panose="02040503050406030204" pitchFamily="18" charset="0"/>
+                            </a:rPr>
+                          </m:ctrlPr>
+                        </m:funcPr>
+                        <m:fName>
+                          <m:r>
+                            <m:rPr>
+                              <m:sty m:val="p"/>
+                            </m:rPr>
+                            <a:rPr lang="en-IE" b="0" i="0" dirty="0" smtClean="0">
+                              <a:latin typeface="Cambria Math" panose="02040503050406030204" pitchFamily="18" charset="0"/>
+                            </a:rPr>
+                            <m:t>tanh</m:t>
+                          </m:r>
+                        </m:fName>
+                        <m:e>
+                          <m:d>
+                            <m:dPr>
+                              <m:ctrlPr>
+                                <a:rPr lang="en-IE" b="0" i="1" dirty="0" smtClean="0">
+                                  <a:latin typeface="Cambria Math" panose="02040503050406030204" pitchFamily="18" charset="0"/>
+                                </a:rPr>
+                              </m:ctrlPr>
+                            </m:dPr>
+                            <m:e>
+                              <m:sSub>
+                                <m:sSubPr>
+                                  <m:ctrlPr>
+                                    <a:rPr lang="en-IE" b="0" i="1" dirty="0" smtClean="0">
+                                      <a:latin typeface="Cambria Math" panose="02040503050406030204" pitchFamily="18" charset="0"/>
+                                    </a:rPr>
+                                  </m:ctrlPr>
+                                </m:sSubPr>
+                                <m:e>
+                                  <m:r>
+                                    <a:rPr lang="en-IE" b="0" i="1" dirty="0" smtClean="0">
+                                      <a:latin typeface="Cambria Math" panose="02040503050406030204" pitchFamily="18" charset="0"/>
+                                    </a:rPr>
+                                    <m:t>𝑐</m:t>
+                                  </m:r>
+                                </m:e>
+                                <m:sub>
+                                  <m:r>
+                                    <a:rPr lang="en-IE" b="0" i="1" dirty="0" smtClean="0">
+                                      <a:latin typeface="Cambria Math" panose="02040503050406030204" pitchFamily="18" charset="0"/>
+                                    </a:rPr>
+                                    <m:t>𝑡</m:t>
+                                  </m:r>
+                                </m:sub>
+                              </m:sSub>
+                            </m:e>
+                          </m:d>
+                        </m:e>
+                      </m:func>
                     </m:oMath>
                   </m:oMathPara>
                 </a14:m>
@@ -5375,173 +6144,99 @@
               </a:p>
               <a:p>
                 <a:r>
-                  <a:rPr lang="en-US" dirty="0"/>
-                  <a:t>3. Update cell: </a:t>
+                  <a:rPr lang="en-IE" dirty="0"/>
+                  <a:t>Include another dense layer to change </a:t>
                 </a:r>
-              </a:p>
-              <a:p>
-                <a:pPr marL="0" indent="0">
-                  <a:buNone/>
-                </a:pPr>
                 <a14:m>
-                  <m:oMathPara xmlns:m="http://schemas.openxmlformats.org/officeDocument/2006/math">
-                    <m:oMathParaPr>
-                      <m:jc m:val="centerGroup"/>
-                    </m:oMathParaPr>
-                    <m:oMath xmlns:m="http://schemas.openxmlformats.org/officeDocument/2006/math">
-                      <m:r>
-                        <a:rPr lang="en-US" i="1" dirty="0" smtClean="0">
-                          <a:latin typeface="Cambria Math" panose="02040503050406030204" pitchFamily="18" charset="0"/>
-                        </a:rPr>
-                        <m:t>𝐶</m:t>
-                      </m:r>
-                      <m:r>
-                        <a:rPr lang="en-US" i="1" dirty="0" smtClean="0">
-                          <a:latin typeface="Cambria Math" panose="02040503050406030204" pitchFamily="18" charset="0"/>
-                        </a:rPr>
-                        <m:t>ₜ = </m:t>
-                      </m:r>
-                      <m:r>
-                        <a:rPr lang="en-US" i="1" dirty="0" smtClean="0">
-                          <a:latin typeface="Cambria Math" panose="02040503050406030204" pitchFamily="18" charset="0"/>
-                        </a:rPr>
-                        <m:t>𝐹</m:t>
-                      </m:r>
-                      <m:r>
-                        <a:rPr lang="en-US" i="1" dirty="0" smtClean="0">
-                          <a:latin typeface="Cambria Math" panose="02040503050406030204" pitchFamily="18" charset="0"/>
-                        </a:rPr>
-                        <m:t>ₜ ⊙ </m:t>
-                      </m:r>
-                      <m:r>
-                        <a:rPr lang="en-US" i="1" dirty="0" smtClean="0">
-                          <a:latin typeface="Cambria Math" panose="02040503050406030204" pitchFamily="18" charset="0"/>
-                        </a:rPr>
-                        <m:t>𝐶</m:t>
-                      </m:r>
-                      <m:r>
-                        <a:rPr lang="en-US" i="1" dirty="0" smtClean="0">
-                          <a:latin typeface="Cambria Math" panose="02040503050406030204" pitchFamily="18" charset="0"/>
-                        </a:rPr>
-                        <m:t>ₜ₋₁ + </m:t>
-                      </m:r>
-                      <m:r>
-                        <a:rPr lang="en-US" i="1" dirty="0" smtClean="0">
-                          <a:latin typeface="Cambria Math" panose="02040503050406030204" pitchFamily="18" charset="0"/>
-                        </a:rPr>
-                        <m:t>𝐼</m:t>
-                      </m:r>
-                      <m:r>
-                        <a:rPr lang="en-US" i="1" dirty="0" smtClean="0">
-                          <a:latin typeface="Cambria Math" panose="02040503050406030204" pitchFamily="18" charset="0"/>
-                        </a:rPr>
-                        <m:t>ₜ ⊙  ̃</m:t>
-                      </m:r>
-                      <m:r>
-                        <a:rPr lang="en-US" i="1" dirty="0" smtClean="0">
-                          <a:latin typeface="Cambria Math" panose="02040503050406030204" pitchFamily="18" charset="0"/>
-                        </a:rPr>
-                        <m:t>𝐶</m:t>
-                      </m:r>
-                      <m:r>
-                        <a:rPr lang="en-US" i="1" dirty="0" smtClean="0">
-                          <a:latin typeface="Cambria Math" panose="02040503050406030204" pitchFamily="18" charset="0"/>
-                        </a:rPr>
-                        <m:t>ₜ</m:t>
-                      </m:r>
-                    </m:oMath>
-                  </m:oMathPara>
+                  <m:oMath xmlns:m="http://schemas.openxmlformats.org/officeDocument/2006/math">
+                    <m:sSub>
+                      <m:sSubPr>
+                        <m:ctrlPr>
+                          <a:rPr lang="en-IE" i="1" dirty="0" smtClean="0">
+                            <a:latin typeface="Cambria Math" panose="02040503050406030204" pitchFamily="18" charset="0"/>
+                          </a:rPr>
+                        </m:ctrlPr>
+                      </m:sSubPr>
+                      <m:e>
+                        <m:r>
+                          <a:rPr lang="en-IE" i="1" dirty="0" smtClean="0">
+                            <a:latin typeface="Cambria Math" panose="02040503050406030204" pitchFamily="18" charset="0"/>
+                          </a:rPr>
+                          <m:t>h</m:t>
+                        </m:r>
+                      </m:e>
+                      <m:sub>
+                        <m:r>
+                          <a:rPr lang="en-IE" b="0" i="1" dirty="0" smtClean="0">
+                            <a:latin typeface="Cambria Math" panose="02040503050406030204" pitchFamily="18" charset="0"/>
+                          </a:rPr>
+                          <m:t>𝑡</m:t>
+                        </m:r>
+                      </m:sub>
+                    </m:sSub>
+                  </m:oMath>
                 </a14:m>
-                <a:endParaRPr lang="en-US" dirty="0"/>
-              </a:p>
-              <a:p>
+                <a:r>
+                  <a:rPr lang="en-IE" dirty="0"/>
+                  <a:t> into </a:t>
+                </a:r>
                 <a:r>
                   <a:rPr lang="en-US" dirty="0"/>
-                  <a:t>4. Produce output: </a:t>
+                  <a:t> </a:t>
                 </a:r>
-              </a:p>
-              <a:p>
-                <a:pPr marL="0" indent="0">
-                  <a:buNone/>
-                </a:pPr>
                 <a14:m>
-                  <m:oMathPara xmlns:m="http://schemas.openxmlformats.org/officeDocument/2006/math">
-                    <m:oMathParaPr>
-                      <m:jc m:val="centerGroup"/>
-                    </m:oMathParaPr>
-                    <m:oMath xmlns:m="http://schemas.openxmlformats.org/officeDocument/2006/math">
-                      <m:r>
-                        <a:rPr lang="en-US" i="1" dirty="0" smtClean="0">
-                          <a:latin typeface="Cambria Math" panose="02040503050406030204" pitchFamily="18" charset="0"/>
-                        </a:rPr>
-                        <m:t>𝐻</m:t>
-                      </m:r>
-                      <m:r>
-                        <a:rPr lang="en-US" i="1" dirty="0" smtClean="0">
-                          <a:latin typeface="Cambria Math" panose="02040503050406030204" pitchFamily="18" charset="0"/>
-                        </a:rPr>
-                        <m:t>ₜ = </m:t>
-                      </m:r>
-                      <m:r>
-                        <a:rPr lang="en-US" i="1" dirty="0" smtClean="0">
-                          <a:latin typeface="Cambria Math" panose="02040503050406030204" pitchFamily="18" charset="0"/>
-                        </a:rPr>
-                        <m:t>𝑂</m:t>
-                      </m:r>
-                      <m:r>
-                        <a:rPr lang="en-US" i="1" dirty="0" smtClean="0">
-                          <a:latin typeface="Cambria Math" panose="02040503050406030204" pitchFamily="18" charset="0"/>
-                        </a:rPr>
-                        <m:t>ₜ ⊙ </m:t>
-                      </m:r>
-                      <m:r>
-                        <m:rPr>
-                          <m:sty m:val="p"/>
-                        </m:rPr>
-                        <a:rPr lang="en-US" i="1" dirty="0" smtClean="0">
-                          <a:latin typeface="Cambria Math" panose="02040503050406030204" pitchFamily="18" charset="0"/>
-                        </a:rPr>
-                        <m:t>tanh</m:t>
-                      </m:r>
-                      <m:r>
-                        <a:rPr lang="en-US" i="1" dirty="0" smtClean="0">
-                          <a:latin typeface="Cambria Math" panose="02040503050406030204" pitchFamily="18" charset="0"/>
-                        </a:rPr>
-                        <m:t>⁡(</m:t>
-                      </m:r>
-                      <m:r>
-                        <a:rPr lang="en-US" i="1" dirty="0" smtClean="0">
-                          <a:latin typeface="Cambria Math" panose="02040503050406030204" pitchFamily="18" charset="0"/>
-                        </a:rPr>
-                        <m:t>𝐶</m:t>
-                      </m:r>
-                      <m:r>
-                        <a:rPr lang="en-US" i="1" dirty="0" smtClean="0">
-                          <a:latin typeface="Cambria Math" panose="02040503050406030204" pitchFamily="18" charset="0"/>
-                        </a:rPr>
-                        <m:t>ₜ)</m:t>
-                      </m:r>
-                    </m:oMath>
-                  </m:oMathPara>
+                  <m:oMath xmlns:m="http://schemas.openxmlformats.org/officeDocument/2006/math">
+                    <m:acc>
+                      <m:accPr>
+                        <m:chr m:val="̂"/>
+                        <m:ctrlPr>
+                          <a:rPr lang="en-IE" i="1" dirty="0" smtClean="0">
+                            <a:latin typeface="Cambria Math" panose="02040503050406030204" pitchFamily="18" charset="0"/>
+                          </a:rPr>
+                        </m:ctrlPr>
+                      </m:accPr>
+                      <m:e>
+                        <m:sSub>
+                          <m:sSubPr>
+                            <m:ctrlPr>
+                              <a:rPr lang="en-IE" b="0" i="1" dirty="0" smtClean="0">
+                                <a:latin typeface="Cambria Math" panose="02040503050406030204" pitchFamily="18" charset="0"/>
+                              </a:rPr>
+                            </m:ctrlPr>
+                          </m:sSubPr>
+                          <m:e>
+                            <m:r>
+                              <a:rPr lang="en-IE" b="0" i="1" dirty="0" smtClean="0">
+                                <a:latin typeface="Cambria Math" panose="02040503050406030204" pitchFamily="18" charset="0"/>
+                              </a:rPr>
+                              <m:t>𝑦</m:t>
+                            </m:r>
+                          </m:e>
+                          <m:sub>
+                            <m:r>
+                              <a:rPr lang="en-IE" b="0" i="1" dirty="0" smtClean="0">
+                                <a:latin typeface="Cambria Math" panose="02040503050406030204" pitchFamily="18" charset="0"/>
+                              </a:rPr>
+                              <m:t>𝑡</m:t>
+                            </m:r>
+                          </m:sub>
+                        </m:sSub>
+                      </m:e>
+                    </m:acc>
+                  </m:oMath>
                 </a14:m>
-                <a:endParaRPr lang="en-US" dirty="0"/>
-              </a:p>
-              <a:p>
-                <a:endParaRPr lang="en-US" dirty="0"/>
-              </a:p>
-              <a:p>
                 <a:endParaRPr lang="en-US" dirty="0"/>
               </a:p>
             </p:txBody>
           </p:sp>
         </mc:Choice>
-        <mc:Fallback xmlns="">
+        <mc:Fallback>
           <p:sp>
             <p:nvSpPr>
               <p:cNvPr id="3" name="Content Placeholder 2">
                 <a:extLst>
                   <a:ext uri="{FF2B5EF4-FFF2-40B4-BE49-F238E27FC236}">
-                    <a16:creationId xmlns:a16="http://schemas.microsoft.com/office/drawing/2014/main" id="{1BC3E802-5610-0DD4-5505-9A2BCBF07ABE}"/>
+                    <a16:creationId xmlns:a16="http://schemas.microsoft.com/office/drawing/2014/main" id="{8418B980-392F-40A7-2416-34B3A9B9A5B2}"/>
                   </a:ext>
                 </a:extLst>
               </p:cNvPr>
@@ -5578,7 +6273,7 @@
     </p:spTree>
     <p:extLst>
       <p:ext uri="{BB962C8B-B14F-4D97-AF65-F5344CB8AC3E}">
-        <p14:creationId xmlns:p14="http://schemas.microsoft.com/office/powerpoint/2010/main" val="3827415117"/>
+        <p14:creationId xmlns:p14="http://schemas.microsoft.com/office/powerpoint/2010/main" val="4084091192"/>
       </p:ext>
     </p:extLst>
   </p:cSld>
@@ -5588,7 +6283,301 @@
 </p:sld>
 </file>
 
-<file path=ppt/slides/slide12.xml><?xml version="1.0" encoding="utf-8"?>
+<file path=ppt/slides/slide14.xml><?xml version="1.0" encoding="utf-8"?>
+<p:sld xmlns:a="http://schemas.openxmlformats.org/drawingml/2006/main" xmlns:r="http://schemas.openxmlformats.org/officeDocument/2006/relationships" xmlns:p="http://schemas.openxmlformats.org/presentationml/2006/main">
+  <p:cSld>
+    <p:spTree>
+      <p:nvGrpSpPr>
+        <p:cNvPr id="1" name="">
+          <a:extLst>
+            <a:ext uri="{FF2B5EF4-FFF2-40B4-BE49-F238E27FC236}">
+              <a16:creationId xmlns:a16="http://schemas.microsoft.com/office/drawing/2014/main" id="{950855EA-ADAF-301D-5CE9-B46B4FA93D59}"/>
+            </a:ext>
+          </a:extLst>
+        </p:cNvPr>
+        <p:cNvGrpSpPr/>
+        <p:nvPr/>
+      </p:nvGrpSpPr>
+      <p:grpSpPr>
+        <a:xfrm>
+          <a:off x="0" y="0"/>
+          <a:ext cx="0" cy="0"/>
+          <a:chOff x="0" y="0"/>
+          <a:chExt cx="0" cy="0"/>
+        </a:xfrm>
+      </p:grpSpPr>
+      <p:sp>
+        <p:nvSpPr>
+          <p:cNvPr id="2" name="Title 1">
+            <a:extLst>
+              <a:ext uri="{FF2B5EF4-FFF2-40B4-BE49-F238E27FC236}">
+                <a16:creationId xmlns:a16="http://schemas.microsoft.com/office/drawing/2014/main" id="{C939C6FA-EF24-B127-395D-9D3E43714F21}"/>
+              </a:ext>
+            </a:extLst>
+          </p:cNvPr>
+          <p:cNvSpPr>
+            <a:spLocks noGrp="1"/>
+          </p:cNvSpPr>
+          <p:nvPr>
+            <p:ph type="title"/>
+          </p:nvPr>
+        </p:nvSpPr>
+        <p:spPr/>
+        <p:txBody>
+          <a:bodyPr>
+            <a:normAutofit/>
+          </a:bodyPr>
+          <a:lstStyle/>
+          <a:p>
+            <a:r>
+              <a:rPr lang="en-US" dirty="0"/>
+              <a:t>Intuition</a:t>
+            </a:r>
+          </a:p>
+        </p:txBody>
+      </p:sp>
+      <mc:AlternateContent xmlns:mc="http://schemas.openxmlformats.org/markup-compatibility/2006">
+        <mc:Choice xmlns:a14="http://schemas.microsoft.com/office/drawing/2010/main" Requires="a14">
+          <p:sp>
+            <p:nvSpPr>
+              <p:cNvPr id="3" name="Content Placeholder 2">
+                <a:extLst>
+                  <a:ext uri="{FF2B5EF4-FFF2-40B4-BE49-F238E27FC236}">
+                    <a16:creationId xmlns:a16="http://schemas.microsoft.com/office/drawing/2014/main" id="{FBEBC813-F6AF-D062-5719-0F1A7EB63D58}"/>
+                  </a:ext>
+                </a:extLst>
+              </p:cNvPr>
+              <p:cNvSpPr>
+                <a:spLocks noGrp="1"/>
+              </p:cNvSpPr>
+              <p:nvPr>
+                <p:ph idx="1"/>
+              </p:nvPr>
+            </p:nvSpPr>
+            <p:spPr/>
+            <p:txBody>
+              <a:bodyPr>
+                <a:normAutofit/>
+              </a:bodyPr>
+              <a:lstStyle/>
+              <a:p>
+                <a:r>
+                  <a:rPr lang="en-IE" dirty="0"/>
+                  <a:t>All of the first set of gates are the same: use the previous value of the short-term input and the previous short-term memory</a:t>
+                </a:r>
+              </a:p>
+              <a:p>
+                <a:r>
+                  <a:rPr lang="en-IE" dirty="0"/>
+                  <a:t>Anything with a sigmoid activation function becomes a percentage</a:t>
+                </a:r>
+              </a:p>
+              <a:p>
+                <a:r>
+                  <a:rPr lang="en-IE" dirty="0"/>
+                  <a:t>E.g. </a:t>
+                </a:r>
+                <a14:m>
+                  <m:oMath xmlns:m="http://schemas.openxmlformats.org/officeDocument/2006/math">
+                    <m:acc>
+                      <m:accPr>
+                        <m:chr m:val="̃"/>
+                        <m:ctrlPr>
+                          <a:rPr lang="en-US" i="1" dirty="0">
+                            <a:latin typeface="Cambria Math" panose="02040503050406030204" pitchFamily="18" charset="0"/>
+                          </a:rPr>
+                        </m:ctrlPr>
+                      </m:accPr>
+                      <m:e>
+                        <m:sSub>
+                          <m:sSubPr>
+                            <m:ctrlPr>
+                              <a:rPr lang="en-IE" i="1" dirty="0">
+                                <a:latin typeface="Cambria Math" panose="02040503050406030204" pitchFamily="18" charset="0"/>
+                              </a:rPr>
+                            </m:ctrlPr>
+                          </m:sSubPr>
+                          <m:e>
+                            <m:r>
+                              <a:rPr lang="en-IE" i="1" dirty="0">
+                                <a:latin typeface="Cambria Math" panose="02040503050406030204" pitchFamily="18" charset="0"/>
+                              </a:rPr>
+                              <m:t>𝐶</m:t>
+                            </m:r>
+                          </m:e>
+                          <m:sub>
+                            <m:r>
+                              <a:rPr lang="en-IE" i="1" dirty="0">
+                                <a:latin typeface="Cambria Math" panose="02040503050406030204" pitchFamily="18" charset="0"/>
+                              </a:rPr>
+                              <m:t>𝑡</m:t>
+                            </m:r>
+                          </m:sub>
+                        </m:sSub>
+                      </m:e>
+                    </m:acc>
+                  </m:oMath>
+                </a14:m>
+                <a:r>
+                  <a:rPr lang="en-IE" dirty="0"/>
+                  <a:t>is the percentage of the potential short term memory to keep</a:t>
+                </a:r>
+              </a:p>
+              <a:p>
+                <a14:m>
+                  <m:oMath xmlns:m="http://schemas.openxmlformats.org/officeDocument/2006/math">
+                    <m:func>
+                      <m:funcPr>
+                        <m:ctrlPr>
+                          <a:rPr lang="en-IE" i="1" dirty="0">
+                            <a:latin typeface="Cambria Math" panose="02040503050406030204" pitchFamily="18" charset="0"/>
+                          </a:rPr>
+                        </m:ctrlPr>
+                      </m:funcPr>
+                      <m:fName>
+                        <m:r>
+                          <m:rPr>
+                            <m:sty m:val="p"/>
+                          </m:rPr>
+                          <a:rPr lang="en-IE" dirty="0">
+                            <a:latin typeface="Cambria Math" panose="02040503050406030204" pitchFamily="18" charset="0"/>
+                          </a:rPr>
+                          <m:t>tanh</m:t>
+                        </m:r>
+                      </m:fName>
+                      <m:e>
+                        <m:d>
+                          <m:dPr>
+                            <m:ctrlPr>
+                              <a:rPr lang="en-IE" i="1" dirty="0">
+                                <a:latin typeface="Cambria Math" panose="02040503050406030204" pitchFamily="18" charset="0"/>
+                              </a:rPr>
+                            </m:ctrlPr>
+                          </m:dPr>
+                          <m:e>
+                            <m:sSub>
+                              <m:sSubPr>
+                                <m:ctrlPr>
+                                  <a:rPr lang="en-IE" i="1" dirty="0">
+                                    <a:latin typeface="Cambria Math" panose="02040503050406030204" pitchFamily="18" charset="0"/>
+                                  </a:rPr>
+                                </m:ctrlPr>
+                              </m:sSubPr>
+                              <m:e>
+                                <m:r>
+                                  <a:rPr lang="en-IE" i="1" dirty="0">
+                                    <a:latin typeface="Cambria Math" panose="02040503050406030204" pitchFamily="18" charset="0"/>
+                                  </a:rPr>
+                                  <m:t>𝑐</m:t>
+                                </m:r>
+                              </m:e>
+                              <m:sub>
+                                <m:r>
+                                  <a:rPr lang="en-IE" i="1" dirty="0">
+                                    <a:latin typeface="Cambria Math" panose="02040503050406030204" pitchFamily="18" charset="0"/>
+                                  </a:rPr>
+                                  <m:t>𝑡</m:t>
+                                </m:r>
+                              </m:sub>
+                            </m:sSub>
+                          </m:e>
+                        </m:d>
+                      </m:e>
+                    </m:func>
+                  </m:oMath>
+                </a14:m>
+                <a:r>
+                  <a:rPr lang="en-IE" dirty="0"/>
+                  <a:t> is the percentage of the long term memory to put into the short term memory </a:t>
+                </a:r>
+                <a14:m>
+                  <m:oMath xmlns:m="http://schemas.openxmlformats.org/officeDocument/2006/math">
+                    <m:sSub>
+                      <m:sSubPr>
+                        <m:ctrlPr>
+                          <a:rPr lang="en-IE" i="1" dirty="0" smtClean="0">
+                            <a:latin typeface="Cambria Math" panose="02040503050406030204" pitchFamily="18" charset="0"/>
+                          </a:rPr>
+                        </m:ctrlPr>
+                      </m:sSubPr>
+                      <m:e>
+                        <m:r>
+                          <a:rPr lang="en-IE" i="1" dirty="0" smtClean="0">
+                            <a:latin typeface="Cambria Math" panose="02040503050406030204" pitchFamily="18" charset="0"/>
+                          </a:rPr>
+                          <m:t>h</m:t>
+                        </m:r>
+                      </m:e>
+                      <m:sub>
+                        <m:r>
+                          <a:rPr lang="en-IE" i="1" dirty="0" smtClean="0">
+                            <a:latin typeface="Cambria Math" panose="02040503050406030204" pitchFamily="18" charset="0"/>
+                          </a:rPr>
+                          <m:t>𝑡</m:t>
+                        </m:r>
+                      </m:sub>
+                    </m:sSub>
+                  </m:oMath>
+                </a14:m>
+                <a:endParaRPr lang="en-US" dirty="0"/>
+              </a:p>
+            </p:txBody>
+          </p:sp>
+        </mc:Choice>
+        <mc:Fallback>
+          <p:sp>
+            <p:nvSpPr>
+              <p:cNvPr id="3" name="Content Placeholder 2">
+                <a:extLst>
+                  <a:ext uri="{FF2B5EF4-FFF2-40B4-BE49-F238E27FC236}">
+                    <a16:creationId xmlns:a16="http://schemas.microsoft.com/office/drawing/2014/main" id="{FBEBC813-F6AF-D062-5719-0F1A7EB63D58}"/>
+                  </a:ext>
+                </a:extLst>
+              </p:cNvPr>
+              <p:cNvSpPr>
+                <a:spLocks noGrp="1" noRot="1" noChangeAspect="1" noMove="1" noResize="1" noEditPoints="1" noAdjustHandles="1" noChangeArrowheads="1" noChangeShapeType="1" noTextEdit="1"/>
+              </p:cNvSpPr>
+              <p:nvPr>
+                <p:ph idx="1"/>
+              </p:nvPr>
+            </p:nvSpPr>
+            <p:spPr>
+              <a:blipFill>
+                <a:blip r:embed="rId2"/>
+                <a:stretch>
+                  <a:fillRect l="-1368" t="-2439" r="-1824"/>
+                </a:stretch>
+              </a:blipFill>
+            </p:spPr>
+            <p:txBody>
+              <a:bodyPr/>
+              <a:lstStyle/>
+              <a:p>
+                <a:r>
+                  <a:rPr lang="en-US">
+                    <a:noFill/>
+                  </a:rPr>
+                  <a:t> </a:t>
+                </a:r>
+              </a:p>
+            </p:txBody>
+          </p:sp>
+        </mc:Fallback>
+      </mc:AlternateContent>
+    </p:spTree>
+    <p:extLst>
+      <p:ext uri="{BB962C8B-B14F-4D97-AF65-F5344CB8AC3E}">
+        <p14:creationId xmlns:p14="http://schemas.microsoft.com/office/powerpoint/2010/main" val="2302159373"/>
+      </p:ext>
+    </p:extLst>
+  </p:cSld>
+  <p:clrMapOvr>
+    <a:masterClrMapping/>
+  </p:clrMapOvr>
+</p:sld>
+</file>
+
+<file path=ppt/slides/slide15.xml><?xml version="1.0" encoding="utf-8"?>
 <p:sld xmlns:a="http://schemas.openxmlformats.org/drawingml/2006/main" xmlns:r="http://schemas.openxmlformats.org/officeDocument/2006/relationships" xmlns:p="http://schemas.openxmlformats.org/presentationml/2006/main">
   <p:cSld>
     <p:spTree>
@@ -5654,7 +6643,14 @@
           <a:bodyPr/>
           <a:lstStyle/>
           <a:p>
-            <a:endParaRPr lang="en-US"/>
+            <a:r>
+              <a:rPr lang="en-US" dirty="0">
+                <a:solidFill>
+                  <a:srgbClr val="009749"/>
+                </a:solidFill>
+              </a:rPr>
+              <a:t>All more straightforward with an example on the board</a:t>
+            </a:r>
           </a:p>
         </p:txBody>
       </p:sp>
@@ -5671,1686 +6667,7 @@
 </p:sld>
 </file>
 
-<file path=ppt/slides/slide13.xml><?xml version="1.0" encoding="utf-8"?>
-<p:sld xmlns:a="http://schemas.openxmlformats.org/drawingml/2006/main" xmlns:r="http://schemas.openxmlformats.org/officeDocument/2006/relationships" xmlns:p="http://schemas.openxmlformats.org/presentationml/2006/main">
-  <p:cSld>
-    <p:spTree>
-      <p:nvGrpSpPr>
-        <p:cNvPr id="1" name=""/>
-        <p:cNvGrpSpPr/>
-        <p:nvPr/>
-      </p:nvGrpSpPr>
-      <p:grpSpPr>
-        <a:xfrm>
-          <a:off x="0" y="0"/>
-          <a:ext cx="0" cy="0"/>
-          <a:chOff x="0" y="0"/>
-          <a:chExt cx="0" cy="0"/>
-        </a:xfrm>
-      </p:grpSpPr>
-      <p:sp>
-        <p:nvSpPr>
-          <p:cNvPr id="2" name="Title 1">
-            <a:extLst>
-              <a:ext uri="{FF2B5EF4-FFF2-40B4-BE49-F238E27FC236}">
-                <a16:creationId xmlns:a16="http://schemas.microsoft.com/office/drawing/2014/main" id="{8FCCAFE1-45A8-A7C2-ADC8-ACE7ECF0AF96}"/>
-              </a:ext>
-            </a:extLst>
-          </p:cNvPr>
-          <p:cNvSpPr>
-            <a:spLocks noGrp="1"/>
-          </p:cNvSpPr>
-          <p:nvPr>
-            <p:ph type="title"/>
-          </p:nvPr>
-        </p:nvSpPr>
-        <p:spPr/>
-        <p:txBody>
-          <a:bodyPr/>
-          <a:lstStyle/>
-          <a:p>
-            <a:r>
-              <a:rPr lang="en-US" dirty="0"/>
-              <a:t>A weather prediction task</a:t>
-            </a:r>
-          </a:p>
-        </p:txBody>
-      </p:sp>
-      <p:sp>
-        <p:nvSpPr>
-          <p:cNvPr id="3" name="Content Placeholder 2">
-            <a:extLst>
-              <a:ext uri="{FF2B5EF4-FFF2-40B4-BE49-F238E27FC236}">
-                <a16:creationId xmlns:a16="http://schemas.microsoft.com/office/drawing/2014/main" id="{5B43D18F-294A-BD28-62A7-037B2BFEF8C1}"/>
-              </a:ext>
-            </a:extLst>
-          </p:cNvPr>
-          <p:cNvSpPr>
-            <a:spLocks noGrp="1"/>
-          </p:cNvSpPr>
-          <p:nvPr>
-            <p:ph idx="1"/>
-          </p:nvPr>
-        </p:nvSpPr>
-        <p:spPr>
-          <a:xfrm>
-            <a:off x="838200" y="1825625"/>
-            <a:ext cx="5879690" cy="4149290"/>
-          </a:xfrm>
-        </p:spPr>
-        <p:txBody>
-          <a:bodyPr>
-            <a:normAutofit/>
-          </a:bodyPr>
-          <a:lstStyle/>
-          <a:p>
-            <a:r>
-              <a:rPr lang="en-US" dirty="0"/>
-              <a:t>Use historical measurements of temperature, rainfall and humidity to predict the next day’s weather.</a:t>
-            </a:r>
-          </a:p>
-          <a:p>
-            <a:r>
-              <a:rPr lang="en-US" dirty="0"/>
-              <a:t>3 variables: temperature (°C), rainfall (mm), humidity (%)</a:t>
-            </a:r>
-          </a:p>
-          <a:p>
-            <a:r>
-              <a:rPr lang="en-US" dirty="0"/>
-              <a:t>We consider a 5‑day window to forecast the 6th day.</a:t>
-            </a:r>
-          </a:p>
-          <a:p>
-            <a:endParaRPr lang="en-US" dirty="0"/>
-          </a:p>
-          <a:p>
-            <a:endParaRPr lang="en-US" dirty="0"/>
-          </a:p>
-        </p:txBody>
-      </p:sp>
-      <p:graphicFrame>
-        <p:nvGraphicFramePr>
-          <p:cNvPr id="4" name="Table 0">
-            <a:extLst>
-              <a:ext uri="{FF2B5EF4-FFF2-40B4-BE49-F238E27FC236}">
-                <a16:creationId xmlns:a16="http://schemas.microsoft.com/office/drawing/2014/main" id="{94F04368-301D-E226-B8DA-00C4236273E8}"/>
-              </a:ext>
-            </a:extLst>
-          </p:cNvPr>
-          <p:cNvGraphicFramePr>
-            <a:graphicFrameLocks noGrp="1"/>
-          </p:cNvGraphicFramePr>
-          <p:nvPr>
-            <p:extLst>
-              <p:ext uri="{D42A27DB-BD31-4B8C-83A1-F6EECF244321}">
-                <p14:modId xmlns:p14="http://schemas.microsoft.com/office/powerpoint/2010/main" val="3167199912"/>
-              </p:ext>
-            </p:extLst>
-          </p:nvPr>
-        </p:nvGraphicFramePr>
-        <p:xfrm>
-          <a:off x="7057104" y="2150806"/>
-          <a:ext cx="4632960" cy="2438400"/>
-        </p:xfrm>
-        <a:graphic>
-          <a:graphicData uri="http://schemas.openxmlformats.org/drawingml/2006/table">
-            <a:tbl>
-              <a:tblPr/>
-              <a:tblGrid>
-                <a:gridCol w="1158240">
-                  <a:extLst>
-                    <a:ext uri="{9D8B030D-6E8A-4147-A177-3AD203B41FA5}">
-                      <a16:colId xmlns:a16="http://schemas.microsoft.com/office/drawing/2014/main" val="20000"/>
-                    </a:ext>
-                  </a:extLst>
-                </a:gridCol>
-                <a:gridCol w="1158240">
-                  <a:extLst>
-                    <a:ext uri="{9D8B030D-6E8A-4147-A177-3AD203B41FA5}">
-                      <a16:colId xmlns:a16="http://schemas.microsoft.com/office/drawing/2014/main" val="20001"/>
-                    </a:ext>
-                  </a:extLst>
-                </a:gridCol>
-                <a:gridCol w="1158240">
-                  <a:extLst>
-                    <a:ext uri="{9D8B030D-6E8A-4147-A177-3AD203B41FA5}">
-                      <a16:colId xmlns:a16="http://schemas.microsoft.com/office/drawing/2014/main" val="20002"/>
-                    </a:ext>
-                  </a:extLst>
-                </a:gridCol>
-                <a:gridCol w="1158240">
-                  <a:extLst>
-                    <a:ext uri="{9D8B030D-6E8A-4147-A177-3AD203B41FA5}">
-                      <a16:colId xmlns:a16="http://schemas.microsoft.com/office/drawing/2014/main" val="20003"/>
-                    </a:ext>
-                  </a:extLst>
-                </a:gridCol>
-              </a:tblGrid>
-              <a:tr h="406400">
-                <a:tc>
-                  <a:txBody>
-                    <a:bodyPr/>
-                    <a:lstStyle/>
-                    <a:p>
-                      <a:pPr marL="0" indent="0">
-                        <a:buNone/>
-                      </a:pPr>
-                      <a:r>
-                        <a:rPr lang="en-US" sz="1100" b="1" dirty="0">
-                          <a:solidFill>
-                            <a:srgbClr val="030A18"/>
-                          </a:solidFill>
-                        </a:rPr>
-                        <a:t>Day</a:t>
-                      </a:r>
-                      <a:endParaRPr lang="en-US" sz="1100" dirty="0"/>
-                    </a:p>
-                  </a:txBody>
-                  <a:tcPr marL="121920" marR="121920" marT="60960" marB="60960" anchor="ctr">
-                    <a:lnL w="3810" cap="flat" cmpd="sng" algn="ctr">
-                      <a:solidFill>
-                        <a:srgbClr val="DDDDDD"/>
-                      </a:solidFill>
-                      <a:prstDash val="solid"/>
-                      <a:round/>
-                      <a:headEnd type="none" w="med" len="med"/>
-                      <a:tailEnd type="none" w="med" len="med"/>
-                    </a:lnL>
-                    <a:lnR w="3810" cap="flat" cmpd="sng" algn="ctr">
-                      <a:solidFill>
-                        <a:srgbClr val="DDDDDD"/>
-                      </a:solidFill>
-                      <a:prstDash val="solid"/>
-                      <a:round/>
-                      <a:headEnd type="none" w="med" len="med"/>
-                      <a:tailEnd type="none" w="med" len="med"/>
-                    </a:lnR>
-                    <a:lnT w="3810" cap="flat" cmpd="sng" algn="ctr">
-                      <a:solidFill>
-                        <a:srgbClr val="DDDDDD"/>
-                      </a:solidFill>
-                      <a:prstDash val="solid"/>
-                      <a:round/>
-                      <a:headEnd type="none" w="med" len="med"/>
-                      <a:tailEnd type="none" w="med" len="med"/>
-                    </a:lnT>
-                    <a:lnB w="3810" cap="flat" cmpd="sng" algn="ctr">
-                      <a:solidFill>
-                        <a:srgbClr val="DDDDDD"/>
-                      </a:solidFill>
-                      <a:prstDash val="solid"/>
-                      <a:round/>
-                      <a:headEnd type="none" w="med" len="med"/>
-                      <a:tailEnd type="none" w="med" len="med"/>
-                    </a:lnB>
-                    <a:solidFill>
-                      <a:srgbClr val="F5F5F5"/>
-                    </a:solidFill>
-                  </a:tcPr>
-                </a:tc>
-                <a:tc>
-                  <a:txBody>
-                    <a:bodyPr/>
-                    <a:lstStyle/>
-                    <a:p>
-                      <a:pPr marL="0" indent="0">
-                        <a:buNone/>
-                      </a:pPr>
-                      <a:r>
-                        <a:rPr lang="en-US" sz="1100" b="1" dirty="0">
-                          <a:solidFill>
-                            <a:srgbClr val="030A18"/>
-                          </a:solidFill>
-                        </a:rPr>
-                        <a:t>Temp (°C)</a:t>
-                      </a:r>
-                      <a:endParaRPr lang="en-US" sz="1100" dirty="0"/>
-                    </a:p>
-                  </a:txBody>
-                  <a:tcPr marL="121920" marR="121920" marT="60960" marB="60960" anchor="ctr">
-                    <a:lnL w="3810" cap="flat" cmpd="sng" algn="ctr">
-                      <a:solidFill>
-                        <a:srgbClr val="DDDDDD"/>
-                      </a:solidFill>
-                      <a:prstDash val="solid"/>
-                      <a:round/>
-                      <a:headEnd type="none" w="med" len="med"/>
-                      <a:tailEnd type="none" w="med" len="med"/>
-                    </a:lnL>
-                    <a:lnR w="3810" cap="flat" cmpd="sng" algn="ctr">
-                      <a:solidFill>
-                        <a:srgbClr val="DDDDDD"/>
-                      </a:solidFill>
-                      <a:prstDash val="solid"/>
-                      <a:round/>
-                      <a:headEnd type="none" w="med" len="med"/>
-                      <a:tailEnd type="none" w="med" len="med"/>
-                    </a:lnR>
-                    <a:lnT w="3810" cap="flat" cmpd="sng" algn="ctr">
-                      <a:solidFill>
-                        <a:srgbClr val="DDDDDD"/>
-                      </a:solidFill>
-                      <a:prstDash val="solid"/>
-                      <a:round/>
-                      <a:headEnd type="none" w="med" len="med"/>
-                      <a:tailEnd type="none" w="med" len="med"/>
-                    </a:lnT>
-                    <a:lnB w="3810" cap="flat" cmpd="sng" algn="ctr">
-                      <a:solidFill>
-                        <a:srgbClr val="DDDDDD"/>
-                      </a:solidFill>
-                      <a:prstDash val="solid"/>
-                      <a:round/>
-                      <a:headEnd type="none" w="med" len="med"/>
-                      <a:tailEnd type="none" w="med" len="med"/>
-                    </a:lnB>
-                    <a:solidFill>
-                      <a:srgbClr val="F5F5F5"/>
-                    </a:solidFill>
-                  </a:tcPr>
-                </a:tc>
-                <a:tc>
-                  <a:txBody>
-                    <a:bodyPr/>
-                    <a:lstStyle/>
-                    <a:p>
-                      <a:pPr marL="0" indent="0">
-                        <a:buNone/>
-                      </a:pPr>
-                      <a:r>
-                        <a:rPr lang="en-US" sz="1100" b="1" dirty="0">
-                          <a:solidFill>
-                            <a:srgbClr val="030A18"/>
-                          </a:solidFill>
-                        </a:rPr>
-                        <a:t>Rain (mm)</a:t>
-                      </a:r>
-                      <a:endParaRPr lang="en-US" sz="1100" dirty="0"/>
-                    </a:p>
-                  </a:txBody>
-                  <a:tcPr marL="121920" marR="121920" marT="60960" marB="60960" anchor="ctr">
-                    <a:lnL w="3810" cap="flat" cmpd="sng" algn="ctr">
-                      <a:solidFill>
-                        <a:srgbClr val="DDDDDD"/>
-                      </a:solidFill>
-                      <a:prstDash val="solid"/>
-                      <a:round/>
-                      <a:headEnd type="none" w="med" len="med"/>
-                      <a:tailEnd type="none" w="med" len="med"/>
-                    </a:lnL>
-                    <a:lnR w="3810" cap="flat" cmpd="sng" algn="ctr">
-                      <a:solidFill>
-                        <a:srgbClr val="DDDDDD"/>
-                      </a:solidFill>
-                      <a:prstDash val="solid"/>
-                      <a:round/>
-                      <a:headEnd type="none" w="med" len="med"/>
-                      <a:tailEnd type="none" w="med" len="med"/>
-                    </a:lnR>
-                    <a:lnT w="3810" cap="flat" cmpd="sng" algn="ctr">
-                      <a:solidFill>
-                        <a:srgbClr val="DDDDDD"/>
-                      </a:solidFill>
-                      <a:prstDash val="solid"/>
-                      <a:round/>
-                      <a:headEnd type="none" w="med" len="med"/>
-                      <a:tailEnd type="none" w="med" len="med"/>
-                    </a:lnT>
-                    <a:lnB w="3810" cap="flat" cmpd="sng" algn="ctr">
-                      <a:solidFill>
-                        <a:srgbClr val="DDDDDD"/>
-                      </a:solidFill>
-                      <a:prstDash val="solid"/>
-                      <a:round/>
-                      <a:headEnd type="none" w="med" len="med"/>
-                      <a:tailEnd type="none" w="med" len="med"/>
-                    </a:lnB>
-                    <a:solidFill>
-                      <a:srgbClr val="F5F5F5"/>
-                    </a:solidFill>
-                  </a:tcPr>
-                </a:tc>
-                <a:tc>
-                  <a:txBody>
-                    <a:bodyPr/>
-                    <a:lstStyle/>
-                    <a:p>
-                      <a:pPr marL="0" indent="0">
-                        <a:buNone/>
-                      </a:pPr>
-                      <a:r>
-                        <a:rPr lang="en-US" sz="1100" b="1" dirty="0">
-                          <a:solidFill>
-                            <a:srgbClr val="030A18"/>
-                          </a:solidFill>
-                        </a:rPr>
-                        <a:t>Humidity (%)</a:t>
-                      </a:r>
-                      <a:endParaRPr lang="en-US" sz="1100" dirty="0"/>
-                    </a:p>
-                  </a:txBody>
-                  <a:tcPr marL="121920" marR="121920" marT="60960" marB="60960" anchor="ctr">
-                    <a:lnL w="3810" cap="flat" cmpd="sng" algn="ctr">
-                      <a:solidFill>
-                        <a:srgbClr val="DDDDDD"/>
-                      </a:solidFill>
-                      <a:prstDash val="solid"/>
-                      <a:round/>
-                      <a:headEnd type="none" w="med" len="med"/>
-                      <a:tailEnd type="none" w="med" len="med"/>
-                    </a:lnL>
-                    <a:lnR w="3810" cap="flat" cmpd="sng" algn="ctr">
-                      <a:solidFill>
-                        <a:srgbClr val="DDDDDD"/>
-                      </a:solidFill>
-                      <a:prstDash val="solid"/>
-                      <a:round/>
-                      <a:headEnd type="none" w="med" len="med"/>
-                      <a:tailEnd type="none" w="med" len="med"/>
-                    </a:lnR>
-                    <a:lnT w="3810" cap="flat" cmpd="sng" algn="ctr">
-                      <a:solidFill>
-                        <a:srgbClr val="DDDDDD"/>
-                      </a:solidFill>
-                      <a:prstDash val="solid"/>
-                      <a:round/>
-                      <a:headEnd type="none" w="med" len="med"/>
-                      <a:tailEnd type="none" w="med" len="med"/>
-                    </a:lnT>
-                    <a:lnB w="3810" cap="flat" cmpd="sng" algn="ctr">
-                      <a:solidFill>
-                        <a:srgbClr val="DDDDDD"/>
-                      </a:solidFill>
-                      <a:prstDash val="solid"/>
-                      <a:round/>
-                      <a:headEnd type="none" w="med" len="med"/>
-                      <a:tailEnd type="none" w="med" len="med"/>
-                    </a:lnB>
-                    <a:solidFill>
-                      <a:srgbClr val="F5F5F5"/>
-                    </a:solidFill>
-                  </a:tcPr>
-                </a:tc>
-                <a:extLst>
-                  <a:ext uri="{0D108BD9-81ED-4DB2-BD59-A6C34878D82A}">
-                    <a16:rowId xmlns:a16="http://schemas.microsoft.com/office/drawing/2014/main" val="10000"/>
-                  </a:ext>
-                </a:extLst>
-              </a:tr>
-              <a:tr h="406400">
-                <a:tc>
-                  <a:txBody>
-                    <a:bodyPr/>
-                    <a:lstStyle/>
-                    <a:p>
-                      <a:pPr marL="0" indent="0">
-                        <a:buNone/>
-                      </a:pPr>
-                      <a:r>
-                        <a:rPr lang="en-US" sz="1100" dirty="0">
-                          <a:solidFill>
-                            <a:srgbClr val="030A18"/>
-                          </a:solidFill>
-                        </a:rPr>
-                        <a:t>D1</a:t>
-                      </a:r>
-                      <a:endParaRPr lang="en-US" sz="1100" dirty="0"/>
-                    </a:p>
-                  </a:txBody>
-                  <a:tcPr marL="121920" marR="121920" marT="60960" marB="60960" anchor="ctr">
-                    <a:lnL w="3810" cap="flat" cmpd="sng" algn="ctr">
-                      <a:solidFill>
-                        <a:srgbClr val="DDDDDD"/>
-                      </a:solidFill>
-                      <a:prstDash val="solid"/>
-                      <a:round/>
-                      <a:headEnd type="none" w="med" len="med"/>
-                      <a:tailEnd type="none" w="med" len="med"/>
-                    </a:lnL>
-                    <a:lnR w="3810" cap="flat" cmpd="sng" algn="ctr">
-                      <a:solidFill>
-                        <a:srgbClr val="DDDDDD"/>
-                      </a:solidFill>
-                      <a:prstDash val="solid"/>
-                      <a:round/>
-                      <a:headEnd type="none" w="med" len="med"/>
-                      <a:tailEnd type="none" w="med" len="med"/>
-                    </a:lnR>
-                    <a:lnT w="3810" cap="flat" cmpd="sng" algn="ctr">
-                      <a:solidFill>
-                        <a:srgbClr val="DDDDDD"/>
-                      </a:solidFill>
-                      <a:prstDash val="solid"/>
-                      <a:round/>
-                      <a:headEnd type="none" w="med" len="med"/>
-                      <a:tailEnd type="none" w="med" len="med"/>
-                    </a:lnT>
-                    <a:lnB w="3810" cap="flat" cmpd="sng" algn="ctr">
-                      <a:solidFill>
-                        <a:srgbClr val="DDDDDD"/>
-                      </a:solidFill>
-                      <a:prstDash val="solid"/>
-                      <a:round/>
-                      <a:headEnd type="none" w="med" len="med"/>
-                      <a:tailEnd type="none" w="med" len="med"/>
-                    </a:lnB>
-                    <a:solidFill>
-                      <a:srgbClr val="FFFFFF"/>
-                    </a:solidFill>
-                  </a:tcPr>
-                </a:tc>
-                <a:tc>
-                  <a:txBody>
-                    <a:bodyPr/>
-                    <a:lstStyle/>
-                    <a:p>
-                      <a:pPr marL="0" indent="0">
-                        <a:buNone/>
-                      </a:pPr>
-                      <a:r>
-                        <a:rPr lang="en-US" sz="1100" dirty="0">
-                          <a:solidFill>
-                            <a:srgbClr val="030A18"/>
-                          </a:solidFill>
-                        </a:rPr>
-                        <a:t>20.9</a:t>
-                      </a:r>
-                      <a:endParaRPr lang="en-US" sz="1100" dirty="0"/>
-                    </a:p>
-                  </a:txBody>
-                  <a:tcPr marL="121920" marR="121920" marT="60960" marB="60960" anchor="ctr">
-                    <a:lnL w="3810" cap="flat" cmpd="sng" algn="ctr">
-                      <a:solidFill>
-                        <a:srgbClr val="DDDDDD"/>
-                      </a:solidFill>
-                      <a:prstDash val="solid"/>
-                      <a:round/>
-                      <a:headEnd type="none" w="med" len="med"/>
-                      <a:tailEnd type="none" w="med" len="med"/>
-                    </a:lnL>
-                    <a:lnR w="3810" cap="flat" cmpd="sng" algn="ctr">
-                      <a:solidFill>
-                        <a:srgbClr val="DDDDDD"/>
-                      </a:solidFill>
-                      <a:prstDash val="solid"/>
-                      <a:round/>
-                      <a:headEnd type="none" w="med" len="med"/>
-                      <a:tailEnd type="none" w="med" len="med"/>
-                    </a:lnR>
-                    <a:lnT w="3810" cap="flat" cmpd="sng" algn="ctr">
-                      <a:solidFill>
-                        <a:srgbClr val="DDDDDD"/>
-                      </a:solidFill>
-                      <a:prstDash val="solid"/>
-                      <a:round/>
-                      <a:headEnd type="none" w="med" len="med"/>
-                      <a:tailEnd type="none" w="med" len="med"/>
-                    </a:lnT>
-                    <a:lnB w="3810" cap="flat" cmpd="sng" algn="ctr">
-                      <a:solidFill>
-                        <a:srgbClr val="DDDDDD"/>
-                      </a:solidFill>
-                      <a:prstDash val="solid"/>
-                      <a:round/>
-                      <a:headEnd type="none" w="med" len="med"/>
-                      <a:tailEnd type="none" w="med" len="med"/>
-                    </a:lnB>
-                    <a:solidFill>
-                      <a:srgbClr val="FFFFFF"/>
-                    </a:solidFill>
-                  </a:tcPr>
-                </a:tc>
-                <a:tc>
-                  <a:txBody>
-                    <a:bodyPr/>
-                    <a:lstStyle/>
-                    <a:p>
-                      <a:pPr marL="0" indent="0">
-                        <a:buNone/>
-                      </a:pPr>
-                      <a:r>
-                        <a:rPr lang="en-US" sz="1100" dirty="0">
-                          <a:solidFill>
-                            <a:srgbClr val="030A18"/>
-                          </a:solidFill>
-                        </a:rPr>
-                        <a:t>4.23</a:t>
-                      </a:r>
-                      <a:endParaRPr lang="en-US" sz="1100" dirty="0"/>
-                    </a:p>
-                  </a:txBody>
-                  <a:tcPr marL="121920" marR="121920" marT="60960" marB="60960" anchor="ctr">
-                    <a:lnL w="3810" cap="flat" cmpd="sng" algn="ctr">
-                      <a:solidFill>
-                        <a:srgbClr val="DDDDDD"/>
-                      </a:solidFill>
-                      <a:prstDash val="solid"/>
-                      <a:round/>
-                      <a:headEnd type="none" w="med" len="med"/>
-                      <a:tailEnd type="none" w="med" len="med"/>
-                    </a:lnL>
-                    <a:lnR w="3810" cap="flat" cmpd="sng" algn="ctr">
-                      <a:solidFill>
-                        <a:srgbClr val="DDDDDD"/>
-                      </a:solidFill>
-                      <a:prstDash val="solid"/>
-                      <a:round/>
-                      <a:headEnd type="none" w="med" len="med"/>
-                      <a:tailEnd type="none" w="med" len="med"/>
-                    </a:lnR>
-                    <a:lnT w="3810" cap="flat" cmpd="sng" algn="ctr">
-                      <a:solidFill>
-                        <a:srgbClr val="DDDDDD"/>
-                      </a:solidFill>
-                      <a:prstDash val="solid"/>
-                      <a:round/>
-                      <a:headEnd type="none" w="med" len="med"/>
-                      <a:tailEnd type="none" w="med" len="med"/>
-                    </a:lnT>
-                    <a:lnB w="3810" cap="flat" cmpd="sng" algn="ctr">
-                      <a:solidFill>
-                        <a:srgbClr val="DDDDDD"/>
-                      </a:solidFill>
-                      <a:prstDash val="solid"/>
-                      <a:round/>
-                      <a:headEnd type="none" w="med" len="med"/>
-                      <a:tailEnd type="none" w="med" len="med"/>
-                    </a:lnB>
-                    <a:solidFill>
-                      <a:srgbClr val="FFFFFF"/>
-                    </a:solidFill>
-                  </a:tcPr>
-                </a:tc>
-                <a:tc>
-                  <a:txBody>
-                    <a:bodyPr/>
-                    <a:lstStyle/>
-                    <a:p>
-                      <a:pPr marL="0" indent="0">
-                        <a:buNone/>
-                      </a:pPr>
-                      <a:r>
-                        <a:rPr lang="en-US" sz="1100" dirty="0">
-                          <a:solidFill>
-                            <a:srgbClr val="030A18"/>
-                          </a:solidFill>
-                        </a:rPr>
-                        <a:t>69.48</a:t>
-                      </a:r>
-                      <a:endParaRPr lang="en-US" sz="1100" dirty="0"/>
-                    </a:p>
-                  </a:txBody>
-                  <a:tcPr marL="121920" marR="121920" marT="60960" marB="60960" anchor="ctr">
-                    <a:lnL w="3810" cap="flat" cmpd="sng" algn="ctr">
-                      <a:solidFill>
-                        <a:srgbClr val="DDDDDD"/>
-                      </a:solidFill>
-                      <a:prstDash val="solid"/>
-                      <a:round/>
-                      <a:headEnd type="none" w="med" len="med"/>
-                      <a:tailEnd type="none" w="med" len="med"/>
-                    </a:lnL>
-                    <a:lnR w="3810" cap="flat" cmpd="sng" algn="ctr">
-                      <a:solidFill>
-                        <a:srgbClr val="DDDDDD"/>
-                      </a:solidFill>
-                      <a:prstDash val="solid"/>
-                      <a:round/>
-                      <a:headEnd type="none" w="med" len="med"/>
-                      <a:tailEnd type="none" w="med" len="med"/>
-                    </a:lnR>
-                    <a:lnT w="3810" cap="flat" cmpd="sng" algn="ctr">
-                      <a:solidFill>
-                        <a:srgbClr val="DDDDDD"/>
-                      </a:solidFill>
-                      <a:prstDash val="solid"/>
-                      <a:round/>
-                      <a:headEnd type="none" w="med" len="med"/>
-                      <a:tailEnd type="none" w="med" len="med"/>
-                    </a:lnT>
-                    <a:lnB w="3810" cap="flat" cmpd="sng" algn="ctr">
-                      <a:solidFill>
-                        <a:srgbClr val="DDDDDD"/>
-                      </a:solidFill>
-                      <a:prstDash val="solid"/>
-                      <a:round/>
-                      <a:headEnd type="none" w="med" len="med"/>
-                      <a:tailEnd type="none" w="med" len="med"/>
-                    </a:lnB>
-                    <a:solidFill>
-                      <a:srgbClr val="FFFFFF"/>
-                    </a:solidFill>
-                  </a:tcPr>
-                </a:tc>
-                <a:extLst>
-                  <a:ext uri="{0D108BD9-81ED-4DB2-BD59-A6C34878D82A}">
-                    <a16:rowId xmlns:a16="http://schemas.microsoft.com/office/drawing/2014/main" val="10001"/>
-                  </a:ext>
-                </a:extLst>
-              </a:tr>
-              <a:tr h="406400">
-                <a:tc>
-                  <a:txBody>
-                    <a:bodyPr/>
-                    <a:lstStyle/>
-                    <a:p>
-                      <a:pPr marL="0" indent="0">
-                        <a:buNone/>
-                      </a:pPr>
-                      <a:r>
-                        <a:rPr lang="en-US" sz="1100" dirty="0">
-                          <a:solidFill>
-                            <a:srgbClr val="030A18"/>
-                          </a:solidFill>
-                        </a:rPr>
-                        <a:t>D2</a:t>
-                      </a:r>
-                      <a:endParaRPr lang="en-US" sz="1100" dirty="0"/>
-                    </a:p>
-                  </a:txBody>
-                  <a:tcPr marL="121920" marR="121920" marT="60960" marB="60960" anchor="ctr">
-                    <a:lnL w="3810" cap="flat" cmpd="sng" algn="ctr">
-                      <a:solidFill>
-                        <a:srgbClr val="DDDDDD"/>
-                      </a:solidFill>
-                      <a:prstDash val="solid"/>
-                      <a:round/>
-                      <a:headEnd type="none" w="med" len="med"/>
-                      <a:tailEnd type="none" w="med" len="med"/>
-                    </a:lnL>
-                    <a:lnR w="3810" cap="flat" cmpd="sng" algn="ctr">
-                      <a:solidFill>
-                        <a:srgbClr val="DDDDDD"/>
-                      </a:solidFill>
-                      <a:prstDash val="solid"/>
-                      <a:round/>
-                      <a:headEnd type="none" w="med" len="med"/>
-                      <a:tailEnd type="none" w="med" len="med"/>
-                    </a:lnR>
-                    <a:lnT w="3810" cap="flat" cmpd="sng" algn="ctr">
-                      <a:solidFill>
-                        <a:srgbClr val="DDDDDD"/>
-                      </a:solidFill>
-                      <a:prstDash val="solid"/>
-                      <a:round/>
-                      <a:headEnd type="none" w="med" len="med"/>
-                      <a:tailEnd type="none" w="med" len="med"/>
-                    </a:lnT>
-                    <a:lnB w="3810" cap="flat" cmpd="sng" algn="ctr">
-                      <a:solidFill>
-                        <a:srgbClr val="DDDDDD"/>
-                      </a:solidFill>
-                      <a:prstDash val="solid"/>
-                      <a:round/>
-                      <a:headEnd type="none" w="med" len="med"/>
-                      <a:tailEnd type="none" w="med" len="med"/>
-                    </a:lnB>
-                    <a:solidFill>
-                      <a:srgbClr val="F7F9FC"/>
-                    </a:solidFill>
-                  </a:tcPr>
-                </a:tc>
-                <a:tc>
-                  <a:txBody>
-                    <a:bodyPr/>
-                    <a:lstStyle/>
-                    <a:p>
-                      <a:pPr marL="0" indent="0">
-                        <a:buNone/>
-                      </a:pPr>
-                      <a:r>
-                        <a:rPr lang="en-US" sz="1100" dirty="0">
-                          <a:solidFill>
-                            <a:srgbClr val="030A18"/>
-                          </a:solidFill>
-                        </a:rPr>
-                        <a:t>20.5</a:t>
-                      </a:r>
-                      <a:endParaRPr lang="en-US" sz="1100" dirty="0"/>
-                    </a:p>
-                  </a:txBody>
-                  <a:tcPr marL="121920" marR="121920" marT="60960" marB="60960" anchor="ctr">
-                    <a:lnL w="3810" cap="flat" cmpd="sng" algn="ctr">
-                      <a:solidFill>
-                        <a:srgbClr val="DDDDDD"/>
-                      </a:solidFill>
-                      <a:prstDash val="solid"/>
-                      <a:round/>
-                      <a:headEnd type="none" w="med" len="med"/>
-                      <a:tailEnd type="none" w="med" len="med"/>
-                    </a:lnL>
-                    <a:lnR w="3810" cap="flat" cmpd="sng" algn="ctr">
-                      <a:solidFill>
-                        <a:srgbClr val="DDDDDD"/>
-                      </a:solidFill>
-                      <a:prstDash val="solid"/>
-                      <a:round/>
-                      <a:headEnd type="none" w="med" len="med"/>
-                      <a:tailEnd type="none" w="med" len="med"/>
-                    </a:lnR>
-                    <a:lnT w="3810" cap="flat" cmpd="sng" algn="ctr">
-                      <a:solidFill>
-                        <a:srgbClr val="DDDDDD"/>
-                      </a:solidFill>
-                      <a:prstDash val="solid"/>
-                      <a:round/>
-                      <a:headEnd type="none" w="med" len="med"/>
-                      <a:tailEnd type="none" w="med" len="med"/>
-                    </a:lnT>
-                    <a:lnB w="3810" cap="flat" cmpd="sng" algn="ctr">
-                      <a:solidFill>
-                        <a:srgbClr val="DDDDDD"/>
-                      </a:solidFill>
-                      <a:prstDash val="solid"/>
-                      <a:round/>
-                      <a:headEnd type="none" w="med" len="med"/>
-                      <a:tailEnd type="none" w="med" len="med"/>
-                    </a:lnB>
-                    <a:solidFill>
-                      <a:srgbClr val="F7F9FC"/>
-                    </a:solidFill>
-                  </a:tcPr>
-                </a:tc>
-                <a:tc>
-                  <a:txBody>
-                    <a:bodyPr/>
-                    <a:lstStyle/>
-                    <a:p>
-                      <a:pPr marL="0" indent="0">
-                        <a:buNone/>
-                      </a:pPr>
-                      <a:r>
-                        <a:rPr lang="en-US" sz="1100" dirty="0">
-                          <a:solidFill>
-                            <a:srgbClr val="030A18"/>
-                          </a:solidFill>
-                        </a:rPr>
-                        <a:t>5.67</a:t>
-                      </a:r>
-                      <a:endParaRPr lang="en-US" sz="1100" dirty="0"/>
-                    </a:p>
-                  </a:txBody>
-                  <a:tcPr marL="121920" marR="121920" marT="60960" marB="60960" anchor="ctr">
-                    <a:lnL w="3810" cap="flat" cmpd="sng" algn="ctr">
-                      <a:solidFill>
-                        <a:srgbClr val="DDDDDD"/>
-                      </a:solidFill>
-                      <a:prstDash val="solid"/>
-                      <a:round/>
-                      <a:headEnd type="none" w="med" len="med"/>
-                      <a:tailEnd type="none" w="med" len="med"/>
-                    </a:lnL>
-                    <a:lnR w="3810" cap="flat" cmpd="sng" algn="ctr">
-                      <a:solidFill>
-                        <a:srgbClr val="DDDDDD"/>
-                      </a:solidFill>
-                      <a:prstDash val="solid"/>
-                      <a:round/>
-                      <a:headEnd type="none" w="med" len="med"/>
-                      <a:tailEnd type="none" w="med" len="med"/>
-                    </a:lnR>
-                    <a:lnT w="3810" cap="flat" cmpd="sng" algn="ctr">
-                      <a:solidFill>
-                        <a:srgbClr val="DDDDDD"/>
-                      </a:solidFill>
-                      <a:prstDash val="solid"/>
-                      <a:round/>
-                      <a:headEnd type="none" w="med" len="med"/>
-                      <a:tailEnd type="none" w="med" len="med"/>
-                    </a:lnT>
-                    <a:lnB w="3810" cap="flat" cmpd="sng" algn="ctr">
-                      <a:solidFill>
-                        <a:srgbClr val="DDDDDD"/>
-                      </a:solidFill>
-                      <a:prstDash val="solid"/>
-                      <a:round/>
-                      <a:headEnd type="none" w="med" len="med"/>
-                      <a:tailEnd type="none" w="med" len="med"/>
-                    </a:lnB>
-                    <a:solidFill>
-                      <a:srgbClr val="F7F9FC"/>
-                    </a:solidFill>
-                  </a:tcPr>
-                </a:tc>
-                <a:tc>
-                  <a:txBody>
-                    <a:bodyPr/>
-                    <a:lstStyle/>
-                    <a:p>
-                      <a:pPr marL="0" indent="0">
-                        <a:buNone/>
-                      </a:pPr>
-                      <a:r>
-                        <a:rPr lang="en-US" sz="1100" dirty="0">
-                          <a:solidFill>
-                            <a:srgbClr val="030A18"/>
-                          </a:solidFill>
-                        </a:rPr>
-                        <a:t>68.75</a:t>
-                      </a:r>
-                      <a:endParaRPr lang="en-US" sz="1100" dirty="0"/>
-                    </a:p>
-                  </a:txBody>
-                  <a:tcPr marL="121920" marR="121920" marT="60960" marB="60960" anchor="ctr">
-                    <a:lnL w="3810" cap="flat" cmpd="sng" algn="ctr">
-                      <a:solidFill>
-                        <a:srgbClr val="DDDDDD"/>
-                      </a:solidFill>
-                      <a:prstDash val="solid"/>
-                      <a:round/>
-                      <a:headEnd type="none" w="med" len="med"/>
-                      <a:tailEnd type="none" w="med" len="med"/>
-                    </a:lnL>
-                    <a:lnR w="3810" cap="flat" cmpd="sng" algn="ctr">
-                      <a:solidFill>
-                        <a:srgbClr val="DDDDDD"/>
-                      </a:solidFill>
-                      <a:prstDash val="solid"/>
-                      <a:round/>
-                      <a:headEnd type="none" w="med" len="med"/>
-                      <a:tailEnd type="none" w="med" len="med"/>
-                    </a:lnR>
-                    <a:lnT w="3810" cap="flat" cmpd="sng" algn="ctr">
-                      <a:solidFill>
-                        <a:srgbClr val="DDDDDD"/>
-                      </a:solidFill>
-                      <a:prstDash val="solid"/>
-                      <a:round/>
-                      <a:headEnd type="none" w="med" len="med"/>
-                      <a:tailEnd type="none" w="med" len="med"/>
-                    </a:lnT>
-                    <a:lnB w="3810" cap="flat" cmpd="sng" algn="ctr">
-                      <a:solidFill>
-                        <a:srgbClr val="DDDDDD"/>
-                      </a:solidFill>
-                      <a:prstDash val="solid"/>
-                      <a:round/>
-                      <a:headEnd type="none" w="med" len="med"/>
-                      <a:tailEnd type="none" w="med" len="med"/>
-                    </a:lnB>
-                    <a:solidFill>
-                      <a:srgbClr val="F7F9FC"/>
-                    </a:solidFill>
-                  </a:tcPr>
-                </a:tc>
-                <a:extLst>
-                  <a:ext uri="{0D108BD9-81ED-4DB2-BD59-A6C34878D82A}">
-                    <a16:rowId xmlns:a16="http://schemas.microsoft.com/office/drawing/2014/main" val="10002"/>
-                  </a:ext>
-                </a:extLst>
-              </a:tr>
-              <a:tr h="406400">
-                <a:tc>
-                  <a:txBody>
-                    <a:bodyPr/>
-                    <a:lstStyle/>
-                    <a:p>
-                      <a:pPr marL="0" indent="0">
-                        <a:buNone/>
-                      </a:pPr>
-                      <a:r>
-                        <a:rPr lang="en-US" sz="1100" dirty="0">
-                          <a:solidFill>
-                            <a:srgbClr val="030A18"/>
-                          </a:solidFill>
-                        </a:rPr>
-                        <a:t>D3</a:t>
-                      </a:r>
-                      <a:endParaRPr lang="en-US" sz="1100" dirty="0"/>
-                    </a:p>
-                  </a:txBody>
-                  <a:tcPr marL="121920" marR="121920" marT="60960" marB="60960" anchor="ctr">
-                    <a:lnL w="3810" cap="flat" cmpd="sng" algn="ctr">
-                      <a:solidFill>
-                        <a:srgbClr val="DDDDDD"/>
-                      </a:solidFill>
-                      <a:prstDash val="solid"/>
-                      <a:round/>
-                      <a:headEnd type="none" w="med" len="med"/>
-                      <a:tailEnd type="none" w="med" len="med"/>
-                    </a:lnL>
-                    <a:lnR w="3810" cap="flat" cmpd="sng" algn="ctr">
-                      <a:solidFill>
-                        <a:srgbClr val="DDDDDD"/>
-                      </a:solidFill>
-                      <a:prstDash val="solid"/>
-                      <a:round/>
-                      <a:headEnd type="none" w="med" len="med"/>
-                      <a:tailEnd type="none" w="med" len="med"/>
-                    </a:lnR>
-                    <a:lnT w="3810" cap="flat" cmpd="sng" algn="ctr">
-                      <a:solidFill>
-                        <a:srgbClr val="DDDDDD"/>
-                      </a:solidFill>
-                      <a:prstDash val="solid"/>
-                      <a:round/>
-                      <a:headEnd type="none" w="med" len="med"/>
-                      <a:tailEnd type="none" w="med" len="med"/>
-                    </a:lnT>
-                    <a:lnB w="3810" cap="flat" cmpd="sng" algn="ctr">
-                      <a:solidFill>
-                        <a:srgbClr val="DDDDDD"/>
-                      </a:solidFill>
-                      <a:prstDash val="solid"/>
-                      <a:round/>
-                      <a:headEnd type="none" w="med" len="med"/>
-                      <a:tailEnd type="none" w="med" len="med"/>
-                    </a:lnB>
-                    <a:solidFill>
-                      <a:srgbClr val="FFFFFF"/>
-                    </a:solidFill>
-                  </a:tcPr>
-                </a:tc>
-                <a:tc>
-                  <a:txBody>
-                    <a:bodyPr/>
-                    <a:lstStyle/>
-                    <a:p>
-                      <a:pPr marL="0" indent="0">
-                        <a:buNone/>
-                      </a:pPr>
-                      <a:r>
-                        <a:rPr lang="en-US" sz="1100" dirty="0">
-                          <a:solidFill>
-                            <a:srgbClr val="030A18"/>
-                          </a:solidFill>
-                        </a:rPr>
-                        <a:t>21.0</a:t>
-                      </a:r>
-                      <a:endParaRPr lang="en-US" sz="1100" dirty="0"/>
-                    </a:p>
-                  </a:txBody>
-                  <a:tcPr marL="121920" marR="121920" marT="60960" marB="60960" anchor="ctr">
-                    <a:lnL w="3810" cap="flat" cmpd="sng" algn="ctr">
-                      <a:solidFill>
-                        <a:srgbClr val="DDDDDD"/>
-                      </a:solidFill>
-                      <a:prstDash val="solid"/>
-                      <a:round/>
-                      <a:headEnd type="none" w="med" len="med"/>
-                      <a:tailEnd type="none" w="med" len="med"/>
-                    </a:lnL>
-                    <a:lnR w="3810" cap="flat" cmpd="sng" algn="ctr">
-                      <a:solidFill>
-                        <a:srgbClr val="DDDDDD"/>
-                      </a:solidFill>
-                      <a:prstDash val="solid"/>
-                      <a:round/>
-                      <a:headEnd type="none" w="med" len="med"/>
-                      <a:tailEnd type="none" w="med" len="med"/>
-                    </a:lnR>
-                    <a:lnT w="3810" cap="flat" cmpd="sng" algn="ctr">
-                      <a:solidFill>
-                        <a:srgbClr val="DDDDDD"/>
-                      </a:solidFill>
-                      <a:prstDash val="solid"/>
-                      <a:round/>
-                      <a:headEnd type="none" w="med" len="med"/>
-                      <a:tailEnd type="none" w="med" len="med"/>
-                    </a:lnT>
-                    <a:lnB w="3810" cap="flat" cmpd="sng" algn="ctr">
-                      <a:solidFill>
-                        <a:srgbClr val="DDDDDD"/>
-                      </a:solidFill>
-                      <a:prstDash val="solid"/>
-                      <a:round/>
-                      <a:headEnd type="none" w="med" len="med"/>
-                      <a:tailEnd type="none" w="med" len="med"/>
-                    </a:lnB>
-                    <a:solidFill>
-                      <a:srgbClr val="FFFFFF"/>
-                    </a:solidFill>
-                  </a:tcPr>
-                </a:tc>
-                <a:tc>
-                  <a:txBody>
-                    <a:bodyPr/>
-                    <a:lstStyle/>
-                    <a:p>
-                      <a:pPr marL="0" indent="0">
-                        <a:buNone/>
-                      </a:pPr>
-                      <a:r>
-                        <a:rPr lang="en-US" sz="1100" dirty="0">
-                          <a:solidFill>
-                            <a:srgbClr val="030A18"/>
-                          </a:solidFill>
-                        </a:rPr>
-                        <a:t>6.10</a:t>
-                      </a:r>
-                      <a:endParaRPr lang="en-US" sz="1100" dirty="0"/>
-                    </a:p>
-                  </a:txBody>
-                  <a:tcPr marL="121920" marR="121920" marT="60960" marB="60960" anchor="ctr">
-                    <a:lnL w="3810" cap="flat" cmpd="sng" algn="ctr">
-                      <a:solidFill>
-                        <a:srgbClr val="DDDDDD"/>
-                      </a:solidFill>
-                      <a:prstDash val="solid"/>
-                      <a:round/>
-                      <a:headEnd type="none" w="med" len="med"/>
-                      <a:tailEnd type="none" w="med" len="med"/>
-                    </a:lnL>
-                    <a:lnR w="3810" cap="flat" cmpd="sng" algn="ctr">
-                      <a:solidFill>
-                        <a:srgbClr val="DDDDDD"/>
-                      </a:solidFill>
-                      <a:prstDash val="solid"/>
-                      <a:round/>
-                      <a:headEnd type="none" w="med" len="med"/>
-                      <a:tailEnd type="none" w="med" len="med"/>
-                    </a:lnR>
-                    <a:lnT w="3810" cap="flat" cmpd="sng" algn="ctr">
-                      <a:solidFill>
-                        <a:srgbClr val="DDDDDD"/>
-                      </a:solidFill>
-                      <a:prstDash val="solid"/>
-                      <a:round/>
-                      <a:headEnd type="none" w="med" len="med"/>
-                      <a:tailEnd type="none" w="med" len="med"/>
-                    </a:lnT>
-                    <a:lnB w="3810" cap="flat" cmpd="sng" algn="ctr">
-                      <a:solidFill>
-                        <a:srgbClr val="DDDDDD"/>
-                      </a:solidFill>
-                      <a:prstDash val="solid"/>
-                      <a:round/>
-                      <a:headEnd type="none" w="med" len="med"/>
-                      <a:tailEnd type="none" w="med" len="med"/>
-                    </a:lnB>
-                    <a:solidFill>
-                      <a:srgbClr val="FFFFFF"/>
-                    </a:solidFill>
-                  </a:tcPr>
-                </a:tc>
-                <a:tc>
-                  <a:txBody>
-                    <a:bodyPr/>
-                    <a:lstStyle/>
-                    <a:p>
-                      <a:pPr marL="0" indent="0">
-                        <a:buNone/>
-                      </a:pPr>
-                      <a:r>
-                        <a:rPr lang="en-US" sz="1100" dirty="0">
-                          <a:solidFill>
-                            <a:srgbClr val="030A18"/>
-                          </a:solidFill>
-                        </a:rPr>
-                        <a:t>67.04</a:t>
-                      </a:r>
-                      <a:endParaRPr lang="en-US" sz="1100" dirty="0"/>
-                    </a:p>
-                  </a:txBody>
-                  <a:tcPr marL="121920" marR="121920" marT="60960" marB="60960" anchor="ctr">
-                    <a:lnL w="3810" cap="flat" cmpd="sng" algn="ctr">
-                      <a:solidFill>
-                        <a:srgbClr val="DDDDDD"/>
-                      </a:solidFill>
-                      <a:prstDash val="solid"/>
-                      <a:round/>
-                      <a:headEnd type="none" w="med" len="med"/>
-                      <a:tailEnd type="none" w="med" len="med"/>
-                    </a:lnL>
-                    <a:lnR w="3810" cap="flat" cmpd="sng" algn="ctr">
-                      <a:solidFill>
-                        <a:srgbClr val="DDDDDD"/>
-                      </a:solidFill>
-                      <a:prstDash val="solid"/>
-                      <a:round/>
-                      <a:headEnd type="none" w="med" len="med"/>
-                      <a:tailEnd type="none" w="med" len="med"/>
-                    </a:lnR>
-                    <a:lnT w="3810" cap="flat" cmpd="sng" algn="ctr">
-                      <a:solidFill>
-                        <a:srgbClr val="DDDDDD"/>
-                      </a:solidFill>
-                      <a:prstDash val="solid"/>
-                      <a:round/>
-                      <a:headEnd type="none" w="med" len="med"/>
-                      <a:tailEnd type="none" w="med" len="med"/>
-                    </a:lnT>
-                    <a:lnB w="3810" cap="flat" cmpd="sng" algn="ctr">
-                      <a:solidFill>
-                        <a:srgbClr val="DDDDDD"/>
-                      </a:solidFill>
-                      <a:prstDash val="solid"/>
-                      <a:round/>
-                      <a:headEnd type="none" w="med" len="med"/>
-                      <a:tailEnd type="none" w="med" len="med"/>
-                    </a:lnB>
-                    <a:solidFill>
-                      <a:srgbClr val="FFFFFF"/>
-                    </a:solidFill>
-                  </a:tcPr>
-                </a:tc>
-                <a:extLst>
-                  <a:ext uri="{0D108BD9-81ED-4DB2-BD59-A6C34878D82A}">
-                    <a16:rowId xmlns:a16="http://schemas.microsoft.com/office/drawing/2014/main" val="10003"/>
-                  </a:ext>
-                </a:extLst>
-              </a:tr>
-              <a:tr h="406400">
-                <a:tc>
-                  <a:txBody>
-                    <a:bodyPr/>
-                    <a:lstStyle/>
-                    <a:p>
-                      <a:pPr marL="0" indent="0">
-                        <a:buNone/>
-                      </a:pPr>
-                      <a:r>
-                        <a:rPr lang="en-US" sz="1100" dirty="0">
-                          <a:solidFill>
-                            <a:srgbClr val="030A18"/>
-                          </a:solidFill>
-                        </a:rPr>
-                        <a:t>D4</a:t>
-                      </a:r>
-                      <a:endParaRPr lang="en-US" sz="1100" dirty="0"/>
-                    </a:p>
-                  </a:txBody>
-                  <a:tcPr marL="121920" marR="121920" marT="60960" marB="60960" anchor="ctr">
-                    <a:lnL w="3810" cap="flat" cmpd="sng" algn="ctr">
-                      <a:solidFill>
-                        <a:srgbClr val="DDDDDD"/>
-                      </a:solidFill>
-                      <a:prstDash val="solid"/>
-                      <a:round/>
-                      <a:headEnd type="none" w="med" len="med"/>
-                      <a:tailEnd type="none" w="med" len="med"/>
-                    </a:lnL>
-                    <a:lnR w="3810" cap="flat" cmpd="sng" algn="ctr">
-                      <a:solidFill>
-                        <a:srgbClr val="DDDDDD"/>
-                      </a:solidFill>
-                      <a:prstDash val="solid"/>
-                      <a:round/>
-                      <a:headEnd type="none" w="med" len="med"/>
-                      <a:tailEnd type="none" w="med" len="med"/>
-                    </a:lnR>
-                    <a:lnT w="3810" cap="flat" cmpd="sng" algn="ctr">
-                      <a:solidFill>
-                        <a:srgbClr val="DDDDDD"/>
-                      </a:solidFill>
-                      <a:prstDash val="solid"/>
-                      <a:round/>
-                      <a:headEnd type="none" w="med" len="med"/>
-                      <a:tailEnd type="none" w="med" len="med"/>
-                    </a:lnT>
-                    <a:lnB w="3810" cap="flat" cmpd="sng" algn="ctr">
-                      <a:solidFill>
-                        <a:srgbClr val="DDDDDD"/>
-                      </a:solidFill>
-                      <a:prstDash val="solid"/>
-                      <a:round/>
-                      <a:headEnd type="none" w="med" len="med"/>
-                      <a:tailEnd type="none" w="med" len="med"/>
-                    </a:lnB>
-                    <a:solidFill>
-                      <a:srgbClr val="F7F9FC"/>
-                    </a:solidFill>
-                  </a:tcPr>
-                </a:tc>
-                <a:tc>
-                  <a:txBody>
-                    <a:bodyPr/>
-                    <a:lstStyle/>
-                    <a:p>
-                      <a:pPr marL="0" indent="0">
-                        <a:buNone/>
-                      </a:pPr>
-                      <a:r>
-                        <a:rPr lang="en-US" sz="1100" dirty="0">
-                          <a:solidFill>
-                            <a:srgbClr val="030A18"/>
-                          </a:solidFill>
-                        </a:rPr>
-                        <a:t>21.9</a:t>
-                      </a:r>
-                      <a:endParaRPr lang="en-US" sz="1100" dirty="0"/>
-                    </a:p>
-                  </a:txBody>
-                  <a:tcPr marL="121920" marR="121920" marT="60960" marB="60960" anchor="ctr">
-                    <a:lnL w="3810" cap="flat" cmpd="sng" algn="ctr">
-                      <a:solidFill>
-                        <a:srgbClr val="DDDDDD"/>
-                      </a:solidFill>
-                      <a:prstDash val="solid"/>
-                      <a:round/>
-                      <a:headEnd type="none" w="med" len="med"/>
-                      <a:tailEnd type="none" w="med" len="med"/>
-                    </a:lnL>
-                    <a:lnR w="3810" cap="flat" cmpd="sng" algn="ctr">
-                      <a:solidFill>
-                        <a:srgbClr val="DDDDDD"/>
-                      </a:solidFill>
-                      <a:prstDash val="solid"/>
-                      <a:round/>
-                      <a:headEnd type="none" w="med" len="med"/>
-                      <a:tailEnd type="none" w="med" len="med"/>
-                    </a:lnR>
-                    <a:lnT w="3810" cap="flat" cmpd="sng" algn="ctr">
-                      <a:solidFill>
-                        <a:srgbClr val="DDDDDD"/>
-                      </a:solidFill>
-                      <a:prstDash val="solid"/>
-                      <a:round/>
-                      <a:headEnd type="none" w="med" len="med"/>
-                      <a:tailEnd type="none" w="med" len="med"/>
-                    </a:lnT>
-                    <a:lnB w="3810" cap="flat" cmpd="sng" algn="ctr">
-                      <a:solidFill>
-                        <a:srgbClr val="DDDDDD"/>
-                      </a:solidFill>
-                      <a:prstDash val="solid"/>
-                      <a:round/>
-                      <a:headEnd type="none" w="med" len="med"/>
-                      <a:tailEnd type="none" w="med" len="med"/>
-                    </a:lnB>
-                    <a:solidFill>
-                      <a:srgbClr val="F7F9FC"/>
-                    </a:solidFill>
-                  </a:tcPr>
-                </a:tc>
-                <a:tc>
-                  <a:txBody>
-                    <a:bodyPr/>
-                    <a:lstStyle/>
-                    <a:p>
-                      <a:pPr marL="0" indent="0">
-                        <a:buNone/>
-                      </a:pPr>
-                      <a:r>
-                        <a:rPr lang="en-US" sz="1100" dirty="0">
-                          <a:solidFill>
-                            <a:srgbClr val="030A18"/>
-                          </a:solidFill>
-                        </a:rPr>
-                        <a:t>5.77</a:t>
-                      </a:r>
-                      <a:endParaRPr lang="en-US" sz="1100" dirty="0"/>
-                    </a:p>
-                  </a:txBody>
-                  <a:tcPr marL="121920" marR="121920" marT="60960" marB="60960" anchor="ctr">
-                    <a:lnL w="3810" cap="flat" cmpd="sng" algn="ctr">
-                      <a:solidFill>
-                        <a:srgbClr val="DDDDDD"/>
-                      </a:solidFill>
-                      <a:prstDash val="solid"/>
-                      <a:round/>
-                      <a:headEnd type="none" w="med" len="med"/>
-                      <a:tailEnd type="none" w="med" len="med"/>
-                    </a:lnL>
-                    <a:lnR w="3810" cap="flat" cmpd="sng" algn="ctr">
-                      <a:solidFill>
-                        <a:srgbClr val="DDDDDD"/>
-                      </a:solidFill>
-                      <a:prstDash val="solid"/>
-                      <a:round/>
-                      <a:headEnd type="none" w="med" len="med"/>
-                      <a:tailEnd type="none" w="med" len="med"/>
-                    </a:lnR>
-                    <a:lnT w="3810" cap="flat" cmpd="sng" algn="ctr">
-                      <a:solidFill>
-                        <a:srgbClr val="DDDDDD"/>
-                      </a:solidFill>
-                      <a:prstDash val="solid"/>
-                      <a:round/>
-                      <a:headEnd type="none" w="med" len="med"/>
-                      <a:tailEnd type="none" w="med" len="med"/>
-                    </a:lnT>
-                    <a:lnB w="3810" cap="flat" cmpd="sng" algn="ctr">
-                      <a:solidFill>
-                        <a:srgbClr val="DDDDDD"/>
-                      </a:solidFill>
-                      <a:prstDash val="solid"/>
-                      <a:round/>
-                      <a:headEnd type="none" w="med" len="med"/>
-                      <a:tailEnd type="none" w="med" len="med"/>
-                    </a:lnB>
-                    <a:solidFill>
-                      <a:srgbClr val="F7F9FC"/>
-                    </a:solidFill>
-                  </a:tcPr>
-                </a:tc>
-                <a:tc>
-                  <a:txBody>
-                    <a:bodyPr/>
-                    <a:lstStyle/>
-                    <a:p>
-                      <a:pPr marL="0" indent="0">
-                        <a:buNone/>
-                      </a:pPr>
-                      <a:r>
-                        <a:rPr lang="en-US" sz="1100" dirty="0">
-                          <a:solidFill>
-                            <a:srgbClr val="030A18"/>
-                          </a:solidFill>
-                        </a:rPr>
-                        <a:t>66.44</a:t>
-                      </a:r>
-                      <a:endParaRPr lang="en-US" sz="1100" dirty="0"/>
-                    </a:p>
-                  </a:txBody>
-                  <a:tcPr marL="121920" marR="121920" marT="60960" marB="60960" anchor="ctr">
-                    <a:lnL w="3810" cap="flat" cmpd="sng" algn="ctr">
-                      <a:solidFill>
-                        <a:srgbClr val="DDDDDD"/>
-                      </a:solidFill>
-                      <a:prstDash val="solid"/>
-                      <a:round/>
-                      <a:headEnd type="none" w="med" len="med"/>
-                      <a:tailEnd type="none" w="med" len="med"/>
-                    </a:lnL>
-                    <a:lnR w="3810" cap="flat" cmpd="sng" algn="ctr">
-                      <a:solidFill>
-                        <a:srgbClr val="DDDDDD"/>
-                      </a:solidFill>
-                      <a:prstDash val="solid"/>
-                      <a:round/>
-                      <a:headEnd type="none" w="med" len="med"/>
-                      <a:tailEnd type="none" w="med" len="med"/>
-                    </a:lnR>
-                    <a:lnT w="3810" cap="flat" cmpd="sng" algn="ctr">
-                      <a:solidFill>
-                        <a:srgbClr val="DDDDDD"/>
-                      </a:solidFill>
-                      <a:prstDash val="solid"/>
-                      <a:round/>
-                      <a:headEnd type="none" w="med" len="med"/>
-                      <a:tailEnd type="none" w="med" len="med"/>
-                    </a:lnT>
-                    <a:lnB w="3810" cap="flat" cmpd="sng" algn="ctr">
-                      <a:solidFill>
-                        <a:srgbClr val="DDDDDD"/>
-                      </a:solidFill>
-                      <a:prstDash val="solid"/>
-                      <a:round/>
-                      <a:headEnd type="none" w="med" len="med"/>
-                      <a:tailEnd type="none" w="med" len="med"/>
-                    </a:lnB>
-                    <a:solidFill>
-                      <a:srgbClr val="F7F9FC"/>
-                    </a:solidFill>
-                  </a:tcPr>
-                </a:tc>
-                <a:extLst>
-                  <a:ext uri="{0D108BD9-81ED-4DB2-BD59-A6C34878D82A}">
-                    <a16:rowId xmlns:a16="http://schemas.microsoft.com/office/drawing/2014/main" val="10004"/>
-                  </a:ext>
-                </a:extLst>
-              </a:tr>
-              <a:tr h="406400">
-                <a:tc>
-                  <a:txBody>
-                    <a:bodyPr/>
-                    <a:lstStyle/>
-                    <a:p>
-                      <a:pPr marL="0" indent="0">
-                        <a:buNone/>
-                      </a:pPr>
-                      <a:r>
-                        <a:rPr lang="en-US" sz="1100" dirty="0">
-                          <a:solidFill>
-                            <a:srgbClr val="030A18"/>
-                          </a:solidFill>
-                        </a:rPr>
-                        <a:t>D5</a:t>
-                      </a:r>
-                      <a:endParaRPr lang="en-US" sz="1100" dirty="0"/>
-                    </a:p>
-                  </a:txBody>
-                  <a:tcPr marL="121920" marR="121920" marT="60960" marB="60960" anchor="ctr">
-                    <a:lnL w="3810" cap="flat" cmpd="sng" algn="ctr">
-                      <a:solidFill>
-                        <a:srgbClr val="DDDDDD"/>
-                      </a:solidFill>
-                      <a:prstDash val="solid"/>
-                      <a:round/>
-                      <a:headEnd type="none" w="med" len="med"/>
-                      <a:tailEnd type="none" w="med" len="med"/>
-                    </a:lnL>
-                    <a:lnR w="3810" cap="flat" cmpd="sng" algn="ctr">
-                      <a:solidFill>
-                        <a:srgbClr val="DDDDDD"/>
-                      </a:solidFill>
-                      <a:prstDash val="solid"/>
-                      <a:round/>
-                      <a:headEnd type="none" w="med" len="med"/>
-                      <a:tailEnd type="none" w="med" len="med"/>
-                    </a:lnR>
-                    <a:lnT w="3810" cap="flat" cmpd="sng" algn="ctr">
-                      <a:solidFill>
-                        <a:srgbClr val="DDDDDD"/>
-                      </a:solidFill>
-                      <a:prstDash val="solid"/>
-                      <a:round/>
-                      <a:headEnd type="none" w="med" len="med"/>
-                      <a:tailEnd type="none" w="med" len="med"/>
-                    </a:lnT>
-                    <a:lnB w="3810" cap="flat" cmpd="sng" algn="ctr">
-                      <a:solidFill>
-                        <a:srgbClr val="DDDDDD"/>
-                      </a:solidFill>
-                      <a:prstDash val="solid"/>
-                      <a:round/>
-                      <a:headEnd type="none" w="med" len="med"/>
-                      <a:tailEnd type="none" w="med" len="med"/>
-                    </a:lnB>
-                    <a:solidFill>
-                      <a:srgbClr val="FFFFFF"/>
-                    </a:solidFill>
-                  </a:tcPr>
-                </a:tc>
-                <a:tc>
-                  <a:txBody>
-                    <a:bodyPr/>
-                    <a:lstStyle/>
-                    <a:p>
-                      <a:pPr marL="0" indent="0">
-                        <a:buNone/>
-                      </a:pPr>
-                      <a:r>
-                        <a:rPr lang="en-US" sz="1100" dirty="0">
-                          <a:solidFill>
-                            <a:srgbClr val="030A18"/>
-                          </a:solidFill>
-                        </a:rPr>
-                        <a:t>22.0</a:t>
-                      </a:r>
-                      <a:endParaRPr lang="en-US" sz="1100" dirty="0"/>
-                    </a:p>
-                  </a:txBody>
-                  <a:tcPr marL="121920" marR="121920" marT="60960" marB="60960" anchor="ctr">
-                    <a:lnL w="3810" cap="flat" cmpd="sng" algn="ctr">
-                      <a:solidFill>
-                        <a:srgbClr val="DDDDDD"/>
-                      </a:solidFill>
-                      <a:prstDash val="solid"/>
-                      <a:round/>
-                      <a:headEnd type="none" w="med" len="med"/>
-                      <a:tailEnd type="none" w="med" len="med"/>
-                    </a:lnL>
-                    <a:lnR w="3810" cap="flat" cmpd="sng" algn="ctr">
-                      <a:solidFill>
-                        <a:srgbClr val="DDDDDD"/>
-                      </a:solidFill>
-                      <a:prstDash val="solid"/>
-                      <a:round/>
-                      <a:headEnd type="none" w="med" len="med"/>
-                      <a:tailEnd type="none" w="med" len="med"/>
-                    </a:lnR>
-                    <a:lnT w="3810" cap="flat" cmpd="sng" algn="ctr">
-                      <a:solidFill>
-                        <a:srgbClr val="DDDDDD"/>
-                      </a:solidFill>
-                      <a:prstDash val="solid"/>
-                      <a:round/>
-                      <a:headEnd type="none" w="med" len="med"/>
-                      <a:tailEnd type="none" w="med" len="med"/>
-                    </a:lnT>
-                    <a:lnB w="3810" cap="flat" cmpd="sng" algn="ctr">
-                      <a:solidFill>
-                        <a:srgbClr val="DDDDDD"/>
-                      </a:solidFill>
-                      <a:prstDash val="solid"/>
-                      <a:round/>
-                      <a:headEnd type="none" w="med" len="med"/>
-                      <a:tailEnd type="none" w="med" len="med"/>
-                    </a:lnB>
-                    <a:solidFill>
-                      <a:srgbClr val="FFFFFF"/>
-                    </a:solidFill>
-                  </a:tcPr>
-                </a:tc>
-                <a:tc>
-                  <a:txBody>
-                    <a:bodyPr/>
-                    <a:lstStyle/>
-                    <a:p>
-                      <a:pPr marL="0" indent="0">
-                        <a:buNone/>
-                      </a:pPr>
-                      <a:r>
-                        <a:rPr lang="en-US" sz="1100" dirty="0">
-                          <a:solidFill>
-                            <a:srgbClr val="030A18"/>
-                          </a:solidFill>
-                        </a:rPr>
-                        <a:t>6.60</a:t>
-                      </a:r>
-                      <a:endParaRPr lang="en-US" sz="1100" dirty="0"/>
-                    </a:p>
-                  </a:txBody>
-                  <a:tcPr marL="121920" marR="121920" marT="60960" marB="60960" anchor="ctr">
-                    <a:lnL w="3810" cap="flat" cmpd="sng" algn="ctr">
-                      <a:solidFill>
-                        <a:srgbClr val="DDDDDD"/>
-                      </a:solidFill>
-                      <a:prstDash val="solid"/>
-                      <a:round/>
-                      <a:headEnd type="none" w="med" len="med"/>
-                      <a:tailEnd type="none" w="med" len="med"/>
-                    </a:lnL>
-                    <a:lnR w="3810" cap="flat" cmpd="sng" algn="ctr">
-                      <a:solidFill>
-                        <a:srgbClr val="DDDDDD"/>
-                      </a:solidFill>
-                      <a:prstDash val="solid"/>
-                      <a:round/>
-                      <a:headEnd type="none" w="med" len="med"/>
-                      <a:tailEnd type="none" w="med" len="med"/>
-                    </a:lnR>
-                    <a:lnT w="3810" cap="flat" cmpd="sng" algn="ctr">
-                      <a:solidFill>
-                        <a:srgbClr val="DDDDDD"/>
-                      </a:solidFill>
-                      <a:prstDash val="solid"/>
-                      <a:round/>
-                      <a:headEnd type="none" w="med" len="med"/>
-                      <a:tailEnd type="none" w="med" len="med"/>
-                    </a:lnT>
-                    <a:lnB w="3810" cap="flat" cmpd="sng" algn="ctr">
-                      <a:solidFill>
-                        <a:srgbClr val="DDDDDD"/>
-                      </a:solidFill>
-                      <a:prstDash val="solid"/>
-                      <a:round/>
-                      <a:headEnd type="none" w="med" len="med"/>
-                      <a:tailEnd type="none" w="med" len="med"/>
-                    </a:lnB>
-                    <a:solidFill>
-                      <a:srgbClr val="FFFFFF"/>
-                    </a:solidFill>
-                  </a:tcPr>
-                </a:tc>
-                <a:tc>
-                  <a:txBody>
-                    <a:bodyPr/>
-                    <a:lstStyle/>
-                    <a:p>
-                      <a:pPr marL="0" indent="0">
-                        <a:buNone/>
-                      </a:pPr>
-                      <a:r>
-                        <a:rPr lang="en-US" sz="1100" dirty="0">
-                          <a:solidFill>
-                            <a:srgbClr val="030A18"/>
-                          </a:solidFill>
-                        </a:rPr>
-                        <a:t>62.20</a:t>
-                      </a:r>
-                      <a:endParaRPr lang="en-US" sz="1100" dirty="0"/>
-                    </a:p>
-                  </a:txBody>
-                  <a:tcPr marL="121920" marR="121920" marT="60960" marB="60960" anchor="ctr">
-                    <a:lnL w="3810" cap="flat" cmpd="sng" algn="ctr">
-                      <a:solidFill>
-                        <a:srgbClr val="DDDDDD"/>
-                      </a:solidFill>
-                      <a:prstDash val="solid"/>
-                      <a:round/>
-                      <a:headEnd type="none" w="med" len="med"/>
-                      <a:tailEnd type="none" w="med" len="med"/>
-                    </a:lnL>
-                    <a:lnR w="3810" cap="flat" cmpd="sng" algn="ctr">
-                      <a:solidFill>
-                        <a:srgbClr val="DDDDDD"/>
-                      </a:solidFill>
-                      <a:prstDash val="solid"/>
-                      <a:round/>
-                      <a:headEnd type="none" w="med" len="med"/>
-                      <a:tailEnd type="none" w="med" len="med"/>
-                    </a:lnR>
-                    <a:lnT w="3810" cap="flat" cmpd="sng" algn="ctr">
-                      <a:solidFill>
-                        <a:srgbClr val="DDDDDD"/>
-                      </a:solidFill>
-                      <a:prstDash val="solid"/>
-                      <a:round/>
-                      <a:headEnd type="none" w="med" len="med"/>
-                      <a:tailEnd type="none" w="med" len="med"/>
-                    </a:lnT>
-                    <a:lnB w="3810" cap="flat" cmpd="sng" algn="ctr">
-                      <a:solidFill>
-                        <a:srgbClr val="DDDDDD"/>
-                      </a:solidFill>
-                      <a:prstDash val="solid"/>
-                      <a:round/>
-                      <a:headEnd type="none" w="med" len="med"/>
-                      <a:tailEnd type="none" w="med" len="med"/>
-                    </a:lnB>
-                    <a:solidFill>
-                      <a:srgbClr val="FFFFFF"/>
-                    </a:solidFill>
-                  </a:tcPr>
-                </a:tc>
-                <a:extLst>
-                  <a:ext uri="{0D108BD9-81ED-4DB2-BD59-A6C34878D82A}">
-                    <a16:rowId xmlns:a16="http://schemas.microsoft.com/office/drawing/2014/main" val="10005"/>
-                  </a:ext>
-                </a:extLst>
-              </a:tr>
-            </a:tbl>
-          </a:graphicData>
-        </a:graphic>
-      </p:graphicFrame>
-    </p:spTree>
-    <p:extLst>
-      <p:ext uri="{BB962C8B-B14F-4D97-AF65-F5344CB8AC3E}">
-        <p14:creationId xmlns:p14="http://schemas.microsoft.com/office/powerpoint/2010/main" val="51565678"/>
-      </p:ext>
-    </p:extLst>
-  </p:cSld>
-  <p:clrMapOvr>
-    <a:masterClrMapping/>
-  </p:clrMapOvr>
-</p:sld>
-</file>
-
-<file path=ppt/slides/slide14.xml><?xml version="1.0" encoding="utf-8"?>
+<file path=ppt/slides/slide16.xml><?xml version="1.0" encoding="utf-8"?>
 <p:sld xmlns:a="http://schemas.openxmlformats.org/drawingml/2006/main" xmlns:r="http://schemas.openxmlformats.org/officeDocument/2006/relationships" xmlns:p="http://schemas.openxmlformats.org/presentationml/2006/main">
   <p:cSld>
     <p:spTree>
@@ -7436,7 +6753,7 @@
           <a:p>
             <a:r>
               <a:rPr lang="en-US" dirty="0"/>
-              <a:t>Create training examples by sliding a fixed‑length window of 5 days over the data.</a:t>
+              <a:t>Create training examples by sliding a fixed‑length window over the data.</a:t>
             </a:r>
           </a:p>
           <a:p>
@@ -7447,9 +6764,10 @@
               <a:buNone/>
             </a:pPr>
             <a:r>
-              <a:rPr lang="en-US" b="1" dirty="0"/>
-              <a:t>Normalization</a:t>
-            </a:r>
+              <a:rPr lang="en-US" b="1" dirty="0" err="1"/>
+              <a:t>Normalisation</a:t>
+            </a:r>
+            <a:endParaRPr lang="en-US" b="1" dirty="0"/>
           </a:p>
           <a:p>
             <a:r>
@@ -7487,912 +6805,6 @@
     <p:extLst>
       <p:ext uri="{BB962C8B-B14F-4D97-AF65-F5344CB8AC3E}">
         <p14:creationId xmlns:p14="http://schemas.microsoft.com/office/powerpoint/2010/main" val="2777061648"/>
-      </p:ext>
-    </p:extLst>
-  </p:cSld>
-  <p:clrMapOvr>
-    <a:masterClrMapping/>
-  </p:clrMapOvr>
-</p:sld>
-</file>
-
-<file path=ppt/slides/slide15.xml><?xml version="1.0" encoding="utf-8"?>
-<p:sld xmlns:a="http://schemas.openxmlformats.org/drawingml/2006/main" xmlns:r="http://schemas.openxmlformats.org/officeDocument/2006/relationships" xmlns:p="http://schemas.openxmlformats.org/presentationml/2006/main">
-  <p:cSld>
-    <p:spTree>
-      <p:nvGrpSpPr>
-        <p:cNvPr id="1" name=""/>
-        <p:cNvGrpSpPr/>
-        <p:nvPr/>
-      </p:nvGrpSpPr>
-      <p:grpSpPr>
-        <a:xfrm>
-          <a:off x="0" y="0"/>
-          <a:ext cx="0" cy="0"/>
-          <a:chOff x="0" y="0"/>
-          <a:chExt cx="0" cy="0"/>
-        </a:xfrm>
-      </p:grpSpPr>
-      <p:sp>
-        <p:nvSpPr>
-          <p:cNvPr id="2" name="Title 1">
-            <a:extLst>
-              <a:ext uri="{FF2B5EF4-FFF2-40B4-BE49-F238E27FC236}">
-                <a16:creationId xmlns:a16="http://schemas.microsoft.com/office/drawing/2014/main" id="{E791D1C9-DF92-A429-C9B0-85567D1E86A5}"/>
-              </a:ext>
-            </a:extLst>
-          </p:cNvPr>
-          <p:cNvSpPr>
-            <a:spLocks noGrp="1"/>
-          </p:cNvSpPr>
-          <p:nvPr>
-            <p:ph type="title"/>
-          </p:nvPr>
-        </p:nvSpPr>
-        <p:spPr/>
-        <p:txBody>
-          <a:bodyPr/>
-          <a:lstStyle/>
-          <a:p>
-            <a:r>
-              <a:rPr lang="en-US" dirty="0"/>
-              <a:t>Implementation of an RNN</a:t>
-            </a:r>
-          </a:p>
-        </p:txBody>
-      </p:sp>
-      <p:sp>
-        <p:nvSpPr>
-          <p:cNvPr id="3" name="Content Placeholder 2">
-            <a:extLst>
-              <a:ext uri="{FF2B5EF4-FFF2-40B4-BE49-F238E27FC236}">
-                <a16:creationId xmlns:a16="http://schemas.microsoft.com/office/drawing/2014/main" id="{CBE03336-E66B-9ACF-6DD2-3B65CCF5BAF3}"/>
-              </a:ext>
-            </a:extLst>
-          </p:cNvPr>
-          <p:cNvSpPr>
-            <a:spLocks noGrp="1"/>
-          </p:cNvSpPr>
-          <p:nvPr>
-            <p:ph sz="half" idx="1"/>
-          </p:nvPr>
-        </p:nvSpPr>
-        <p:spPr/>
-        <p:txBody>
-          <a:bodyPr>
-            <a:noAutofit/>
-          </a:bodyPr>
-          <a:lstStyle/>
-          <a:p>
-            <a:r>
-              <a:rPr lang="en-US" dirty="0"/>
-              <a:t>Initialize hidden state h₀ to zeros.</a:t>
-            </a:r>
-          </a:p>
-          <a:p>
-            <a:r>
-              <a:rPr lang="en-US" dirty="0"/>
-              <a:t>At each time step t:</a:t>
-            </a:r>
-          </a:p>
-          <a:p>
-            <a:pPr lvl="1"/>
-            <a:r>
-              <a:rPr lang="en-US" sz="2800" dirty="0"/>
-              <a:t>Compute new hidden state hₜ via tanh activation</a:t>
-            </a:r>
-          </a:p>
-          <a:p>
-            <a:pPr lvl="1"/>
-            <a:r>
-              <a:rPr lang="en-US" sz="2800" dirty="0"/>
-              <a:t>Generate output yₜ from hₜ</a:t>
-            </a:r>
-          </a:p>
-          <a:p>
-            <a:pPr lvl="1"/>
-            <a:r>
-              <a:rPr lang="en-US" sz="2800" dirty="0"/>
-              <a:t>Store predictions for loss calculation.</a:t>
-            </a:r>
-          </a:p>
-        </p:txBody>
-      </p:sp>
-      <p:sp>
-        <p:nvSpPr>
-          <p:cNvPr id="4" name="Content Placeholder 3">
-            <a:extLst>
-              <a:ext uri="{FF2B5EF4-FFF2-40B4-BE49-F238E27FC236}">
-                <a16:creationId xmlns:a16="http://schemas.microsoft.com/office/drawing/2014/main" id="{B8511E6F-DF4F-DF37-6420-3A97AF24C307}"/>
-              </a:ext>
-            </a:extLst>
-          </p:cNvPr>
-          <p:cNvSpPr>
-            <a:spLocks noGrp="1"/>
-          </p:cNvSpPr>
-          <p:nvPr>
-            <p:ph sz="half" idx="2"/>
-          </p:nvPr>
-        </p:nvSpPr>
-        <p:spPr/>
-        <p:txBody>
-          <a:bodyPr>
-            <a:normAutofit fontScale="40000" lnSpcReduction="20000"/>
-          </a:bodyPr>
-          <a:lstStyle/>
-          <a:p>
-            <a:pPr marL="0" indent="0">
-              <a:buNone/>
-            </a:pPr>
-            <a:r>
-              <a:rPr lang="en-US" dirty="0">
-                <a:latin typeface="Courier New" panose="02070309020205020404" pitchFamily="49" charset="0"/>
-                <a:cs typeface="Courier New" panose="02070309020205020404" pitchFamily="49" charset="0"/>
-              </a:rPr>
-              <a:t>import </a:t>
-            </a:r>
-            <a:r>
-              <a:rPr lang="en-US" dirty="0" err="1">
-                <a:latin typeface="Courier New" panose="02070309020205020404" pitchFamily="49" charset="0"/>
-                <a:cs typeface="Courier New" panose="02070309020205020404" pitchFamily="49" charset="0"/>
-              </a:rPr>
-              <a:t>numpy</a:t>
-            </a:r>
-            <a:r>
-              <a:rPr lang="en-US" dirty="0">
-                <a:latin typeface="Courier New" panose="02070309020205020404" pitchFamily="49" charset="0"/>
-                <a:cs typeface="Courier New" panose="02070309020205020404" pitchFamily="49" charset="0"/>
-              </a:rPr>
-              <a:t> as np</a:t>
-            </a:r>
-          </a:p>
-          <a:p>
-            <a:pPr marL="0" indent="0">
-              <a:buNone/>
-            </a:pPr>
-            <a:endParaRPr lang="en-US" dirty="0">
-              <a:latin typeface="Courier New" panose="02070309020205020404" pitchFamily="49" charset="0"/>
-              <a:cs typeface="Courier New" panose="02070309020205020404" pitchFamily="49" charset="0"/>
-            </a:endParaRPr>
-          </a:p>
-          <a:p>
-            <a:pPr marL="0" indent="0">
-              <a:buNone/>
-            </a:pPr>
-            <a:r>
-              <a:rPr lang="en-US" dirty="0">
-                <a:latin typeface="Courier New" panose="02070309020205020404" pitchFamily="49" charset="0"/>
-                <a:cs typeface="Courier New" panose="02070309020205020404" pitchFamily="49" charset="0"/>
-              </a:rPr>
-              <a:t># weights and biases</a:t>
-            </a:r>
-          </a:p>
-          <a:p>
-            <a:pPr marL="0" indent="0">
-              <a:buNone/>
-            </a:pPr>
-            <a:r>
-              <a:rPr lang="en-US" dirty="0" err="1">
-                <a:latin typeface="Courier New" panose="02070309020205020404" pitchFamily="49" charset="0"/>
-                <a:cs typeface="Courier New" panose="02070309020205020404" pitchFamily="49" charset="0"/>
-              </a:rPr>
-              <a:t>Wxh</a:t>
-            </a:r>
-            <a:r>
-              <a:rPr lang="en-US" dirty="0">
-                <a:latin typeface="Courier New" panose="02070309020205020404" pitchFamily="49" charset="0"/>
-                <a:cs typeface="Courier New" panose="02070309020205020404" pitchFamily="49" charset="0"/>
-              </a:rPr>
-              <a:t> = </a:t>
-            </a:r>
-            <a:r>
-              <a:rPr lang="en-US" dirty="0" err="1">
-                <a:latin typeface="Courier New" panose="02070309020205020404" pitchFamily="49" charset="0"/>
-                <a:cs typeface="Courier New" panose="02070309020205020404" pitchFamily="49" charset="0"/>
-              </a:rPr>
-              <a:t>np.random.randn</a:t>
-            </a:r>
-            <a:r>
-              <a:rPr lang="en-US" dirty="0">
-                <a:latin typeface="Courier New" panose="02070309020205020404" pitchFamily="49" charset="0"/>
-                <a:cs typeface="Courier New" panose="02070309020205020404" pitchFamily="49" charset="0"/>
-              </a:rPr>
-              <a:t>(</a:t>
-            </a:r>
-            <a:r>
-              <a:rPr lang="en-US" dirty="0" err="1">
-                <a:latin typeface="Courier New" panose="02070309020205020404" pitchFamily="49" charset="0"/>
-                <a:cs typeface="Courier New" panose="02070309020205020404" pitchFamily="49" charset="0"/>
-              </a:rPr>
-              <a:t>input_dim</a:t>
-            </a:r>
-            <a:r>
-              <a:rPr lang="en-US" dirty="0">
-                <a:latin typeface="Courier New" panose="02070309020205020404" pitchFamily="49" charset="0"/>
-                <a:cs typeface="Courier New" panose="02070309020205020404" pitchFamily="49" charset="0"/>
-              </a:rPr>
-              <a:t>, </a:t>
-            </a:r>
-            <a:r>
-              <a:rPr lang="en-US" dirty="0" err="1">
-                <a:latin typeface="Courier New" panose="02070309020205020404" pitchFamily="49" charset="0"/>
-                <a:cs typeface="Courier New" panose="02070309020205020404" pitchFamily="49" charset="0"/>
-              </a:rPr>
-              <a:t>hidden_dim</a:t>
-            </a:r>
-            <a:r>
-              <a:rPr lang="en-US" dirty="0">
-                <a:latin typeface="Courier New" panose="02070309020205020404" pitchFamily="49" charset="0"/>
-                <a:cs typeface="Courier New" panose="02070309020205020404" pitchFamily="49" charset="0"/>
-              </a:rPr>
-              <a:t>)</a:t>
-            </a:r>
-          </a:p>
-          <a:p>
-            <a:pPr marL="0" indent="0">
-              <a:buNone/>
-            </a:pPr>
-            <a:r>
-              <a:rPr lang="en-US" dirty="0" err="1">
-                <a:latin typeface="Courier New" panose="02070309020205020404" pitchFamily="49" charset="0"/>
-                <a:cs typeface="Courier New" panose="02070309020205020404" pitchFamily="49" charset="0"/>
-              </a:rPr>
-              <a:t>Whh</a:t>
-            </a:r>
-            <a:r>
-              <a:rPr lang="en-US" dirty="0">
-                <a:latin typeface="Courier New" panose="02070309020205020404" pitchFamily="49" charset="0"/>
-                <a:cs typeface="Courier New" panose="02070309020205020404" pitchFamily="49" charset="0"/>
-              </a:rPr>
-              <a:t> = </a:t>
-            </a:r>
-            <a:r>
-              <a:rPr lang="en-US" dirty="0" err="1">
-                <a:latin typeface="Courier New" panose="02070309020205020404" pitchFamily="49" charset="0"/>
-                <a:cs typeface="Courier New" panose="02070309020205020404" pitchFamily="49" charset="0"/>
-              </a:rPr>
-              <a:t>np.random.randn</a:t>
-            </a:r>
-            <a:r>
-              <a:rPr lang="en-US" dirty="0">
-                <a:latin typeface="Courier New" panose="02070309020205020404" pitchFamily="49" charset="0"/>
-                <a:cs typeface="Courier New" panose="02070309020205020404" pitchFamily="49" charset="0"/>
-              </a:rPr>
-              <a:t>(</a:t>
-            </a:r>
-            <a:r>
-              <a:rPr lang="en-US" dirty="0" err="1">
-                <a:latin typeface="Courier New" panose="02070309020205020404" pitchFamily="49" charset="0"/>
-                <a:cs typeface="Courier New" panose="02070309020205020404" pitchFamily="49" charset="0"/>
-              </a:rPr>
-              <a:t>hidden_dim</a:t>
-            </a:r>
-            <a:r>
-              <a:rPr lang="en-US" dirty="0">
-                <a:latin typeface="Courier New" panose="02070309020205020404" pitchFamily="49" charset="0"/>
-                <a:cs typeface="Courier New" panose="02070309020205020404" pitchFamily="49" charset="0"/>
-              </a:rPr>
-              <a:t>, </a:t>
-            </a:r>
-            <a:r>
-              <a:rPr lang="en-US" dirty="0" err="1">
-                <a:latin typeface="Courier New" panose="02070309020205020404" pitchFamily="49" charset="0"/>
-                <a:cs typeface="Courier New" panose="02070309020205020404" pitchFamily="49" charset="0"/>
-              </a:rPr>
-              <a:t>hidden_dim</a:t>
-            </a:r>
-            <a:r>
-              <a:rPr lang="en-US" dirty="0">
-                <a:latin typeface="Courier New" panose="02070309020205020404" pitchFamily="49" charset="0"/>
-                <a:cs typeface="Courier New" panose="02070309020205020404" pitchFamily="49" charset="0"/>
-              </a:rPr>
-              <a:t>)</a:t>
-            </a:r>
-          </a:p>
-          <a:p>
-            <a:pPr marL="0" indent="0">
-              <a:buNone/>
-            </a:pPr>
-            <a:r>
-              <a:rPr lang="en-US" dirty="0" err="1">
-                <a:latin typeface="Courier New" panose="02070309020205020404" pitchFamily="49" charset="0"/>
-                <a:cs typeface="Courier New" panose="02070309020205020404" pitchFamily="49" charset="0"/>
-              </a:rPr>
-              <a:t>bh</a:t>
-            </a:r>
-            <a:r>
-              <a:rPr lang="en-US" dirty="0">
-                <a:latin typeface="Courier New" panose="02070309020205020404" pitchFamily="49" charset="0"/>
-                <a:cs typeface="Courier New" panose="02070309020205020404" pitchFamily="49" charset="0"/>
-              </a:rPr>
-              <a:t> = </a:t>
-            </a:r>
-            <a:r>
-              <a:rPr lang="en-US" dirty="0" err="1">
-                <a:latin typeface="Courier New" panose="02070309020205020404" pitchFamily="49" charset="0"/>
-                <a:cs typeface="Courier New" panose="02070309020205020404" pitchFamily="49" charset="0"/>
-              </a:rPr>
-              <a:t>np.zeros</a:t>
-            </a:r>
-            <a:r>
-              <a:rPr lang="en-US" dirty="0">
-                <a:latin typeface="Courier New" panose="02070309020205020404" pitchFamily="49" charset="0"/>
-                <a:cs typeface="Courier New" panose="02070309020205020404" pitchFamily="49" charset="0"/>
-              </a:rPr>
-              <a:t>((1, </a:t>
-            </a:r>
-            <a:r>
-              <a:rPr lang="en-US" dirty="0" err="1">
-                <a:latin typeface="Courier New" panose="02070309020205020404" pitchFamily="49" charset="0"/>
-                <a:cs typeface="Courier New" panose="02070309020205020404" pitchFamily="49" charset="0"/>
-              </a:rPr>
-              <a:t>hidden_dim</a:t>
-            </a:r>
-            <a:r>
-              <a:rPr lang="en-US" dirty="0">
-                <a:latin typeface="Courier New" panose="02070309020205020404" pitchFamily="49" charset="0"/>
-                <a:cs typeface="Courier New" panose="02070309020205020404" pitchFamily="49" charset="0"/>
-              </a:rPr>
-              <a:t>))</a:t>
-            </a:r>
-          </a:p>
-          <a:p>
-            <a:pPr marL="0" indent="0">
-              <a:buNone/>
-            </a:pPr>
-            <a:r>
-              <a:rPr lang="en-US" dirty="0">
-                <a:latin typeface="Courier New" panose="02070309020205020404" pitchFamily="49" charset="0"/>
-                <a:cs typeface="Courier New" panose="02070309020205020404" pitchFamily="49" charset="0"/>
-              </a:rPr>
-              <a:t>Why = </a:t>
-            </a:r>
-            <a:r>
-              <a:rPr lang="en-US" dirty="0" err="1">
-                <a:latin typeface="Courier New" panose="02070309020205020404" pitchFamily="49" charset="0"/>
-                <a:cs typeface="Courier New" panose="02070309020205020404" pitchFamily="49" charset="0"/>
-              </a:rPr>
-              <a:t>np.random.randn</a:t>
-            </a:r>
-            <a:r>
-              <a:rPr lang="en-US" dirty="0">
-                <a:latin typeface="Courier New" panose="02070309020205020404" pitchFamily="49" charset="0"/>
-                <a:cs typeface="Courier New" panose="02070309020205020404" pitchFamily="49" charset="0"/>
-              </a:rPr>
-              <a:t>(</a:t>
-            </a:r>
-            <a:r>
-              <a:rPr lang="en-US" dirty="0" err="1">
-                <a:latin typeface="Courier New" panose="02070309020205020404" pitchFamily="49" charset="0"/>
-                <a:cs typeface="Courier New" panose="02070309020205020404" pitchFamily="49" charset="0"/>
-              </a:rPr>
-              <a:t>hidden_dim</a:t>
-            </a:r>
-            <a:r>
-              <a:rPr lang="en-US" dirty="0">
-                <a:latin typeface="Courier New" panose="02070309020205020404" pitchFamily="49" charset="0"/>
-                <a:cs typeface="Courier New" panose="02070309020205020404" pitchFamily="49" charset="0"/>
-              </a:rPr>
-              <a:t>, </a:t>
-            </a:r>
-            <a:r>
-              <a:rPr lang="en-US" dirty="0" err="1">
-                <a:latin typeface="Courier New" panose="02070309020205020404" pitchFamily="49" charset="0"/>
-                <a:cs typeface="Courier New" panose="02070309020205020404" pitchFamily="49" charset="0"/>
-              </a:rPr>
-              <a:t>output_dim</a:t>
-            </a:r>
-            <a:r>
-              <a:rPr lang="en-US" dirty="0">
-                <a:latin typeface="Courier New" panose="02070309020205020404" pitchFamily="49" charset="0"/>
-                <a:cs typeface="Courier New" panose="02070309020205020404" pitchFamily="49" charset="0"/>
-              </a:rPr>
-              <a:t>)</a:t>
-            </a:r>
-          </a:p>
-          <a:p>
-            <a:pPr marL="0" indent="0">
-              <a:buNone/>
-            </a:pPr>
-            <a:r>
-              <a:rPr lang="en-US" dirty="0">
-                <a:latin typeface="Courier New" panose="02070309020205020404" pitchFamily="49" charset="0"/>
-                <a:cs typeface="Courier New" panose="02070309020205020404" pitchFamily="49" charset="0"/>
-              </a:rPr>
-              <a:t>by = </a:t>
-            </a:r>
-            <a:r>
-              <a:rPr lang="en-US" dirty="0" err="1">
-                <a:latin typeface="Courier New" panose="02070309020205020404" pitchFamily="49" charset="0"/>
-                <a:cs typeface="Courier New" panose="02070309020205020404" pitchFamily="49" charset="0"/>
-              </a:rPr>
-              <a:t>np.zeros</a:t>
-            </a:r>
-            <a:r>
-              <a:rPr lang="en-US" dirty="0">
-                <a:latin typeface="Courier New" panose="02070309020205020404" pitchFamily="49" charset="0"/>
-                <a:cs typeface="Courier New" panose="02070309020205020404" pitchFamily="49" charset="0"/>
-              </a:rPr>
-              <a:t>((1, </a:t>
-            </a:r>
-            <a:r>
-              <a:rPr lang="en-US" dirty="0" err="1">
-                <a:latin typeface="Courier New" panose="02070309020205020404" pitchFamily="49" charset="0"/>
-                <a:cs typeface="Courier New" panose="02070309020205020404" pitchFamily="49" charset="0"/>
-              </a:rPr>
-              <a:t>output_dim</a:t>
-            </a:r>
-            <a:r>
-              <a:rPr lang="en-US" dirty="0">
-                <a:latin typeface="Courier New" panose="02070309020205020404" pitchFamily="49" charset="0"/>
-                <a:cs typeface="Courier New" panose="02070309020205020404" pitchFamily="49" charset="0"/>
-              </a:rPr>
-              <a:t>))</a:t>
-            </a:r>
-          </a:p>
-          <a:p>
-            <a:pPr marL="0" indent="0">
-              <a:buNone/>
-            </a:pPr>
-            <a:endParaRPr lang="en-US" dirty="0">
-              <a:latin typeface="Courier New" panose="02070309020205020404" pitchFamily="49" charset="0"/>
-              <a:cs typeface="Courier New" panose="02070309020205020404" pitchFamily="49" charset="0"/>
-            </a:endParaRPr>
-          </a:p>
-          <a:p>
-            <a:pPr marL="0" indent="0">
-              <a:buNone/>
-            </a:pPr>
-            <a:r>
-              <a:rPr lang="en-US" dirty="0">
-                <a:latin typeface="Courier New" panose="02070309020205020404" pitchFamily="49" charset="0"/>
-                <a:cs typeface="Courier New" panose="02070309020205020404" pitchFamily="49" charset="0"/>
-              </a:rPr>
-              <a:t># forward pass</a:t>
-            </a:r>
-          </a:p>
-          <a:p>
-            <a:pPr marL="0" indent="0">
-              <a:buNone/>
-            </a:pPr>
-            <a:r>
-              <a:rPr lang="en-US" dirty="0" err="1">
-                <a:latin typeface="Courier New" panose="02070309020205020404" pitchFamily="49" charset="0"/>
-                <a:cs typeface="Courier New" panose="02070309020205020404" pitchFamily="49" charset="0"/>
-              </a:rPr>
-              <a:t>h_prev</a:t>
-            </a:r>
-            <a:r>
-              <a:rPr lang="en-US" dirty="0">
-                <a:latin typeface="Courier New" panose="02070309020205020404" pitchFamily="49" charset="0"/>
-                <a:cs typeface="Courier New" panose="02070309020205020404" pitchFamily="49" charset="0"/>
-              </a:rPr>
-              <a:t> = </a:t>
-            </a:r>
-            <a:r>
-              <a:rPr lang="en-US" dirty="0" err="1">
-                <a:latin typeface="Courier New" panose="02070309020205020404" pitchFamily="49" charset="0"/>
-                <a:cs typeface="Courier New" panose="02070309020205020404" pitchFamily="49" charset="0"/>
-              </a:rPr>
-              <a:t>np.zeros</a:t>
-            </a:r>
-            <a:r>
-              <a:rPr lang="en-US" dirty="0">
-                <a:latin typeface="Courier New" panose="02070309020205020404" pitchFamily="49" charset="0"/>
-                <a:cs typeface="Courier New" panose="02070309020205020404" pitchFamily="49" charset="0"/>
-              </a:rPr>
-              <a:t>((1, </a:t>
-            </a:r>
-            <a:r>
-              <a:rPr lang="en-US" dirty="0" err="1">
-                <a:latin typeface="Courier New" panose="02070309020205020404" pitchFamily="49" charset="0"/>
-                <a:cs typeface="Courier New" panose="02070309020205020404" pitchFamily="49" charset="0"/>
-              </a:rPr>
-              <a:t>hidden_dim</a:t>
-            </a:r>
-            <a:r>
-              <a:rPr lang="en-US" dirty="0">
-                <a:latin typeface="Courier New" panose="02070309020205020404" pitchFamily="49" charset="0"/>
-                <a:cs typeface="Courier New" panose="02070309020205020404" pitchFamily="49" charset="0"/>
-              </a:rPr>
-              <a:t>))</a:t>
-            </a:r>
-          </a:p>
-          <a:p>
-            <a:pPr marL="0" indent="0">
-              <a:buNone/>
-            </a:pPr>
-            <a:r>
-              <a:rPr lang="en-US" dirty="0" err="1">
-                <a:latin typeface="Courier New" panose="02070309020205020404" pitchFamily="49" charset="0"/>
-                <a:cs typeface="Courier New" panose="02070309020205020404" pitchFamily="49" charset="0"/>
-              </a:rPr>
-              <a:t>y_preds</a:t>
-            </a:r>
-            <a:r>
-              <a:rPr lang="en-US" dirty="0">
-                <a:latin typeface="Courier New" panose="02070309020205020404" pitchFamily="49" charset="0"/>
-                <a:cs typeface="Courier New" panose="02070309020205020404" pitchFamily="49" charset="0"/>
-              </a:rPr>
-              <a:t> = []</a:t>
-            </a:r>
-          </a:p>
-          <a:p>
-            <a:pPr marL="0" indent="0">
-              <a:buNone/>
-            </a:pPr>
-            <a:r>
-              <a:rPr lang="en-US" dirty="0">
-                <a:latin typeface="Courier New" panose="02070309020205020404" pitchFamily="49" charset="0"/>
-                <a:cs typeface="Courier New" panose="02070309020205020404" pitchFamily="49" charset="0"/>
-              </a:rPr>
-              <a:t>for t in range(T):</a:t>
-            </a:r>
-          </a:p>
-          <a:p>
-            <a:pPr marL="0" indent="0">
-              <a:buNone/>
-            </a:pPr>
-            <a:r>
-              <a:rPr lang="en-US" dirty="0">
-                <a:latin typeface="Courier New" panose="02070309020205020404" pitchFamily="49" charset="0"/>
-                <a:cs typeface="Courier New" panose="02070309020205020404" pitchFamily="49" charset="0"/>
-              </a:rPr>
-              <a:t>    </a:t>
-            </a:r>
-            <a:r>
-              <a:rPr lang="en-US" dirty="0" err="1">
-                <a:latin typeface="Courier New" panose="02070309020205020404" pitchFamily="49" charset="0"/>
-                <a:cs typeface="Courier New" panose="02070309020205020404" pitchFamily="49" charset="0"/>
-              </a:rPr>
-              <a:t>x_t</a:t>
-            </a:r>
-            <a:r>
-              <a:rPr lang="en-US" dirty="0">
-                <a:latin typeface="Courier New" panose="02070309020205020404" pitchFamily="49" charset="0"/>
-                <a:cs typeface="Courier New" panose="02070309020205020404" pitchFamily="49" charset="0"/>
-              </a:rPr>
-              <a:t> = X[t]  # shape (1, </a:t>
-            </a:r>
-            <a:r>
-              <a:rPr lang="en-US" dirty="0" err="1">
-                <a:latin typeface="Courier New" panose="02070309020205020404" pitchFamily="49" charset="0"/>
-                <a:cs typeface="Courier New" panose="02070309020205020404" pitchFamily="49" charset="0"/>
-              </a:rPr>
-              <a:t>input_dim</a:t>
-            </a:r>
-            <a:r>
-              <a:rPr lang="en-US" dirty="0">
-                <a:latin typeface="Courier New" panose="02070309020205020404" pitchFamily="49" charset="0"/>
-                <a:cs typeface="Courier New" panose="02070309020205020404" pitchFamily="49" charset="0"/>
-              </a:rPr>
-              <a:t>)</a:t>
-            </a:r>
-          </a:p>
-          <a:p>
-            <a:pPr marL="0" indent="0">
-              <a:buNone/>
-            </a:pPr>
-            <a:r>
-              <a:rPr lang="en-US" dirty="0">
-                <a:latin typeface="Courier New" panose="02070309020205020404" pitchFamily="49" charset="0"/>
-                <a:cs typeface="Courier New" panose="02070309020205020404" pitchFamily="49" charset="0"/>
-              </a:rPr>
-              <a:t>    </a:t>
-            </a:r>
-            <a:r>
-              <a:rPr lang="en-US" dirty="0" err="1">
-                <a:latin typeface="Courier New" panose="02070309020205020404" pitchFamily="49" charset="0"/>
-                <a:cs typeface="Courier New" panose="02070309020205020404" pitchFamily="49" charset="0"/>
-              </a:rPr>
-              <a:t>h_prev</a:t>
-            </a:r>
-            <a:r>
-              <a:rPr lang="en-US" dirty="0">
-                <a:latin typeface="Courier New" panose="02070309020205020404" pitchFamily="49" charset="0"/>
-                <a:cs typeface="Courier New" panose="02070309020205020404" pitchFamily="49" charset="0"/>
-              </a:rPr>
-              <a:t> = </a:t>
-            </a:r>
-            <a:r>
-              <a:rPr lang="en-US" dirty="0" err="1">
-                <a:latin typeface="Courier New" panose="02070309020205020404" pitchFamily="49" charset="0"/>
-                <a:cs typeface="Courier New" panose="02070309020205020404" pitchFamily="49" charset="0"/>
-              </a:rPr>
-              <a:t>np.tanh</a:t>
-            </a:r>
-            <a:r>
-              <a:rPr lang="en-US" dirty="0">
-                <a:latin typeface="Courier New" panose="02070309020205020404" pitchFamily="49" charset="0"/>
-                <a:cs typeface="Courier New" panose="02070309020205020404" pitchFamily="49" charset="0"/>
-              </a:rPr>
-              <a:t>(</a:t>
-            </a:r>
-            <a:r>
-              <a:rPr lang="en-US" dirty="0" err="1">
-                <a:latin typeface="Courier New" panose="02070309020205020404" pitchFamily="49" charset="0"/>
-                <a:cs typeface="Courier New" panose="02070309020205020404" pitchFamily="49" charset="0"/>
-              </a:rPr>
-              <a:t>x_t</a:t>
-            </a:r>
-            <a:r>
-              <a:rPr lang="en-US" dirty="0">
-                <a:latin typeface="Courier New" panose="02070309020205020404" pitchFamily="49" charset="0"/>
-                <a:cs typeface="Courier New" panose="02070309020205020404" pitchFamily="49" charset="0"/>
-              </a:rPr>
-              <a:t> @ </a:t>
-            </a:r>
-            <a:r>
-              <a:rPr lang="en-US" dirty="0" err="1">
-                <a:latin typeface="Courier New" panose="02070309020205020404" pitchFamily="49" charset="0"/>
-                <a:cs typeface="Courier New" panose="02070309020205020404" pitchFamily="49" charset="0"/>
-              </a:rPr>
-              <a:t>Wxh</a:t>
-            </a:r>
-            <a:r>
-              <a:rPr lang="en-US" dirty="0">
-                <a:latin typeface="Courier New" panose="02070309020205020404" pitchFamily="49" charset="0"/>
-                <a:cs typeface="Courier New" panose="02070309020205020404" pitchFamily="49" charset="0"/>
-              </a:rPr>
-              <a:t> + </a:t>
-            </a:r>
-            <a:r>
-              <a:rPr lang="en-US" dirty="0" err="1">
-                <a:latin typeface="Courier New" panose="02070309020205020404" pitchFamily="49" charset="0"/>
-                <a:cs typeface="Courier New" panose="02070309020205020404" pitchFamily="49" charset="0"/>
-              </a:rPr>
-              <a:t>h_prev</a:t>
-            </a:r>
-            <a:r>
-              <a:rPr lang="en-US" dirty="0">
-                <a:latin typeface="Courier New" panose="02070309020205020404" pitchFamily="49" charset="0"/>
-                <a:cs typeface="Courier New" panose="02070309020205020404" pitchFamily="49" charset="0"/>
-              </a:rPr>
-              <a:t> @ </a:t>
-            </a:r>
-            <a:r>
-              <a:rPr lang="en-US" dirty="0" err="1">
-                <a:latin typeface="Courier New" panose="02070309020205020404" pitchFamily="49" charset="0"/>
-                <a:cs typeface="Courier New" panose="02070309020205020404" pitchFamily="49" charset="0"/>
-              </a:rPr>
-              <a:t>Whh</a:t>
-            </a:r>
-            <a:r>
-              <a:rPr lang="en-US" dirty="0">
-                <a:latin typeface="Courier New" panose="02070309020205020404" pitchFamily="49" charset="0"/>
-                <a:cs typeface="Courier New" panose="02070309020205020404" pitchFamily="49" charset="0"/>
-              </a:rPr>
-              <a:t> + </a:t>
-            </a:r>
-            <a:r>
-              <a:rPr lang="en-US" dirty="0" err="1">
-                <a:latin typeface="Courier New" panose="02070309020205020404" pitchFamily="49" charset="0"/>
-                <a:cs typeface="Courier New" panose="02070309020205020404" pitchFamily="49" charset="0"/>
-              </a:rPr>
-              <a:t>bh</a:t>
-            </a:r>
-            <a:r>
-              <a:rPr lang="en-US" dirty="0">
-                <a:latin typeface="Courier New" panose="02070309020205020404" pitchFamily="49" charset="0"/>
-                <a:cs typeface="Courier New" panose="02070309020205020404" pitchFamily="49" charset="0"/>
-              </a:rPr>
-              <a:t>)</a:t>
-            </a:r>
-          </a:p>
-          <a:p>
-            <a:pPr marL="0" indent="0">
-              <a:buNone/>
-            </a:pPr>
-            <a:r>
-              <a:rPr lang="en-US" dirty="0">
-                <a:latin typeface="Courier New" panose="02070309020205020404" pitchFamily="49" charset="0"/>
-                <a:cs typeface="Courier New" panose="02070309020205020404" pitchFamily="49" charset="0"/>
-              </a:rPr>
-              <a:t>    </a:t>
-            </a:r>
-            <a:r>
-              <a:rPr lang="en-US" dirty="0" err="1">
-                <a:latin typeface="Courier New" panose="02070309020205020404" pitchFamily="49" charset="0"/>
-                <a:cs typeface="Courier New" panose="02070309020205020404" pitchFamily="49" charset="0"/>
-              </a:rPr>
-              <a:t>y_t</a:t>
-            </a:r>
-            <a:r>
-              <a:rPr lang="en-US" dirty="0">
-                <a:latin typeface="Courier New" panose="02070309020205020404" pitchFamily="49" charset="0"/>
-                <a:cs typeface="Courier New" panose="02070309020205020404" pitchFamily="49" charset="0"/>
-              </a:rPr>
-              <a:t> = </a:t>
-            </a:r>
-            <a:r>
-              <a:rPr lang="en-US" dirty="0" err="1">
-                <a:latin typeface="Courier New" panose="02070309020205020404" pitchFamily="49" charset="0"/>
-                <a:cs typeface="Courier New" panose="02070309020205020404" pitchFamily="49" charset="0"/>
-              </a:rPr>
-              <a:t>h_prev</a:t>
-            </a:r>
-            <a:r>
-              <a:rPr lang="en-US" dirty="0">
-                <a:latin typeface="Courier New" panose="02070309020205020404" pitchFamily="49" charset="0"/>
-                <a:cs typeface="Courier New" panose="02070309020205020404" pitchFamily="49" charset="0"/>
-              </a:rPr>
-              <a:t> @ Why + by</a:t>
-            </a:r>
-          </a:p>
-          <a:p>
-            <a:pPr marL="0" indent="0">
-              <a:buNone/>
-            </a:pPr>
-            <a:r>
-              <a:rPr lang="en-US" dirty="0">
-                <a:latin typeface="Courier New" panose="02070309020205020404" pitchFamily="49" charset="0"/>
-                <a:cs typeface="Courier New" panose="02070309020205020404" pitchFamily="49" charset="0"/>
-              </a:rPr>
-              <a:t>    </a:t>
-            </a:r>
-            <a:r>
-              <a:rPr lang="en-US" dirty="0" err="1">
-                <a:latin typeface="Courier New" panose="02070309020205020404" pitchFamily="49" charset="0"/>
-                <a:cs typeface="Courier New" panose="02070309020205020404" pitchFamily="49" charset="0"/>
-              </a:rPr>
-              <a:t>y_preds.append</a:t>
-            </a:r>
-            <a:r>
-              <a:rPr lang="en-US" dirty="0">
-                <a:latin typeface="Courier New" panose="02070309020205020404" pitchFamily="49" charset="0"/>
-                <a:cs typeface="Courier New" panose="02070309020205020404" pitchFamily="49" charset="0"/>
-              </a:rPr>
-              <a:t>(</a:t>
-            </a:r>
-            <a:r>
-              <a:rPr lang="en-US" dirty="0" err="1">
-                <a:latin typeface="Courier New" panose="02070309020205020404" pitchFamily="49" charset="0"/>
-                <a:cs typeface="Courier New" panose="02070309020205020404" pitchFamily="49" charset="0"/>
-              </a:rPr>
-              <a:t>y_t</a:t>
-            </a:r>
-            <a:r>
-              <a:rPr lang="en-US" dirty="0">
-                <a:latin typeface="Courier New" panose="02070309020205020404" pitchFamily="49" charset="0"/>
-                <a:cs typeface="Courier New" panose="02070309020205020404" pitchFamily="49" charset="0"/>
-              </a:rPr>
-              <a:t>)</a:t>
-            </a:r>
-          </a:p>
-          <a:p>
-            <a:pPr marL="0" indent="0">
-              <a:buNone/>
-            </a:pPr>
-            <a:endParaRPr lang="en-US" dirty="0"/>
-          </a:p>
-        </p:txBody>
-      </p:sp>
-    </p:spTree>
-    <p:extLst>
-      <p:ext uri="{BB962C8B-B14F-4D97-AF65-F5344CB8AC3E}">
-        <p14:creationId xmlns:p14="http://schemas.microsoft.com/office/powerpoint/2010/main" val="425278975"/>
-      </p:ext>
-    </p:extLst>
-  </p:cSld>
-  <p:clrMapOvr>
-    <a:masterClrMapping/>
-  </p:clrMapOvr>
-</p:sld>
-</file>
-
-<file path=ppt/slides/slide16.xml><?xml version="1.0" encoding="utf-8"?>
-<p:sld xmlns:a="http://schemas.openxmlformats.org/drawingml/2006/main" xmlns:r="http://schemas.openxmlformats.org/officeDocument/2006/relationships" xmlns:p="http://schemas.openxmlformats.org/presentationml/2006/main">
-  <p:cSld>
-    <p:spTree>
-      <p:nvGrpSpPr>
-        <p:cNvPr id="1" name=""/>
-        <p:cNvGrpSpPr/>
-        <p:nvPr/>
-      </p:nvGrpSpPr>
-      <p:grpSpPr>
-        <a:xfrm>
-          <a:off x="0" y="0"/>
-          <a:ext cx="0" cy="0"/>
-          <a:chOff x="0" y="0"/>
-          <a:chExt cx="0" cy="0"/>
-        </a:xfrm>
-      </p:grpSpPr>
-      <p:sp>
-        <p:nvSpPr>
-          <p:cNvPr id="2" name="Title 1">
-            <a:extLst>
-              <a:ext uri="{FF2B5EF4-FFF2-40B4-BE49-F238E27FC236}">
-                <a16:creationId xmlns:a16="http://schemas.microsoft.com/office/drawing/2014/main" id="{5B87014A-385F-12A3-1178-AD2A540E89EA}"/>
-              </a:ext>
-            </a:extLst>
-          </p:cNvPr>
-          <p:cNvSpPr>
-            <a:spLocks noGrp="1"/>
-          </p:cNvSpPr>
-          <p:nvPr>
-            <p:ph type="title"/>
-          </p:nvPr>
-        </p:nvSpPr>
-        <p:spPr/>
-        <p:txBody>
-          <a:bodyPr/>
-          <a:lstStyle/>
-          <a:p>
-            <a:r>
-              <a:rPr lang="en-US" dirty="0"/>
-              <a:t>Training the RNN</a:t>
-            </a:r>
-          </a:p>
-        </p:txBody>
-      </p:sp>
-      <p:sp>
-        <p:nvSpPr>
-          <p:cNvPr id="5" name="Content Placeholder 4">
-            <a:extLst>
-              <a:ext uri="{FF2B5EF4-FFF2-40B4-BE49-F238E27FC236}">
-                <a16:creationId xmlns:a16="http://schemas.microsoft.com/office/drawing/2014/main" id="{2203C958-F85E-0A30-C9C3-49383901F37C}"/>
-              </a:ext>
-            </a:extLst>
-          </p:cNvPr>
-          <p:cNvSpPr>
-            <a:spLocks noGrp="1"/>
-          </p:cNvSpPr>
-          <p:nvPr>
-            <p:ph idx="1"/>
-          </p:nvPr>
-        </p:nvSpPr>
-        <p:spPr/>
-        <p:txBody>
-          <a:bodyPr>
-            <a:normAutofit/>
-          </a:bodyPr>
-          <a:lstStyle/>
-          <a:p>
-            <a:r>
-              <a:rPr lang="en-US" dirty="0"/>
-              <a:t>Backpropagate errors through time to update parameters (</a:t>
-            </a:r>
-            <a:r>
-              <a:rPr lang="en-US" dirty="0" err="1"/>
-              <a:t>Wxh</a:t>
-            </a:r>
-            <a:r>
-              <a:rPr lang="en-US" dirty="0"/>
-              <a:t>, </a:t>
-            </a:r>
-            <a:r>
-              <a:rPr lang="en-US" dirty="0" err="1"/>
-              <a:t>Whh</a:t>
-            </a:r>
-            <a:r>
-              <a:rPr lang="en-US" dirty="0"/>
-              <a:t>, Why). Derivatives accumulate across the unrolled network.</a:t>
-            </a:r>
-          </a:p>
-          <a:p>
-            <a:r>
-              <a:rPr lang="en-US" dirty="0"/>
-              <a:t>For long sequences, gradients tend to vanish or explode, leading to slow or unstable learning.</a:t>
-            </a:r>
-          </a:p>
-          <a:p>
-            <a:r>
-              <a:rPr lang="en-US" dirty="0"/>
-              <a:t>Often the model fails to capture long‑range patterns (e.g., seasonal weather cycles).</a:t>
-            </a:r>
-          </a:p>
-          <a:p>
-            <a:endParaRPr lang="en-US" dirty="0"/>
-          </a:p>
-          <a:p>
-            <a:endParaRPr lang="en-US" dirty="0"/>
-          </a:p>
-        </p:txBody>
-      </p:sp>
-    </p:spTree>
-    <p:extLst>
-      <p:ext uri="{BB962C8B-B14F-4D97-AF65-F5344CB8AC3E}">
-        <p14:creationId xmlns:p14="http://schemas.microsoft.com/office/powerpoint/2010/main" val="3929826542"/>
       </p:ext>
     </p:extLst>
   </p:cSld>
@@ -8478,7 +6890,7 @@
           <a:p>
             <a:r>
               <a:rPr lang="en-US" dirty="0"/>
-              <a:t>Maintains both hidden state (hₜ) and cell state (Cₜ)</a:t>
+              <a:t>Maintains both hidden short-term state (hₜ) and cell long-term state (Cₜ)</a:t>
             </a:r>
           </a:p>
           <a:p>
@@ -11225,7 +9637,7 @@
             </a:r>
             <a:r>
               <a:rPr lang="en-US" dirty="0" err="1"/>
-              <a:t>Pytorch</a:t>
+              <a:t>PyTorch</a:t>
             </a:r>
             <a:endParaRPr lang="en-US" dirty="0"/>
           </a:p>
@@ -11247,12 +9659,433 @@
             <p:ph idx="1"/>
           </p:nvPr>
         </p:nvSpPr>
-        <p:spPr/>
+        <p:spPr>
+          <a:xfrm>
+            <a:off x="838199" y="1825625"/>
+            <a:ext cx="11166988" cy="4149290"/>
+          </a:xfrm>
+        </p:spPr>
         <p:txBody>
-          <a:bodyPr/>
+          <a:bodyPr>
+            <a:normAutofit fontScale="62500" lnSpcReduction="20000"/>
+          </a:bodyPr>
           <a:lstStyle/>
           <a:p>
-            <a:endParaRPr lang="en-US"/>
+            <a:pPr marL="0" indent="0">
+              <a:buNone/>
+            </a:pPr>
+            <a:r>
+              <a:rPr lang="en-US" dirty="0">
+                <a:latin typeface="Courier New" panose="02070309020205020404" pitchFamily="49" charset="0"/>
+                <a:cs typeface="Courier New" panose="02070309020205020404" pitchFamily="49" charset="0"/>
+              </a:rPr>
+              <a:t>import torch, </a:t>
+            </a:r>
+            <a:r>
+              <a:rPr lang="en-US" dirty="0" err="1">
+                <a:latin typeface="Courier New" panose="02070309020205020404" pitchFamily="49" charset="0"/>
+                <a:cs typeface="Courier New" panose="02070309020205020404" pitchFamily="49" charset="0"/>
+              </a:rPr>
+              <a:t>torch.nn</a:t>
+            </a:r>
+            <a:r>
+              <a:rPr lang="en-US" dirty="0">
+                <a:latin typeface="Courier New" panose="02070309020205020404" pitchFamily="49" charset="0"/>
+                <a:cs typeface="Courier New" panose="02070309020205020404" pitchFamily="49" charset="0"/>
+              </a:rPr>
+              <a:t> as </a:t>
+            </a:r>
+            <a:r>
+              <a:rPr lang="en-US" dirty="0" err="1">
+                <a:latin typeface="Courier New" panose="02070309020205020404" pitchFamily="49" charset="0"/>
+                <a:cs typeface="Courier New" panose="02070309020205020404" pitchFamily="49" charset="0"/>
+              </a:rPr>
+              <a:t>nn</a:t>
+            </a:r>
+            <a:r>
+              <a:rPr lang="en-US" dirty="0">
+                <a:latin typeface="Courier New" panose="02070309020205020404" pitchFamily="49" charset="0"/>
+                <a:cs typeface="Courier New" panose="02070309020205020404" pitchFamily="49" charset="0"/>
+              </a:rPr>
+              <a:t>                   </a:t>
+            </a:r>
+          </a:p>
+          <a:p>
+            <a:pPr marL="0" indent="0">
+              <a:buNone/>
+            </a:pPr>
+            <a:r>
+              <a:rPr lang="en-US" dirty="0" err="1">
+                <a:latin typeface="Courier New" panose="02070309020205020404" pitchFamily="49" charset="0"/>
+                <a:cs typeface="Courier New" panose="02070309020205020404" pitchFamily="49" charset="0"/>
+              </a:rPr>
+              <a:t>lstm</a:t>
+            </a:r>
+            <a:r>
+              <a:rPr lang="en-US" dirty="0">
+                <a:latin typeface="Courier New" panose="02070309020205020404" pitchFamily="49" charset="0"/>
+                <a:cs typeface="Courier New" panose="02070309020205020404" pitchFamily="49" charset="0"/>
+              </a:rPr>
+              <a:t> = </a:t>
+            </a:r>
+            <a:r>
+              <a:rPr lang="en-US" dirty="0" err="1">
+                <a:latin typeface="Courier New" panose="02070309020205020404" pitchFamily="49" charset="0"/>
+                <a:cs typeface="Courier New" panose="02070309020205020404" pitchFamily="49" charset="0"/>
+              </a:rPr>
+              <a:t>nn.LSTM</a:t>
+            </a:r>
+            <a:r>
+              <a:rPr lang="en-US" dirty="0">
+                <a:latin typeface="Courier New" panose="02070309020205020404" pitchFamily="49" charset="0"/>
+                <a:cs typeface="Courier New" panose="02070309020205020404" pitchFamily="49" charset="0"/>
+              </a:rPr>
+              <a:t>(</a:t>
+            </a:r>
+            <a:r>
+              <a:rPr lang="en-US" dirty="0" err="1">
+                <a:latin typeface="Courier New" panose="02070309020205020404" pitchFamily="49" charset="0"/>
+                <a:cs typeface="Courier New" panose="02070309020205020404" pitchFamily="49" charset="0"/>
+              </a:rPr>
+              <a:t>input_size</a:t>
+            </a:r>
+            <a:r>
+              <a:rPr lang="en-US" dirty="0">
+                <a:latin typeface="Courier New" panose="02070309020205020404" pitchFamily="49" charset="0"/>
+                <a:cs typeface="Courier New" panose="02070309020205020404" pitchFamily="49" charset="0"/>
+              </a:rPr>
+              <a:t>=1, </a:t>
+            </a:r>
+            <a:r>
+              <a:rPr lang="en-US" dirty="0" err="1">
+                <a:latin typeface="Courier New" panose="02070309020205020404" pitchFamily="49" charset="0"/>
+                <a:cs typeface="Courier New" panose="02070309020205020404" pitchFamily="49" charset="0"/>
+              </a:rPr>
+              <a:t>hidden_size</a:t>
+            </a:r>
+            <a:r>
+              <a:rPr lang="en-US" dirty="0">
+                <a:latin typeface="Courier New" panose="02070309020205020404" pitchFamily="49" charset="0"/>
+                <a:cs typeface="Courier New" panose="02070309020205020404" pitchFamily="49" charset="0"/>
+              </a:rPr>
+              <a:t>=8, </a:t>
+            </a:r>
+            <a:r>
+              <a:rPr lang="en-US" dirty="0" err="1">
+                <a:latin typeface="Courier New" panose="02070309020205020404" pitchFamily="49" charset="0"/>
+                <a:cs typeface="Courier New" panose="02070309020205020404" pitchFamily="49" charset="0"/>
+              </a:rPr>
+              <a:t>num_layers</a:t>
+            </a:r>
+            <a:r>
+              <a:rPr lang="en-US" dirty="0">
+                <a:latin typeface="Courier New" panose="02070309020205020404" pitchFamily="49" charset="0"/>
+                <a:cs typeface="Courier New" panose="02070309020205020404" pitchFamily="49" charset="0"/>
+              </a:rPr>
+              <a:t>=1)</a:t>
+            </a:r>
+          </a:p>
+          <a:p>
+            <a:pPr marL="0" indent="0">
+              <a:buNone/>
+            </a:pPr>
+            <a:r>
+              <a:rPr lang="en-US" dirty="0">
+                <a:latin typeface="Courier New" panose="02070309020205020404" pitchFamily="49" charset="0"/>
+                <a:cs typeface="Courier New" panose="02070309020205020404" pitchFamily="49" charset="0"/>
+              </a:rPr>
+              <a:t>readout = </a:t>
+            </a:r>
+            <a:r>
+              <a:rPr lang="en-US" dirty="0" err="1">
+                <a:latin typeface="Courier New" panose="02070309020205020404" pitchFamily="49" charset="0"/>
+                <a:cs typeface="Courier New" panose="02070309020205020404" pitchFamily="49" charset="0"/>
+              </a:rPr>
+              <a:t>nn.Linear</a:t>
+            </a:r>
+            <a:r>
+              <a:rPr lang="en-US" dirty="0">
+                <a:latin typeface="Courier New" panose="02070309020205020404" pitchFamily="49" charset="0"/>
+                <a:cs typeface="Courier New" panose="02070309020205020404" pitchFamily="49" charset="0"/>
+              </a:rPr>
+              <a:t>(8, 1) # Turns the hidden layer into a single output</a:t>
+            </a:r>
+          </a:p>
+          <a:p>
+            <a:pPr marL="0" indent="0">
+              <a:buNone/>
+            </a:pPr>
+            <a:r>
+              <a:rPr lang="en-US" dirty="0">
+                <a:latin typeface="Courier New" panose="02070309020205020404" pitchFamily="49" charset="0"/>
+                <a:cs typeface="Courier New" panose="02070309020205020404" pitchFamily="49" charset="0"/>
+              </a:rPr>
+              <a:t>opt = </a:t>
+            </a:r>
+            <a:r>
+              <a:rPr lang="en-US" dirty="0" err="1">
+                <a:latin typeface="Courier New" panose="02070309020205020404" pitchFamily="49" charset="0"/>
+                <a:cs typeface="Courier New" panose="02070309020205020404" pitchFamily="49" charset="0"/>
+              </a:rPr>
+              <a:t>torch.optim.Adam</a:t>
+            </a:r>
+            <a:r>
+              <a:rPr lang="en-US" dirty="0">
+                <a:latin typeface="Courier New" panose="02070309020205020404" pitchFamily="49" charset="0"/>
+                <a:cs typeface="Courier New" panose="02070309020205020404" pitchFamily="49" charset="0"/>
+              </a:rPr>
+              <a:t>(list(</a:t>
+            </a:r>
+            <a:r>
+              <a:rPr lang="en-US" dirty="0" err="1">
+                <a:latin typeface="Courier New" panose="02070309020205020404" pitchFamily="49" charset="0"/>
+                <a:cs typeface="Courier New" panose="02070309020205020404" pitchFamily="49" charset="0"/>
+              </a:rPr>
+              <a:t>lstm.parameters</a:t>
+            </a:r>
+            <a:r>
+              <a:rPr lang="en-US" dirty="0">
+                <a:latin typeface="Courier New" panose="02070309020205020404" pitchFamily="49" charset="0"/>
+                <a:cs typeface="Courier New" panose="02070309020205020404" pitchFamily="49" charset="0"/>
+              </a:rPr>
+              <a:t>())+list(</a:t>
+            </a:r>
+            <a:r>
+              <a:rPr lang="en-US" dirty="0" err="1">
+                <a:latin typeface="Courier New" panose="02070309020205020404" pitchFamily="49" charset="0"/>
+                <a:cs typeface="Courier New" panose="02070309020205020404" pitchFamily="49" charset="0"/>
+              </a:rPr>
+              <a:t>readout.parameters</a:t>
+            </a:r>
+            <a:r>
+              <a:rPr lang="en-US" dirty="0">
+                <a:latin typeface="Courier New" panose="02070309020205020404" pitchFamily="49" charset="0"/>
+                <a:cs typeface="Courier New" panose="02070309020205020404" pitchFamily="49" charset="0"/>
+              </a:rPr>
+              <a:t>()), </a:t>
+            </a:r>
+            <a:r>
+              <a:rPr lang="en-US" dirty="0" err="1">
+                <a:latin typeface="Courier New" panose="02070309020205020404" pitchFamily="49" charset="0"/>
+                <a:cs typeface="Courier New" panose="02070309020205020404" pitchFamily="49" charset="0"/>
+              </a:rPr>
+              <a:t>lr</a:t>
+            </a:r>
+            <a:r>
+              <a:rPr lang="en-US" dirty="0">
+                <a:latin typeface="Courier New" panose="02070309020205020404" pitchFamily="49" charset="0"/>
+                <a:cs typeface="Courier New" panose="02070309020205020404" pitchFamily="49" charset="0"/>
+              </a:rPr>
+              <a:t>=0.1)</a:t>
+            </a:r>
+          </a:p>
+          <a:p>
+            <a:pPr marL="0" indent="0">
+              <a:buNone/>
+            </a:pPr>
+            <a:r>
+              <a:rPr lang="en-US" dirty="0">
+                <a:latin typeface="Courier New" panose="02070309020205020404" pitchFamily="49" charset="0"/>
+                <a:cs typeface="Courier New" panose="02070309020205020404" pitchFamily="49" charset="0"/>
+              </a:rPr>
+              <a:t>for _ in range(300): </a:t>
+            </a:r>
+          </a:p>
+          <a:p>
+            <a:pPr marL="0" indent="0">
+              <a:buNone/>
+            </a:pPr>
+            <a:r>
+              <a:rPr lang="en-US" dirty="0">
+                <a:latin typeface="Courier New" panose="02070309020205020404" pitchFamily="49" charset="0"/>
+                <a:cs typeface="Courier New" panose="02070309020205020404" pitchFamily="49" charset="0"/>
+              </a:rPr>
+              <a:t>	h, _ = </a:t>
+            </a:r>
+            <a:r>
+              <a:rPr lang="en-US" dirty="0" err="1">
+                <a:latin typeface="Courier New" panose="02070309020205020404" pitchFamily="49" charset="0"/>
+                <a:cs typeface="Courier New" panose="02070309020205020404" pitchFamily="49" charset="0"/>
+              </a:rPr>
+              <a:t>lstm</a:t>
+            </a:r>
+            <a:r>
+              <a:rPr lang="en-US" dirty="0">
+                <a:latin typeface="Courier New" panose="02070309020205020404" pitchFamily="49" charset="0"/>
+                <a:cs typeface="Courier New" panose="02070309020205020404" pitchFamily="49" charset="0"/>
+              </a:rPr>
+              <a:t>(x) </a:t>
+            </a:r>
+          </a:p>
+          <a:p>
+            <a:pPr marL="0" indent="0">
+              <a:buNone/>
+            </a:pPr>
+            <a:r>
+              <a:rPr lang="en-US" dirty="0">
+                <a:latin typeface="Courier New" panose="02070309020205020404" pitchFamily="49" charset="0"/>
+                <a:cs typeface="Courier New" panose="02070309020205020404" pitchFamily="49" charset="0"/>
+              </a:rPr>
+              <a:t>	</a:t>
+            </a:r>
+            <a:r>
+              <a:rPr lang="en-US" dirty="0" err="1">
+                <a:latin typeface="Courier New" panose="02070309020205020404" pitchFamily="49" charset="0"/>
+                <a:cs typeface="Courier New" panose="02070309020205020404" pitchFamily="49" charset="0"/>
+              </a:rPr>
+              <a:t>yhat</a:t>
+            </a:r>
+            <a:r>
+              <a:rPr lang="en-US" dirty="0">
+                <a:latin typeface="Courier New" panose="02070309020205020404" pitchFamily="49" charset="0"/>
+                <a:cs typeface="Courier New" panose="02070309020205020404" pitchFamily="49" charset="0"/>
+              </a:rPr>
+              <a:t> = readout(h)</a:t>
+            </a:r>
+          </a:p>
+          <a:p>
+            <a:pPr marL="0" indent="0">
+              <a:buNone/>
+            </a:pPr>
+            <a:r>
+              <a:rPr lang="en-US" dirty="0">
+                <a:latin typeface="Courier New" panose="02070309020205020404" pitchFamily="49" charset="0"/>
+                <a:cs typeface="Courier New" panose="02070309020205020404" pitchFamily="49" charset="0"/>
+              </a:rPr>
+              <a:t>   	loss = ((</a:t>
+            </a:r>
+            <a:r>
+              <a:rPr lang="en-US" dirty="0" err="1">
+                <a:latin typeface="Courier New" panose="02070309020205020404" pitchFamily="49" charset="0"/>
+                <a:cs typeface="Courier New" panose="02070309020205020404" pitchFamily="49" charset="0"/>
+              </a:rPr>
+              <a:t>yhat</a:t>
+            </a:r>
+            <a:r>
+              <a:rPr lang="en-US" dirty="0">
+                <a:latin typeface="Courier New" panose="02070309020205020404" pitchFamily="49" charset="0"/>
+                <a:cs typeface="Courier New" panose="02070309020205020404" pitchFamily="49" charset="0"/>
+              </a:rPr>
+              <a:t> - y)**2).mean()</a:t>
+            </a:r>
+          </a:p>
+          <a:p>
+            <a:pPr marL="0" indent="0">
+              <a:buNone/>
+            </a:pPr>
+            <a:r>
+              <a:rPr lang="en-US" dirty="0">
+                <a:latin typeface="Courier New" panose="02070309020205020404" pitchFamily="49" charset="0"/>
+                <a:cs typeface="Courier New" panose="02070309020205020404" pitchFamily="49" charset="0"/>
+              </a:rPr>
+              <a:t>    	</a:t>
+            </a:r>
+            <a:r>
+              <a:rPr lang="en-US" dirty="0" err="1">
+                <a:latin typeface="Courier New" panose="02070309020205020404" pitchFamily="49" charset="0"/>
+                <a:cs typeface="Courier New" panose="02070309020205020404" pitchFamily="49" charset="0"/>
+              </a:rPr>
+              <a:t>opt.zero_grad</a:t>
+            </a:r>
+            <a:r>
+              <a:rPr lang="en-US" dirty="0">
+                <a:latin typeface="Courier New" panose="02070309020205020404" pitchFamily="49" charset="0"/>
+                <a:cs typeface="Courier New" panose="02070309020205020404" pitchFamily="49" charset="0"/>
+              </a:rPr>
+              <a:t>(); # Clears old gradients</a:t>
+            </a:r>
+          </a:p>
+          <a:p>
+            <a:pPr marL="0" indent="0">
+              <a:buNone/>
+            </a:pPr>
+            <a:r>
+              <a:rPr lang="en-US" dirty="0">
+                <a:latin typeface="Courier New" panose="02070309020205020404" pitchFamily="49" charset="0"/>
+                <a:cs typeface="Courier New" panose="02070309020205020404" pitchFamily="49" charset="0"/>
+              </a:rPr>
+              <a:t>	</a:t>
+            </a:r>
+            <a:r>
+              <a:rPr lang="en-US" dirty="0" err="1">
+                <a:latin typeface="Courier New" panose="02070309020205020404" pitchFamily="49" charset="0"/>
+                <a:cs typeface="Courier New" panose="02070309020205020404" pitchFamily="49" charset="0"/>
+              </a:rPr>
+              <a:t>loss.backward</a:t>
+            </a:r>
+            <a:r>
+              <a:rPr lang="en-US" dirty="0">
+                <a:latin typeface="Courier New" panose="02070309020205020404" pitchFamily="49" charset="0"/>
+                <a:cs typeface="Courier New" panose="02070309020205020404" pitchFamily="49" charset="0"/>
+              </a:rPr>
+              <a:t>(); # Computes the gradients and the loss function</a:t>
+            </a:r>
+          </a:p>
+          <a:p>
+            <a:pPr marL="0" indent="0">
+              <a:buNone/>
+            </a:pPr>
+            <a:r>
+              <a:rPr lang="en-US" dirty="0">
+                <a:latin typeface="Courier New" panose="02070309020205020404" pitchFamily="49" charset="0"/>
+                <a:cs typeface="Courier New" panose="02070309020205020404" pitchFamily="49" charset="0"/>
+              </a:rPr>
+              <a:t>	</a:t>
+            </a:r>
+            <a:r>
+              <a:rPr lang="en-US" dirty="0" err="1">
+                <a:latin typeface="Courier New" panose="02070309020205020404" pitchFamily="49" charset="0"/>
+                <a:cs typeface="Courier New" panose="02070309020205020404" pitchFamily="49" charset="0"/>
+              </a:rPr>
+              <a:t>opt.step</a:t>
+            </a:r>
+            <a:r>
+              <a:rPr lang="en-US" dirty="0">
+                <a:latin typeface="Courier New" panose="02070309020205020404" pitchFamily="49" charset="0"/>
+                <a:cs typeface="Courier New" panose="02070309020205020404" pitchFamily="49" charset="0"/>
+              </a:rPr>
+              <a:t>() # Updates the parameters</a:t>
+            </a:r>
+          </a:p>
+          <a:p>
+            <a:pPr marL="0" indent="0">
+              <a:buNone/>
+            </a:pPr>
+            <a:r>
+              <a:rPr lang="en-US" dirty="0">
+                <a:latin typeface="Courier New" panose="02070309020205020404" pitchFamily="49" charset="0"/>
+                <a:cs typeface="Courier New" panose="02070309020205020404" pitchFamily="49" charset="0"/>
+              </a:rPr>
+              <a:t>print(</a:t>
+            </a:r>
+            <a:r>
+              <a:rPr lang="en-US" dirty="0" err="1">
+                <a:latin typeface="Courier New" panose="02070309020205020404" pitchFamily="49" charset="0"/>
+                <a:cs typeface="Courier New" panose="02070309020205020404" pitchFamily="49" charset="0"/>
+              </a:rPr>
+              <a:t>f"final</a:t>
+            </a:r>
+            <a:r>
+              <a:rPr lang="en-US" dirty="0">
+                <a:latin typeface="Courier New" panose="02070309020205020404" pitchFamily="49" charset="0"/>
+                <a:cs typeface="Courier New" panose="02070309020205020404" pitchFamily="49" charset="0"/>
+              </a:rPr>
+              <a:t> MSE: {</a:t>
+            </a:r>
+            <a:r>
+              <a:rPr lang="en-US" dirty="0" err="1">
+                <a:latin typeface="Courier New" panose="02070309020205020404" pitchFamily="49" charset="0"/>
+                <a:cs typeface="Courier New" panose="02070309020205020404" pitchFamily="49" charset="0"/>
+              </a:rPr>
+              <a:t>loss.item</a:t>
+            </a:r>
+            <a:r>
+              <a:rPr lang="en-US" dirty="0">
+                <a:latin typeface="Courier New" panose="02070309020205020404" pitchFamily="49" charset="0"/>
+                <a:cs typeface="Courier New" panose="02070309020205020404" pitchFamily="49" charset="0"/>
+              </a:rPr>
+              <a:t>():.4f}")</a:t>
+            </a:r>
           </a:p>
         </p:txBody>
       </p:sp>
@@ -11589,8 +10422,12 @@
           <a:lstStyle/>
           <a:p>
             <a:r>
+              <a:rPr lang="en-US" dirty="0" err="1"/>
+              <a:t>Normalise</a:t>
+            </a:r>
+            <a:r>
               <a:rPr lang="en-US" dirty="0"/>
-              <a:t>Normalize and scale your inputs to accelerate convergence.</a:t>
+              <a:t> and scale your inputs to accelerate convergence.</a:t>
             </a:r>
           </a:p>
           <a:p>
@@ -11633,313 +10470,6 @@
 </file>
 
 <file path=ppt/slides/slide24.xml><?xml version="1.0" encoding="utf-8"?>
-<p:sld xmlns:a="http://schemas.openxmlformats.org/drawingml/2006/main" xmlns:r="http://schemas.openxmlformats.org/officeDocument/2006/relationships" xmlns:p="http://schemas.openxmlformats.org/presentationml/2006/main">
-  <p:cSld>
-    <p:spTree>
-      <p:nvGrpSpPr>
-        <p:cNvPr id="1" name=""/>
-        <p:cNvGrpSpPr/>
-        <p:nvPr/>
-      </p:nvGrpSpPr>
-      <p:grpSpPr>
-        <a:xfrm>
-          <a:off x="0" y="0"/>
-          <a:ext cx="0" cy="0"/>
-          <a:chOff x="0" y="0"/>
-          <a:chExt cx="0" cy="0"/>
-        </a:xfrm>
-      </p:grpSpPr>
-      <p:sp>
-        <p:nvSpPr>
-          <p:cNvPr id="2" name="Text 0"/>
-          <p:cNvSpPr/>
-          <p:nvPr/>
-        </p:nvSpPr>
-        <p:spPr>
-          <a:xfrm>
-            <a:off x="365760" y="365760"/>
-            <a:ext cx="11460480" cy="670560"/>
-          </a:xfrm>
-          <a:prstGeom prst="rect">
-            <a:avLst/>
-          </a:prstGeom>
-          <a:noFill/>
-          <a:ln/>
-        </p:spPr>
-        <p:txBody>
-          <a:bodyPr wrap="square" rtlCol="0" anchor="ctr"/>
-          <a:lstStyle/>
-          <a:p>
-            <a:r>
-              <a:rPr lang="en-US" sz="3200" dirty="0">
-                <a:solidFill>
-                  <a:srgbClr val="000000"/>
-                </a:solidFill>
-                <a:latin typeface="Arial" pitchFamily="34" charset="0"/>
-                <a:ea typeface="Arial" pitchFamily="34" charset="-122"/>
-                <a:cs typeface="Arial" pitchFamily="34" charset="-120"/>
-              </a:rPr>
-              <a:t>Summary &amp; Takeaways</a:t>
-            </a:r>
-            <a:endParaRPr lang="en-US" sz="3200" dirty="0"/>
-          </a:p>
-        </p:txBody>
-      </p:sp>
-      <p:sp>
-        <p:nvSpPr>
-          <p:cNvPr id="3" name="Text 1"/>
-          <p:cNvSpPr/>
-          <p:nvPr/>
-        </p:nvSpPr>
-        <p:spPr>
-          <a:xfrm>
-            <a:off x="609600" y="1950720"/>
-            <a:ext cx="11582400" cy="4632960"/>
-          </a:xfrm>
-          <a:prstGeom prst="rect">
-            <a:avLst/>
-          </a:prstGeom>
-          <a:noFill/>
-          <a:ln/>
-        </p:spPr>
-        <p:txBody>
-          <a:bodyPr wrap="square" rtlCol="0" anchor="ctr"/>
-          <a:lstStyle/>
-          <a:p>
-            <a:pPr marL="253994" indent="-253994">
-              <a:lnSpc>
-                <a:spcPts val="2133"/>
-              </a:lnSpc>
-              <a:spcAft>
-                <a:spcPts val="480"/>
-              </a:spcAft>
-              <a:buSzPct val="100000"/>
-              <a:buChar char="•"/>
-            </a:pPr>
-            <a:r>
-              <a:rPr lang="en-US" sz="1600" dirty="0">
-                <a:solidFill>
-                  <a:srgbClr val="030A18"/>
-                </a:solidFill>
-              </a:rPr>
-              <a:t>RNNs enable sequential modelling by maintaining a hidden state but struggle with vanishing gradients.</a:t>
-            </a:r>
-            <a:endParaRPr lang="en-US" sz="1600" dirty="0"/>
-          </a:p>
-          <a:p>
-            <a:pPr marL="253994" indent="-253994">
-              <a:lnSpc>
-                <a:spcPts val="2133"/>
-              </a:lnSpc>
-              <a:spcAft>
-                <a:spcPts val="480"/>
-              </a:spcAft>
-              <a:buSzPct val="100000"/>
-              <a:buChar char="•"/>
-            </a:pPr>
-            <a:r>
-              <a:rPr lang="en-US" sz="1600" dirty="0">
-                <a:solidFill>
-                  <a:srgbClr val="030A18"/>
-                </a:solidFill>
-              </a:rPr>
-              <a:t>LSTMs introduce gates and a cell state to mitigate these issues and learn long‑range dependencies.</a:t>
-            </a:r>
-            <a:endParaRPr lang="en-US" sz="1600" dirty="0"/>
-          </a:p>
-          <a:p>
-            <a:pPr marL="253994" indent="-253994">
-              <a:lnSpc>
-                <a:spcPts val="2133"/>
-              </a:lnSpc>
-              <a:spcAft>
-                <a:spcPts val="480"/>
-              </a:spcAft>
-              <a:buSzPct val="100000"/>
-              <a:buChar char="•"/>
-            </a:pPr>
-            <a:r>
-              <a:rPr lang="en-US" sz="1600" dirty="0">
-                <a:solidFill>
-                  <a:srgbClr val="030A18"/>
-                </a:solidFill>
-              </a:rPr>
-              <a:t>Manual implementations provide insight into the underlying operations and challenges.</a:t>
-            </a:r>
-            <a:endParaRPr lang="en-US" sz="1600" dirty="0"/>
-          </a:p>
-          <a:p>
-            <a:pPr marL="253994" indent="-253994">
-              <a:lnSpc>
-                <a:spcPts val="2133"/>
-              </a:lnSpc>
-              <a:spcAft>
-                <a:spcPts val="480"/>
-              </a:spcAft>
-              <a:buSzPct val="100000"/>
-              <a:buChar char="•"/>
-            </a:pPr>
-            <a:r>
-              <a:rPr lang="en-US" sz="1600" dirty="0">
-                <a:solidFill>
-                  <a:srgbClr val="030A18"/>
-                </a:solidFill>
-              </a:rPr>
-              <a:t>Practical applications span NLP, speech, time‑series analysis and beyond.</a:t>
-            </a:r>
-            <a:endParaRPr lang="en-US" sz="1600" dirty="0"/>
-          </a:p>
-          <a:p>
-            <a:pPr marL="253994" indent="-253994">
-              <a:lnSpc>
-                <a:spcPts val="2133"/>
-              </a:lnSpc>
-              <a:spcAft>
-                <a:spcPts val="480"/>
-              </a:spcAft>
-              <a:buSzPct val="100000"/>
-              <a:buChar char="•"/>
-            </a:pPr>
-            <a:r>
-              <a:rPr lang="en-US" sz="1600" dirty="0">
-                <a:solidFill>
-                  <a:srgbClr val="030A18"/>
-                </a:solidFill>
-              </a:rPr>
-              <a:t>Modern frameworks (Keras/PyTorch) simplify experimentation and deployment.</a:t>
-            </a:r>
-            <a:endParaRPr lang="en-US" sz="1600" dirty="0"/>
-          </a:p>
-        </p:txBody>
-      </p:sp>
-      <p:sp>
-        <p:nvSpPr>
-          <p:cNvPr id="4" name="Text 2"/>
-          <p:cNvSpPr/>
-          <p:nvPr/>
-        </p:nvSpPr>
-        <p:spPr>
-          <a:xfrm>
-            <a:off x="609600" y="6431280"/>
-            <a:ext cx="10972800" cy="304800"/>
-          </a:xfrm>
-          <a:prstGeom prst="rect">
-            <a:avLst/>
-          </a:prstGeom>
-          <a:noFill/>
-          <a:ln/>
-        </p:spPr>
-        <p:txBody>
-          <a:bodyPr wrap="square" lIns="0" tIns="0" rIns="0" bIns="0" rtlCol="0" anchor="ctr"/>
-          <a:lstStyle/>
-          <a:p>
-            <a:r>
-              <a:rPr lang="en-US" sz="800" u="sng" dirty="0">
-                <a:solidFill>
-                  <a:srgbClr val="0000FF"/>
-                </a:solidFill>
-                <a:hlinkClick r:id="rId3"/>
-              </a:rPr>
-              <a:t>[1]</a:t>
-            </a:r>
-            <a:r>
-              <a:rPr lang="en-US" sz="800" dirty="0">
-                <a:solidFill>
-                  <a:srgbClr val="000000"/>
-                </a:solidFill>
-              </a:rPr>
-              <a:t>   </a:t>
-            </a:r>
-            <a:r>
-              <a:rPr lang="en-US" sz="800" u="sng" dirty="0">
-                <a:solidFill>
-                  <a:srgbClr val="0000FF"/>
-                </a:solidFill>
-                <a:hlinkClick r:id="rId4"/>
-              </a:rPr>
-              <a:t>[2]</a:t>
-            </a:r>
-            <a:r>
-              <a:rPr lang="en-US" sz="800" dirty="0">
-                <a:solidFill>
-                  <a:srgbClr val="000000"/>
-                </a:solidFill>
-              </a:rPr>
-              <a:t>   </a:t>
-            </a:r>
-            <a:r>
-              <a:rPr lang="en-US" sz="800" u="sng" dirty="0">
-                <a:solidFill>
-                  <a:srgbClr val="0000FF"/>
-                </a:solidFill>
-                <a:hlinkClick r:id="rId5"/>
-              </a:rPr>
-              <a:t>[3]</a:t>
-            </a:r>
-            <a:r>
-              <a:rPr lang="en-US" sz="800" dirty="0">
-                <a:solidFill>
-                  <a:srgbClr val="000000"/>
-                </a:solidFill>
-              </a:rPr>
-              <a:t>   </a:t>
-            </a:r>
-            <a:r>
-              <a:rPr lang="en-US" sz="800" u="sng" dirty="0">
-                <a:solidFill>
-                  <a:srgbClr val="0000FF"/>
-                </a:solidFill>
-                <a:hlinkClick r:id="rId6"/>
-              </a:rPr>
-              <a:t>[4]</a:t>
-            </a:r>
-            <a:r>
-              <a:rPr lang="en-US" sz="800" dirty="0">
-                <a:solidFill>
-                  <a:srgbClr val="000000"/>
-                </a:solidFill>
-              </a:rPr>
-              <a:t>   </a:t>
-            </a:r>
-            <a:r>
-              <a:rPr lang="en-US" sz="800" u="sng" dirty="0">
-                <a:solidFill>
-                  <a:srgbClr val="0000FF"/>
-                </a:solidFill>
-                <a:hlinkClick r:id="rId7"/>
-              </a:rPr>
-              <a:t>[5]</a:t>
-            </a:r>
-            <a:r>
-              <a:rPr lang="en-US" sz="800" dirty="0">
-                <a:solidFill>
-                  <a:srgbClr val="000000"/>
-                </a:solidFill>
-              </a:rPr>
-              <a:t>   </a:t>
-            </a:r>
-            <a:r>
-              <a:rPr lang="en-US" sz="800" u="sng" dirty="0">
-                <a:solidFill>
-                  <a:srgbClr val="0000FF"/>
-                </a:solidFill>
-                <a:hlinkClick r:id="rId8"/>
-              </a:rPr>
-              <a:t>[6]</a:t>
-            </a:r>
-            <a:endParaRPr lang="en-US" sz="800" dirty="0"/>
-          </a:p>
-        </p:txBody>
-      </p:sp>
-    </p:spTree>
-  </p:cSld>
-  <p:clrMapOvr>
-    <a:masterClrMapping/>
-  </p:clrMapOvr>
-</p:sld>
-</file>
-
-<file path=ppt/slides/slide25.xml><?xml version="1.0" encoding="utf-8"?>
 <p:sld xmlns:a="http://schemas.openxmlformats.org/drawingml/2006/main" xmlns:r="http://schemas.openxmlformats.org/officeDocument/2006/relationships" xmlns:p="http://schemas.openxmlformats.org/presentationml/2006/main">
   <p:cSld>
     <p:spTree>
@@ -12013,7 +10543,7 @@
             </a:pPr>
             <a:r>
               <a:rPr lang="en-US" dirty="0"/>
-              <a:t>RNNs enable sequential modelling by maintaining a hidden state but struggle with vanishing gradients.</a:t>
+              <a:t>RNNs enable sequential modelling by maintaining a hidden state but struggle with gradients.</a:t>
             </a:r>
           </a:p>
           <a:p>
@@ -12159,7 +10689,7 @@
           <a:p>
             <a:r>
               <a:rPr lang="en-US" dirty="0"/>
-              <a:t>Traditional feedforward networks treat inputs independently, ignoring temporal context.</a:t>
+              <a:t>Traditional neural networks treat inputs independently, ignoring temporal context.</a:t>
             </a:r>
           </a:p>
           <a:p>
@@ -13049,8 +11579,8 @@
           </a:p>
         </p:txBody>
       </p:sp>
-      <mc:AlternateContent xmlns:mc="http://schemas.openxmlformats.org/markup-compatibility/2006" xmlns:a14="http://schemas.microsoft.com/office/drawing/2010/main">
-        <mc:Choice Requires="a14">
+      <mc:AlternateContent xmlns:mc="http://schemas.openxmlformats.org/markup-compatibility/2006">
+        <mc:Choice xmlns:a14="http://schemas.microsoft.com/office/drawing/2010/main" Requires="a14">
           <p:sp>
             <p:nvSpPr>
               <p:cNvPr id="3" name="Content Placeholder 2">
@@ -13138,7 +11668,19 @@
                         <a:rPr lang="en-US" i="1" dirty="0" smtClean="0">
                           <a:latin typeface="Cambria Math" panose="02040503050406030204" pitchFamily="18" charset="0"/>
                         </a:rPr>
-                        <m:t>ₜ = </m:t>
+                        <m:t>ₜ =</m:t>
+                      </m:r>
+                      <m:r>
+                        <a:rPr lang="en-IE" b="0" i="1" dirty="0" smtClean="0">
+                          <a:latin typeface="Cambria Math" panose="02040503050406030204" pitchFamily="18" charset="0"/>
+                        </a:rPr>
+                        <m:t>𝑔</m:t>
+                      </m:r>
+                      <m:r>
+                        <a:rPr lang="en-IE" b="0" i="1" dirty="0" smtClean="0">
+                          <a:latin typeface="Cambria Math" panose="02040503050406030204" pitchFamily="18" charset="0"/>
+                        </a:rPr>
+                        <m:t>(</m:t>
                       </m:r>
                       <m:r>
                         <a:rPr lang="en-US" i="1" dirty="0" smtClean="0">
@@ -13186,22 +11728,25 @@
                         <a:rPr lang="en-US" i="1" dirty="0" smtClean="0">
                           <a:latin typeface="Cambria Math" panose="02040503050406030204" pitchFamily="18" charset="0"/>
                         </a:rPr>
-                        <m:t>h</m:t>
+                        <m:t> </m:t>
+                      </m:r>
+                      <m:r>
+                        <a:rPr lang="en-IE" b="0" i="1" dirty="0" smtClean="0">
+                          <a:latin typeface="Cambria Math" panose="02040503050406030204" pitchFamily="18" charset="0"/>
+                        </a:rPr>
+                        <m:t>)</m:t>
                       </m:r>
                       <m:r>
                         <a:rPr lang="en-US" i="1" dirty="0" smtClean="0">
                           <a:latin typeface="Cambria Math" panose="02040503050406030204" pitchFamily="18" charset="0"/>
                         </a:rPr>
-                        <m:t>ₜ = </m:t>
+                        <m:t>=</m:t>
                       </m:r>
                       <m:r>
-                        <m:rPr>
-                          <m:sty m:val="p"/>
-                        </m:rPr>
-                        <a:rPr lang="en-US" i="1" dirty="0" smtClean="0">
+                        <a:rPr lang="en-IE" b="0" i="1" dirty="0" smtClean="0">
                           <a:latin typeface="Cambria Math" panose="02040503050406030204" pitchFamily="18" charset="0"/>
                         </a:rPr>
-                        <m:t>tanh</m:t>
+                        <m:t>𝑔</m:t>
                       </m:r>
                       <m:r>
                         <a:rPr lang="en-US" i="1" dirty="0" smtClean="0">
@@ -13258,16 +11803,22 @@
                         <m:t>ₜ + </m:t>
                       </m:r>
                       <m:r>
-                        <a:rPr lang="en-US" i="1" dirty="0" smtClean="0">
+                        <a:rPr lang="en-US" i="1" dirty="0">
                           <a:latin typeface="Cambria Math" panose="02040503050406030204" pitchFamily="18" charset="0"/>
                         </a:rPr>
                         <m:t>𝑏</m:t>
                       </m:r>
                       <m:r>
+                        <a:rPr lang="el-GR" i="1" dirty="0">
+                          <a:latin typeface="Cambria Math" panose="02040503050406030204" pitchFamily="18" charset="0"/>
+                        </a:rPr>
+                        <m:t>ᵧ</m:t>
+                      </m:r>
+                      <m:r>
                         <a:rPr lang="en-US" i="1" dirty="0" smtClean="0">
                           <a:latin typeface="Cambria Math" panose="02040503050406030204" pitchFamily="18" charset="0"/>
                         </a:rPr>
-                        <m:t>ₕ)</m:t>
+                        <m:t>)</m:t>
                       </m:r>
                     </m:oMath>
                   </m:oMathPara>
@@ -13289,7 +11840,7 @@
             </p:txBody>
           </p:sp>
         </mc:Choice>
-        <mc:Fallback xmlns="">
+        <mc:Fallback>
           <p:sp>
             <p:nvSpPr>
               <p:cNvPr id="3" name="Content Placeholder 2">
@@ -13314,7 +11865,7 @@
               <a:blipFill>
                 <a:blip r:embed="rId3"/>
                 <a:stretch>
-                  <a:fillRect l="-2049" t="-2439" r="-410"/>
+                  <a:fillRect l="-2049" t="-2439"/>
                 </a:stretch>
               </a:blipFill>
             </p:spPr>
@@ -13602,10 +12153,10 @@
       </p:grpSpPr>
       <p:sp>
         <p:nvSpPr>
-          <p:cNvPr id="7" name="Title 6">
+          <p:cNvPr id="2" name="Title 1">
             <a:extLst>
               <a:ext uri="{FF2B5EF4-FFF2-40B4-BE49-F238E27FC236}">
-                <a16:creationId xmlns:a16="http://schemas.microsoft.com/office/drawing/2014/main" id="{06ADF00B-1D26-8A0D-95F3-808521FD71AF}"/>
+                <a16:creationId xmlns:a16="http://schemas.microsoft.com/office/drawing/2014/main" id="{8FCCAFE1-45A8-A7C2-ADC8-ACE7ECF0AF96}"/>
               </a:ext>
             </a:extLst>
           </p:cNvPr>
@@ -13618,24 +12169,22 @@
         </p:nvSpPr>
         <p:spPr/>
         <p:txBody>
-          <a:bodyPr>
-            <a:normAutofit/>
-          </a:bodyPr>
+          <a:bodyPr/>
           <a:lstStyle/>
           <a:p>
             <a:r>
               <a:rPr lang="en-US" dirty="0"/>
-              <a:t>Long Short‑Term Memory (LSTM)</a:t>
+              <a:t>A weather prediction task</a:t>
             </a:r>
           </a:p>
         </p:txBody>
       </p:sp>
       <p:sp>
         <p:nvSpPr>
-          <p:cNvPr id="8" name="Content Placeholder 7">
+          <p:cNvPr id="3" name="Content Placeholder 2">
             <a:extLst>
               <a:ext uri="{FF2B5EF4-FFF2-40B4-BE49-F238E27FC236}">
-                <a16:creationId xmlns:a16="http://schemas.microsoft.com/office/drawing/2014/main" id="{7A8D1424-A097-944D-9AC3-3DD95C94C64D}"/>
+                <a16:creationId xmlns:a16="http://schemas.microsoft.com/office/drawing/2014/main" id="{5B43D18F-294A-BD28-62A7-037B2BFEF8C1}"/>
               </a:ext>
             </a:extLst>
           </p:cNvPr>
@@ -13646,41 +12195,43 @@
             <p:ph idx="1"/>
           </p:nvPr>
         </p:nvSpPr>
-        <p:spPr/>
+        <p:spPr>
+          <a:xfrm>
+            <a:off x="838200" y="1825625"/>
+            <a:ext cx="5879690" cy="4149290"/>
+          </a:xfrm>
+        </p:spPr>
         <p:txBody>
-          <a:bodyPr/>
+          <a:bodyPr>
+            <a:normAutofit/>
+          </a:bodyPr>
           <a:lstStyle/>
           <a:p>
-            <a:pPr marL="0" indent="0">
-              <a:buNone/>
-            </a:pPr>
-            <a:r>
-              <a:rPr lang="en-US" b="1" dirty="0"/>
-              <a:t>Motivation</a:t>
-            </a:r>
-          </a:p>
-          <a:p>
             <a:r>
               <a:rPr lang="en-US" dirty="0"/>
-              <a:t>LSTMs were proposed to overcome vanishing gradients by introducing a dedicated memory cell.</a:t>
-            </a:r>
-          </a:p>
-          <a:p>
-            <a:endParaRPr lang="en-US" dirty="0"/>
-          </a:p>
-          <a:p>
-            <a:pPr marL="0" indent="0">
-              <a:buNone/>
-            </a:pPr>
-            <a:r>
-              <a:rPr lang="en-US" b="1" dirty="0"/>
-              <a:t>Key idea</a:t>
+              <a:t>Use historical measurements of temperature, rainfall and humidity to predict the next day’s weather.</a:t>
             </a:r>
           </a:p>
           <a:p>
             <a:r>
               <a:rPr lang="en-US" dirty="0"/>
-              <a:t>Control the flow of information with gates that learn when to forget past data, when to incorporate new input and when to expose the memory to the rest of the network.</a:t>
+              <a:t>3 variables: temperature (°C), rainfall (mm), humidity (%)</a:t>
+            </a:r>
+          </a:p>
+          <a:p>
+            <a:r>
+              <a:rPr lang="en-US" dirty="0"/>
+              <a:t>We consider a 5‑day window to forecast the 6th day.</a:t>
+            </a:r>
+          </a:p>
+          <a:p>
+            <a:r>
+              <a:rPr lang="en-US" dirty="0">
+                <a:solidFill>
+                  <a:srgbClr val="009749"/>
+                </a:solidFill>
+              </a:rPr>
+              <a:t>Go through a simple RNN on the board</a:t>
             </a:r>
           </a:p>
           <a:p>
@@ -13691,7 +12242,1580 @@
           </a:p>
         </p:txBody>
       </p:sp>
+      <p:graphicFrame>
+        <p:nvGraphicFramePr>
+          <p:cNvPr id="4" name="Table 0">
+            <a:extLst>
+              <a:ext uri="{FF2B5EF4-FFF2-40B4-BE49-F238E27FC236}">
+                <a16:creationId xmlns:a16="http://schemas.microsoft.com/office/drawing/2014/main" id="{94F04368-301D-E226-B8DA-00C4236273E8}"/>
+              </a:ext>
+            </a:extLst>
+          </p:cNvPr>
+          <p:cNvGraphicFramePr>
+            <a:graphicFrameLocks noGrp="1"/>
+          </p:cNvGraphicFramePr>
+          <p:nvPr>
+            <p:extLst>
+              <p:ext uri="{D42A27DB-BD31-4B8C-83A1-F6EECF244321}">
+                <p14:modId xmlns:p14="http://schemas.microsoft.com/office/powerpoint/2010/main" val="3167199912"/>
+              </p:ext>
+            </p:extLst>
+          </p:nvPr>
+        </p:nvGraphicFramePr>
+        <p:xfrm>
+          <a:off x="7057104" y="2150806"/>
+          <a:ext cx="4632960" cy="2438400"/>
+        </p:xfrm>
+        <a:graphic>
+          <a:graphicData uri="http://schemas.openxmlformats.org/drawingml/2006/table">
+            <a:tbl>
+              <a:tblPr/>
+              <a:tblGrid>
+                <a:gridCol w="1158240">
+                  <a:extLst>
+                    <a:ext uri="{9D8B030D-6E8A-4147-A177-3AD203B41FA5}">
+                      <a16:colId xmlns:a16="http://schemas.microsoft.com/office/drawing/2014/main" val="20000"/>
+                    </a:ext>
+                  </a:extLst>
+                </a:gridCol>
+                <a:gridCol w="1158240">
+                  <a:extLst>
+                    <a:ext uri="{9D8B030D-6E8A-4147-A177-3AD203B41FA5}">
+                      <a16:colId xmlns:a16="http://schemas.microsoft.com/office/drawing/2014/main" val="20001"/>
+                    </a:ext>
+                  </a:extLst>
+                </a:gridCol>
+                <a:gridCol w="1158240">
+                  <a:extLst>
+                    <a:ext uri="{9D8B030D-6E8A-4147-A177-3AD203B41FA5}">
+                      <a16:colId xmlns:a16="http://schemas.microsoft.com/office/drawing/2014/main" val="20002"/>
+                    </a:ext>
+                  </a:extLst>
+                </a:gridCol>
+                <a:gridCol w="1158240">
+                  <a:extLst>
+                    <a:ext uri="{9D8B030D-6E8A-4147-A177-3AD203B41FA5}">
+                      <a16:colId xmlns:a16="http://schemas.microsoft.com/office/drawing/2014/main" val="20003"/>
+                    </a:ext>
+                  </a:extLst>
+                </a:gridCol>
+              </a:tblGrid>
+              <a:tr h="406400">
+                <a:tc>
+                  <a:txBody>
+                    <a:bodyPr/>
+                    <a:lstStyle/>
+                    <a:p>
+                      <a:pPr marL="0" indent="0">
+                        <a:buNone/>
+                      </a:pPr>
+                      <a:r>
+                        <a:rPr lang="en-US" sz="1100" b="1" dirty="0">
+                          <a:solidFill>
+                            <a:srgbClr val="030A18"/>
+                          </a:solidFill>
+                        </a:rPr>
+                        <a:t>Day</a:t>
+                      </a:r>
+                      <a:endParaRPr lang="en-US" sz="1100" dirty="0"/>
+                    </a:p>
+                  </a:txBody>
+                  <a:tcPr marL="121920" marR="121920" marT="60960" marB="60960" anchor="ctr">
+                    <a:lnL w="3810" cap="flat" cmpd="sng" algn="ctr">
+                      <a:solidFill>
+                        <a:srgbClr val="DDDDDD"/>
+                      </a:solidFill>
+                      <a:prstDash val="solid"/>
+                      <a:round/>
+                      <a:headEnd type="none" w="med" len="med"/>
+                      <a:tailEnd type="none" w="med" len="med"/>
+                    </a:lnL>
+                    <a:lnR w="3810" cap="flat" cmpd="sng" algn="ctr">
+                      <a:solidFill>
+                        <a:srgbClr val="DDDDDD"/>
+                      </a:solidFill>
+                      <a:prstDash val="solid"/>
+                      <a:round/>
+                      <a:headEnd type="none" w="med" len="med"/>
+                      <a:tailEnd type="none" w="med" len="med"/>
+                    </a:lnR>
+                    <a:lnT w="3810" cap="flat" cmpd="sng" algn="ctr">
+                      <a:solidFill>
+                        <a:srgbClr val="DDDDDD"/>
+                      </a:solidFill>
+                      <a:prstDash val="solid"/>
+                      <a:round/>
+                      <a:headEnd type="none" w="med" len="med"/>
+                      <a:tailEnd type="none" w="med" len="med"/>
+                    </a:lnT>
+                    <a:lnB w="3810" cap="flat" cmpd="sng" algn="ctr">
+                      <a:solidFill>
+                        <a:srgbClr val="DDDDDD"/>
+                      </a:solidFill>
+                      <a:prstDash val="solid"/>
+                      <a:round/>
+                      <a:headEnd type="none" w="med" len="med"/>
+                      <a:tailEnd type="none" w="med" len="med"/>
+                    </a:lnB>
+                    <a:solidFill>
+                      <a:srgbClr val="F5F5F5"/>
+                    </a:solidFill>
+                  </a:tcPr>
+                </a:tc>
+                <a:tc>
+                  <a:txBody>
+                    <a:bodyPr/>
+                    <a:lstStyle/>
+                    <a:p>
+                      <a:pPr marL="0" indent="0">
+                        <a:buNone/>
+                      </a:pPr>
+                      <a:r>
+                        <a:rPr lang="en-US" sz="1100" b="1" dirty="0">
+                          <a:solidFill>
+                            <a:srgbClr val="030A18"/>
+                          </a:solidFill>
+                        </a:rPr>
+                        <a:t>Temp (°C)</a:t>
+                      </a:r>
+                      <a:endParaRPr lang="en-US" sz="1100" dirty="0"/>
+                    </a:p>
+                  </a:txBody>
+                  <a:tcPr marL="121920" marR="121920" marT="60960" marB="60960" anchor="ctr">
+                    <a:lnL w="3810" cap="flat" cmpd="sng" algn="ctr">
+                      <a:solidFill>
+                        <a:srgbClr val="DDDDDD"/>
+                      </a:solidFill>
+                      <a:prstDash val="solid"/>
+                      <a:round/>
+                      <a:headEnd type="none" w="med" len="med"/>
+                      <a:tailEnd type="none" w="med" len="med"/>
+                    </a:lnL>
+                    <a:lnR w="3810" cap="flat" cmpd="sng" algn="ctr">
+                      <a:solidFill>
+                        <a:srgbClr val="DDDDDD"/>
+                      </a:solidFill>
+                      <a:prstDash val="solid"/>
+                      <a:round/>
+                      <a:headEnd type="none" w="med" len="med"/>
+                      <a:tailEnd type="none" w="med" len="med"/>
+                    </a:lnR>
+                    <a:lnT w="3810" cap="flat" cmpd="sng" algn="ctr">
+                      <a:solidFill>
+                        <a:srgbClr val="DDDDDD"/>
+                      </a:solidFill>
+                      <a:prstDash val="solid"/>
+                      <a:round/>
+                      <a:headEnd type="none" w="med" len="med"/>
+                      <a:tailEnd type="none" w="med" len="med"/>
+                    </a:lnT>
+                    <a:lnB w="3810" cap="flat" cmpd="sng" algn="ctr">
+                      <a:solidFill>
+                        <a:srgbClr val="DDDDDD"/>
+                      </a:solidFill>
+                      <a:prstDash val="solid"/>
+                      <a:round/>
+                      <a:headEnd type="none" w="med" len="med"/>
+                      <a:tailEnd type="none" w="med" len="med"/>
+                    </a:lnB>
+                    <a:solidFill>
+                      <a:srgbClr val="F5F5F5"/>
+                    </a:solidFill>
+                  </a:tcPr>
+                </a:tc>
+                <a:tc>
+                  <a:txBody>
+                    <a:bodyPr/>
+                    <a:lstStyle/>
+                    <a:p>
+                      <a:pPr marL="0" indent="0">
+                        <a:buNone/>
+                      </a:pPr>
+                      <a:r>
+                        <a:rPr lang="en-US" sz="1100" b="1" dirty="0">
+                          <a:solidFill>
+                            <a:srgbClr val="030A18"/>
+                          </a:solidFill>
+                        </a:rPr>
+                        <a:t>Rain (mm)</a:t>
+                      </a:r>
+                      <a:endParaRPr lang="en-US" sz="1100" dirty="0"/>
+                    </a:p>
+                  </a:txBody>
+                  <a:tcPr marL="121920" marR="121920" marT="60960" marB="60960" anchor="ctr">
+                    <a:lnL w="3810" cap="flat" cmpd="sng" algn="ctr">
+                      <a:solidFill>
+                        <a:srgbClr val="DDDDDD"/>
+                      </a:solidFill>
+                      <a:prstDash val="solid"/>
+                      <a:round/>
+                      <a:headEnd type="none" w="med" len="med"/>
+                      <a:tailEnd type="none" w="med" len="med"/>
+                    </a:lnL>
+                    <a:lnR w="3810" cap="flat" cmpd="sng" algn="ctr">
+                      <a:solidFill>
+                        <a:srgbClr val="DDDDDD"/>
+                      </a:solidFill>
+                      <a:prstDash val="solid"/>
+                      <a:round/>
+                      <a:headEnd type="none" w="med" len="med"/>
+                      <a:tailEnd type="none" w="med" len="med"/>
+                    </a:lnR>
+                    <a:lnT w="3810" cap="flat" cmpd="sng" algn="ctr">
+                      <a:solidFill>
+                        <a:srgbClr val="DDDDDD"/>
+                      </a:solidFill>
+                      <a:prstDash val="solid"/>
+                      <a:round/>
+                      <a:headEnd type="none" w="med" len="med"/>
+                      <a:tailEnd type="none" w="med" len="med"/>
+                    </a:lnT>
+                    <a:lnB w="3810" cap="flat" cmpd="sng" algn="ctr">
+                      <a:solidFill>
+                        <a:srgbClr val="DDDDDD"/>
+                      </a:solidFill>
+                      <a:prstDash val="solid"/>
+                      <a:round/>
+                      <a:headEnd type="none" w="med" len="med"/>
+                      <a:tailEnd type="none" w="med" len="med"/>
+                    </a:lnB>
+                    <a:solidFill>
+                      <a:srgbClr val="F5F5F5"/>
+                    </a:solidFill>
+                  </a:tcPr>
+                </a:tc>
+                <a:tc>
+                  <a:txBody>
+                    <a:bodyPr/>
+                    <a:lstStyle/>
+                    <a:p>
+                      <a:pPr marL="0" indent="0">
+                        <a:buNone/>
+                      </a:pPr>
+                      <a:r>
+                        <a:rPr lang="en-US" sz="1100" b="1" dirty="0">
+                          <a:solidFill>
+                            <a:srgbClr val="030A18"/>
+                          </a:solidFill>
+                        </a:rPr>
+                        <a:t>Humidity (%)</a:t>
+                      </a:r>
+                      <a:endParaRPr lang="en-US" sz="1100" dirty="0"/>
+                    </a:p>
+                  </a:txBody>
+                  <a:tcPr marL="121920" marR="121920" marT="60960" marB="60960" anchor="ctr">
+                    <a:lnL w="3810" cap="flat" cmpd="sng" algn="ctr">
+                      <a:solidFill>
+                        <a:srgbClr val="DDDDDD"/>
+                      </a:solidFill>
+                      <a:prstDash val="solid"/>
+                      <a:round/>
+                      <a:headEnd type="none" w="med" len="med"/>
+                      <a:tailEnd type="none" w="med" len="med"/>
+                    </a:lnL>
+                    <a:lnR w="3810" cap="flat" cmpd="sng" algn="ctr">
+                      <a:solidFill>
+                        <a:srgbClr val="DDDDDD"/>
+                      </a:solidFill>
+                      <a:prstDash val="solid"/>
+                      <a:round/>
+                      <a:headEnd type="none" w="med" len="med"/>
+                      <a:tailEnd type="none" w="med" len="med"/>
+                    </a:lnR>
+                    <a:lnT w="3810" cap="flat" cmpd="sng" algn="ctr">
+                      <a:solidFill>
+                        <a:srgbClr val="DDDDDD"/>
+                      </a:solidFill>
+                      <a:prstDash val="solid"/>
+                      <a:round/>
+                      <a:headEnd type="none" w="med" len="med"/>
+                      <a:tailEnd type="none" w="med" len="med"/>
+                    </a:lnT>
+                    <a:lnB w="3810" cap="flat" cmpd="sng" algn="ctr">
+                      <a:solidFill>
+                        <a:srgbClr val="DDDDDD"/>
+                      </a:solidFill>
+                      <a:prstDash val="solid"/>
+                      <a:round/>
+                      <a:headEnd type="none" w="med" len="med"/>
+                      <a:tailEnd type="none" w="med" len="med"/>
+                    </a:lnB>
+                    <a:solidFill>
+                      <a:srgbClr val="F5F5F5"/>
+                    </a:solidFill>
+                  </a:tcPr>
+                </a:tc>
+                <a:extLst>
+                  <a:ext uri="{0D108BD9-81ED-4DB2-BD59-A6C34878D82A}">
+                    <a16:rowId xmlns:a16="http://schemas.microsoft.com/office/drawing/2014/main" val="10000"/>
+                  </a:ext>
+                </a:extLst>
+              </a:tr>
+              <a:tr h="406400">
+                <a:tc>
+                  <a:txBody>
+                    <a:bodyPr/>
+                    <a:lstStyle/>
+                    <a:p>
+                      <a:pPr marL="0" indent="0">
+                        <a:buNone/>
+                      </a:pPr>
+                      <a:r>
+                        <a:rPr lang="en-US" sz="1100" dirty="0">
+                          <a:solidFill>
+                            <a:srgbClr val="030A18"/>
+                          </a:solidFill>
+                        </a:rPr>
+                        <a:t>D1</a:t>
+                      </a:r>
+                      <a:endParaRPr lang="en-US" sz="1100" dirty="0"/>
+                    </a:p>
+                  </a:txBody>
+                  <a:tcPr marL="121920" marR="121920" marT="60960" marB="60960" anchor="ctr">
+                    <a:lnL w="3810" cap="flat" cmpd="sng" algn="ctr">
+                      <a:solidFill>
+                        <a:srgbClr val="DDDDDD"/>
+                      </a:solidFill>
+                      <a:prstDash val="solid"/>
+                      <a:round/>
+                      <a:headEnd type="none" w="med" len="med"/>
+                      <a:tailEnd type="none" w="med" len="med"/>
+                    </a:lnL>
+                    <a:lnR w="3810" cap="flat" cmpd="sng" algn="ctr">
+                      <a:solidFill>
+                        <a:srgbClr val="DDDDDD"/>
+                      </a:solidFill>
+                      <a:prstDash val="solid"/>
+                      <a:round/>
+                      <a:headEnd type="none" w="med" len="med"/>
+                      <a:tailEnd type="none" w="med" len="med"/>
+                    </a:lnR>
+                    <a:lnT w="3810" cap="flat" cmpd="sng" algn="ctr">
+                      <a:solidFill>
+                        <a:srgbClr val="DDDDDD"/>
+                      </a:solidFill>
+                      <a:prstDash val="solid"/>
+                      <a:round/>
+                      <a:headEnd type="none" w="med" len="med"/>
+                      <a:tailEnd type="none" w="med" len="med"/>
+                    </a:lnT>
+                    <a:lnB w="3810" cap="flat" cmpd="sng" algn="ctr">
+                      <a:solidFill>
+                        <a:srgbClr val="DDDDDD"/>
+                      </a:solidFill>
+                      <a:prstDash val="solid"/>
+                      <a:round/>
+                      <a:headEnd type="none" w="med" len="med"/>
+                      <a:tailEnd type="none" w="med" len="med"/>
+                    </a:lnB>
+                    <a:solidFill>
+                      <a:srgbClr val="FFFFFF"/>
+                    </a:solidFill>
+                  </a:tcPr>
+                </a:tc>
+                <a:tc>
+                  <a:txBody>
+                    <a:bodyPr/>
+                    <a:lstStyle/>
+                    <a:p>
+                      <a:pPr marL="0" indent="0">
+                        <a:buNone/>
+                      </a:pPr>
+                      <a:r>
+                        <a:rPr lang="en-US" sz="1100" dirty="0">
+                          <a:solidFill>
+                            <a:srgbClr val="030A18"/>
+                          </a:solidFill>
+                        </a:rPr>
+                        <a:t>20.9</a:t>
+                      </a:r>
+                      <a:endParaRPr lang="en-US" sz="1100" dirty="0"/>
+                    </a:p>
+                  </a:txBody>
+                  <a:tcPr marL="121920" marR="121920" marT="60960" marB="60960" anchor="ctr">
+                    <a:lnL w="3810" cap="flat" cmpd="sng" algn="ctr">
+                      <a:solidFill>
+                        <a:srgbClr val="DDDDDD"/>
+                      </a:solidFill>
+                      <a:prstDash val="solid"/>
+                      <a:round/>
+                      <a:headEnd type="none" w="med" len="med"/>
+                      <a:tailEnd type="none" w="med" len="med"/>
+                    </a:lnL>
+                    <a:lnR w="3810" cap="flat" cmpd="sng" algn="ctr">
+                      <a:solidFill>
+                        <a:srgbClr val="DDDDDD"/>
+                      </a:solidFill>
+                      <a:prstDash val="solid"/>
+                      <a:round/>
+                      <a:headEnd type="none" w="med" len="med"/>
+                      <a:tailEnd type="none" w="med" len="med"/>
+                    </a:lnR>
+                    <a:lnT w="3810" cap="flat" cmpd="sng" algn="ctr">
+                      <a:solidFill>
+                        <a:srgbClr val="DDDDDD"/>
+                      </a:solidFill>
+                      <a:prstDash val="solid"/>
+                      <a:round/>
+                      <a:headEnd type="none" w="med" len="med"/>
+                      <a:tailEnd type="none" w="med" len="med"/>
+                    </a:lnT>
+                    <a:lnB w="3810" cap="flat" cmpd="sng" algn="ctr">
+                      <a:solidFill>
+                        <a:srgbClr val="DDDDDD"/>
+                      </a:solidFill>
+                      <a:prstDash val="solid"/>
+                      <a:round/>
+                      <a:headEnd type="none" w="med" len="med"/>
+                      <a:tailEnd type="none" w="med" len="med"/>
+                    </a:lnB>
+                    <a:solidFill>
+                      <a:srgbClr val="FFFFFF"/>
+                    </a:solidFill>
+                  </a:tcPr>
+                </a:tc>
+                <a:tc>
+                  <a:txBody>
+                    <a:bodyPr/>
+                    <a:lstStyle/>
+                    <a:p>
+                      <a:pPr marL="0" indent="0">
+                        <a:buNone/>
+                      </a:pPr>
+                      <a:r>
+                        <a:rPr lang="en-US" sz="1100" dirty="0">
+                          <a:solidFill>
+                            <a:srgbClr val="030A18"/>
+                          </a:solidFill>
+                        </a:rPr>
+                        <a:t>4.23</a:t>
+                      </a:r>
+                      <a:endParaRPr lang="en-US" sz="1100" dirty="0"/>
+                    </a:p>
+                  </a:txBody>
+                  <a:tcPr marL="121920" marR="121920" marT="60960" marB="60960" anchor="ctr">
+                    <a:lnL w="3810" cap="flat" cmpd="sng" algn="ctr">
+                      <a:solidFill>
+                        <a:srgbClr val="DDDDDD"/>
+                      </a:solidFill>
+                      <a:prstDash val="solid"/>
+                      <a:round/>
+                      <a:headEnd type="none" w="med" len="med"/>
+                      <a:tailEnd type="none" w="med" len="med"/>
+                    </a:lnL>
+                    <a:lnR w="3810" cap="flat" cmpd="sng" algn="ctr">
+                      <a:solidFill>
+                        <a:srgbClr val="DDDDDD"/>
+                      </a:solidFill>
+                      <a:prstDash val="solid"/>
+                      <a:round/>
+                      <a:headEnd type="none" w="med" len="med"/>
+                      <a:tailEnd type="none" w="med" len="med"/>
+                    </a:lnR>
+                    <a:lnT w="3810" cap="flat" cmpd="sng" algn="ctr">
+                      <a:solidFill>
+                        <a:srgbClr val="DDDDDD"/>
+                      </a:solidFill>
+                      <a:prstDash val="solid"/>
+                      <a:round/>
+                      <a:headEnd type="none" w="med" len="med"/>
+                      <a:tailEnd type="none" w="med" len="med"/>
+                    </a:lnT>
+                    <a:lnB w="3810" cap="flat" cmpd="sng" algn="ctr">
+                      <a:solidFill>
+                        <a:srgbClr val="DDDDDD"/>
+                      </a:solidFill>
+                      <a:prstDash val="solid"/>
+                      <a:round/>
+                      <a:headEnd type="none" w="med" len="med"/>
+                      <a:tailEnd type="none" w="med" len="med"/>
+                    </a:lnB>
+                    <a:solidFill>
+                      <a:srgbClr val="FFFFFF"/>
+                    </a:solidFill>
+                  </a:tcPr>
+                </a:tc>
+                <a:tc>
+                  <a:txBody>
+                    <a:bodyPr/>
+                    <a:lstStyle/>
+                    <a:p>
+                      <a:pPr marL="0" indent="0">
+                        <a:buNone/>
+                      </a:pPr>
+                      <a:r>
+                        <a:rPr lang="en-US" sz="1100" dirty="0">
+                          <a:solidFill>
+                            <a:srgbClr val="030A18"/>
+                          </a:solidFill>
+                        </a:rPr>
+                        <a:t>69.48</a:t>
+                      </a:r>
+                      <a:endParaRPr lang="en-US" sz="1100" dirty="0"/>
+                    </a:p>
+                  </a:txBody>
+                  <a:tcPr marL="121920" marR="121920" marT="60960" marB="60960" anchor="ctr">
+                    <a:lnL w="3810" cap="flat" cmpd="sng" algn="ctr">
+                      <a:solidFill>
+                        <a:srgbClr val="DDDDDD"/>
+                      </a:solidFill>
+                      <a:prstDash val="solid"/>
+                      <a:round/>
+                      <a:headEnd type="none" w="med" len="med"/>
+                      <a:tailEnd type="none" w="med" len="med"/>
+                    </a:lnL>
+                    <a:lnR w="3810" cap="flat" cmpd="sng" algn="ctr">
+                      <a:solidFill>
+                        <a:srgbClr val="DDDDDD"/>
+                      </a:solidFill>
+                      <a:prstDash val="solid"/>
+                      <a:round/>
+                      <a:headEnd type="none" w="med" len="med"/>
+                      <a:tailEnd type="none" w="med" len="med"/>
+                    </a:lnR>
+                    <a:lnT w="3810" cap="flat" cmpd="sng" algn="ctr">
+                      <a:solidFill>
+                        <a:srgbClr val="DDDDDD"/>
+                      </a:solidFill>
+                      <a:prstDash val="solid"/>
+                      <a:round/>
+                      <a:headEnd type="none" w="med" len="med"/>
+                      <a:tailEnd type="none" w="med" len="med"/>
+                    </a:lnT>
+                    <a:lnB w="3810" cap="flat" cmpd="sng" algn="ctr">
+                      <a:solidFill>
+                        <a:srgbClr val="DDDDDD"/>
+                      </a:solidFill>
+                      <a:prstDash val="solid"/>
+                      <a:round/>
+                      <a:headEnd type="none" w="med" len="med"/>
+                      <a:tailEnd type="none" w="med" len="med"/>
+                    </a:lnB>
+                    <a:solidFill>
+                      <a:srgbClr val="FFFFFF"/>
+                    </a:solidFill>
+                  </a:tcPr>
+                </a:tc>
+                <a:extLst>
+                  <a:ext uri="{0D108BD9-81ED-4DB2-BD59-A6C34878D82A}">
+                    <a16:rowId xmlns:a16="http://schemas.microsoft.com/office/drawing/2014/main" val="10001"/>
+                  </a:ext>
+                </a:extLst>
+              </a:tr>
+              <a:tr h="406400">
+                <a:tc>
+                  <a:txBody>
+                    <a:bodyPr/>
+                    <a:lstStyle/>
+                    <a:p>
+                      <a:pPr marL="0" indent="0">
+                        <a:buNone/>
+                      </a:pPr>
+                      <a:r>
+                        <a:rPr lang="en-US" sz="1100" dirty="0">
+                          <a:solidFill>
+                            <a:srgbClr val="030A18"/>
+                          </a:solidFill>
+                        </a:rPr>
+                        <a:t>D2</a:t>
+                      </a:r>
+                      <a:endParaRPr lang="en-US" sz="1100" dirty="0"/>
+                    </a:p>
+                  </a:txBody>
+                  <a:tcPr marL="121920" marR="121920" marT="60960" marB="60960" anchor="ctr">
+                    <a:lnL w="3810" cap="flat" cmpd="sng" algn="ctr">
+                      <a:solidFill>
+                        <a:srgbClr val="DDDDDD"/>
+                      </a:solidFill>
+                      <a:prstDash val="solid"/>
+                      <a:round/>
+                      <a:headEnd type="none" w="med" len="med"/>
+                      <a:tailEnd type="none" w="med" len="med"/>
+                    </a:lnL>
+                    <a:lnR w="3810" cap="flat" cmpd="sng" algn="ctr">
+                      <a:solidFill>
+                        <a:srgbClr val="DDDDDD"/>
+                      </a:solidFill>
+                      <a:prstDash val="solid"/>
+                      <a:round/>
+                      <a:headEnd type="none" w="med" len="med"/>
+                      <a:tailEnd type="none" w="med" len="med"/>
+                    </a:lnR>
+                    <a:lnT w="3810" cap="flat" cmpd="sng" algn="ctr">
+                      <a:solidFill>
+                        <a:srgbClr val="DDDDDD"/>
+                      </a:solidFill>
+                      <a:prstDash val="solid"/>
+                      <a:round/>
+                      <a:headEnd type="none" w="med" len="med"/>
+                      <a:tailEnd type="none" w="med" len="med"/>
+                    </a:lnT>
+                    <a:lnB w="3810" cap="flat" cmpd="sng" algn="ctr">
+                      <a:solidFill>
+                        <a:srgbClr val="DDDDDD"/>
+                      </a:solidFill>
+                      <a:prstDash val="solid"/>
+                      <a:round/>
+                      <a:headEnd type="none" w="med" len="med"/>
+                      <a:tailEnd type="none" w="med" len="med"/>
+                    </a:lnB>
+                    <a:solidFill>
+                      <a:srgbClr val="F7F9FC"/>
+                    </a:solidFill>
+                  </a:tcPr>
+                </a:tc>
+                <a:tc>
+                  <a:txBody>
+                    <a:bodyPr/>
+                    <a:lstStyle/>
+                    <a:p>
+                      <a:pPr marL="0" indent="0">
+                        <a:buNone/>
+                      </a:pPr>
+                      <a:r>
+                        <a:rPr lang="en-US" sz="1100" dirty="0">
+                          <a:solidFill>
+                            <a:srgbClr val="030A18"/>
+                          </a:solidFill>
+                        </a:rPr>
+                        <a:t>20.5</a:t>
+                      </a:r>
+                      <a:endParaRPr lang="en-US" sz="1100" dirty="0"/>
+                    </a:p>
+                  </a:txBody>
+                  <a:tcPr marL="121920" marR="121920" marT="60960" marB="60960" anchor="ctr">
+                    <a:lnL w="3810" cap="flat" cmpd="sng" algn="ctr">
+                      <a:solidFill>
+                        <a:srgbClr val="DDDDDD"/>
+                      </a:solidFill>
+                      <a:prstDash val="solid"/>
+                      <a:round/>
+                      <a:headEnd type="none" w="med" len="med"/>
+                      <a:tailEnd type="none" w="med" len="med"/>
+                    </a:lnL>
+                    <a:lnR w="3810" cap="flat" cmpd="sng" algn="ctr">
+                      <a:solidFill>
+                        <a:srgbClr val="DDDDDD"/>
+                      </a:solidFill>
+                      <a:prstDash val="solid"/>
+                      <a:round/>
+                      <a:headEnd type="none" w="med" len="med"/>
+                      <a:tailEnd type="none" w="med" len="med"/>
+                    </a:lnR>
+                    <a:lnT w="3810" cap="flat" cmpd="sng" algn="ctr">
+                      <a:solidFill>
+                        <a:srgbClr val="DDDDDD"/>
+                      </a:solidFill>
+                      <a:prstDash val="solid"/>
+                      <a:round/>
+                      <a:headEnd type="none" w="med" len="med"/>
+                      <a:tailEnd type="none" w="med" len="med"/>
+                    </a:lnT>
+                    <a:lnB w="3810" cap="flat" cmpd="sng" algn="ctr">
+                      <a:solidFill>
+                        <a:srgbClr val="DDDDDD"/>
+                      </a:solidFill>
+                      <a:prstDash val="solid"/>
+                      <a:round/>
+                      <a:headEnd type="none" w="med" len="med"/>
+                      <a:tailEnd type="none" w="med" len="med"/>
+                    </a:lnB>
+                    <a:solidFill>
+                      <a:srgbClr val="F7F9FC"/>
+                    </a:solidFill>
+                  </a:tcPr>
+                </a:tc>
+                <a:tc>
+                  <a:txBody>
+                    <a:bodyPr/>
+                    <a:lstStyle/>
+                    <a:p>
+                      <a:pPr marL="0" indent="0">
+                        <a:buNone/>
+                      </a:pPr>
+                      <a:r>
+                        <a:rPr lang="en-US" sz="1100" dirty="0">
+                          <a:solidFill>
+                            <a:srgbClr val="030A18"/>
+                          </a:solidFill>
+                        </a:rPr>
+                        <a:t>5.67</a:t>
+                      </a:r>
+                      <a:endParaRPr lang="en-US" sz="1100" dirty="0"/>
+                    </a:p>
+                  </a:txBody>
+                  <a:tcPr marL="121920" marR="121920" marT="60960" marB="60960" anchor="ctr">
+                    <a:lnL w="3810" cap="flat" cmpd="sng" algn="ctr">
+                      <a:solidFill>
+                        <a:srgbClr val="DDDDDD"/>
+                      </a:solidFill>
+                      <a:prstDash val="solid"/>
+                      <a:round/>
+                      <a:headEnd type="none" w="med" len="med"/>
+                      <a:tailEnd type="none" w="med" len="med"/>
+                    </a:lnL>
+                    <a:lnR w="3810" cap="flat" cmpd="sng" algn="ctr">
+                      <a:solidFill>
+                        <a:srgbClr val="DDDDDD"/>
+                      </a:solidFill>
+                      <a:prstDash val="solid"/>
+                      <a:round/>
+                      <a:headEnd type="none" w="med" len="med"/>
+                      <a:tailEnd type="none" w="med" len="med"/>
+                    </a:lnR>
+                    <a:lnT w="3810" cap="flat" cmpd="sng" algn="ctr">
+                      <a:solidFill>
+                        <a:srgbClr val="DDDDDD"/>
+                      </a:solidFill>
+                      <a:prstDash val="solid"/>
+                      <a:round/>
+                      <a:headEnd type="none" w="med" len="med"/>
+                      <a:tailEnd type="none" w="med" len="med"/>
+                    </a:lnT>
+                    <a:lnB w="3810" cap="flat" cmpd="sng" algn="ctr">
+                      <a:solidFill>
+                        <a:srgbClr val="DDDDDD"/>
+                      </a:solidFill>
+                      <a:prstDash val="solid"/>
+                      <a:round/>
+                      <a:headEnd type="none" w="med" len="med"/>
+                      <a:tailEnd type="none" w="med" len="med"/>
+                    </a:lnB>
+                    <a:solidFill>
+                      <a:srgbClr val="F7F9FC"/>
+                    </a:solidFill>
+                  </a:tcPr>
+                </a:tc>
+                <a:tc>
+                  <a:txBody>
+                    <a:bodyPr/>
+                    <a:lstStyle/>
+                    <a:p>
+                      <a:pPr marL="0" indent="0">
+                        <a:buNone/>
+                      </a:pPr>
+                      <a:r>
+                        <a:rPr lang="en-US" sz="1100" dirty="0">
+                          <a:solidFill>
+                            <a:srgbClr val="030A18"/>
+                          </a:solidFill>
+                        </a:rPr>
+                        <a:t>68.75</a:t>
+                      </a:r>
+                      <a:endParaRPr lang="en-US" sz="1100" dirty="0"/>
+                    </a:p>
+                  </a:txBody>
+                  <a:tcPr marL="121920" marR="121920" marT="60960" marB="60960" anchor="ctr">
+                    <a:lnL w="3810" cap="flat" cmpd="sng" algn="ctr">
+                      <a:solidFill>
+                        <a:srgbClr val="DDDDDD"/>
+                      </a:solidFill>
+                      <a:prstDash val="solid"/>
+                      <a:round/>
+                      <a:headEnd type="none" w="med" len="med"/>
+                      <a:tailEnd type="none" w="med" len="med"/>
+                    </a:lnL>
+                    <a:lnR w="3810" cap="flat" cmpd="sng" algn="ctr">
+                      <a:solidFill>
+                        <a:srgbClr val="DDDDDD"/>
+                      </a:solidFill>
+                      <a:prstDash val="solid"/>
+                      <a:round/>
+                      <a:headEnd type="none" w="med" len="med"/>
+                      <a:tailEnd type="none" w="med" len="med"/>
+                    </a:lnR>
+                    <a:lnT w="3810" cap="flat" cmpd="sng" algn="ctr">
+                      <a:solidFill>
+                        <a:srgbClr val="DDDDDD"/>
+                      </a:solidFill>
+                      <a:prstDash val="solid"/>
+                      <a:round/>
+                      <a:headEnd type="none" w="med" len="med"/>
+                      <a:tailEnd type="none" w="med" len="med"/>
+                    </a:lnT>
+                    <a:lnB w="3810" cap="flat" cmpd="sng" algn="ctr">
+                      <a:solidFill>
+                        <a:srgbClr val="DDDDDD"/>
+                      </a:solidFill>
+                      <a:prstDash val="solid"/>
+                      <a:round/>
+                      <a:headEnd type="none" w="med" len="med"/>
+                      <a:tailEnd type="none" w="med" len="med"/>
+                    </a:lnB>
+                    <a:solidFill>
+                      <a:srgbClr val="F7F9FC"/>
+                    </a:solidFill>
+                  </a:tcPr>
+                </a:tc>
+                <a:extLst>
+                  <a:ext uri="{0D108BD9-81ED-4DB2-BD59-A6C34878D82A}">
+                    <a16:rowId xmlns:a16="http://schemas.microsoft.com/office/drawing/2014/main" val="10002"/>
+                  </a:ext>
+                </a:extLst>
+              </a:tr>
+              <a:tr h="406400">
+                <a:tc>
+                  <a:txBody>
+                    <a:bodyPr/>
+                    <a:lstStyle/>
+                    <a:p>
+                      <a:pPr marL="0" indent="0">
+                        <a:buNone/>
+                      </a:pPr>
+                      <a:r>
+                        <a:rPr lang="en-US" sz="1100" dirty="0">
+                          <a:solidFill>
+                            <a:srgbClr val="030A18"/>
+                          </a:solidFill>
+                        </a:rPr>
+                        <a:t>D3</a:t>
+                      </a:r>
+                      <a:endParaRPr lang="en-US" sz="1100" dirty="0"/>
+                    </a:p>
+                  </a:txBody>
+                  <a:tcPr marL="121920" marR="121920" marT="60960" marB="60960" anchor="ctr">
+                    <a:lnL w="3810" cap="flat" cmpd="sng" algn="ctr">
+                      <a:solidFill>
+                        <a:srgbClr val="DDDDDD"/>
+                      </a:solidFill>
+                      <a:prstDash val="solid"/>
+                      <a:round/>
+                      <a:headEnd type="none" w="med" len="med"/>
+                      <a:tailEnd type="none" w="med" len="med"/>
+                    </a:lnL>
+                    <a:lnR w="3810" cap="flat" cmpd="sng" algn="ctr">
+                      <a:solidFill>
+                        <a:srgbClr val="DDDDDD"/>
+                      </a:solidFill>
+                      <a:prstDash val="solid"/>
+                      <a:round/>
+                      <a:headEnd type="none" w="med" len="med"/>
+                      <a:tailEnd type="none" w="med" len="med"/>
+                    </a:lnR>
+                    <a:lnT w="3810" cap="flat" cmpd="sng" algn="ctr">
+                      <a:solidFill>
+                        <a:srgbClr val="DDDDDD"/>
+                      </a:solidFill>
+                      <a:prstDash val="solid"/>
+                      <a:round/>
+                      <a:headEnd type="none" w="med" len="med"/>
+                      <a:tailEnd type="none" w="med" len="med"/>
+                    </a:lnT>
+                    <a:lnB w="3810" cap="flat" cmpd="sng" algn="ctr">
+                      <a:solidFill>
+                        <a:srgbClr val="DDDDDD"/>
+                      </a:solidFill>
+                      <a:prstDash val="solid"/>
+                      <a:round/>
+                      <a:headEnd type="none" w="med" len="med"/>
+                      <a:tailEnd type="none" w="med" len="med"/>
+                    </a:lnB>
+                    <a:solidFill>
+                      <a:srgbClr val="FFFFFF"/>
+                    </a:solidFill>
+                  </a:tcPr>
+                </a:tc>
+                <a:tc>
+                  <a:txBody>
+                    <a:bodyPr/>
+                    <a:lstStyle/>
+                    <a:p>
+                      <a:pPr marL="0" indent="0">
+                        <a:buNone/>
+                      </a:pPr>
+                      <a:r>
+                        <a:rPr lang="en-US" sz="1100" dirty="0">
+                          <a:solidFill>
+                            <a:srgbClr val="030A18"/>
+                          </a:solidFill>
+                        </a:rPr>
+                        <a:t>21.0</a:t>
+                      </a:r>
+                      <a:endParaRPr lang="en-US" sz="1100" dirty="0"/>
+                    </a:p>
+                  </a:txBody>
+                  <a:tcPr marL="121920" marR="121920" marT="60960" marB="60960" anchor="ctr">
+                    <a:lnL w="3810" cap="flat" cmpd="sng" algn="ctr">
+                      <a:solidFill>
+                        <a:srgbClr val="DDDDDD"/>
+                      </a:solidFill>
+                      <a:prstDash val="solid"/>
+                      <a:round/>
+                      <a:headEnd type="none" w="med" len="med"/>
+                      <a:tailEnd type="none" w="med" len="med"/>
+                    </a:lnL>
+                    <a:lnR w="3810" cap="flat" cmpd="sng" algn="ctr">
+                      <a:solidFill>
+                        <a:srgbClr val="DDDDDD"/>
+                      </a:solidFill>
+                      <a:prstDash val="solid"/>
+                      <a:round/>
+                      <a:headEnd type="none" w="med" len="med"/>
+                      <a:tailEnd type="none" w="med" len="med"/>
+                    </a:lnR>
+                    <a:lnT w="3810" cap="flat" cmpd="sng" algn="ctr">
+                      <a:solidFill>
+                        <a:srgbClr val="DDDDDD"/>
+                      </a:solidFill>
+                      <a:prstDash val="solid"/>
+                      <a:round/>
+                      <a:headEnd type="none" w="med" len="med"/>
+                      <a:tailEnd type="none" w="med" len="med"/>
+                    </a:lnT>
+                    <a:lnB w="3810" cap="flat" cmpd="sng" algn="ctr">
+                      <a:solidFill>
+                        <a:srgbClr val="DDDDDD"/>
+                      </a:solidFill>
+                      <a:prstDash val="solid"/>
+                      <a:round/>
+                      <a:headEnd type="none" w="med" len="med"/>
+                      <a:tailEnd type="none" w="med" len="med"/>
+                    </a:lnB>
+                    <a:solidFill>
+                      <a:srgbClr val="FFFFFF"/>
+                    </a:solidFill>
+                  </a:tcPr>
+                </a:tc>
+                <a:tc>
+                  <a:txBody>
+                    <a:bodyPr/>
+                    <a:lstStyle/>
+                    <a:p>
+                      <a:pPr marL="0" indent="0">
+                        <a:buNone/>
+                      </a:pPr>
+                      <a:r>
+                        <a:rPr lang="en-US" sz="1100" dirty="0">
+                          <a:solidFill>
+                            <a:srgbClr val="030A18"/>
+                          </a:solidFill>
+                        </a:rPr>
+                        <a:t>6.10</a:t>
+                      </a:r>
+                      <a:endParaRPr lang="en-US" sz="1100" dirty="0"/>
+                    </a:p>
+                  </a:txBody>
+                  <a:tcPr marL="121920" marR="121920" marT="60960" marB="60960" anchor="ctr">
+                    <a:lnL w="3810" cap="flat" cmpd="sng" algn="ctr">
+                      <a:solidFill>
+                        <a:srgbClr val="DDDDDD"/>
+                      </a:solidFill>
+                      <a:prstDash val="solid"/>
+                      <a:round/>
+                      <a:headEnd type="none" w="med" len="med"/>
+                      <a:tailEnd type="none" w="med" len="med"/>
+                    </a:lnL>
+                    <a:lnR w="3810" cap="flat" cmpd="sng" algn="ctr">
+                      <a:solidFill>
+                        <a:srgbClr val="DDDDDD"/>
+                      </a:solidFill>
+                      <a:prstDash val="solid"/>
+                      <a:round/>
+                      <a:headEnd type="none" w="med" len="med"/>
+                      <a:tailEnd type="none" w="med" len="med"/>
+                    </a:lnR>
+                    <a:lnT w="3810" cap="flat" cmpd="sng" algn="ctr">
+                      <a:solidFill>
+                        <a:srgbClr val="DDDDDD"/>
+                      </a:solidFill>
+                      <a:prstDash val="solid"/>
+                      <a:round/>
+                      <a:headEnd type="none" w="med" len="med"/>
+                      <a:tailEnd type="none" w="med" len="med"/>
+                    </a:lnT>
+                    <a:lnB w="3810" cap="flat" cmpd="sng" algn="ctr">
+                      <a:solidFill>
+                        <a:srgbClr val="DDDDDD"/>
+                      </a:solidFill>
+                      <a:prstDash val="solid"/>
+                      <a:round/>
+                      <a:headEnd type="none" w="med" len="med"/>
+                      <a:tailEnd type="none" w="med" len="med"/>
+                    </a:lnB>
+                    <a:solidFill>
+                      <a:srgbClr val="FFFFFF"/>
+                    </a:solidFill>
+                  </a:tcPr>
+                </a:tc>
+                <a:tc>
+                  <a:txBody>
+                    <a:bodyPr/>
+                    <a:lstStyle/>
+                    <a:p>
+                      <a:pPr marL="0" indent="0">
+                        <a:buNone/>
+                      </a:pPr>
+                      <a:r>
+                        <a:rPr lang="en-US" sz="1100" dirty="0">
+                          <a:solidFill>
+                            <a:srgbClr val="030A18"/>
+                          </a:solidFill>
+                        </a:rPr>
+                        <a:t>67.04</a:t>
+                      </a:r>
+                      <a:endParaRPr lang="en-US" sz="1100" dirty="0"/>
+                    </a:p>
+                  </a:txBody>
+                  <a:tcPr marL="121920" marR="121920" marT="60960" marB="60960" anchor="ctr">
+                    <a:lnL w="3810" cap="flat" cmpd="sng" algn="ctr">
+                      <a:solidFill>
+                        <a:srgbClr val="DDDDDD"/>
+                      </a:solidFill>
+                      <a:prstDash val="solid"/>
+                      <a:round/>
+                      <a:headEnd type="none" w="med" len="med"/>
+                      <a:tailEnd type="none" w="med" len="med"/>
+                    </a:lnL>
+                    <a:lnR w="3810" cap="flat" cmpd="sng" algn="ctr">
+                      <a:solidFill>
+                        <a:srgbClr val="DDDDDD"/>
+                      </a:solidFill>
+                      <a:prstDash val="solid"/>
+                      <a:round/>
+                      <a:headEnd type="none" w="med" len="med"/>
+                      <a:tailEnd type="none" w="med" len="med"/>
+                    </a:lnR>
+                    <a:lnT w="3810" cap="flat" cmpd="sng" algn="ctr">
+                      <a:solidFill>
+                        <a:srgbClr val="DDDDDD"/>
+                      </a:solidFill>
+                      <a:prstDash val="solid"/>
+                      <a:round/>
+                      <a:headEnd type="none" w="med" len="med"/>
+                      <a:tailEnd type="none" w="med" len="med"/>
+                    </a:lnT>
+                    <a:lnB w="3810" cap="flat" cmpd="sng" algn="ctr">
+                      <a:solidFill>
+                        <a:srgbClr val="DDDDDD"/>
+                      </a:solidFill>
+                      <a:prstDash val="solid"/>
+                      <a:round/>
+                      <a:headEnd type="none" w="med" len="med"/>
+                      <a:tailEnd type="none" w="med" len="med"/>
+                    </a:lnB>
+                    <a:solidFill>
+                      <a:srgbClr val="FFFFFF"/>
+                    </a:solidFill>
+                  </a:tcPr>
+                </a:tc>
+                <a:extLst>
+                  <a:ext uri="{0D108BD9-81ED-4DB2-BD59-A6C34878D82A}">
+                    <a16:rowId xmlns:a16="http://schemas.microsoft.com/office/drawing/2014/main" val="10003"/>
+                  </a:ext>
+                </a:extLst>
+              </a:tr>
+              <a:tr h="406400">
+                <a:tc>
+                  <a:txBody>
+                    <a:bodyPr/>
+                    <a:lstStyle/>
+                    <a:p>
+                      <a:pPr marL="0" indent="0">
+                        <a:buNone/>
+                      </a:pPr>
+                      <a:r>
+                        <a:rPr lang="en-US" sz="1100" dirty="0">
+                          <a:solidFill>
+                            <a:srgbClr val="030A18"/>
+                          </a:solidFill>
+                        </a:rPr>
+                        <a:t>D4</a:t>
+                      </a:r>
+                      <a:endParaRPr lang="en-US" sz="1100" dirty="0"/>
+                    </a:p>
+                  </a:txBody>
+                  <a:tcPr marL="121920" marR="121920" marT="60960" marB="60960" anchor="ctr">
+                    <a:lnL w="3810" cap="flat" cmpd="sng" algn="ctr">
+                      <a:solidFill>
+                        <a:srgbClr val="DDDDDD"/>
+                      </a:solidFill>
+                      <a:prstDash val="solid"/>
+                      <a:round/>
+                      <a:headEnd type="none" w="med" len="med"/>
+                      <a:tailEnd type="none" w="med" len="med"/>
+                    </a:lnL>
+                    <a:lnR w="3810" cap="flat" cmpd="sng" algn="ctr">
+                      <a:solidFill>
+                        <a:srgbClr val="DDDDDD"/>
+                      </a:solidFill>
+                      <a:prstDash val="solid"/>
+                      <a:round/>
+                      <a:headEnd type="none" w="med" len="med"/>
+                      <a:tailEnd type="none" w="med" len="med"/>
+                    </a:lnR>
+                    <a:lnT w="3810" cap="flat" cmpd="sng" algn="ctr">
+                      <a:solidFill>
+                        <a:srgbClr val="DDDDDD"/>
+                      </a:solidFill>
+                      <a:prstDash val="solid"/>
+                      <a:round/>
+                      <a:headEnd type="none" w="med" len="med"/>
+                      <a:tailEnd type="none" w="med" len="med"/>
+                    </a:lnT>
+                    <a:lnB w="3810" cap="flat" cmpd="sng" algn="ctr">
+                      <a:solidFill>
+                        <a:srgbClr val="DDDDDD"/>
+                      </a:solidFill>
+                      <a:prstDash val="solid"/>
+                      <a:round/>
+                      <a:headEnd type="none" w="med" len="med"/>
+                      <a:tailEnd type="none" w="med" len="med"/>
+                    </a:lnB>
+                    <a:solidFill>
+                      <a:srgbClr val="F7F9FC"/>
+                    </a:solidFill>
+                  </a:tcPr>
+                </a:tc>
+                <a:tc>
+                  <a:txBody>
+                    <a:bodyPr/>
+                    <a:lstStyle/>
+                    <a:p>
+                      <a:pPr marL="0" indent="0">
+                        <a:buNone/>
+                      </a:pPr>
+                      <a:r>
+                        <a:rPr lang="en-US" sz="1100" dirty="0">
+                          <a:solidFill>
+                            <a:srgbClr val="030A18"/>
+                          </a:solidFill>
+                        </a:rPr>
+                        <a:t>21.9</a:t>
+                      </a:r>
+                      <a:endParaRPr lang="en-US" sz="1100" dirty="0"/>
+                    </a:p>
+                  </a:txBody>
+                  <a:tcPr marL="121920" marR="121920" marT="60960" marB="60960" anchor="ctr">
+                    <a:lnL w="3810" cap="flat" cmpd="sng" algn="ctr">
+                      <a:solidFill>
+                        <a:srgbClr val="DDDDDD"/>
+                      </a:solidFill>
+                      <a:prstDash val="solid"/>
+                      <a:round/>
+                      <a:headEnd type="none" w="med" len="med"/>
+                      <a:tailEnd type="none" w="med" len="med"/>
+                    </a:lnL>
+                    <a:lnR w="3810" cap="flat" cmpd="sng" algn="ctr">
+                      <a:solidFill>
+                        <a:srgbClr val="DDDDDD"/>
+                      </a:solidFill>
+                      <a:prstDash val="solid"/>
+                      <a:round/>
+                      <a:headEnd type="none" w="med" len="med"/>
+                      <a:tailEnd type="none" w="med" len="med"/>
+                    </a:lnR>
+                    <a:lnT w="3810" cap="flat" cmpd="sng" algn="ctr">
+                      <a:solidFill>
+                        <a:srgbClr val="DDDDDD"/>
+                      </a:solidFill>
+                      <a:prstDash val="solid"/>
+                      <a:round/>
+                      <a:headEnd type="none" w="med" len="med"/>
+                      <a:tailEnd type="none" w="med" len="med"/>
+                    </a:lnT>
+                    <a:lnB w="3810" cap="flat" cmpd="sng" algn="ctr">
+                      <a:solidFill>
+                        <a:srgbClr val="DDDDDD"/>
+                      </a:solidFill>
+                      <a:prstDash val="solid"/>
+                      <a:round/>
+                      <a:headEnd type="none" w="med" len="med"/>
+                      <a:tailEnd type="none" w="med" len="med"/>
+                    </a:lnB>
+                    <a:solidFill>
+                      <a:srgbClr val="F7F9FC"/>
+                    </a:solidFill>
+                  </a:tcPr>
+                </a:tc>
+                <a:tc>
+                  <a:txBody>
+                    <a:bodyPr/>
+                    <a:lstStyle/>
+                    <a:p>
+                      <a:pPr marL="0" indent="0">
+                        <a:buNone/>
+                      </a:pPr>
+                      <a:r>
+                        <a:rPr lang="en-US" sz="1100" dirty="0">
+                          <a:solidFill>
+                            <a:srgbClr val="030A18"/>
+                          </a:solidFill>
+                        </a:rPr>
+                        <a:t>5.77</a:t>
+                      </a:r>
+                      <a:endParaRPr lang="en-US" sz="1100" dirty="0"/>
+                    </a:p>
+                  </a:txBody>
+                  <a:tcPr marL="121920" marR="121920" marT="60960" marB="60960" anchor="ctr">
+                    <a:lnL w="3810" cap="flat" cmpd="sng" algn="ctr">
+                      <a:solidFill>
+                        <a:srgbClr val="DDDDDD"/>
+                      </a:solidFill>
+                      <a:prstDash val="solid"/>
+                      <a:round/>
+                      <a:headEnd type="none" w="med" len="med"/>
+                      <a:tailEnd type="none" w="med" len="med"/>
+                    </a:lnL>
+                    <a:lnR w="3810" cap="flat" cmpd="sng" algn="ctr">
+                      <a:solidFill>
+                        <a:srgbClr val="DDDDDD"/>
+                      </a:solidFill>
+                      <a:prstDash val="solid"/>
+                      <a:round/>
+                      <a:headEnd type="none" w="med" len="med"/>
+                      <a:tailEnd type="none" w="med" len="med"/>
+                    </a:lnR>
+                    <a:lnT w="3810" cap="flat" cmpd="sng" algn="ctr">
+                      <a:solidFill>
+                        <a:srgbClr val="DDDDDD"/>
+                      </a:solidFill>
+                      <a:prstDash val="solid"/>
+                      <a:round/>
+                      <a:headEnd type="none" w="med" len="med"/>
+                      <a:tailEnd type="none" w="med" len="med"/>
+                    </a:lnT>
+                    <a:lnB w="3810" cap="flat" cmpd="sng" algn="ctr">
+                      <a:solidFill>
+                        <a:srgbClr val="DDDDDD"/>
+                      </a:solidFill>
+                      <a:prstDash val="solid"/>
+                      <a:round/>
+                      <a:headEnd type="none" w="med" len="med"/>
+                      <a:tailEnd type="none" w="med" len="med"/>
+                    </a:lnB>
+                    <a:solidFill>
+                      <a:srgbClr val="F7F9FC"/>
+                    </a:solidFill>
+                  </a:tcPr>
+                </a:tc>
+                <a:tc>
+                  <a:txBody>
+                    <a:bodyPr/>
+                    <a:lstStyle/>
+                    <a:p>
+                      <a:pPr marL="0" indent="0">
+                        <a:buNone/>
+                      </a:pPr>
+                      <a:r>
+                        <a:rPr lang="en-US" sz="1100" dirty="0">
+                          <a:solidFill>
+                            <a:srgbClr val="030A18"/>
+                          </a:solidFill>
+                        </a:rPr>
+                        <a:t>66.44</a:t>
+                      </a:r>
+                      <a:endParaRPr lang="en-US" sz="1100" dirty="0"/>
+                    </a:p>
+                  </a:txBody>
+                  <a:tcPr marL="121920" marR="121920" marT="60960" marB="60960" anchor="ctr">
+                    <a:lnL w="3810" cap="flat" cmpd="sng" algn="ctr">
+                      <a:solidFill>
+                        <a:srgbClr val="DDDDDD"/>
+                      </a:solidFill>
+                      <a:prstDash val="solid"/>
+                      <a:round/>
+                      <a:headEnd type="none" w="med" len="med"/>
+                      <a:tailEnd type="none" w="med" len="med"/>
+                    </a:lnL>
+                    <a:lnR w="3810" cap="flat" cmpd="sng" algn="ctr">
+                      <a:solidFill>
+                        <a:srgbClr val="DDDDDD"/>
+                      </a:solidFill>
+                      <a:prstDash val="solid"/>
+                      <a:round/>
+                      <a:headEnd type="none" w="med" len="med"/>
+                      <a:tailEnd type="none" w="med" len="med"/>
+                    </a:lnR>
+                    <a:lnT w="3810" cap="flat" cmpd="sng" algn="ctr">
+                      <a:solidFill>
+                        <a:srgbClr val="DDDDDD"/>
+                      </a:solidFill>
+                      <a:prstDash val="solid"/>
+                      <a:round/>
+                      <a:headEnd type="none" w="med" len="med"/>
+                      <a:tailEnd type="none" w="med" len="med"/>
+                    </a:lnT>
+                    <a:lnB w="3810" cap="flat" cmpd="sng" algn="ctr">
+                      <a:solidFill>
+                        <a:srgbClr val="DDDDDD"/>
+                      </a:solidFill>
+                      <a:prstDash val="solid"/>
+                      <a:round/>
+                      <a:headEnd type="none" w="med" len="med"/>
+                      <a:tailEnd type="none" w="med" len="med"/>
+                    </a:lnB>
+                    <a:solidFill>
+                      <a:srgbClr val="F7F9FC"/>
+                    </a:solidFill>
+                  </a:tcPr>
+                </a:tc>
+                <a:extLst>
+                  <a:ext uri="{0D108BD9-81ED-4DB2-BD59-A6C34878D82A}">
+                    <a16:rowId xmlns:a16="http://schemas.microsoft.com/office/drawing/2014/main" val="10004"/>
+                  </a:ext>
+                </a:extLst>
+              </a:tr>
+              <a:tr h="406400">
+                <a:tc>
+                  <a:txBody>
+                    <a:bodyPr/>
+                    <a:lstStyle/>
+                    <a:p>
+                      <a:pPr marL="0" indent="0">
+                        <a:buNone/>
+                      </a:pPr>
+                      <a:r>
+                        <a:rPr lang="en-US" sz="1100" dirty="0">
+                          <a:solidFill>
+                            <a:srgbClr val="030A18"/>
+                          </a:solidFill>
+                        </a:rPr>
+                        <a:t>D5</a:t>
+                      </a:r>
+                      <a:endParaRPr lang="en-US" sz="1100" dirty="0"/>
+                    </a:p>
+                  </a:txBody>
+                  <a:tcPr marL="121920" marR="121920" marT="60960" marB="60960" anchor="ctr">
+                    <a:lnL w="3810" cap="flat" cmpd="sng" algn="ctr">
+                      <a:solidFill>
+                        <a:srgbClr val="DDDDDD"/>
+                      </a:solidFill>
+                      <a:prstDash val="solid"/>
+                      <a:round/>
+                      <a:headEnd type="none" w="med" len="med"/>
+                      <a:tailEnd type="none" w="med" len="med"/>
+                    </a:lnL>
+                    <a:lnR w="3810" cap="flat" cmpd="sng" algn="ctr">
+                      <a:solidFill>
+                        <a:srgbClr val="DDDDDD"/>
+                      </a:solidFill>
+                      <a:prstDash val="solid"/>
+                      <a:round/>
+                      <a:headEnd type="none" w="med" len="med"/>
+                      <a:tailEnd type="none" w="med" len="med"/>
+                    </a:lnR>
+                    <a:lnT w="3810" cap="flat" cmpd="sng" algn="ctr">
+                      <a:solidFill>
+                        <a:srgbClr val="DDDDDD"/>
+                      </a:solidFill>
+                      <a:prstDash val="solid"/>
+                      <a:round/>
+                      <a:headEnd type="none" w="med" len="med"/>
+                      <a:tailEnd type="none" w="med" len="med"/>
+                    </a:lnT>
+                    <a:lnB w="3810" cap="flat" cmpd="sng" algn="ctr">
+                      <a:solidFill>
+                        <a:srgbClr val="DDDDDD"/>
+                      </a:solidFill>
+                      <a:prstDash val="solid"/>
+                      <a:round/>
+                      <a:headEnd type="none" w="med" len="med"/>
+                      <a:tailEnd type="none" w="med" len="med"/>
+                    </a:lnB>
+                    <a:solidFill>
+                      <a:srgbClr val="FFFFFF"/>
+                    </a:solidFill>
+                  </a:tcPr>
+                </a:tc>
+                <a:tc>
+                  <a:txBody>
+                    <a:bodyPr/>
+                    <a:lstStyle/>
+                    <a:p>
+                      <a:pPr marL="0" indent="0">
+                        <a:buNone/>
+                      </a:pPr>
+                      <a:r>
+                        <a:rPr lang="en-US" sz="1100" dirty="0">
+                          <a:solidFill>
+                            <a:srgbClr val="030A18"/>
+                          </a:solidFill>
+                        </a:rPr>
+                        <a:t>22.0</a:t>
+                      </a:r>
+                      <a:endParaRPr lang="en-US" sz="1100" dirty="0"/>
+                    </a:p>
+                  </a:txBody>
+                  <a:tcPr marL="121920" marR="121920" marT="60960" marB="60960" anchor="ctr">
+                    <a:lnL w="3810" cap="flat" cmpd="sng" algn="ctr">
+                      <a:solidFill>
+                        <a:srgbClr val="DDDDDD"/>
+                      </a:solidFill>
+                      <a:prstDash val="solid"/>
+                      <a:round/>
+                      <a:headEnd type="none" w="med" len="med"/>
+                      <a:tailEnd type="none" w="med" len="med"/>
+                    </a:lnL>
+                    <a:lnR w="3810" cap="flat" cmpd="sng" algn="ctr">
+                      <a:solidFill>
+                        <a:srgbClr val="DDDDDD"/>
+                      </a:solidFill>
+                      <a:prstDash val="solid"/>
+                      <a:round/>
+                      <a:headEnd type="none" w="med" len="med"/>
+                      <a:tailEnd type="none" w="med" len="med"/>
+                    </a:lnR>
+                    <a:lnT w="3810" cap="flat" cmpd="sng" algn="ctr">
+                      <a:solidFill>
+                        <a:srgbClr val="DDDDDD"/>
+                      </a:solidFill>
+                      <a:prstDash val="solid"/>
+                      <a:round/>
+                      <a:headEnd type="none" w="med" len="med"/>
+                      <a:tailEnd type="none" w="med" len="med"/>
+                    </a:lnT>
+                    <a:lnB w="3810" cap="flat" cmpd="sng" algn="ctr">
+                      <a:solidFill>
+                        <a:srgbClr val="DDDDDD"/>
+                      </a:solidFill>
+                      <a:prstDash val="solid"/>
+                      <a:round/>
+                      <a:headEnd type="none" w="med" len="med"/>
+                      <a:tailEnd type="none" w="med" len="med"/>
+                    </a:lnB>
+                    <a:solidFill>
+                      <a:srgbClr val="FFFFFF"/>
+                    </a:solidFill>
+                  </a:tcPr>
+                </a:tc>
+                <a:tc>
+                  <a:txBody>
+                    <a:bodyPr/>
+                    <a:lstStyle/>
+                    <a:p>
+                      <a:pPr marL="0" indent="0">
+                        <a:buNone/>
+                      </a:pPr>
+                      <a:r>
+                        <a:rPr lang="en-US" sz="1100" dirty="0">
+                          <a:solidFill>
+                            <a:srgbClr val="030A18"/>
+                          </a:solidFill>
+                        </a:rPr>
+                        <a:t>6.60</a:t>
+                      </a:r>
+                      <a:endParaRPr lang="en-US" sz="1100" dirty="0"/>
+                    </a:p>
+                  </a:txBody>
+                  <a:tcPr marL="121920" marR="121920" marT="60960" marB="60960" anchor="ctr">
+                    <a:lnL w="3810" cap="flat" cmpd="sng" algn="ctr">
+                      <a:solidFill>
+                        <a:srgbClr val="DDDDDD"/>
+                      </a:solidFill>
+                      <a:prstDash val="solid"/>
+                      <a:round/>
+                      <a:headEnd type="none" w="med" len="med"/>
+                      <a:tailEnd type="none" w="med" len="med"/>
+                    </a:lnL>
+                    <a:lnR w="3810" cap="flat" cmpd="sng" algn="ctr">
+                      <a:solidFill>
+                        <a:srgbClr val="DDDDDD"/>
+                      </a:solidFill>
+                      <a:prstDash val="solid"/>
+                      <a:round/>
+                      <a:headEnd type="none" w="med" len="med"/>
+                      <a:tailEnd type="none" w="med" len="med"/>
+                    </a:lnR>
+                    <a:lnT w="3810" cap="flat" cmpd="sng" algn="ctr">
+                      <a:solidFill>
+                        <a:srgbClr val="DDDDDD"/>
+                      </a:solidFill>
+                      <a:prstDash val="solid"/>
+                      <a:round/>
+                      <a:headEnd type="none" w="med" len="med"/>
+                      <a:tailEnd type="none" w="med" len="med"/>
+                    </a:lnT>
+                    <a:lnB w="3810" cap="flat" cmpd="sng" algn="ctr">
+                      <a:solidFill>
+                        <a:srgbClr val="DDDDDD"/>
+                      </a:solidFill>
+                      <a:prstDash val="solid"/>
+                      <a:round/>
+                      <a:headEnd type="none" w="med" len="med"/>
+                      <a:tailEnd type="none" w="med" len="med"/>
+                    </a:lnB>
+                    <a:solidFill>
+                      <a:srgbClr val="FFFFFF"/>
+                    </a:solidFill>
+                  </a:tcPr>
+                </a:tc>
+                <a:tc>
+                  <a:txBody>
+                    <a:bodyPr/>
+                    <a:lstStyle/>
+                    <a:p>
+                      <a:pPr marL="0" indent="0">
+                        <a:buNone/>
+                      </a:pPr>
+                      <a:r>
+                        <a:rPr lang="en-US" sz="1100" dirty="0">
+                          <a:solidFill>
+                            <a:srgbClr val="030A18"/>
+                          </a:solidFill>
+                        </a:rPr>
+                        <a:t>62.20</a:t>
+                      </a:r>
+                      <a:endParaRPr lang="en-US" sz="1100" dirty="0"/>
+                    </a:p>
+                  </a:txBody>
+                  <a:tcPr marL="121920" marR="121920" marT="60960" marB="60960" anchor="ctr">
+                    <a:lnL w="3810" cap="flat" cmpd="sng" algn="ctr">
+                      <a:solidFill>
+                        <a:srgbClr val="DDDDDD"/>
+                      </a:solidFill>
+                      <a:prstDash val="solid"/>
+                      <a:round/>
+                      <a:headEnd type="none" w="med" len="med"/>
+                      <a:tailEnd type="none" w="med" len="med"/>
+                    </a:lnL>
+                    <a:lnR w="3810" cap="flat" cmpd="sng" algn="ctr">
+                      <a:solidFill>
+                        <a:srgbClr val="DDDDDD"/>
+                      </a:solidFill>
+                      <a:prstDash val="solid"/>
+                      <a:round/>
+                      <a:headEnd type="none" w="med" len="med"/>
+                      <a:tailEnd type="none" w="med" len="med"/>
+                    </a:lnR>
+                    <a:lnT w="3810" cap="flat" cmpd="sng" algn="ctr">
+                      <a:solidFill>
+                        <a:srgbClr val="DDDDDD"/>
+                      </a:solidFill>
+                      <a:prstDash val="solid"/>
+                      <a:round/>
+                      <a:headEnd type="none" w="med" len="med"/>
+                      <a:tailEnd type="none" w="med" len="med"/>
+                    </a:lnT>
+                    <a:lnB w="3810" cap="flat" cmpd="sng" algn="ctr">
+                      <a:solidFill>
+                        <a:srgbClr val="DDDDDD"/>
+                      </a:solidFill>
+                      <a:prstDash val="solid"/>
+                      <a:round/>
+                      <a:headEnd type="none" w="med" len="med"/>
+                      <a:tailEnd type="none" w="med" len="med"/>
+                    </a:lnB>
+                    <a:solidFill>
+                      <a:srgbClr val="FFFFFF"/>
+                    </a:solidFill>
+                  </a:tcPr>
+                </a:tc>
+                <a:extLst>
+                  <a:ext uri="{0D108BD9-81ED-4DB2-BD59-A6C34878D82A}">
+                    <a16:rowId xmlns:a16="http://schemas.microsoft.com/office/drawing/2014/main" val="10005"/>
+                  </a:ext>
+                </a:extLst>
+              </a:tr>
+            </a:tbl>
+          </a:graphicData>
+        </a:graphic>
+      </p:graphicFrame>
     </p:spTree>
+    <p:extLst>
+      <p:ext uri="{BB962C8B-B14F-4D97-AF65-F5344CB8AC3E}">
+        <p14:creationId xmlns:p14="http://schemas.microsoft.com/office/powerpoint/2010/main" val="51565678"/>
+      </p:ext>
+    </p:extLst>
   </p:cSld>
   <p:clrMapOvr>
     <a:masterClrMapping/>
@@ -13721,7 +13845,7 @@
           <p:cNvPr id="2" name="Title 1">
             <a:extLst>
               <a:ext uri="{FF2B5EF4-FFF2-40B4-BE49-F238E27FC236}">
-                <a16:creationId xmlns:a16="http://schemas.microsoft.com/office/drawing/2014/main" id="{8FCA0F73-DBE6-3244-34D8-B63CF84D6B5E}"/>
+                <a16:creationId xmlns:a16="http://schemas.microsoft.com/office/drawing/2014/main" id="{5B87014A-385F-12A3-1178-AD2A540E89EA}"/>
               </a:ext>
             </a:extLst>
           </p:cNvPr>
@@ -13734,26 +13858,24 @@
         </p:nvSpPr>
         <p:spPr/>
         <p:txBody>
-          <a:bodyPr>
-            <a:normAutofit/>
-          </a:bodyPr>
+          <a:bodyPr/>
           <a:lstStyle/>
           <a:p>
             <a:r>
               <a:rPr lang="en-US" dirty="0"/>
-              <a:t>Anatomy of an LSTM Cell</a:t>
+              <a:t>Training the RNN</a:t>
             </a:r>
           </a:p>
         </p:txBody>
       </p:sp>
-      <mc:AlternateContent xmlns:mc="http://schemas.openxmlformats.org/markup-compatibility/2006" xmlns:a14="http://schemas.microsoft.com/office/drawing/2010/main">
-        <mc:Choice Requires="a14">
+      <mc:AlternateContent xmlns:mc="http://schemas.openxmlformats.org/markup-compatibility/2006">
+        <mc:Choice xmlns:a14="http://schemas.microsoft.com/office/drawing/2010/main" Requires="a14">
           <p:sp>
             <p:nvSpPr>
-              <p:cNvPr id="3" name="Content Placeholder 2">
+              <p:cNvPr id="5" name="Content Placeholder 4">
                 <a:extLst>
                   <a:ext uri="{FF2B5EF4-FFF2-40B4-BE49-F238E27FC236}">
-                    <a16:creationId xmlns:a16="http://schemas.microsoft.com/office/drawing/2014/main" id="{57BFE5B8-1654-D2A5-B6FC-23BCF9FFE9F6}"/>
+                    <a16:creationId xmlns:a16="http://schemas.microsoft.com/office/drawing/2014/main" id="{2203C958-F85E-0A30-C9C3-49383901F37C}"/>
                   </a:ext>
                 </a:extLst>
               </p:cNvPr>
@@ -13766,12 +13888,80 @@
             </p:nvSpPr>
             <p:spPr/>
             <p:txBody>
-              <a:bodyPr/>
+              <a:bodyPr>
+                <a:normAutofit/>
+              </a:bodyPr>
               <a:lstStyle/>
               <a:p>
                 <a:r>
                   <a:rPr lang="en-US" dirty="0"/>
-                  <a:t>Input gate (</a:t>
+                  <a:t>Backpropagate errors through time to update parameters (</a:t>
+                </a:r>
+                <a14:m>
+                  <m:oMath xmlns:m="http://schemas.openxmlformats.org/officeDocument/2006/math">
+                    <m:sSub>
+                      <m:sSubPr>
+                        <m:ctrlPr>
+                          <a:rPr lang="en-US" i="1" dirty="0" smtClean="0">
+                            <a:latin typeface="Cambria Math" panose="02040503050406030204" pitchFamily="18" charset="0"/>
+                          </a:rPr>
+                        </m:ctrlPr>
+                      </m:sSubPr>
+                      <m:e>
+                        <m:r>
+                          <a:rPr lang="en-US" i="1" dirty="0" smtClean="0">
+                            <a:latin typeface="Cambria Math" panose="02040503050406030204" pitchFamily="18" charset="0"/>
+                          </a:rPr>
+                          <m:t>𝑊</m:t>
+                        </m:r>
+                      </m:e>
+                      <m:sub>
+                        <m:r>
+                          <a:rPr lang="en-US" i="1" dirty="0" smtClean="0">
+                            <a:latin typeface="Cambria Math" panose="02040503050406030204" pitchFamily="18" charset="0"/>
+                          </a:rPr>
+                          <m:t>𝑥h</m:t>
+                        </m:r>
+                      </m:sub>
+                    </m:sSub>
+                  </m:oMath>
+                </a14:m>
+                <a:r>
+                  <a:rPr lang="en-US" dirty="0"/>
+                  <a:t>, </a:t>
+                </a:r>
+                <a14:m>
+                  <m:oMath xmlns:m="http://schemas.openxmlformats.org/officeDocument/2006/math">
+                    <m:sSub>
+                      <m:sSubPr>
+                        <m:ctrlPr>
+                          <a:rPr lang="en-US" i="1" dirty="0" smtClean="0">
+                            <a:latin typeface="Cambria Math" panose="02040503050406030204" pitchFamily="18" charset="0"/>
+                          </a:rPr>
+                        </m:ctrlPr>
+                      </m:sSubPr>
+                      <m:e>
+                        <m:r>
+                          <a:rPr lang="en-US" i="1" dirty="0" smtClean="0">
+                            <a:latin typeface="Cambria Math" panose="02040503050406030204" pitchFamily="18" charset="0"/>
+                          </a:rPr>
+                          <m:t>𝑊</m:t>
+                        </m:r>
+                      </m:e>
+                      <m:sub>
+                        <m:r>
+                          <a:rPr lang="en-US" i="1" dirty="0" smtClean="0">
+                            <a:latin typeface="Cambria Math" panose="02040503050406030204" pitchFamily="18" charset="0"/>
+                          </a:rPr>
+                          <m:t>hh</m:t>
+                        </m:r>
+                      </m:sub>
+                    </m:sSub>
+                  </m:oMath>
+                </a14:m>
+                <a:r>
+                  <a:rPr lang="en-US" dirty="0"/>
+                  <a:t>,</a:t>
                 </a:r>
                 <a14:m>
                   <m:oMath xmlns:m="http://schemas.openxmlformats.org/officeDocument/2006/math">
@@ -13779,71 +13969,56 @@
                       <a:rPr lang="en-US" i="1" dirty="0" smtClean="0">
                         <a:latin typeface="Cambria Math" panose="02040503050406030204" pitchFamily="18" charset="0"/>
                       </a:rPr>
-                      <m:t>𝐼</m:t>
+                      <m:t> </m:t>
                     </m:r>
                     <m:r>
-                      <a:rPr lang="en-US" i="1" dirty="0" smtClean="0">
+                      <a:rPr lang="en-IE" b="0" i="1" dirty="0" smtClean="0">
                         <a:latin typeface="Cambria Math" panose="02040503050406030204" pitchFamily="18" charset="0"/>
                       </a:rPr>
-                      <m:t>ₜ</m:t>
+                      <m:t> </m:t>
                     </m:r>
+                    <m:sSub>
+                      <m:sSubPr>
+                        <m:ctrlPr>
+                          <a:rPr lang="en-IE" b="0" i="1" dirty="0" smtClean="0">
+                            <a:latin typeface="Cambria Math" panose="02040503050406030204" pitchFamily="18" charset="0"/>
+                          </a:rPr>
+                        </m:ctrlPr>
+                      </m:sSubPr>
+                      <m:e>
+                        <m:r>
+                          <a:rPr lang="en-US" i="1" dirty="0" smtClean="0">
+                            <a:latin typeface="Cambria Math" panose="02040503050406030204" pitchFamily="18" charset="0"/>
+                          </a:rPr>
+                          <m:t>𝑊</m:t>
+                        </m:r>
+                      </m:e>
+                      <m:sub>
+                        <m:r>
+                          <a:rPr lang="en-US" i="1" dirty="0" smtClean="0">
+                            <a:latin typeface="Cambria Math" panose="02040503050406030204" pitchFamily="18" charset="0"/>
+                          </a:rPr>
+                          <m:t>h𝑦</m:t>
+                        </m:r>
+                      </m:sub>
+                    </m:sSub>
                   </m:oMath>
                 </a14:m>
                 <a:r>
                   <a:rPr lang="en-US" dirty="0"/>
-                  <a:t>): decides which new information enters the cell.</a:t>
+                  <a:t>). Derivatives accumulate across the unrolled network.</a:t>
                 </a:r>
               </a:p>
               <a:p>
                 <a:r>
                   <a:rPr lang="en-US" dirty="0"/>
-                  <a:t>Forget gate (</a:t>
-                </a:r>
-                <a14:m>
-                  <m:oMath xmlns:m="http://schemas.openxmlformats.org/officeDocument/2006/math">
-                    <m:r>
-                      <a:rPr lang="en-US" i="1" dirty="0" smtClean="0">
-                        <a:latin typeface="Cambria Math" panose="02040503050406030204" pitchFamily="18" charset="0"/>
-                      </a:rPr>
-                      <m:t>𝐹</m:t>
-                    </m:r>
-                    <m:r>
-                      <a:rPr lang="en-US" i="1" dirty="0" smtClean="0">
-                        <a:latin typeface="Cambria Math" panose="02040503050406030204" pitchFamily="18" charset="0"/>
-                      </a:rPr>
-                      <m:t>ₜ</m:t>
-                    </m:r>
-                  </m:oMath>
-                </a14:m>
-                <a:r>
-                  <a:rPr lang="en-US" dirty="0"/>
-                  <a:t>): controls what fraction of the previous cell state is retained.</a:t>
+                  <a:t>For long sequences, gradients tend to vanish or explode, leading to slow or unstable learning.</a:t>
                 </a:r>
               </a:p>
               <a:p>
                 <a:r>
                   <a:rPr lang="en-US" dirty="0"/>
-                  <a:t>Output gate (</a:t>
-                </a:r>
-                <a14:m>
-                  <m:oMath xmlns:m="http://schemas.openxmlformats.org/officeDocument/2006/math">
-                    <m:r>
-                      <a:rPr lang="en-US" i="1" dirty="0" smtClean="0">
-                        <a:latin typeface="Cambria Math" panose="02040503050406030204" pitchFamily="18" charset="0"/>
-                      </a:rPr>
-                      <m:t>𝑂</m:t>
-                    </m:r>
-                    <m:r>
-                      <a:rPr lang="en-US" i="1" dirty="0" smtClean="0">
-                        <a:latin typeface="Cambria Math" panose="02040503050406030204" pitchFamily="18" charset="0"/>
-                      </a:rPr>
-                      <m:t>ₜ</m:t>
-                    </m:r>
-                  </m:oMath>
-                </a14:m>
-                <a:r>
-                  <a:rPr lang="en-US" dirty="0"/>
-                  <a:t>): determines how much of the cell state is exposed to the hidden state.</a:t>
+                  <a:t>Often the model fails to capture long‑range patterns (e.g., seasonal weather cycles).</a:t>
                 </a:r>
               </a:p>
               <a:p>
@@ -13855,393 +14030,13 @@
             </p:txBody>
           </p:sp>
         </mc:Choice>
-        <mc:Fallback xmlns="">
+        <mc:Fallback>
           <p:sp>
             <p:nvSpPr>
-              <p:cNvPr id="3" name="Content Placeholder 2">
+              <p:cNvPr id="5" name="Content Placeholder 4">
                 <a:extLst>
                   <a:ext uri="{FF2B5EF4-FFF2-40B4-BE49-F238E27FC236}">
-                    <a16:creationId xmlns:a16="http://schemas.microsoft.com/office/drawing/2014/main" id="{57BFE5B8-1654-D2A5-B6FC-23BCF9FFE9F6}"/>
-                  </a:ext>
-                </a:extLst>
-              </p:cNvPr>
-              <p:cNvSpPr>
-                <a:spLocks noGrp="1" noRot="1" noChangeAspect="1" noMove="1" noResize="1" noEditPoints="1" noAdjustHandles="1" noChangeArrowheads="1" noChangeShapeType="1" noTextEdit="1"/>
-              </p:cNvSpPr>
-              <p:nvPr>
-                <p:ph idx="1"/>
-              </p:nvPr>
-            </p:nvSpPr>
-            <p:spPr>
-              <a:blipFill>
-                <a:blip r:embed="rId2"/>
-                <a:stretch>
-                  <a:fillRect l="-1368" t="-2439" r="-1064"/>
-                </a:stretch>
-              </a:blipFill>
-            </p:spPr>
-            <p:txBody>
-              <a:bodyPr/>
-              <a:lstStyle/>
-              <a:p>
-                <a:r>
-                  <a:rPr lang="en-US">
-                    <a:noFill/>
-                  </a:rPr>
-                  <a:t> </a:t>
-                </a:r>
-              </a:p>
-            </p:txBody>
-          </p:sp>
-        </mc:Fallback>
-      </mc:AlternateContent>
-    </p:spTree>
-    <p:extLst>
-      <p:ext uri="{BB962C8B-B14F-4D97-AF65-F5344CB8AC3E}">
-        <p14:creationId xmlns:p14="http://schemas.microsoft.com/office/powerpoint/2010/main" val="3527331280"/>
-      </p:ext>
-    </p:extLst>
-  </p:cSld>
-  <p:clrMapOvr>
-    <a:masterClrMapping/>
-  </p:clrMapOvr>
-</p:sld>
-</file>
-
-<file path=ppt/slides/slide8.xml><?xml version="1.0" encoding="utf-8"?>
-<p:sld xmlns:a="http://schemas.openxmlformats.org/drawingml/2006/main" xmlns:r="http://schemas.openxmlformats.org/officeDocument/2006/relationships" xmlns:p="http://schemas.openxmlformats.org/presentationml/2006/main">
-  <p:cSld>
-    <p:spTree>
-      <p:nvGrpSpPr>
-        <p:cNvPr id="1" name=""/>
-        <p:cNvGrpSpPr/>
-        <p:nvPr/>
-      </p:nvGrpSpPr>
-      <p:grpSpPr>
-        <a:xfrm>
-          <a:off x="0" y="0"/>
-          <a:ext cx="0" cy="0"/>
-          <a:chOff x="0" y="0"/>
-          <a:chExt cx="0" cy="0"/>
-        </a:xfrm>
-      </p:grpSpPr>
-      <p:sp>
-        <p:nvSpPr>
-          <p:cNvPr id="2" name="Title 1">
-            <a:extLst>
-              <a:ext uri="{FF2B5EF4-FFF2-40B4-BE49-F238E27FC236}">
-                <a16:creationId xmlns:a16="http://schemas.microsoft.com/office/drawing/2014/main" id="{6EA26B4F-D4A5-265E-8D94-66A1631F7D4A}"/>
-              </a:ext>
-            </a:extLst>
-          </p:cNvPr>
-          <p:cNvSpPr>
-            <a:spLocks noGrp="1"/>
-          </p:cNvSpPr>
-          <p:nvPr>
-            <p:ph type="title"/>
-          </p:nvPr>
-        </p:nvSpPr>
-        <p:spPr/>
-        <p:txBody>
-          <a:bodyPr>
-            <a:normAutofit/>
-          </a:bodyPr>
-          <a:lstStyle/>
-          <a:p>
-            <a:r>
-              <a:rPr lang="en-US" dirty="0"/>
-              <a:t>Input Gate &amp; Candidate</a:t>
-            </a:r>
-          </a:p>
-        </p:txBody>
-      </p:sp>
-      <mc:AlternateContent xmlns:mc="http://schemas.openxmlformats.org/markup-compatibility/2006" xmlns:a14="http://schemas.microsoft.com/office/drawing/2010/main">
-        <mc:Choice Requires="a14">
-          <p:sp>
-            <p:nvSpPr>
-              <p:cNvPr id="3" name="Content Placeholder 2">
-                <a:extLst>
-                  <a:ext uri="{FF2B5EF4-FFF2-40B4-BE49-F238E27FC236}">
-                    <a16:creationId xmlns:a16="http://schemas.microsoft.com/office/drawing/2014/main" id="{A98F5FA5-6C95-84EA-6E34-F68DA33C67CD}"/>
-                  </a:ext>
-                </a:extLst>
-              </p:cNvPr>
-              <p:cNvSpPr>
-                <a:spLocks noGrp="1"/>
-              </p:cNvSpPr>
-              <p:nvPr>
-                <p:ph idx="1"/>
-              </p:nvPr>
-            </p:nvSpPr>
-            <p:spPr/>
-            <p:txBody>
-              <a:bodyPr/>
-              <a:lstStyle/>
-              <a:p>
-                <a:r>
-                  <a:rPr lang="en-US" dirty="0"/>
-                  <a:t>Input gate:</a:t>
-                </a:r>
-              </a:p>
-              <a:p>
-                <a:pPr marL="0" indent="0">
-                  <a:buNone/>
-                </a:pPr>
-                <a14:m>
-                  <m:oMathPara xmlns:m="http://schemas.openxmlformats.org/officeDocument/2006/math">
-                    <m:oMathParaPr>
-                      <m:jc m:val="centerGroup"/>
-                    </m:oMathParaPr>
-                    <m:oMath xmlns:m="http://schemas.openxmlformats.org/officeDocument/2006/math">
-                      <m:r>
-                        <a:rPr lang="en-US" i="1" dirty="0" smtClean="0">
-                          <a:latin typeface="Cambria Math" panose="02040503050406030204" pitchFamily="18" charset="0"/>
-                        </a:rPr>
-                        <m:t>𝐼</m:t>
-                      </m:r>
-                      <m:r>
-                        <a:rPr lang="en-US" i="1" dirty="0" smtClean="0">
-                          <a:latin typeface="Cambria Math" panose="02040503050406030204" pitchFamily="18" charset="0"/>
-                        </a:rPr>
-                        <m:t>ₜ = </m:t>
-                      </m:r>
-                      <m:r>
-                        <a:rPr lang="el-GR" i="1" dirty="0" smtClean="0">
-                          <a:latin typeface="Cambria Math" panose="02040503050406030204" pitchFamily="18" charset="0"/>
-                        </a:rPr>
-                        <m:t>𝜎</m:t>
-                      </m:r>
-                      <m:r>
-                        <a:rPr lang="el-GR" i="1" dirty="0" smtClean="0">
-                          <a:latin typeface="Cambria Math" panose="02040503050406030204" pitchFamily="18" charset="0"/>
-                        </a:rPr>
-                        <m:t>(</m:t>
-                      </m:r>
-                      <m:r>
-                        <a:rPr lang="en-US" i="1" dirty="0" smtClean="0">
-                          <a:latin typeface="Cambria Math" panose="02040503050406030204" pitchFamily="18" charset="0"/>
-                        </a:rPr>
-                        <m:t>𝑋</m:t>
-                      </m:r>
-                      <m:r>
-                        <a:rPr lang="en-US" i="1" dirty="0" smtClean="0">
-                          <a:latin typeface="Cambria Math" panose="02040503050406030204" pitchFamily="18" charset="0"/>
-                        </a:rPr>
-                        <m:t>ₜ </m:t>
-                      </m:r>
-                      <m:r>
-                        <a:rPr lang="en-US" i="1" dirty="0" smtClean="0">
-                          <a:latin typeface="Cambria Math" panose="02040503050406030204" pitchFamily="18" charset="0"/>
-                        </a:rPr>
-                        <m:t>𝑊</m:t>
-                      </m:r>
-                      <m:r>
-                        <a:rPr lang="en-US" i="1" dirty="0" smtClean="0">
-                          <a:latin typeface="Cambria Math" panose="02040503050406030204" pitchFamily="18" charset="0"/>
-                        </a:rPr>
-                        <m:t>ₓᵢ + </m:t>
-                      </m:r>
-                      <m:r>
-                        <a:rPr lang="en-US" i="1" dirty="0" smtClean="0">
-                          <a:latin typeface="Cambria Math" panose="02040503050406030204" pitchFamily="18" charset="0"/>
-                        </a:rPr>
-                        <m:t>𝐻</m:t>
-                      </m:r>
-                      <m:r>
-                        <a:rPr lang="en-US" i="1" dirty="0" smtClean="0">
-                          <a:latin typeface="Cambria Math" panose="02040503050406030204" pitchFamily="18" charset="0"/>
-                        </a:rPr>
-                        <m:t>ₜ₋₁ </m:t>
-                      </m:r>
-                      <m:r>
-                        <a:rPr lang="en-US" i="1" dirty="0" smtClean="0">
-                          <a:latin typeface="Cambria Math" panose="02040503050406030204" pitchFamily="18" charset="0"/>
-                        </a:rPr>
-                        <m:t>𝑊</m:t>
-                      </m:r>
-                      <m:r>
-                        <a:rPr lang="en-US" i="1" dirty="0" smtClean="0">
-                          <a:latin typeface="Cambria Math" panose="02040503050406030204" pitchFamily="18" charset="0"/>
-                        </a:rPr>
-                        <m:t>ₕᵢ + </m:t>
-                      </m:r>
-                      <m:r>
-                        <a:rPr lang="en-US" i="1" dirty="0" smtClean="0">
-                          <a:latin typeface="Cambria Math" panose="02040503050406030204" pitchFamily="18" charset="0"/>
-                        </a:rPr>
-                        <m:t>𝑏</m:t>
-                      </m:r>
-                      <m:r>
-                        <a:rPr lang="en-US" i="1" dirty="0" smtClean="0">
-                          <a:latin typeface="Cambria Math" panose="02040503050406030204" pitchFamily="18" charset="0"/>
-                        </a:rPr>
-                        <m:t>ᵢ)</m:t>
-                      </m:r>
-                    </m:oMath>
-                  </m:oMathPara>
-                </a14:m>
-                <a:endParaRPr lang="en-US" dirty="0"/>
-              </a:p>
-              <a:p>
-                <a:r>
-                  <a:rPr lang="en-US" dirty="0"/>
-                  <a:t>Candidate state:</a:t>
-                </a:r>
-              </a:p>
-              <a:p>
-                <a:pPr marL="0" indent="0">
-                  <a:buNone/>
-                </a:pPr>
-                <a14:m>
-                  <m:oMathPara xmlns:m="http://schemas.openxmlformats.org/officeDocument/2006/math">
-                    <m:oMathParaPr>
-                      <m:jc m:val="centerGroup"/>
-                    </m:oMathParaPr>
-                    <m:oMath xmlns:m="http://schemas.openxmlformats.org/officeDocument/2006/math">
-                      <m:r>
-                        <a:rPr lang="en-US" i="1" dirty="0" smtClean="0">
-                          <a:latin typeface="Cambria Math" panose="02040503050406030204" pitchFamily="18" charset="0"/>
-                        </a:rPr>
-                        <m:t>𝐶</m:t>
-                      </m:r>
-                      <m:r>
-                        <a:rPr lang="en-US" i="1" dirty="0" smtClean="0">
-                          <a:latin typeface="Cambria Math" panose="02040503050406030204" pitchFamily="18" charset="0"/>
-                        </a:rPr>
-                        <m:t>ₜ = </m:t>
-                      </m:r>
-                      <m:r>
-                        <m:rPr>
-                          <m:sty m:val="p"/>
-                        </m:rPr>
-                        <a:rPr lang="en-US" i="1" dirty="0" smtClean="0">
-                          <a:latin typeface="Cambria Math" panose="02040503050406030204" pitchFamily="18" charset="0"/>
-                        </a:rPr>
-                        <m:t>tanh</m:t>
-                      </m:r>
-                      <m:r>
-                        <a:rPr lang="en-US" i="1" dirty="0" smtClean="0">
-                          <a:latin typeface="Cambria Math" panose="02040503050406030204" pitchFamily="18" charset="0"/>
-                        </a:rPr>
-                        <m:t>⁡(</m:t>
-                      </m:r>
-                      <m:r>
-                        <a:rPr lang="en-US" i="1" dirty="0" smtClean="0">
-                          <a:latin typeface="Cambria Math" panose="02040503050406030204" pitchFamily="18" charset="0"/>
-                        </a:rPr>
-                        <m:t>𝑋</m:t>
-                      </m:r>
-                      <m:r>
-                        <a:rPr lang="en-US" i="1" dirty="0" smtClean="0">
-                          <a:latin typeface="Cambria Math" panose="02040503050406030204" pitchFamily="18" charset="0"/>
-                        </a:rPr>
-                        <m:t>ₜ </m:t>
-                      </m:r>
-                      <m:r>
-                        <a:rPr lang="en-US" i="1" dirty="0" err="1" smtClean="0">
-                          <a:latin typeface="Cambria Math" panose="02040503050406030204" pitchFamily="18" charset="0"/>
-                        </a:rPr>
-                        <m:t>𝑊</m:t>
-                      </m:r>
-                      <m:r>
-                        <a:rPr lang="en-US" i="1" dirty="0" err="1" smtClean="0">
-                          <a:latin typeface="Cambria Math" panose="02040503050406030204" pitchFamily="18" charset="0"/>
-                        </a:rPr>
-                        <m:t>ₓ</m:t>
-                      </m:r>
-                      <m:r>
-                        <a:rPr lang="en-US" i="1" dirty="0" err="1" smtClean="0">
-                          <a:latin typeface="Cambria Math" panose="02040503050406030204" pitchFamily="18" charset="0"/>
-                        </a:rPr>
-                        <m:t>𝑐</m:t>
-                      </m:r>
-                      <m:r>
-                        <a:rPr lang="en-US" i="1" dirty="0" smtClean="0">
-                          <a:latin typeface="Cambria Math" panose="02040503050406030204" pitchFamily="18" charset="0"/>
-                        </a:rPr>
-                        <m:t> + </m:t>
-                      </m:r>
-                      <m:r>
-                        <a:rPr lang="en-US" i="1" dirty="0" smtClean="0">
-                          <a:latin typeface="Cambria Math" panose="02040503050406030204" pitchFamily="18" charset="0"/>
-                        </a:rPr>
-                        <m:t>𝐻</m:t>
-                      </m:r>
-                      <m:r>
-                        <a:rPr lang="en-US" i="1" dirty="0" smtClean="0">
-                          <a:latin typeface="Cambria Math" panose="02040503050406030204" pitchFamily="18" charset="0"/>
-                        </a:rPr>
-                        <m:t>ₜ₋₁ </m:t>
-                      </m:r>
-                      <m:r>
-                        <a:rPr lang="en-US" i="1" dirty="0" err="1" smtClean="0">
-                          <a:latin typeface="Cambria Math" panose="02040503050406030204" pitchFamily="18" charset="0"/>
-                        </a:rPr>
-                        <m:t>𝑊</m:t>
-                      </m:r>
-                      <m:r>
-                        <a:rPr lang="en-US" i="1" dirty="0" err="1" smtClean="0">
-                          <a:latin typeface="Cambria Math" panose="02040503050406030204" pitchFamily="18" charset="0"/>
-                        </a:rPr>
-                        <m:t>ₕ</m:t>
-                      </m:r>
-                      <m:r>
-                        <a:rPr lang="en-US" i="1" dirty="0" err="1" smtClean="0">
-                          <a:latin typeface="Cambria Math" panose="02040503050406030204" pitchFamily="18" charset="0"/>
-                        </a:rPr>
-                        <m:t>𝑐</m:t>
-                      </m:r>
-                      <m:r>
-                        <a:rPr lang="en-US" i="1" dirty="0" smtClean="0">
-                          <a:latin typeface="Cambria Math" panose="02040503050406030204" pitchFamily="18" charset="0"/>
-                        </a:rPr>
-                        <m:t> + </m:t>
-                      </m:r>
-                      <m:r>
-                        <a:rPr lang="en-US" i="1" dirty="0" err="1" smtClean="0">
-                          <a:latin typeface="Cambria Math" panose="02040503050406030204" pitchFamily="18" charset="0"/>
-                        </a:rPr>
-                        <m:t>𝑏</m:t>
-                      </m:r>
-                      <m:r>
-                        <a:rPr lang="en-US" i="1" dirty="0" err="1" smtClean="0">
-                          <a:latin typeface="Cambria Math" panose="02040503050406030204" pitchFamily="18" charset="0"/>
-                        </a:rPr>
-                        <m:t>_</m:t>
-                      </m:r>
-                      <m:r>
-                        <a:rPr lang="en-US" i="1" dirty="0" err="1" smtClean="0">
-                          <a:latin typeface="Cambria Math" panose="02040503050406030204" pitchFamily="18" charset="0"/>
-                        </a:rPr>
-                        <m:t>𝑐</m:t>
-                      </m:r>
-                      <m:r>
-                        <a:rPr lang="en-US" i="1" dirty="0" smtClean="0">
-                          <a:latin typeface="Cambria Math" panose="02040503050406030204" pitchFamily="18" charset="0"/>
-                        </a:rPr>
-                        <m:t>)</m:t>
-                      </m:r>
-                    </m:oMath>
-                  </m:oMathPara>
-                </a14:m>
-                <a:endParaRPr lang="en-US" dirty="0"/>
-              </a:p>
-              <a:p>
-                <a:endParaRPr lang="en-US" dirty="0"/>
-              </a:p>
-              <a:p>
-                <a:endParaRPr lang="en-US" dirty="0"/>
-              </a:p>
-            </p:txBody>
-          </p:sp>
-        </mc:Choice>
-        <mc:Fallback xmlns="">
-          <p:sp>
-            <p:nvSpPr>
-              <p:cNvPr id="3" name="Content Placeholder 2">
-                <a:extLst>
-                  <a:ext uri="{FF2B5EF4-FFF2-40B4-BE49-F238E27FC236}">
-                    <a16:creationId xmlns:a16="http://schemas.microsoft.com/office/drawing/2014/main" id="{A98F5FA5-6C95-84EA-6E34-F68DA33C67CD}"/>
+                    <a16:creationId xmlns:a16="http://schemas.microsoft.com/office/drawing/2014/main" id="{2203C958-F85E-0A30-C9C3-49383901F37C}"/>
                   </a:ext>
                 </a:extLst>
               </p:cNvPr>
@@ -14278,7 +14073,791 @@
     </p:spTree>
     <p:extLst>
       <p:ext uri="{BB962C8B-B14F-4D97-AF65-F5344CB8AC3E}">
-        <p14:creationId xmlns:p14="http://schemas.microsoft.com/office/powerpoint/2010/main" val="674316520"/>
+        <p14:creationId xmlns:p14="http://schemas.microsoft.com/office/powerpoint/2010/main" val="3929826542"/>
+      </p:ext>
+    </p:extLst>
+  </p:cSld>
+  <p:clrMapOvr>
+    <a:masterClrMapping/>
+  </p:clrMapOvr>
+</p:sld>
+</file>
+
+<file path=ppt/slides/slide8.xml><?xml version="1.0" encoding="utf-8"?>
+<p:sld xmlns:a="http://schemas.openxmlformats.org/drawingml/2006/main" xmlns:r="http://schemas.openxmlformats.org/officeDocument/2006/relationships" xmlns:p="http://schemas.openxmlformats.org/presentationml/2006/main">
+  <p:cSld>
+    <p:spTree>
+      <p:nvGrpSpPr>
+        <p:cNvPr id="1" name=""/>
+        <p:cNvGrpSpPr/>
+        <p:nvPr/>
+      </p:nvGrpSpPr>
+      <p:grpSpPr>
+        <a:xfrm>
+          <a:off x="0" y="0"/>
+          <a:ext cx="0" cy="0"/>
+          <a:chOff x="0" y="0"/>
+          <a:chExt cx="0" cy="0"/>
+        </a:xfrm>
+      </p:grpSpPr>
+      <p:sp>
+        <p:nvSpPr>
+          <p:cNvPr id="2" name="Title 1">
+            <a:extLst>
+              <a:ext uri="{FF2B5EF4-FFF2-40B4-BE49-F238E27FC236}">
+                <a16:creationId xmlns:a16="http://schemas.microsoft.com/office/drawing/2014/main" id="{E791D1C9-DF92-A429-C9B0-85567D1E86A5}"/>
+              </a:ext>
+            </a:extLst>
+          </p:cNvPr>
+          <p:cNvSpPr>
+            <a:spLocks noGrp="1"/>
+          </p:cNvSpPr>
+          <p:nvPr>
+            <p:ph type="title"/>
+          </p:nvPr>
+        </p:nvSpPr>
+        <p:spPr/>
+        <p:txBody>
+          <a:bodyPr/>
+          <a:lstStyle/>
+          <a:p>
+            <a:r>
+              <a:rPr lang="en-US" dirty="0"/>
+              <a:t>Implementation of an RNN</a:t>
+            </a:r>
+          </a:p>
+        </p:txBody>
+      </p:sp>
+      <p:sp>
+        <p:nvSpPr>
+          <p:cNvPr id="3" name="Content Placeholder 2">
+            <a:extLst>
+              <a:ext uri="{FF2B5EF4-FFF2-40B4-BE49-F238E27FC236}">
+                <a16:creationId xmlns:a16="http://schemas.microsoft.com/office/drawing/2014/main" id="{CBE03336-E66B-9ACF-6DD2-3B65CCF5BAF3}"/>
+              </a:ext>
+            </a:extLst>
+          </p:cNvPr>
+          <p:cNvSpPr>
+            <a:spLocks noGrp="1"/>
+          </p:cNvSpPr>
+          <p:nvPr>
+            <p:ph sz="half" idx="1"/>
+          </p:nvPr>
+        </p:nvSpPr>
+        <p:spPr/>
+        <p:txBody>
+          <a:bodyPr>
+            <a:noAutofit/>
+          </a:bodyPr>
+          <a:lstStyle/>
+          <a:p>
+            <a:r>
+              <a:rPr lang="en-US" dirty="0"/>
+              <a:t>Initialize hidden state h₀ to zeros.</a:t>
+            </a:r>
+          </a:p>
+          <a:p>
+            <a:r>
+              <a:rPr lang="en-US" dirty="0"/>
+              <a:t>At each time step t:</a:t>
+            </a:r>
+          </a:p>
+          <a:p>
+            <a:pPr lvl="1"/>
+            <a:r>
+              <a:rPr lang="en-US" sz="2800" dirty="0"/>
+              <a:t>Compute new hidden state hₜ via tanh activation</a:t>
+            </a:r>
+          </a:p>
+          <a:p>
+            <a:pPr lvl="1"/>
+            <a:r>
+              <a:rPr lang="en-US" sz="2800" dirty="0"/>
+              <a:t>Generate output yₜ from hₜ</a:t>
+            </a:r>
+          </a:p>
+          <a:p>
+            <a:pPr lvl="1"/>
+            <a:r>
+              <a:rPr lang="en-US" sz="2800" dirty="0"/>
+              <a:t>Store predictions for loss calculation.</a:t>
+            </a:r>
+          </a:p>
+        </p:txBody>
+      </p:sp>
+      <p:sp>
+        <p:nvSpPr>
+          <p:cNvPr id="4" name="Content Placeholder 3">
+            <a:extLst>
+              <a:ext uri="{FF2B5EF4-FFF2-40B4-BE49-F238E27FC236}">
+                <a16:creationId xmlns:a16="http://schemas.microsoft.com/office/drawing/2014/main" id="{B8511E6F-DF4F-DF37-6420-3A97AF24C307}"/>
+              </a:ext>
+            </a:extLst>
+          </p:cNvPr>
+          <p:cNvSpPr>
+            <a:spLocks noGrp="1"/>
+          </p:cNvSpPr>
+          <p:nvPr>
+            <p:ph sz="half" idx="2"/>
+          </p:nvPr>
+        </p:nvSpPr>
+        <p:spPr/>
+        <p:txBody>
+          <a:bodyPr>
+            <a:normAutofit fontScale="40000" lnSpcReduction="20000"/>
+          </a:bodyPr>
+          <a:lstStyle/>
+          <a:p>
+            <a:pPr marL="0" indent="0">
+              <a:buNone/>
+            </a:pPr>
+            <a:r>
+              <a:rPr lang="en-US" dirty="0">
+                <a:latin typeface="Courier New" panose="02070309020205020404" pitchFamily="49" charset="0"/>
+                <a:cs typeface="Courier New" panose="02070309020205020404" pitchFamily="49" charset="0"/>
+              </a:rPr>
+              <a:t>import </a:t>
+            </a:r>
+            <a:r>
+              <a:rPr lang="en-US" dirty="0" err="1">
+                <a:latin typeface="Courier New" panose="02070309020205020404" pitchFamily="49" charset="0"/>
+                <a:cs typeface="Courier New" panose="02070309020205020404" pitchFamily="49" charset="0"/>
+              </a:rPr>
+              <a:t>numpy</a:t>
+            </a:r>
+            <a:r>
+              <a:rPr lang="en-US" dirty="0">
+                <a:latin typeface="Courier New" panose="02070309020205020404" pitchFamily="49" charset="0"/>
+                <a:cs typeface="Courier New" panose="02070309020205020404" pitchFamily="49" charset="0"/>
+              </a:rPr>
+              <a:t> as np</a:t>
+            </a:r>
+          </a:p>
+          <a:p>
+            <a:pPr marL="0" indent="0">
+              <a:buNone/>
+            </a:pPr>
+            <a:endParaRPr lang="en-US" dirty="0">
+              <a:latin typeface="Courier New" panose="02070309020205020404" pitchFamily="49" charset="0"/>
+              <a:cs typeface="Courier New" panose="02070309020205020404" pitchFamily="49" charset="0"/>
+            </a:endParaRPr>
+          </a:p>
+          <a:p>
+            <a:pPr marL="0" indent="0">
+              <a:buNone/>
+            </a:pPr>
+            <a:r>
+              <a:rPr lang="en-US" dirty="0">
+                <a:latin typeface="Courier New" panose="02070309020205020404" pitchFamily="49" charset="0"/>
+                <a:cs typeface="Courier New" panose="02070309020205020404" pitchFamily="49" charset="0"/>
+              </a:rPr>
+              <a:t># weights and biases</a:t>
+            </a:r>
+          </a:p>
+          <a:p>
+            <a:pPr marL="0" indent="0">
+              <a:buNone/>
+            </a:pPr>
+            <a:r>
+              <a:rPr lang="en-US" dirty="0" err="1">
+                <a:latin typeface="Courier New" panose="02070309020205020404" pitchFamily="49" charset="0"/>
+                <a:cs typeface="Courier New" panose="02070309020205020404" pitchFamily="49" charset="0"/>
+              </a:rPr>
+              <a:t>Wxh</a:t>
+            </a:r>
+            <a:r>
+              <a:rPr lang="en-US" dirty="0">
+                <a:latin typeface="Courier New" panose="02070309020205020404" pitchFamily="49" charset="0"/>
+                <a:cs typeface="Courier New" panose="02070309020205020404" pitchFamily="49" charset="0"/>
+              </a:rPr>
+              <a:t> = </a:t>
+            </a:r>
+            <a:r>
+              <a:rPr lang="en-US" dirty="0" err="1">
+                <a:latin typeface="Courier New" panose="02070309020205020404" pitchFamily="49" charset="0"/>
+                <a:cs typeface="Courier New" panose="02070309020205020404" pitchFamily="49" charset="0"/>
+              </a:rPr>
+              <a:t>np.random.randn</a:t>
+            </a:r>
+            <a:r>
+              <a:rPr lang="en-US" dirty="0">
+                <a:latin typeface="Courier New" panose="02070309020205020404" pitchFamily="49" charset="0"/>
+                <a:cs typeface="Courier New" panose="02070309020205020404" pitchFamily="49" charset="0"/>
+              </a:rPr>
+              <a:t>(</a:t>
+            </a:r>
+            <a:r>
+              <a:rPr lang="en-US" dirty="0" err="1">
+                <a:latin typeface="Courier New" panose="02070309020205020404" pitchFamily="49" charset="0"/>
+                <a:cs typeface="Courier New" panose="02070309020205020404" pitchFamily="49" charset="0"/>
+              </a:rPr>
+              <a:t>input_dim</a:t>
+            </a:r>
+            <a:r>
+              <a:rPr lang="en-US" dirty="0">
+                <a:latin typeface="Courier New" panose="02070309020205020404" pitchFamily="49" charset="0"/>
+                <a:cs typeface="Courier New" panose="02070309020205020404" pitchFamily="49" charset="0"/>
+              </a:rPr>
+              <a:t>, </a:t>
+            </a:r>
+            <a:r>
+              <a:rPr lang="en-US" dirty="0" err="1">
+                <a:latin typeface="Courier New" panose="02070309020205020404" pitchFamily="49" charset="0"/>
+                <a:cs typeface="Courier New" panose="02070309020205020404" pitchFamily="49" charset="0"/>
+              </a:rPr>
+              <a:t>hidden_dim</a:t>
+            </a:r>
+            <a:r>
+              <a:rPr lang="en-US" dirty="0">
+                <a:latin typeface="Courier New" panose="02070309020205020404" pitchFamily="49" charset="0"/>
+                <a:cs typeface="Courier New" panose="02070309020205020404" pitchFamily="49" charset="0"/>
+              </a:rPr>
+              <a:t>)</a:t>
+            </a:r>
+          </a:p>
+          <a:p>
+            <a:pPr marL="0" indent="0">
+              <a:buNone/>
+            </a:pPr>
+            <a:r>
+              <a:rPr lang="en-US" dirty="0" err="1">
+                <a:latin typeface="Courier New" panose="02070309020205020404" pitchFamily="49" charset="0"/>
+                <a:cs typeface="Courier New" panose="02070309020205020404" pitchFamily="49" charset="0"/>
+              </a:rPr>
+              <a:t>Whh</a:t>
+            </a:r>
+            <a:r>
+              <a:rPr lang="en-US" dirty="0">
+                <a:latin typeface="Courier New" panose="02070309020205020404" pitchFamily="49" charset="0"/>
+                <a:cs typeface="Courier New" panose="02070309020205020404" pitchFamily="49" charset="0"/>
+              </a:rPr>
+              <a:t> = </a:t>
+            </a:r>
+            <a:r>
+              <a:rPr lang="en-US" dirty="0" err="1">
+                <a:latin typeface="Courier New" panose="02070309020205020404" pitchFamily="49" charset="0"/>
+                <a:cs typeface="Courier New" panose="02070309020205020404" pitchFamily="49" charset="0"/>
+              </a:rPr>
+              <a:t>np.random.randn</a:t>
+            </a:r>
+            <a:r>
+              <a:rPr lang="en-US" dirty="0">
+                <a:latin typeface="Courier New" panose="02070309020205020404" pitchFamily="49" charset="0"/>
+                <a:cs typeface="Courier New" panose="02070309020205020404" pitchFamily="49" charset="0"/>
+              </a:rPr>
+              <a:t>(</a:t>
+            </a:r>
+            <a:r>
+              <a:rPr lang="en-US" dirty="0" err="1">
+                <a:latin typeface="Courier New" panose="02070309020205020404" pitchFamily="49" charset="0"/>
+                <a:cs typeface="Courier New" panose="02070309020205020404" pitchFamily="49" charset="0"/>
+              </a:rPr>
+              <a:t>hidden_dim</a:t>
+            </a:r>
+            <a:r>
+              <a:rPr lang="en-US" dirty="0">
+                <a:latin typeface="Courier New" panose="02070309020205020404" pitchFamily="49" charset="0"/>
+                <a:cs typeface="Courier New" panose="02070309020205020404" pitchFamily="49" charset="0"/>
+              </a:rPr>
+              <a:t>, </a:t>
+            </a:r>
+            <a:r>
+              <a:rPr lang="en-US" dirty="0" err="1">
+                <a:latin typeface="Courier New" panose="02070309020205020404" pitchFamily="49" charset="0"/>
+                <a:cs typeface="Courier New" panose="02070309020205020404" pitchFamily="49" charset="0"/>
+              </a:rPr>
+              <a:t>hidden_dim</a:t>
+            </a:r>
+            <a:r>
+              <a:rPr lang="en-US" dirty="0">
+                <a:latin typeface="Courier New" panose="02070309020205020404" pitchFamily="49" charset="0"/>
+                <a:cs typeface="Courier New" panose="02070309020205020404" pitchFamily="49" charset="0"/>
+              </a:rPr>
+              <a:t>)</a:t>
+            </a:r>
+          </a:p>
+          <a:p>
+            <a:pPr marL="0" indent="0">
+              <a:buNone/>
+            </a:pPr>
+            <a:r>
+              <a:rPr lang="en-US" dirty="0" err="1">
+                <a:latin typeface="Courier New" panose="02070309020205020404" pitchFamily="49" charset="0"/>
+                <a:cs typeface="Courier New" panose="02070309020205020404" pitchFamily="49" charset="0"/>
+              </a:rPr>
+              <a:t>bh</a:t>
+            </a:r>
+            <a:r>
+              <a:rPr lang="en-US" dirty="0">
+                <a:latin typeface="Courier New" panose="02070309020205020404" pitchFamily="49" charset="0"/>
+                <a:cs typeface="Courier New" panose="02070309020205020404" pitchFamily="49" charset="0"/>
+              </a:rPr>
+              <a:t> = </a:t>
+            </a:r>
+            <a:r>
+              <a:rPr lang="en-US" dirty="0" err="1">
+                <a:latin typeface="Courier New" panose="02070309020205020404" pitchFamily="49" charset="0"/>
+                <a:cs typeface="Courier New" panose="02070309020205020404" pitchFamily="49" charset="0"/>
+              </a:rPr>
+              <a:t>np.zeros</a:t>
+            </a:r>
+            <a:r>
+              <a:rPr lang="en-US" dirty="0">
+                <a:latin typeface="Courier New" panose="02070309020205020404" pitchFamily="49" charset="0"/>
+                <a:cs typeface="Courier New" panose="02070309020205020404" pitchFamily="49" charset="0"/>
+              </a:rPr>
+              <a:t>((1, </a:t>
+            </a:r>
+            <a:r>
+              <a:rPr lang="en-US" dirty="0" err="1">
+                <a:latin typeface="Courier New" panose="02070309020205020404" pitchFamily="49" charset="0"/>
+                <a:cs typeface="Courier New" panose="02070309020205020404" pitchFamily="49" charset="0"/>
+              </a:rPr>
+              <a:t>hidden_dim</a:t>
+            </a:r>
+            <a:r>
+              <a:rPr lang="en-US" dirty="0">
+                <a:latin typeface="Courier New" panose="02070309020205020404" pitchFamily="49" charset="0"/>
+                <a:cs typeface="Courier New" panose="02070309020205020404" pitchFamily="49" charset="0"/>
+              </a:rPr>
+              <a:t>))</a:t>
+            </a:r>
+          </a:p>
+          <a:p>
+            <a:pPr marL="0" indent="0">
+              <a:buNone/>
+            </a:pPr>
+            <a:r>
+              <a:rPr lang="en-US" dirty="0">
+                <a:latin typeface="Courier New" panose="02070309020205020404" pitchFamily="49" charset="0"/>
+                <a:cs typeface="Courier New" panose="02070309020205020404" pitchFamily="49" charset="0"/>
+              </a:rPr>
+              <a:t>Why = </a:t>
+            </a:r>
+            <a:r>
+              <a:rPr lang="en-US" dirty="0" err="1">
+                <a:latin typeface="Courier New" panose="02070309020205020404" pitchFamily="49" charset="0"/>
+                <a:cs typeface="Courier New" panose="02070309020205020404" pitchFamily="49" charset="0"/>
+              </a:rPr>
+              <a:t>np.random.randn</a:t>
+            </a:r>
+            <a:r>
+              <a:rPr lang="en-US" dirty="0">
+                <a:latin typeface="Courier New" panose="02070309020205020404" pitchFamily="49" charset="0"/>
+                <a:cs typeface="Courier New" panose="02070309020205020404" pitchFamily="49" charset="0"/>
+              </a:rPr>
+              <a:t>(</a:t>
+            </a:r>
+            <a:r>
+              <a:rPr lang="en-US" dirty="0" err="1">
+                <a:latin typeface="Courier New" panose="02070309020205020404" pitchFamily="49" charset="0"/>
+                <a:cs typeface="Courier New" panose="02070309020205020404" pitchFamily="49" charset="0"/>
+              </a:rPr>
+              <a:t>hidden_dim</a:t>
+            </a:r>
+            <a:r>
+              <a:rPr lang="en-US" dirty="0">
+                <a:latin typeface="Courier New" panose="02070309020205020404" pitchFamily="49" charset="0"/>
+                <a:cs typeface="Courier New" panose="02070309020205020404" pitchFamily="49" charset="0"/>
+              </a:rPr>
+              <a:t>, </a:t>
+            </a:r>
+            <a:r>
+              <a:rPr lang="en-US" dirty="0" err="1">
+                <a:latin typeface="Courier New" panose="02070309020205020404" pitchFamily="49" charset="0"/>
+                <a:cs typeface="Courier New" panose="02070309020205020404" pitchFamily="49" charset="0"/>
+              </a:rPr>
+              <a:t>output_dim</a:t>
+            </a:r>
+            <a:r>
+              <a:rPr lang="en-US" dirty="0">
+                <a:latin typeface="Courier New" panose="02070309020205020404" pitchFamily="49" charset="0"/>
+                <a:cs typeface="Courier New" panose="02070309020205020404" pitchFamily="49" charset="0"/>
+              </a:rPr>
+              <a:t>)</a:t>
+            </a:r>
+          </a:p>
+          <a:p>
+            <a:pPr marL="0" indent="0">
+              <a:buNone/>
+            </a:pPr>
+            <a:r>
+              <a:rPr lang="en-US" dirty="0">
+                <a:latin typeface="Courier New" panose="02070309020205020404" pitchFamily="49" charset="0"/>
+                <a:cs typeface="Courier New" panose="02070309020205020404" pitchFamily="49" charset="0"/>
+              </a:rPr>
+              <a:t>by = </a:t>
+            </a:r>
+            <a:r>
+              <a:rPr lang="en-US" dirty="0" err="1">
+                <a:latin typeface="Courier New" panose="02070309020205020404" pitchFamily="49" charset="0"/>
+                <a:cs typeface="Courier New" panose="02070309020205020404" pitchFamily="49" charset="0"/>
+              </a:rPr>
+              <a:t>np.zeros</a:t>
+            </a:r>
+            <a:r>
+              <a:rPr lang="en-US" dirty="0">
+                <a:latin typeface="Courier New" panose="02070309020205020404" pitchFamily="49" charset="0"/>
+                <a:cs typeface="Courier New" panose="02070309020205020404" pitchFamily="49" charset="0"/>
+              </a:rPr>
+              <a:t>((1, </a:t>
+            </a:r>
+            <a:r>
+              <a:rPr lang="en-US" dirty="0" err="1">
+                <a:latin typeface="Courier New" panose="02070309020205020404" pitchFamily="49" charset="0"/>
+                <a:cs typeface="Courier New" panose="02070309020205020404" pitchFamily="49" charset="0"/>
+              </a:rPr>
+              <a:t>output_dim</a:t>
+            </a:r>
+            <a:r>
+              <a:rPr lang="en-US" dirty="0">
+                <a:latin typeface="Courier New" panose="02070309020205020404" pitchFamily="49" charset="0"/>
+                <a:cs typeface="Courier New" panose="02070309020205020404" pitchFamily="49" charset="0"/>
+              </a:rPr>
+              <a:t>))</a:t>
+            </a:r>
+          </a:p>
+          <a:p>
+            <a:pPr marL="0" indent="0">
+              <a:buNone/>
+            </a:pPr>
+            <a:endParaRPr lang="en-US" dirty="0">
+              <a:latin typeface="Courier New" panose="02070309020205020404" pitchFamily="49" charset="0"/>
+              <a:cs typeface="Courier New" panose="02070309020205020404" pitchFamily="49" charset="0"/>
+            </a:endParaRPr>
+          </a:p>
+          <a:p>
+            <a:pPr marL="0" indent="0">
+              <a:buNone/>
+            </a:pPr>
+            <a:r>
+              <a:rPr lang="en-US" dirty="0">
+                <a:latin typeface="Courier New" panose="02070309020205020404" pitchFamily="49" charset="0"/>
+                <a:cs typeface="Courier New" panose="02070309020205020404" pitchFamily="49" charset="0"/>
+              </a:rPr>
+              <a:t># forward pass</a:t>
+            </a:r>
+          </a:p>
+          <a:p>
+            <a:pPr marL="0" indent="0">
+              <a:buNone/>
+            </a:pPr>
+            <a:r>
+              <a:rPr lang="en-US" dirty="0" err="1">
+                <a:latin typeface="Courier New" panose="02070309020205020404" pitchFamily="49" charset="0"/>
+                <a:cs typeface="Courier New" panose="02070309020205020404" pitchFamily="49" charset="0"/>
+              </a:rPr>
+              <a:t>h_prev</a:t>
+            </a:r>
+            <a:r>
+              <a:rPr lang="en-US" dirty="0">
+                <a:latin typeface="Courier New" panose="02070309020205020404" pitchFamily="49" charset="0"/>
+                <a:cs typeface="Courier New" panose="02070309020205020404" pitchFamily="49" charset="0"/>
+              </a:rPr>
+              <a:t> = </a:t>
+            </a:r>
+            <a:r>
+              <a:rPr lang="en-US" dirty="0" err="1">
+                <a:latin typeface="Courier New" panose="02070309020205020404" pitchFamily="49" charset="0"/>
+                <a:cs typeface="Courier New" panose="02070309020205020404" pitchFamily="49" charset="0"/>
+              </a:rPr>
+              <a:t>np.zeros</a:t>
+            </a:r>
+            <a:r>
+              <a:rPr lang="en-US" dirty="0">
+                <a:latin typeface="Courier New" panose="02070309020205020404" pitchFamily="49" charset="0"/>
+                <a:cs typeface="Courier New" panose="02070309020205020404" pitchFamily="49" charset="0"/>
+              </a:rPr>
+              <a:t>((1, </a:t>
+            </a:r>
+            <a:r>
+              <a:rPr lang="en-US" dirty="0" err="1">
+                <a:latin typeface="Courier New" panose="02070309020205020404" pitchFamily="49" charset="0"/>
+                <a:cs typeface="Courier New" panose="02070309020205020404" pitchFamily="49" charset="0"/>
+              </a:rPr>
+              <a:t>hidden_dim</a:t>
+            </a:r>
+            <a:r>
+              <a:rPr lang="en-US" dirty="0">
+                <a:latin typeface="Courier New" panose="02070309020205020404" pitchFamily="49" charset="0"/>
+                <a:cs typeface="Courier New" panose="02070309020205020404" pitchFamily="49" charset="0"/>
+              </a:rPr>
+              <a:t>))</a:t>
+            </a:r>
+          </a:p>
+          <a:p>
+            <a:pPr marL="0" indent="0">
+              <a:buNone/>
+            </a:pPr>
+            <a:r>
+              <a:rPr lang="en-US" dirty="0" err="1">
+                <a:latin typeface="Courier New" panose="02070309020205020404" pitchFamily="49" charset="0"/>
+                <a:cs typeface="Courier New" panose="02070309020205020404" pitchFamily="49" charset="0"/>
+              </a:rPr>
+              <a:t>y_preds</a:t>
+            </a:r>
+            <a:r>
+              <a:rPr lang="en-US" dirty="0">
+                <a:latin typeface="Courier New" panose="02070309020205020404" pitchFamily="49" charset="0"/>
+                <a:cs typeface="Courier New" panose="02070309020205020404" pitchFamily="49" charset="0"/>
+              </a:rPr>
+              <a:t> = []</a:t>
+            </a:r>
+          </a:p>
+          <a:p>
+            <a:pPr marL="0" indent="0">
+              <a:buNone/>
+            </a:pPr>
+            <a:r>
+              <a:rPr lang="en-US" dirty="0">
+                <a:latin typeface="Courier New" panose="02070309020205020404" pitchFamily="49" charset="0"/>
+                <a:cs typeface="Courier New" panose="02070309020205020404" pitchFamily="49" charset="0"/>
+              </a:rPr>
+              <a:t>for t in range(T):</a:t>
+            </a:r>
+          </a:p>
+          <a:p>
+            <a:pPr marL="0" indent="0">
+              <a:buNone/>
+            </a:pPr>
+            <a:r>
+              <a:rPr lang="en-US" dirty="0">
+                <a:latin typeface="Courier New" panose="02070309020205020404" pitchFamily="49" charset="0"/>
+                <a:cs typeface="Courier New" panose="02070309020205020404" pitchFamily="49" charset="0"/>
+              </a:rPr>
+              <a:t>    </a:t>
+            </a:r>
+            <a:r>
+              <a:rPr lang="en-US" dirty="0" err="1">
+                <a:latin typeface="Courier New" panose="02070309020205020404" pitchFamily="49" charset="0"/>
+                <a:cs typeface="Courier New" panose="02070309020205020404" pitchFamily="49" charset="0"/>
+              </a:rPr>
+              <a:t>x_t</a:t>
+            </a:r>
+            <a:r>
+              <a:rPr lang="en-US" dirty="0">
+                <a:latin typeface="Courier New" panose="02070309020205020404" pitchFamily="49" charset="0"/>
+                <a:cs typeface="Courier New" panose="02070309020205020404" pitchFamily="49" charset="0"/>
+              </a:rPr>
+              <a:t> = X[t]  # shape (1, </a:t>
+            </a:r>
+            <a:r>
+              <a:rPr lang="en-US" dirty="0" err="1">
+                <a:latin typeface="Courier New" panose="02070309020205020404" pitchFamily="49" charset="0"/>
+                <a:cs typeface="Courier New" panose="02070309020205020404" pitchFamily="49" charset="0"/>
+              </a:rPr>
+              <a:t>input_dim</a:t>
+            </a:r>
+            <a:r>
+              <a:rPr lang="en-US" dirty="0">
+                <a:latin typeface="Courier New" panose="02070309020205020404" pitchFamily="49" charset="0"/>
+                <a:cs typeface="Courier New" panose="02070309020205020404" pitchFamily="49" charset="0"/>
+              </a:rPr>
+              <a:t>)</a:t>
+            </a:r>
+          </a:p>
+          <a:p>
+            <a:pPr marL="0" indent="0">
+              <a:buNone/>
+            </a:pPr>
+            <a:r>
+              <a:rPr lang="en-US" dirty="0">
+                <a:latin typeface="Courier New" panose="02070309020205020404" pitchFamily="49" charset="0"/>
+                <a:cs typeface="Courier New" panose="02070309020205020404" pitchFamily="49" charset="0"/>
+              </a:rPr>
+              <a:t>    </a:t>
+            </a:r>
+            <a:r>
+              <a:rPr lang="en-US" dirty="0" err="1">
+                <a:latin typeface="Courier New" panose="02070309020205020404" pitchFamily="49" charset="0"/>
+                <a:cs typeface="Courier New" panose="02070309020205020404" pitchFamily="49" charset="0"/>
+              </a:rPr>
+              <a:t>h_prev</a:t>
+            </a:r>
+            <a:r>
+              <a:rPr lang="en-US" dirty="0">
+                <a:latin typeface="Courier New" panose="02070309020205020404" pitchFamily="49" charset="0"/>
+                <a:cs typeface="Courier New" panose="02070309020205020404" pitchFamily="49" charset="0"/>
+              </a:rPr>
+              <a:t> = </a:t>
+            </a:r>
+            <a:r>
+              <a:rPr lang="en-US" dirty="0" err="1">
+                <a:latin typeface="Courier New" panose="02070309020205020404" pitchFamily="49" charset="0"/>
+                <a:cs typeface="Courier New" panose="02070309020205020404" pitchFamily="49" charset="0"/>
+              </a:rPr>
+              <a:t>np.tanh</a:t>
+            </a:r>
+            <a:r>
+              <a:rPr lang="en-US" dirty="0">
+                <a:latin typeface="Courier New" panose="02070309020205020404" pitchFamily="49" charset="0"/>
+                <a:cs typeface="Courier New" panose="02070309020205020404" pitchFamily="49" charset="0"/>
+              </a:rPr>
+              <a:t>(</a:t>
+            </a:r>
+            <a:r>
+              <a:rPr lang="en-US" dirty="0" err="1">
+                <a:latin typeface="Courier New" panose="02070309020205020404" pitchFamily="49" charset="0"/>
+                <a:cs typeface="Courier New" panose="02070309020205020404" pitchFamily="49" charset="0"/>
+              </a:rPr>
+              <a:t>x_t</a:t>
+            </a:r>
+            <a:r>
+              <a:rPr lang="en-US" dirty="0">
+                <a:latin typeface="Courier New" panose="02070309020205020404" pitchFamily="49" charset="0"/>
+                <a:cs typeface="Courier New" panose="02070309020205020404" pitchFamily="49" charset="0"/>
+              </a:rPr>
+              <a:t> @ </a:t>
+            </a:r>
+            <a:r>
+              <a:rPr lang="en-US" dirty="0" err="1">
+                <a:latin typeface="Courier New" panose="02070309020205020404" pitchFamily="49" charset="0"/>
+                <a:cs typeface="Courier New" panose="02070309020205020404" pitchFamily="49" charset="0"/>
+              </a:rPr>
+              <a:t>Wxh</a:t>
+            </a:r>
+            <a:r>
+              <a:rPr lang="en-US" dirty="0">
+                <a:latin typeface="Courier New" panose="02070309020205020404" pitchFamily="49" charset="0"/>
+                <a:cs typeface="Courier New" panose="02070309020205020404" pitchFamily="49" charset="0"/>
+              </a:rPr>
+              <a:t> + </a:t>
+            </a:r>
+            <a:r>
+              <a:rPr lang="en-US" dirty="0" err="1">
+                <a:latin typeface="Courier New" panose="02070309020205020404" pitchFamily="49" charset="0"/>
+                <a:cs typeface="Courier New" panose="02070309020205020404" pitchFamily="49" charset="0"/>
+              </a:rPr>
+              <a:t>h_prev</a:t>
+            </a:r>
+            <a:r>
+              <a:rPr lang="en-US" dirty="0">
+                <a:latin typeface="Courier New" panose="02070309020205020404" pitchFamily="49" charset="0"/>
+                <a:cs typeface="Courier New" panose="02070309020205020404" pitchFamily="49" charset="0"/>
+              </a:rPr>
+              <a:t> @ </a:t>
+            </a:r>
+            <a:r>
+              <a:rPr lang="en-US" dirty="0" err="1">
+                <a:latin typeface="Courier New" panose="02070309020205020404" pitchFamily="49" charset="0"/>
+                <a:cs typeface="Courier New" panose="02070309020205020404" pitchFamily="49" charset="0"/>
+              </a:rPr>
+              <a:t>Whh</a:t>
+            </a:r>
+            <a:r>
+              <a:rPr lang="en-US" dirty="0">
+                <a:latin typeface="Courier New" panose="02070309020205020404" pitchFamily="49" charset="0"/>
+                <a:cs typeface="Courier New" panose="02070309020205020404" pitchFamily="49" charset="0"/>
+              </a:rPr>
+              <a:t> + </a:t>
+            </a:r>
+            <a:r>
+              <a:rPr lang="en-US" dirty="0" err="1">
+                <a:latin typeface="Courier New" panose="02070309020205020404" pitchFamily="49" charset="0"/>
+                <a:cs typeface="Courier New" panose="02070309020205020404" pitchFamily="49" charset="0"/>
+              </a:rPr>
+              <a:t>bh</a:t>
+            </a:r>
+            <a:r>
+              <a:rPr lang="en-US" dirty="0">
+                <a:latin typeface="Courier New" panose="02070309020205020404" pitchFamily="49" charset="0"/>
+                <a:cs typeface="Courier New" panose="02070309020205020404" pitchFamily="49" charset="0"/>
+              </a:rPr>
+              <a:t>)</a:t>
+            </a:r>
+          </a:p>
+          <a:p>
+            <a:pPr marL="0" indent="0">
+              <a:buNone/>
+            </a:pPr>
+            <a:r>
+              <a:rPr lang="en-US" dirty="0">
+                <a:latin typeface="Courier New" panose="02070309020205020404" pitchFamily="49" charset="0"/>
+                <a:cs typeface="Courier New" panose="02070309020205020404" pitchFamily="49" charset="0"/>
+              </a:rPr>
+              <a:t>    </a:t>
+            </a:r>
+            <a:r>
+              <a:rPr lang="en-US" dirty="0" err="1">
+                <a:latin typeface="Courier New" panose="02070309020205020404" pitchFamily="49" charset="0"/>
+                <a:cs typeface="Courier New" panose="02070309020205020404" pitchFamily="49" charset="0"/>
+              </a:rPr>
+              <a:t>y_t</a:t>
+            </a:r>
+            <a:r>
+              <a:rPr lang="en-US" dirty="0">
+                <a:latin typeface="Courier New" panose="02070309020205020404" pitchFamily="49" charset="0"/>
+                <a:cs typeface="Courier New" panose="02070309020205020404" pitchFamily="49" charset="0"/>
+              </a:rPr>
+              <a:t> = </a:t>
+            </a:r>
+            <a:r>
+              <a:rPr lang="en-US" dirty="0" err="1">
+                <a:latin typeface="Courier New" panose="02070309020205020404" pitchFamily="49" charset="0"/>
+                <a:cs typeface="Courier New" panose="02070309020205020404" pitchFamily="49" charset="0"/>
+              </a:rPr>
+              <a:t>h_prev</a:t>
+            </a:r>
+            <a:r>
+              <a:rPr lang="en-US" dirty="0">
+                <a:latin typeface="Courier New" panose="02070309020205020404" pitchFamily="49" charset="0"/>
+                <a:cs typeface="Courier New" panose="02070309020205020404" pitchFamily="49" charset="0"/>
+              </a:rPr>
+              <a:t> @ Why + by</a:t>
+            </a:r>
+          </a:p>
+          <a:p>
+            <a:pPr marL="0" indent="0">
+              <a:buNone/>
+            </a:pPr>
+            <a:r>
+              <a:rPr lang="en-US" dirty="0">
+                <a:latin typeface="Courier New" panose="02070309020205020404" pitchFamily="49" charset="0"/>
+                <a:cs typeface="Courier New" panose="02070309020205020404" pitchFamily="49" charset="0"/>
+              </a:rPr>
+              <a:t>    </a:t>
+            </a:r>
+            <a:r>
+              <a:rPr lang="en-US" dirty="0" err="1">
+                <a:latin typeface="Courier New" panose="02070309020205020404" pitchFamily="49" charset="0"/>
+                <a:cs typeface="Courier New" panose="02070309020205020404" pitchFamily="49" charset="0"/>
+              </a:rPr>
+              <a:t>y_preds.append</a:t>
+            </a:r>
+            <a:r>
+              <a:rPr lang="en-US" dirty="0">
+                <a:latin typeface="Courier New" panose="02070309020205020404" pitchFamily="49" charset="0"/>
+                <a:cs typeface="Courier New" panose="02070309020205020404" pitchFamily="49" charset="0"/>
+              </a:rPr>
+              <a:t>(</a:t>
+            </a:r>
+            <a:r>
+              <a:rPr lang="en-US" dirty="0" err="1">
+                <a:latin typeface="Courier New" panose="02070309020205020404" pitchFamily="49" charset="0"/>
+                <a:cs typeface="Courier New" panose="02070309020205020404" pitchFamily="49" charset="0"/>
+              </a:rPr>
+              <a:t>y_t</a:t>
+            </a:r>
+            <a:r>
+              <a:rPr lang="en-US" dirty="0">
+                <a:latin typeface="Courier New" panose="02070309020205020404" pitchFamily="49" charset="0"/>
+                <a:cs typeface="Courier New" panose="02070309020205020404" pitchFamily="49" charset="0"/>
+              </a:rPr>
+              <a:t>)</a:t>
+            </a:r>
+          </a:p>
+          <a:p>
+            <a:pPr marL="0" indent="0">
+              <a:buNone/>
+            </a:pPr>
+            <a:endParaRPr lang="en-US" dirty="0"/>
+          </a:p>
+        </p:txBody>
+      </p:sp>
+    </p:spTree>
+    <p:extLst>
+      <p:ext uri="{BB962C8B-B14F-4D97-AF65-F5344CB8AC3E}">
+        <p14:creationId xmlns:p14="http://schemas.microsoft.com/office/powerpoint/2010/main" val="425278975"/>
       </p:ext>
     </p:extLst>
   </p:cSld>
@@ -14307,10 +14886,10 @@
       </p:grpSpPr>
       <p:sp>
         <p:nvSpPr>
-          <p:cNvPr id="2" name="Title 1">
+          <p:cNvPr id="6" name="Content Placeholder 5">
             <a:extLst>
               <a:ext uri="{FF2B5EF4-FFF2-40B4-BE49-F238E27FC236}">
-                <a16:creationId xmlns:a16="http://schemas.microsoft.com/office/drawing/2014/main" id="{76A52687-E8FB-F136-9B0C-AD8B4FF2C7B7}"/>
+                <a16:creationId xmlns:a16="http://schemas.microsoft.com/office/drawing/2014/main" id="{229DC323-B4E5-093F-6D5E-DEE2EBA55A03}"/>
               </a:ext>
             </a:extLst>
           </p:cNvPr>
@@ -14318,323 +14897,25 @@
             <a:spLocks noGrp="1"/>
           </p:cNvSpPr>
           <p:nvPr>
-            <p:ph type="title"/>
+            <p:ph idx="1"/>
           </p:nvPr>
         </p:nvSpPr>
         <p:spPr/>
         <p:txBody>
-          <a:bodyPr>
-            <a:normAutofit/>
-          </a:bodyPr>
+          <a:bodyPr/>
           <a:lstStyle/>
           <a:p>
             <a:r>
               <a:rPr lang="en-US" dirty="0"/>
-              <a:t>Forget Gate &amp; Cell Update</a:t>
+              <a:t>Long Short Term Memory Networks (LSTMs)</a:t>
             </a:r>
           </a:p>
         </p:txBody>
       </p:sp>
-      <mc:AlternateContent xmlns:mc="http://schemas.openxmlformats.org/markup-compatibility/2006" xmlns:a14="http://schemas.microsoft.com/office/drawing/2010/main">
-        <mc:Choice Requires="a14">
-          <p:sp>
-            <p:nvSpPr>
-              <p:cNvPr id="3" name="Content Placeholder 2">
-                <a:extLst>
-                  <a:ext uri="{FF2B5EF4-FFF2-40B4-BE49-F238E27FC236}">
-                    <a16:creationId xmlns:a16="http://schemas.microsoft.com/office/drawing/2014/main" id="{AF33BAEB-119A-4900-FAE3-FD92583C8B68}"/>
-                  </a:ext>
-                </a:extLst>
-              </p:cNvPr>
-              <p:cNvSpPr>
-                <a:spLocks noGrp="1"/>
-              </p:cNvSpPr>
-              <p:nvPr>
-                <p:ph idx="1"/>
-              </p:nvPr>
-            </p:nvSpPr>
-            <p:spPr/>
-            <p:txBody>
-              <a:bodyPr/>
-              <a:lstStyle/>
-              <a:p>
-                <a:r>
-                  <a:rPr lang="en-US" dirty="0"/>
-                  <a:t>Forget gate:</a:t>
-                </a:r>
-              </a:p>
-              <a:p>
-                <a:pPr marL="0" indent="0">
-                  <a:buNone/>
-                </a:pPr>
-                <a14:m>
-                  <m:oMathPara xmlns:m="http://schemas.openxmlformats.org/officeDocument/2006/math">
-                    <m:oMathParaPr>
-                      <m:jc m:val="centerGroup"/>
-                    </m:oMathParaPr>
-                    <m:oMath xmlns:m="http://schemas.openxmlformats.org/officeDocument/2006/math">
-                      <m:r>
-                        <a:rPr lang="en-US" i="1" dirty="0" smtClean="0">
-                          <a:latin typeface="Cambria Math" panose="02040503050406030204" pitchFamily="18" charset="0"/>
-                        </a:rPr>
-                        <m:t>𝐹</m:t>
-                      </m:r>
-                      <m:r>
-                        <a:rPr lang="en-US" i="1" dirty="0" smtClean="0">
-                          <a:latin typeface="Cambria Math" panose="02040503050406030204" pitchFamily="18" charset="0"/>
-                        </a:rPr>
-                        <m:t>ₜ = </m:t>
-                      </m:r>
-                      <m:r>
-                        <a:rPr lang="el-GR" i="1" dirty="0" smtClean="0">
-                          <a:latin typeface="Cambria Math" panose="02040503050406030204" pitchFamily="18" charset="0"/>
-                        </a:rPr>
-                        <m:t>𝜎</m:t>
-                      </m:r>
-                      <m:r>
-                        <a:rPr lang="el-GR" i="1" dirty="0" smtClean="0">
-                          <a:latin typeface="Cambria Math" panose="02040503050406030204" pitchFamily="18" charset="0"/>
-                        </a:rPr>
-                        <m:t>(</m:t>
-                      </m:r>
-                      <m:r>
-                        <a:rPr lang="en-US" i="1" dirty="0" smtClean="0">
-                          <a:latin typeface="Cambria Math" panose="02040503050406030204" pitchFamily="18" charset="0"/>
-                        </a:rPr>
-                        <m:t>𝑋</m:t>
-                      </m:r>
-                      <m:r>
-                        <a:rPr lang="en-US" i="1" dirty="0" smtClean="0">
-                          <a:latin typeface="Cambria Math" panose="02040503050406030204" pitchFamily="18" charset="0"/>
-                        </a:rPr>
-                        <m:t>ₜ </m:t>
-                      </m:r>
-                      <m:r>
-                        <a:rPr lang="en-US" i="1" dirty="0" err="1" smtClean="0">
-                          <a:latin typeface="Cambria Math" panose="02040503050406030204" pitchFamily="18" charset="0"/>
-                        </a:rPr>
-                        <m:t>𝑊</m:t>
-                      </m:r>
-                      <m:r>
-                        <a:rPr lang="en-US" i="1" dirty="0" err="1" smtClean="0">
-                          <a:latin typeface="Cambria Math" panose="02040503050406030204" pitchFamily="18" charset="0"/>
-                        </a:rPr>
-                        <m:t>ₓ</m:t>
-                      </m:r>
-                      <m:r>
-                        <a:rPr lang="en-US" i="1" dirty="0" err="1" smtClean="0">
-                          <a:latin typeface="Cambria Math" panose="02040503050406030204" pitchFamily="18" charset="0"/>
-                        </a:rPr>
-                        <m:t>𝑓</m:t>
-                      </m:r>
-                      <m:r>
-                        <a:rPr lang="en-US" i="1" dirty="0" smtClean="0">
-                          <a:latin typeface="Cambria Math" panose="02040503050406030204" pitchFamily="18" charset="0"/>
-                        </a:rPr>
-                        <m:t> + </m:t>
-                      </m:r>
-                      <m:r>
-                        <a:rPr lang="en-US" i="1" dirty="0" smtClean="0">
-                          <a:latin typeface="Cambria Math" panose="02040503050406030204" pitchFamily="18" charset="0"/>
-                        </a:rPr>
-                        <m:t>𝐻</m:t>
-                      </m:r>
-                      <m:r>
-                        <a:rPr lang="en-US" i="1" dirty="0" smtClean="0">
-                          <a:latin typeface="Cambria Math" panose="02040503050406030204" pitchFamily="18" charset="0"/>
-                        </a:rPr>
-                        <m:t>ₜ₋₁ </m:t>
-                      </m:r>
-                      <m:r>
-                        <a:rPr lang="en-US" i="1" dirty="0" err="1" smtClean="0">
-                          <a:latin typeface="Cambria Math" panose="02040503050406030204" pitchFamily="18" charset="0"/>
-                        </a:rPr>
-                        <m:t>𝑊</m:t>
-                      </m:r>
-                      <m:r>
-                        <a:rPr lang="en-US" i="1" dirty="0" err="1" smtClean="0">
-                          <a:latin typeface="Cambria Math" panose="02040503050406030204" pitchFamily="18" charset="0"/>
-                        </a:rPr>
-                        <m:t>ₕ</m:t>
-                      </m:r>
-                      <m:r>
-                        <a:rPr lang="en-US" i="1" dirty="0" err="1" smtClean="0">
-                          <a:latin typeface="Cambria Math" panose="02040503050406030204" pitchFamily="18" charset="0"/>
-                        </a:rPr>
-                        <m:t>𝑓</m:t>
-                      </m:r>
-                      <m:r>
-                        <a:rPr lang="en-US" i="1" dirty="0" smtClean="0">
-                          <a:latin typeface="Cambria Math" panose="02040503050406030204" pitchFamily="18" charset="0"/>
-                        </a:rPr>
-                        <m:t> + </m:t>
-                      </m:r>
-                      <m:r>
-                        <a:rPr lang="en-US" i="1" dirty="0" err="1" smtClean="0">
-                          <a:latin typeface="Cambria Math" panose="02040503050406030204" pitchFamily="18" charset="0"/>
-                        </a:rPr>
-                        <m:t>𝑏</m:t>
-                      </m:r>
-                      <m:r>
-                        <a:rPr lang="en-US" i="1" dirty="0" err="1" smtClean="0">
-                          <a:latin typeface="Cambria Math" panose="02040503050406030204" pitchFamily="18" charset="0"/>
-                        </a:rPr>
-                        <m:t>_</m:t>
-                      </m:r>
-                      <m:r>
-                        <a:rPr lang="en-US" i="1" dirty="0" err="1" smtClean="0">
-                          <a:latin typeface="Cambria Math" panose="02040503050406030204" pitchFamily="18" charset="0"/>
-                        </a:rPr>
-                        <m:t>𝑓</m:t>
-                      </m:r>
-                      <m:r>
-                        <a:rPr lang="en-US" i="1" dirty="0" smtClean="0">
-                          <a:latin typeface="Cambria Math" panose="02040503050406030204" pitchFamily="18" charset="0"/>
-                        </a:rPr>
-                        <m:t>)</m:t>
-                      </m:r>
-                    </m:oMath>
-                  </m:oMathPara>
-                </a14:m>
-                <a:endParaRPr lang="en-US" dirty="0"/>
-              </a:p>
-              <a:p>
-                <a:endParaRPr lang="en-US" dirty="0"/>
-              </a:p>
-              <a:p>
-                <a:r>
-                  <a:rPr lang="en-US" dirty="0"/>
-                  <a:t>Cell state update:</a:t>
-                </a:r>
-              </a:p>
-              <a:p>
-                <a:pPr marL="0" indent="0">
-                  <a:buNone/>
-                </a:pPr>
-                <a14:m>
-                  <m:oMathPara xmlns:m="http://schemas.openxmlformats.org/officeDocument/2006/math">
-                    <m:oMathParaPr>
-                      <m:jc m:val="centerGroup"/>
-                    </m:oMathParaPr>
-                    <m:oMath xmlns:m="http://schemas.openxmlformats.org/officeDocument/2006/math">
-                      <m:r>
-                        <a:rPr lang="en-US" i="1" dirty="0" smtClean="0">
-                          <a:latin typeface="Cambria Math" panose="02040503050406030204" pitchFamily="18" charset="0"/>
-                        </a:rPr>
-                        <m:t>𝐶</m:t>
-                      </m:r>
-                      <m:r>
-                        <a:rPr lang="en-US" i="1" dirty="0" smtClean="0">
-                          <a:latin typeface="Cambria Math" panose="02040503050406030204" pitchFamily="18" charset="0"/>
-                        </a:rPr>
-                        <m:t>ₜ = </m:t>
-                      </m:r>
-                      <m:r>
-                        <a:rPr lang="en-US" i="1" dirty="0" smtClean="0">
-                          <a:latin typeface="Cambria Math" panose="02040503050406030204" pitchFamily="18" charset="0"/>
-                        </a:rPr>
-                        <m:t>𝐹</m:t>
-                      </m:r>
-                      <m:r>
-                        <a:rPr lang="en-US" i="1" dirty="0" smtClean="0">
-                          <a:latin typeface="Cambria Math" panose="02040503050406030204" pitchFamily="18" charset="0"/>
-                        </a:rPr>
-                        <m:t>ₜ ⊙ </m:t>
-                      </m:r>
-                      <m:r>
-                        <a:rPr lang="en-US" i="1" dirty="0" smtClean="0">
-                          <a:latin typeface="Cambria Math" panose="02040503050406030204" pitchFamily="18" charset="0"/>
-                        </a:rPr>
-                        <m:t>𝐶</m:t>
-                      </m:r>
-                      <m:r>
-                        <a:rPr lang="en-US" i="1" dirty="0" smtClean="0">
-                          <a:latin typeface="Cambria Math" panose="02040503050406030204" pitchFamily="18" charset="0"/>
-                        </a:rPr>
-                        <m:t>ₜ₋₁ + </m:t>
-                      </m:r>
-                      <m:r>
-                        <a:rPr lang="en-US" i="1" dirty="0" smtClean="0">
-                          <a:latin typeface="Cambria Math" panose="02040503050406030204" pitchFamily="18" charset="0"/>
-                        </a:rPr>
-                        <m:t>𝐼</m:t>
-                      </m:r>
-                      <m:r>
-                        <a:rPr lang="en-US" i="1" dirty="0" smtClean="0">
-                          <a:latin typeface="Cambria Math" panose="02040503050406030204" pitchFamily="18" charset="0"/>
-                        </a:rPr>
-                        <m:t>ₜ ⊙  ̃</m:t>
-                      </m:r>
-                      <m:r>
-                        <a:rPr lang="en-US" i="1" dirty="0" smtClean="0">
-                          <a:latin typeface="Cambria Math" panose="02040503050406030204" pitchFamily="18" charset="0"/>
-                        </a:rPr>
-                        <m:t>𝐶</m:t>
-                      </m:r>
-                      <m:r>
-                        <a:rPr lang="en-US" i="1" dirty="0" smtClean="0">
-                          <a:latin typeface="Cambria Math" panose="02040503050406030204" pitchFamily="18" charset="0"/>
-                        </a:rPr>
-                        <m:t>ₜ</m:t>
-                      </m:r>
-                    </m:oMath>
-                  </m:oMathPara>
-                </a14:m>
-                <a:endParaRPr lang="en-US" dirty="0"/>
-              </a:p>
-              <a:p>
-                <a:endParaRPr lang="en-US" dirty="0"/>
-              </a:p>
-              <a:p>
-                <a:endParaRPr lang="en-US" dirty="0"/>
-              </a:p>
-            </p:txBody>
-          </p:sp>
-        </mc:Choice>
-        <mc:Fallback xmlns="">
-          <p:sp>
-            <p:nvSpPr>
-              <p:cNvPr id="3" name="Content Placeholder 2">
-                <a:extLst>
-                  <a:ext uri="{FF2B5EF4-FFF2-40B4-BE49-F238E27FC236}">
-                    <a16:creationId xmlns:a16="http://schemas.microsoft.com/office/drawing/2014/main" id="{AF33BAEB-119A-4900-FAE3-FD92583C8B68}"/>
-                  </a:ext>
-                </a:extLst>
-              </p:cNvPr>
-              <p:cNvSpPr>
-                <a:spLocks noGrp="1" noRot="1" noChangeAspect="1" noMove="1" noResize="1" noEditPoints="1" noAdjustHandles="1" noChangeArrowheads="1" noChangeShapeType="1" noTextEdit="1"/>
-              </p:cNvSpPr>
-              <p:nvPr>
-                <p:ph idx="1"/>
-              </p:nvPr>
-            </p:nvSpPr>
-            <p:spPr>
-              <a:blipFill>
-                <a:blip r:embed="rId2"/>
-                <a:stretch>
-                  <a:fillRect l="-1368" t="-2439"/>
-                </a:stretch>
-              </a:blipFill>
-            </p:spPr>
-            <p:txBody>
-              <a:bodyPr/>
-              <a:lstStyle/>
-              <a:p>
-                <a:r>
-                  <a:rPr lang="en-US">
-                    <a:noFill/>
-                  </a:rPr>
-                  <a:t> </a:t>
-                </a:r>
-              </a:p>
-            </p:txBody>
-          </p:sp>
-        </mc:Fallback>
-      </mc:AlternateContent>
     </p:spTree>
     <p:extLst>
       <p:ext uri="{BB962C8B-B14F-4D97-AF65-F5344CB8AC3E}">
-        <p14:creationId xmlns:p14="http://schemas.microsoft.com/office/powerpoint/2010/main" val="307830413"/>
+        <p14:creationId xmlns:p14="http://schemas.microsoft.com/office/powerpoint/2010/main" val="529027522"/>
       </p:ext>
     </p:extLst>
   </p:cSld>
